--- a/investigating_flight_delays_newark.pptx
+++ b/investigating_flight_delays_newark.pptx
@@ -5,15 +5,20 @@
     <p:sldMasterId id="2147483648" r:id="rId1"/>
     <p:sldMasterId id="2147483661" r:id="rId2"/>
   </p:sldMasterIdLst>
+  <p:notesMasterIdLst>
+    <p:notesMasterId r:id="rId11"/>
+  </p:notesMasterIdLst>
   <p:sldIdLst>
     <p:sldId id="256" r:id="rId3"/>
     <p:sldId id="257" r:id="rId4"/>
     <p:sldId id="260" r:id="rId5"/>
-    <p:sldId id="263" r:id="rId6"/>
-    <p:sldId id="259" r:id="rId7"/>
-    <p:sldId id="264" r:id="rId8"/>
+    <p:sldId id="269" r:id="rId6"/>
+    <p:sldId id="270" r:id="rId7"/>
+    <p:sldId id="265" r:id="rId8"/>
+    <p:sldId id="259" r:id="rId9"/>
+    <p:sldId id="271" r:id="rId10"/>
   </p:sldIdLst>
-  <p:sldSz cx="9144000" cy="6858000" type="screen4x3"/>
+  <p:sldSz cx="12192000" cy="6858000"/>
   <p:notesSz cx="6858000" cy="9144000"/>
   <p:defaultTextStyle>
     <a:defPPr>
@@ -113,12 +118,12 @@
   <p:extLst>
     <p:ext uri="{EFAFB233-063F-42B5-8137-9DF3F51BA10A}">
       <p15:sldGuideLst xmlns:p15="http://schemas.microsoft.com/office/powerpoint/2012/main">
-        <p15:guide id="1" orient="horz" pos="2160">
+        <p15:guide id="1" orient="horz" pos="2160" userDrawn="1">
           <p15:clr>
             <a:srgbClr val="A4A3A4"/>
           </p15:clr>
         </p15:guide>
-        <p15:guide id="2" pos="2880">
+        <p15:guide id="2" pos="3840" userDrawn="1">
           <p15:clr>
             <a:srgbClr val="A4A3A4"/>
           </p15:clr>
@@ -132,7 +137,7 @@
 <file path=ppt/revisionInfo.xml><?xml version="1.0" encoding="utf-8"?>
 <p1510:revInfo xmlns:a="http://schemas.openxmlformats.org/drawingml/2006/main" xmlns:r="http://schemas.openxmlformats.org/officeDocument/2006/relationships" xmlns:p1510="http://schemas.microsoft.com/office/powerpoint/2015/10/main">
   <p1510:revLst>
-    <p1510:client id="{3089DFEA-8D83-4ED0-89C8-568DF49BA8E7}" v="15" dt="2023-04-29T21:14:37.647"/>
+    <p1510:client id="{3089DFEA-8D83-4ED0-89C8-568DF49BA8E7}" v="38" dt="2023-04-30T21:28:07.657"/>
   </p1510:revLst>
 </p1510:revInfo>
 </file>
@@ -141,28 +146,36 @@
 <pc:chgInfo xmlns:a="http://schemas.openxmlformats.org/drawingml/2006/main" xmlns:r="http://schemas.openxmlformats.org/officeDocument/2006/relationships" xmlns:ac="http://schemas.microsoft.com/office/drawing/2013/main/command" xmlns:pc="http://schemas.microsoft.com/office/powerpoint/2013/main/command">
   <pc:docChgLst>
     <pc:chgData name="Karen Gibson" userId="c392f04a823fc96c" providerId="LiveId" clId="{3089DFEA-8D83-4ED0-89C8-568DF49BA8E7}"/>
-    <pc:docChg chg="undo custSel addSld delSld modSld sldOrd">
-      <pc:chgData name="Karen Gibson" userId="c392f04a823fc96c" providerId="LiveId" clId="{3089DFEA-8D83-4ED0-89C8-568DF49BA8E7}" dt="2023-04-29T21:16:04.297" v="2421" actId="2696"/>
+    <pc:docChg chg="undo custSel addSld delSld modSld sldOrd modMainMaster modNotesMaster">
+      <pc:chgData name="Karen Gibson" userId="c392f04a823fc96c" providerId="LiveId" clId="{3089DFEA-8D83-4ED0-89C8-568DF49BA8E7}" dt="2023-04-30T21:30:42.408" v="3283" actId="20577"/>
       <pc:docMkLst>
         <pc:docMk/>
       </pc:docMkLst>
       <pc:sldChg chg="modSp mod">
-        <pc:chgData name="Karen Gibson" userId="c392f04a823fc96c" providerId="LiveId" clId="{3089DFEA-8D83-4ED0-89C8-568DF49BA8E7}" dt="2023-04-28T10:00:55.733" v="1313" actId="20577"/>
+        <pc:chgData name="Karen Gibson" userId="c392f04a823fc96c" providerId="LiveId" clId="{3089DFEA-8D83-4ED0-89C8-568DF49BA8E7}" dt="2023-04-30T19:54:46.481" v="2511"/>
         <pc:sldMkLst>
           <pc:docMk/>
           <pc:sldMk cId="1941221791" sldId="256"/>
         </pc:sldMkLst>
         <pc:spChg chg="mod">
-          <ac:chgData name="Karen Gibson" userId="c392f04a823fc96c" providerId="LiveId" clId="{3089DFEA-8D83-4ED0-89C8-568DF49BA8E7}" dt="2023-04-28T10:00:55.733" v="1313" actId="20577"/>
+          <ac:chgData name="Karen Gibson" userId="c392f04a823fc96c" providerId="LiveId" clId="{3089DFEA-8D83-4ED0-89C8-568DF49BA8E7}" dt="2023-04-30T19:54:46.481" v="2511"/>
           <ac:spMkLst>
             <pc:docMk/>
             <pc:sldMk cId="1941221791" sldId="256"/>
             <ac:spMk id="4" creationId="{00000000-0000-0000-0000-000000000000}"/>
           </ac:spMkLst>
         </pc:spChg>
+        <pc:spChg chg="mod">
+          <ac:chgData name="Karen Gibson" userId="c392f04a823fc96c" providerId="LiveId" clId="{3089DFEA-8D83-4ED0-89C8-568DF49BA8E7}" dt="2023-04-30T19:54:46.481" v="2511"/>
+          <ac:spMkLst>
+            <pc:docMk/>
+            <pc:sldMk cId="1941221791" sldId="256"/>
+            <ac:spMk id="5" creationId="{00000000-0000-0000-0000-000000000000}"/>
+          </ac:spMkLst>
+        </pc:spChg>
       </pc:sldChg>
       <pc:sldChg chg="delSp modSp mod">
-        <pc:chgData name="Karen Gibson" userId="c392f04a823fc96c" providerId="LiveId" clId="{3089DFEA-8D83-4ED0-89C8-568DF49BA8E7}" dt="2023-04-28T10:06:35.102" v="1503" actId="20577"/>
+        <pc:chgData name="Karen Gibson" userId="c392f04a823fc96c" providerId="LiveId" clId="{3089DFEA-8D83-4ED0-89C8-568DF49BA8E7}" dt="2023-04-30T21:12:19.465" v="2639" actId="948"/>
         <pc:sldMkLst>
           <pc:docMk/>
           <pc:sldMk cId="891763176" sldId="257"/>
@@ -176,7 +189,7 @@
           </ac:spMkLst>
         </pc:spChg>
         <pc:spChg chg="mod">
-          <ac:chgData name="Karen Gibson" userId="c392f04a823fc96c" providerId="LiveId" clId="{3089DFEA-8D83-4ED0-89C8-568DF49BA8E7}" dt="2023-04-28T10:06:35.102" v="1503" actId="20577"/>
+          <ac:chgData name="Karen Gibson" userId="c392f04a823fc96c" providerId="LiveId" clId="{3089DFEA-8D83-4ED0-89C8-568DF49BA8E7}" dt="2023-04-30T21:12:19.465" v="2639" actId="948"/>
           <ac:spMkLst>
             <pc:docMk/>
             <pc:sldMk cId="891763176" sldId="257"/>
@@ -193,7 +206,7 @@
         </pc:spChg>
       </pc:sldChg>
       <pc:sldChg chg="addSp delSp modSp mod setBg">
-        <pc:chgData name="Karen Gibson" userId="c392f04a823fc96c" providerId="LiveId" clId="{3089DFEA-8D83-4ED0-89C8-568DF49BA8E7}" dt="2023-04-28T14:30:53.737" v="2100" actId="20577"/>
+        <pc:chgData name="Karen Gibson" userId="c392f04a823fc96c" providerId="LiveId" clId="{3089DFEA-8D83-4ED0-89C8-568DF49BA8E7}" dt="2023-04-30T19:54:46.481" v="2511"/>
         <pc:sldMkLst>
           <pc:docMk/>
           <pc:sldMk cId="3659674305" sldId="259"/>
@@ -295,7 +308,7 @@
           </ac:spMkLst>
         </pc:spChg>
         <pc:spChg chg="add mod">
-          <ac:chgData name="Karen Gibson" userId="c392f04a823fc96c" providerId="LiveId" clId="{3089DFEA-8D83-4ED0-89C8-568DF49BA8E7}" dt="2023-04-28T14:30:53.737" v="2100" actId="20577"/>
+          <ac:chgData name="Karen Gibson" userId="c392f04a823fc96c" providerId="LiveId" clId="{3089DFEA-8D83-4ED0-89C8-568DF49BA8E7}" dt="2023-04-30T19:54:46.481" v="2511"/>
           <ac:spMkLst>
             <pc:docMk/>
             <pc:sldMk cId="3659674305" sldId="259"/>
@@ -319,7 +332,7 @@
           </ac:picMkLst>
         </pc:picChg>
         <pc:picChg chg="add mod">
-          <ac:chgData name="Karen Gibson" userId="c392f04a823fc96c" providerId="LiveId" clId="{3089DFEA-8D83-4ED0-89C8-568DF49BA8E7}" dt="2023-04-28T13:09:59.356" v="2068" actId="1076"/>
+          <ac:chgData name="Karen Gibson" userId="c392f04a823fc96c" providerId="LiveId" clId="{3089DFEA-8D83-4ED0-89C8-568DF49BA8E7}" dt="2023-04-30T19:54:46.481" v="2511"/>
           <ac:picMkLst>
             <pc:docMk/>
             <pc:sldMk cId="3659674305" sldId="259"/>
@@ -328,7 +341,7 @@
         </pc:picChg>
       </pc:sldChg>
       <pc:sldChg chg="modSp add mod">
-        <pc:chgData name="Karen Gibson" userId="c392f04a823fc96c" providerId="LiveId" clId="{3089DFEA-8D83-4ED0-89C8-568DF49BA8E7}" dt="2023-04-28T15:20:06.578" v="2219" actId="20577"/>
+        <pc:chgData name="Karen Gibson" userId="c392f04a823fc96c" providerId="LiveId" clId="{3089DFEA-8D83-4ED0-89C8-568DF49BA8E7}" dt="2023-04-30T21:13:14.975" v="2644" actId="1076"/>
         <pc:sldMkLst>
           <pc:docMk/>
           <pc:sldMk cId="2576368514" sldId="260"/>
@@ -342,7 +355,7 @@
           </ac:spMkLst>
         </pc:spChg>
         <pc:spChg chg="mod">
-          <ac:chgData name="Karen Gibson" userId="c392f04a823fc96c" providerId="LiveId" clId="{3089DFEA-8D83-4ED0-89C8-568DF49BA8E7}" dt="2023-04-28T15:20:06.578" v="2219" actId="20577"/>
+          <ac:chgData name="Karen Gibson" userId="c392f04a823fc96c" providerId="LiveId" clId="{3089DFEA-8D83-4ED0-89C8-568DF49BA8E7}" dt="2023-04-30T21:13:14.975" v="2644" actId="1076"/>
           <ac:spMkLst>
             <pc:docMk/>
             <pc:sldMk cId="2576368514" sldId="260"/>
@@ -468,8 +481,8 @@
           </ac:picMkLst>
         </pc:picChg>
       </pc:sldChg>
-      <pc:sldChg chg="addSp delSp modSp add mod">
-        <pc:chgData name="Karen Gibson" userId="c392f04a823fc96c" providerId="LiveId" clId="{3089DFEA-8D83-4ED0-89C8-568DF49BA8E7}" dt="2023-04-29T21:00:27.780" v="2405" actId="20577"/>
+      <pc:sldChg chg="addSp delSp modSp add del mod modNotes">
+        <pc:chgData name="Karen Gibson" userId="c392f04a823fc96c" providerId="LiveId" clId="{3089DFEA-8D83-4ED0-89C8-568DF49BA8E7}" dt="2023-04-30T20:19:21.665" v="2555" actId="47"/>
         <pc:sldMkLst>
           <pc:docMk/>
           <pc:sldMk cId="2029593683" sldId="263"/>
@@ -483,7 +496,7 @@
           </ac:spMkLst>
         </pc:spChg>
         <pc:spChg chg="mod">
-          <ac:chgData name="Karen Gibson" userId="c392f04a823fc96c" providerId="LiveId" clId="{3089DFEA-8D83-4ED0-89C8-568DF49BA8E7}" dt="2023-04-29T21:00:27.780" v="2405" actId="20577"/>
+          <ac:chgData name="Karen Gibson" userId="c392f04a823fc96c" providerId="LiveId" clId="{3089DFEA-8D83-4ED0-89C8-568DF49BA8E7}" dt="2023-04-30T19:11:05.770" v="2470" actId="20577"/>
           <ac:spMkLst>
             <pc:docMk/>
             <pc:sldMk cId="2029593683" sldId="263"/>
@@ -499,11 +512,27 @@
           </ac:spMkLst>
         </pc:spChg>
         <pc:picChg chg="add del mod">
+          <ac:chgData name="Karen Gibson" userId="c392f04a823fc96c" providerId="LiveId" clId="{3089DFEA-8D83-4ED0-89C8-568DF49BA8E7}" dt="2023-04-30T19:09:52.960" v="2428" actId="478"/>
+          <ac:picMkLst>
+            <pc:docMk/>
+            <pc:sldMk cId="2029593683" sldId="263"/>
+            <ac:picMk id="3" creationId="{413A2F2D-14A9-AD8A-A4E4-CA0CCF4CFEA1}"/>
+          </ac:picMkLst>
+        </pc:picChg>
+        <pc:picChg chg="add del mod">
           <ac:chgData name="Karen Gibson" userId="c392f04a823fc96c" providerId="LiveId" clId="{3089DFEA-8D83-4ED0-89C8-568DF49BA8E7}" dt="2023-04-29T20:05:00.412" v="2285" actId="478"/>
           <ac:picMkLst>
             <pc:docMk/>
             <pc:sldMk cId="2029593683" sldId="263"/>
             <ac:picMk id="5" creationId="{3574B474-3923-9AAD-7EB7-FC7C85AC469F}"/>
+          </ac:picMkLst>
+        </pc:picChg>
+        <pc:picChg chg="add mod">
+          <ac:chgData name="Karen Gibson" userId="c392f04a823fc96c" providerId="LiveId" clId="{3089DFEA-8D83-4ED0-89C8-568DF49BA8E7}" dt="2023-04-30T19:59:54.443" v="2532" actId="1076"/>
+          <ac:picMkLst>
+            <pc:docMk/>
+            <pc:sldMk cId="2029593683" sldId="263"/>
+            <ac:picMk id="6" creationId="{8FE52233-5084-DFA5-28DE-DCEB5C5F4F21}"/>
           </ac:picMkLst>
         </pc:picChg>
         <pc:picChg chg="add del mod modCrop">
@@ -512,6 +541,22 @@
             <pc:docMk/>
             <pc:sldMk cId="2029593683" sldId="263"/>
             <ac:picMk id="8" creationId="{A884DF17-3A05-6F9A-3C95-B848C3F15C88}"/>
+          </ac:picMkLst>
+        </pc:picChg>
+        <pc:picChg chg="add del mod">
+          <ac:chgData name="Karen Gibson" userId="c392f04a823fc96c" providerId="LiveId" clId="{3089DFEA-8D83-4ED0-89C8-568DF49BA8E7}" dt="2023-04-30T19:46:18.940" v="2490" actId="478"/>
+          <ac:picMkLst>
+            <pc:docMk/>
+            <pc:sldMk cId="2029593683" sldId="263"/>
+            <ac:picMk id="8" creationId="{AEF440A5-A61E-34D5-8033-835957436A32}"/>
+          </ac:picMkLst>
+        </pc:picChg>
+        <pc:picChg chg="add del mod">
+          <ac:chgData name="Karen Gibson" userId="c392f04a823fc96c" providerId="LiveId" clId="{3089DFEA-8D83-4ED0-89C8-568DF49BA8E7}" dt="2023-04-30T19:47:40.754" v="2497" actId="21"/>
+          <ac:picMkLst>
+            <pc:docMk/>
+            <pc:sldMk cId="2029593683" sldId="263"/>
+            <ac:picMk id="10" creationId="{7E8F310D-74D4-8537-8F52-0B55CD9A5CB8}"/>
           </ac:picMkLst>
         </pc:picChg>
         <pc:picChg chg="add del mod modCrop">
@@ -538,8 +583,8 @@
             <ac:picMk id="14" creationId="{DE7B171E-79C8-0FD8-9526-4299871B76B6}"/>
           </ac:picMkLst>
         </pc:picChg>
-        <pc:picChg chg="add mod">
-          <ac:chgData name="Karen Gibson" userId="c392f04a823fc96c" providerId="LiveId" clId="{3089DFEA-8D83-4ED0-89C8-568DF49BA8E7}" dt="2023-04-29T20:29:16.398" v="2340" actId="1076"/>
+        <pc:picChg chg="add del mod">
+          <ac:chgData name="Karen Gibson" userId="c392f04a823fc96c" providerId="LiveId" clId="{3089DFEA-8D83-4ED0-89C8-568DF49BA8E7}" dt="2023-04-30T19:09:30.603" v="2423" actId="478"/>
           <ac:picMkLst>
             <pc:docMk/>
             <pc:sldMk cId="2029593683" sldId="263"/>
@@ -547,8 +592,8 @@
           </ac:picMkLst>
         </pc:picChg>
       </pc:sldChg>
-      <pc:sldChg chg="addSp delSp modSp add mod ord">
-        <pc:chgData name="Karen Gibson" userId="c392f04a823fc96c" providerId="LiveId" clId="{3089DFEA-8D83-4ED0-89C8-568DF49BA8E7}" dt="2023-04-29T21:14:56.465" v="2420"/>
+      <pc:sldChg chg="addSp delSp modSp add del mod ord">
+        <pc:chgData name="Karen Gibson" userId="c392f04a823fc96c" providerId="LiveId" clId="{3089DFEA-8D83-4ED0-89C8-568DF49BA8E7}" dt="2023-04-30T21:16:18.432" v="2646" actId="2696"/>
         <pc:sldMkLst>
           <pc:docMk/>
           <pc:sldMk cId="3482784889" sldId="264"/>
@@ -562,7 +607,7 @@
           </ac:spMkLst>
         </pc:spChg>
         <pc:picChg chg="add mod">
-          <ac:chgData name="Karen Gibson" userId="c392f04a823fc96c" providerId="LiveId" clId="{3089DFEA-8D83-4ED0-89C8-568DF49BA8E7}" dt="2023-04-29T21:14:43.755" v="2419" actId="1076"/>
+          <ac:chgData name="Karen Gibson" userId="c392f04a823fc96c" providerId="LiveId" clId="{3089DFEA-8D83-4ED0-89C8-568DF49BA8E7}" dt="2023-04-30T19:54:46.481" v="2511"/>
           <ac:picMkLst>
             <pc:docMk/>
             <pc:sldMk cId="3482784889" sldId="264"/>
@@ -578,9 +623,1152 @@
           </ac:picMkLst>
         </pc:picChg>
       </pc:sldChg>
+      <pc:sldChg chg="modSp add mod">
+        <pc:chgData name="Karen Gibson" userId="c392f04a823fc96c" providerId="LiveId" clId="{3089DFEA-8D83-4ED0-89C8-568DF49BA8E7}" dt="2023-04-30T21:30:42.408" v="3283" actId="20577"/>
+        <pc:sldMkLst>
+          <pc:docMk/>
+          <pc:sldMk cId="628037149" sldId="265"/>
+        </pc:sldMkLst>
+        <pc:spChg chg="mod">
+          <ac:chgData name="Karen Gibson" userId="c392f04a823fc96c" providerId="LiveId" clId="{3089DFEA-8D83-4ED0-89C8-568DF49BA8E7}" dt="2023-04-30T21:30:42.408" v="3283" actId="20577"/>
+          <ac:spMkLst>
+            <pc:docMk/>
+            <pc:sldMk cId="628037149" sldId="265"/>
+            <ac:spMk id="4" creationId="{00000000-0000-0000-0000-000000000000}"/>
+          </ac:spMkLst>
+        </pc:spChg>
+        <pc:picChg chg="mod">
+          <ac:chgData name="Karen Gibson" userId="c392f04a823fc96c" providerId="LiveId" clId="{3089DFEA-8D83-4ED0-89C8-568DF49BA8E7}" dt="2023-04-30T21:15:20.174" v="2645" actId="1076"/>
+          <ac:picMkLst>
+            <pc:docMk/>
+            <pc:sldMk cId="628037149" sldId="265"/>
+            <ac:picMk id="16" creationId="{AD78220D-AF12-3685-2407-FD69995861A9}"/>
+          </ac:picMkLst>
+        </pc:picChg>
+      </pc:sldChg>
+      <pc:sldChg chg="addSp delSp modSp add del mod modNotes">
+        <pc:chgData name="Karen Gibson" userId="c392f04a823fc96c" providerId="LiveId" clId="{3089DFEA-8D83-4ED0-89C8-568DF49BA8E7}" dt="2023-04-30T20:19:32.109" v="2557" actId="47"/>
+        <pc:sldMkLst>
+          <pc:docMk/>
+          <pc:sldMk cId="4080117412" sldId="266"/>
+        </pc:sldMkLst>
+        <pc:picChg chg="add del mod">
+          <ac:chgData name="Karen Gibson" userId="c392f04a823fc96c" providerId="LiveId" clId="{3089DFEA-8D83-4ED0-89C8-568DF49BA8E7}" dt="2023-04-30T19:50:59.277" v="2505" actId="478"/>
+          <ac:picMkLst>
+            <pc:docMk/>
+            <pc:sldMk cId="4080117412" sldId="266"/>
+            <ac:picMk id="2" creationId="{68D11100-2341-1DC3-BD94-5AD5EE5A8B28}"/>
+          </ac:picMkLst>
+        </pc:picChg>
+        <pc:picChg chg="add del mod">
+          <ac:chgData name="Karen Gibson" userId="c392f04a823fc96c" providerId="LiveId" clId="{3089DFEA-8D83-4ED0-89C8-568DF49BA8E7}" dt="2023-04-30T20:13:23.356" v="2534" actId="478"/>
+          <ac:picMkLst>
+            <pc:docMk/>
+            <pc:sldMk cId="4080117412" sldId="266"/>
+            <ac:picMk id="5" creationId="{F191D917-0BD5-AEA4-35DC-8E1C28DC7C00}"/>
+          </ac:picMkLst>
+        </pc:picChg>
+        <pc:picChg chg="del">
+          <ac:chgData name="Karen Gibson" userId="c392f04a823fc96c" providerId="LiveId" clId="{3089DFEA-8D83-4ED0-89C8-568DF49BA8E7}" dt="2023-04-30T19:47:46.762" v="2499" actId="478"/>
+          <ac:picMkLst>
+            <pc:docMk/>
+            <pc:sldMk cId="4080117412" sldId="266"/>
+            <ac:picMk id="6" creationId="{8FE52233-5084-DFA5-28DE-DCEB5C5F4F21}"/>
+          </ac:picMkLst>
+        </pc:picChg>
+        <pc:picChg chg="add mod">
+          <ac:chgData name="Karen Gibson" userId="c392f04a823fc96c" providerId="LiveId" clId="{3089DFEA-8D83-4ED0-89C8-568DF49BA8E7}" dt="2023-04-30T20:13:42.256" v="2539" actId="1076"/>
+          <ac:picMkLst>
+            <pc:docMk/>
+            <pc:sldMk cId="4080117412" sldId="266"/>
+            <ac:picMk id="8" creationId="{4E712E7E-2A34-DA0F-A920-96403C8930B2}"/>
+          </ac:picMkLst>
+        </pc:picChg>
+      </pc:sldChg>
+      <pc:sldChg chg="addSp delSp modSp add del mod">
+        <pc:chgData name="Karen Gibson" userId="c392f04a823fc96c" providerId="LiveId" clId="{3089DFEA-8D83-4ED0-89C8-568DF49BA8E7}" dt="2023-04-30T20:19:16.839" v="2554" actId="2696"/>
+        <pc:sldMkLst>
+          <pc:docMk/>
+          <pc:sldMk cId="3157436184" sldId="267"/>
+        </pc:sldMkLst>
+        <pc:picChg chg="add del mod">
+          <ac:chgData name="Karen Gibson" userId="c392f04a823fc96c" providerId="LiveId" clId="{3089DFEA-8D83-4ED0-89C8-568DF49BA8E7}" dt="2023-04-30T20:19:09.480" v="2553" actId="478"/>
+          <ac:picMkLst>
+            <pc:docMk/>
+            <pc:sldMk cId="3157436184" sldId="267"/>
+            <ac:picMk id="3" creationId="{0A6CABB9-1AD6-6F19-C620-2CBC8D278DB9}"/>
+          </ac:picMkLst>
+        </pc:picChg>
+        <pc:picChg chg="del">
+          <ac:chgData name="Karen Gibson" userId="c392f04a823fc96c" providerId="LiveId" clId="{3089DFEA-8D83-4ED0-89C8-568DF49BA8E7}" dt="2023-04-30T19:58:48.764" v="2517" actId="478"/>
+          <ac:picMkLst>
+            <pc:docMk/>
+            <pc:sldMk cId="3157436184" sldId="267"/>
+            <ac:picMk id="5" creationId="{F191D917-0BD5-AEA4-35DC-8E1C28DC7C00}"/>
+          </ac:picMkLst>
+        </pc:picChg>
+      </pc:sldChg>
+      <pc:sldChg chg="addSp delSp modSp add del mod">
+        <pc:chgData name="Karen Gibson" userId="c392f04a823fc96c" providerId="LiveId" clId="{3089DFEA-8D83-4ED0-89C8-568DF49BA8E7}" dt="2023-04-30T20:19:24.739" v="2556" actId="47"/>
+        <pc:sldMkLst>
+          <pc:docMk/>
+          <pc:sldMk cId="1193790194" sldId="268"/>
+        </pc:sldMkLst>
+        <pc:picChg chg="add mod">
+          <ac:chgData name="Karen Gibson" userId="c392f04a823fc96c" providerId="LiveId" clId="{3089DFEA-8D83-4ED0-89C8-568DF49BA8E7}" dt="2023-04-30T19:59:45.907" v="2531" actId="1076"/>
+          <ac:picMkLst>
+            <pc:docMk/>
+            <pc:sldMk cId="1193790194" sldId="268"/>
+            <ac:picMk id="3" creationId="{6CB947DE-3A46-A2B1-1464-EAAFA9FAB27C}"/>
+          </ac:picMkLst>
+        </pc:picChg>
+        <pc:picChg chg="del">
+          <ac:chgData name="Karen Gibson" userId="c392f04a823fc96c" providerId="LiveId" clId="{3089DFEA-8D83-4ED0-89C8-568DF49BA8E7}" dt="2023-04-30T19:59:25.907" v="2526" actId="478"/>
+          <ac:picMkLst>
+            <pc:docMk/>
+            <pc:sldMk cId="1193790194" sldId="268"/>
+            <ac:picMk id="6" creationId="{8FE52233-5084-DFA5-28DE-DCEB5C5F4F21}"/>
+          </ac:picMkLst>
+        </pc:picChg>
+      </pc:sldChg>
+      <pc:sldChg chg="addSp delSp modSp add mod">
+        <pc:chgData name="Karen Gibson" userId="c392f04a823fc96c" providerId="LiveId" clId="{3089DFEA-8D83-4ED0-89C8-568DF49BA8E7}" dt="2023-04-30T21:30:27.526" v="3263" actId="20577"/>
+        <pc:sldMkLst>
+          <pc:docMk/>
+          <pc:sldMk cId="3919918713" sldId="269"/>
+        </pc:sldMkLst>
+        <pc:spChg chg="add mod">
+          <ac:chgData name="Karen Gibson" userId="c392f04a823fc96c" providerId="LiveId" clId="{3089DFEA-8D83-4ED0-89C8-568DF49BA8E7}" dt="2023-04-30T21:29:37.535" v="3253" actId="20577"/>
+          <ac:spMkLst>
+            <pc:docMk/>
+            <pc:sldMk cId="3919918713" sldId="269"/>
+            <ac:spMk id="2" creationId="{860469D3-0ED0-1628-EC83-48BD5125765A}"/>
+          </ac:spMkLst>
+        </pc:spChg>
+        <pc:spChg chg="mod">
+          <ac:chgData name="Karen Gibson" userId="c392f04a823fc96c" providerId="LiveId" clId="{3089DFEA-8D83-4ED0-89C8-568DF49BA8E7}" dt="2023-04-30T21:30:27.526" v="3263" actId="20577"/>
+          <ac:spMkLst>
+            <pc:docMk/>
+            <pc:sldMk cId="3919918713" sldId="269"/>
+            <ac:spMk id="4" creationId="{00000000-0000-0000-0000-000000000000}"/>
+          </ac:spMkLst>
+        </pc:spChg>
+        <pc:picChg chg="add del mod">
+          <ac:chgData name="Karen Gibson" userId="c392f04a823fc96c" providerId="LiveId" clId="{3089DFEA-8D83-4ED0-89C8-568DF49BA8E7}" dt="2023-04-30T20:17:52.825" v="2546" actId="478"/>
+          <ac:picMkLst>
+            <pc:docMk/>
+            <pc:sldMk cId="3919918713" sldId="269"/>
+            <ac:picMk id="3" creationId="{36AB02E8-1148-0DA4-F239-940F4D59E2B4}"/>
+          </ac:picMkLst>
+        </pc:picChg>
+        <pc:picChg chg="add mod">
+          <ac:chgData name="Karen Gibson" userId="c392f04a823fc96c" providerId="LiveId" clId="{3089DFEA-8D83-4ED0-89C8-568DF49BA8E7}" dt="2023-04-30T20:18:27.455" v="2552" actId="1076"/>
+          <ac:picMkLst>
+            <pc:docMk/>
+            <pc:sldMk cId="3919918713" sldId="269"/>
+            <ac:picMk id="6" creationId="{1907718F-F1C0-6DDB-F36B-CF9E52748814}"/>
+          </ac:picMkLst>
+        </pc:picChg>
+        <pc:picChg chg="del">
+          <ac:chgData name="Karen Gibson" userId="c392f04a823fc96c" providerId="LiveId" clId="{3089DFEA-8D83-4ED0-89C8-568DF49BA8E7}" dt="2023-04-30T20:17:35.835" v="2541" actId="478"/>
+          <ac:picMkLst>
+            <pc:docMk/>
+            <pc:sldMk cId="3919918713" sldId="269"/>
+            <ac:picMk id="8" creationId="{4E712E7E-2A34-DA0F-A920-96403C8930B2}"/>
+          </ac:picMkLst>
+        </pc:picChg>
+      </pc:sldChg>
+      <pc:sldChg chg="addSp delSp modSp add mod">
+        <pc:chgData name="Karen Gibson" userId="c392f04a823fc96c" providerId="LiveId" clId="{3089DFEA-8D83-4ED0-89C8-568DF49BA8E7}" dt="2023-04-30T21:30:33.371" v="3273" actId="20577"/>
+        <pc:sldMkLst>
+          <pc:docMk/>
+          <pc:sldMk cId="1387276238" sldId="270"/>
+        </pc:sldMkLst>
+        <pc:spChg chg="add mod">
+          <ac:chgData name="Karen Gibson" userId="c392f04a823fc96c" providerId="LiveId" clId="{3089DFEA-8D83-4ED0-89C8-568DF49BA8E7}" dt="2023-04-30T21:26:43.521" v="3095" actId="20577"/>
+          <ac:spMkLst>
+            <pc:docMk/>
+            <pc:sldMk cId="1387276238" sldId="270"/>
+            <ac:spMk id="2" creationId="{4BCCE3F5-7F43-2D27-857C-C5D13AABD032}"/>
+          </ac:spMkLst>
+        </pc:spChg>
+        <pc:spChg chg="mod">
+          <ac:chgData name="Karen Gibson" userId="c392f04a823fc96c" providerId="LiveId" clId="{3089DFEA-8D83-4ED0-89C8-568DF49BA8E7}" dt="2023-04-30T21:30:33.371" v="3273" actId="20577"/>
+          <ac:spMkLst>
+            <pc:docMk/>
+            <pc:sldMk cId="1387276238" sldId="270"/>
+            <ac:spMk id="4" creationId="{00000000-0000-0000-0000-000000000000}"/>
+          </ac:spMkLst>
+        </pc:spChg>
+        <pc:picChg chg="add del mod">
+          <ac:chgData name="Karen Gibson" userId="c392f04a823fc96c" providerId="LiveId" clId="{3089DFEA-8D83-4ED0-89C8-568DF49BA8E7}" dt="2023-04-30T20:33:56.410" v="2565" actId="478"/>
+          <ac:picMkLst>
+            <pc:docMk/>
+            <pc:sldMk cId="1387276238" sldId="270"/>
+            <ac:picMk id="3" creationId="{B18B3596-A044-5D1B-A3F0-A66A6268DA7A}"/>
+          </ac:picMkLst>
+        </pc:picChg>
+        <pc:picChg chg="del">
+          <ac:chgData name="Karen Gibson" userId="c392f04a823fc96c" providerId="LiveId" clId="{3089DFEA-8D83-4ED0-89C8-568DF49BA8E7}" dt="2023-04-30T20:32:55.354" v="2559" actId="478"/>
+          <ac:picMkLst>
+            <pc:docMk/>
+            <pc:sldMk cId="1387276238" sldId="270"/>
+            <ac:picMk id="6" creationId="{1907718F-F1C0-6DDB-F36B-CF9E52748814}"/>
+          </ac:picMkLst>
+        </pc:picChg>
+        <pc:picChg chg="add del mod">
+          <ac:chgData name="Karen Gibson" userId="c392f04a823fc96c" providerId="LiveId" clId="{3089DFEA-8D83-4ED0-89C8-568DF49BA8E7}" dt="2023-04-30T20:34:45.275" v="2572" actId="478"/>
+          <ac:picMkLst>
+            <pc:docMk/>
+            <pc:sldMk cId="1387276238" sldId="270"/>
+            <ac:picMk id="7" creationId="{8FEB6718-6F1D-3D30-0B47-D7562969EE17}"/>
+          </ac:picMkLst>
+        </pc:picChg>
+        <pc:picChg chg="add del mod">
+          <ac:chgData name="Karen Gibson" userId="c392f04a823fc96c" providerId="LiveId" clId="{3089DFEA-8D83-4ED0-89C8-568DF49BA8E7}" dt="2023-04-30T20:41:26.672" v="2578" actId="478"/>
+          <ac:picMkLst>
+            <pc:docMk/>
+            <pc:sldMk cId="1387276238" sldId="270"/>
+            <ac:picMk id="9" creationId="{7FF21C98-46AB-3AB1-0732-65C53DDF9310}"/>
+          </ac:picMkLst>
+        </pc:picChg>
+        <pc:picChg chg="add mod">
+          <ac:chgData name="Karen Gibson" userId="c392f04a823fc96c" providerId="LiveId" clId="{3089DFEA-8D83-4ED0-89C8-568DF49BA8E7}" dt="2023-04-30T20:41:47.790" v="2583" actId="1076"/>
+          <ac:picMkLst>
+            <pc:docMk/>
+            <pc:sldMk cId="1387276238" sldId="270"/>
+            <ac:picMk id="11" creationId="{A5D0CEEC-2F4F-7AA7-1353-21E83ABC0736}"/>
+          </ac:picMkLst>
+        </pc:picChg>
+      </pc:sldChg>
+      <pc:sldChg chg="addSp delSp modSp add mod">
+        <pc:chgData name="Karen Gibson" userId="c392f04a823fc96c" providerId="LiveId" clId="{3089DFEA-8D83-4ED0-89C8-568DF49BA8E7}" dt="2023-04-30T21:02:39.150" v="2618" actId="1076"/>
+        <pc:sldMkLst>
+          <pc:docMk/>
+          <pc:sldMk cId="772041981" sldId="271"/>
+        </pc:sldMkLst>
+        <pc:picChg chg="del">
+          <ac:chgData name="Karen Gibson" userId="c392f04a823fc96c" providerId="LiveId" clId="{3089DFEA-8D83-4ED0-89C8-568DF49BA8E7}" dt="2023-04-30T20:44:34.775" v="2585" actId="478"/>
+          <ac:picMkLst>
+            <pc:docMk/>
+            <pc:sldMk cId="772041981" sldId="271"/>
+            <ac:picMk id="2" creationId="{14950B57-99DA-4558-5F6A-A420AB7A08EB}"/>
+          </ac:picMkLst>
+        </pc:picChg>
+        <pc:picChg chg="add mod">
+          <ac:chgData name="Karen Gibson" userId="c392f04a823fc96c" providerId="LiveId" clId="{3089DFEA-8D83-4ED0-89C8-568DF49BA8E7}" dt="2023-04-30T20:44:55.756" v="2591" actId="14100"/>
+          <ac:picMkLst>
+            <pc:docMk/>
+            <pc:sldMk cId="772041981" sldId="271"/>
+            <ac:picMk id="5" creationId="{5A0C072C-E8F2-B0DD-35B3-51A230962A27}"/>
+          </ac:picMkLst>
+        </pc:picChg>
+        <pc:picChg chg="add del mod">
+          <ac:chgData name="Karen Gibson" userId="c392f04a823fc96c" providerId="LiveId" clId="{3089DFEA-8D83-4ED0-89C8-568DF49BA8E7}" dt="2023-04-30T20:57:12.299" v="2598" actId="478"/>
+          <ac:picMkLst>
+            <pc:docMk/>
+            <pc:sldMk cId="772041981" sldId="271"/>
+            <ac:picMk id="7" creationId="{A307612D-A61E-BD16-82A8-DB3106CD8364}"/>
+          </ac:picMkLst>
+        </pc:picChg>
+        <pc:picChg chg="add del mod">
+          <ac:chgData name="Karen Gibson" userId="c392f04a823fc96c" providerId="LiveId" clId="{3089DFEA-8D83-4ED0-89C8-568DF49BA8E7}" dt="2023-04-30T21:00:14.117" v="2605" actId="478"/>
+          <ac:picMkLst>
+            <pc:docMk/>
+            <pc:sldMk cId="772041981" sldId="271"/>
+            <ac:picMk id="9" creationId="{EE8D5272-6A7B-57DA-7ED5-35BE9F0E696D}"/>
+          </ac:picMkLst>
+        </pc:picChg>
+        <pc:picChg chg="add del mod">
+          <ac:chgData name="Karen Gibson" userId="c392f04a823fc96c" providerId="LiveId" clId="{3089DFEA-8D83-4ED0-89C8-568DF49BA8E7}" dt="2023-04-30T21:02:24.023" v="2613" actId="478"/>
+          <ac:picMkLst>
+            <pc:docMk/>
+            <pc:sldMk cId="772041981" sldId="271"/>
+            <ac:picMk id="11" creationId="{82EFD640-B8C7-99EB-3DC5-114752104F1B}"/>
+          </ac:picMkLst>
+        </pc:picChg>
+        <pc:picChg chg="add mod">
+          <ac:chgData name="Karen Gibson" userId="c392f04a823fc96c" providerId="LiveId" clId="{3089DFEA-8D83-4ED0-89C8-568DF49BA8E7}" dt="2023-04-30T21:02:39.150" v="2618" actId="1076"/>
+          <ac:picMkLst>
+            <pc:docMk/>
+            <pc:sldMk cId="772041981" sldId="271"/>
+            <ac:picMk id="13" creationId="{2C2059FD-9550-79F3-32C9-4E0AAC353FD6}"/>
+          </ac:picMkLst>
+        </pc:picChg>
+      </pc:sldChg>
+      <pc:sldMasterChg chg="modSldLayout">
+        <pc:chgData name="Karen Gibson" userId="c392f04a823fc96c" providerId="LiveId" clId="{3089DFEA-8D83-4ED0-89C8-568DF49BA8E7}" dt="2023-04-30T19:54:46.481" v="2511"/>
+        <pc:sldMasterMkLst>
+          <pc:docMk/>
+          <pc:sldMasterMk cId="437338208" sldId="2147483648"/>
+        </pc:sldMasterMkLst>
+        <pc:sldLayoutChg chg="modSp">
+          <pc:chgData name="Karen Gibson" userId="c392f04a823fc96c" providerId="LiveId" clId="{3089DFEA-8D83-4ED0-89C8-568DF49BA8E7}" dt="2023-04-30T19:54:46.481" v="2511"/>
+          <pc:sldLayoutMkLst>
+            <pc:docMk/>
+            <pc:sldMasterMk cId="437338208" sldId="2147483648"/>
+            <pc:sldLayoutMk cId="3694015714" sldId="2147483650"/>
+          </pc:sldLayoutMkLst>
+          <pc:spChg chg="mod">
+            <ac:chgData name="Karen Gibson" userId="c392f04a823fc96c" providerId="LiveId" clId="{3089DFEA-8D83-4ED0-89C8-568DF49BA8E7}" dt="2023-04-30T19:54:46.481" v="2511"/>
+            <ac:spMkLst>
+              <pc:docMk/>
+              <pc:sldMasterMk cId="437338208" sldId="2147483648"/>
+              <pc:sldLayoutMk cId="3694015714" sldId="2147483650"/>
+              <ac:spMk id="2" creationId="{00000000-0000-0000-0000-000000000000}"/>
+            </ac:spMkLst>
+          </pc:spChg>
+          <pc:spChg chg="mod">
+            <ac:chgData name="Karen Gibson" userId="c392f04a823fc96c" providerId="LiveId" clId="{3089DFEA-8D83-4ED0-89C8-568DF49BA8E7}" dt="2023-04-30T19:54:46.481" v="2511"/>
+            <ac:spMkLst>
+              <pc:docMk/>
+              <pc:sldMasterMk cId="437338208" sldId="2147483648"/>
+              <pc:sldLayoutMk cId="3694015714" sldId="2147483650"/>
+              <ac:spMk id="3" creationId="{00000000-0000-0000-0000-000000000000}"/>
+            </ac:spMkLst>
+          </pc:spChg>
+          <pc:spChg chg="mod">
+            <ac:chgData name="Karen Gibson" userId="c392f04a823fc96c" providerId="LiveId" clId="{3089DFEA-8D83-4ED0-89C8-568DF49BA8E7}" dt="2023-04-30T19:54:46.481" v="2511"/>
+            <ac:spMkLst>
+              <pc:docMk/>
+              <pc:sldMasterMk cId="437338208" sldId="2147483648"/>
+              <pc:sldLayoutMk cId="3694015714" sldId="2147483650"/>
+              <ac:spMk id="4" creationId="{00000000-0000-0000-0000-000000000000}"/>
+            </ac:spMkLst>
+          </pc:spChg>
+        </pc:sldLayoutChg>
+        <pc:sldLayoutChg chg="modSp">
+          <pc:chgData name="Karen Gibson" userId="c392f04a823fc96c" providerId="LiveId" clId="{3089DFEA-8D83-4ED0-89C8-568DF49BA8E7}" dt="2023-04-30T19:54:46.481" v="2511"/>
+          <pc:sldLayoutMkLst>
+            <pc:docMk/>
+            <pc:sldMasterMk cId="437338208" sldId="2147483648"/>
+            <pc:sldLayoutMk cId="2326818522" sldId="2147483660"/>
+          </pc:sldLayoutMkLst>
+          <pc:spChg chg="mod">
+            <ac:chgData name="Karen Gibson" userId="c392f04a823fc96c" providerId="LiveId" clId="{3089DFEA-8D83-4ED0-89C8-568DF49BA8E7}" dt="2023-04-30T19:54:46.481" v="2511"/>
+            <ac:spMkLst>
+              <pc:docMk/>
+              <pc:sldMasterMk cId="437338208" sldId="2147483648"/>
+              <pc:sldLayoutMk cId="2326818522" sldId="2147483660"/>
+              <ac:spMk id="2" creationId="{00000000-0000-0000-0000-000000000000}"/>
+            </ac:spMkLst>
+          </pc:spChg>
+          <pc:spChg chg="mod">
+            <ac:chgData name="Karen Gibson" userId="c392f04a823fc96c" providerId="LiveId" clId="{3089DFEA-8D83-4ED0-89C8-568DF49BA8E7}" dt="2023-04-30T19:54:46.481" v="2511"/>
+            <ac:spMkLst>
+              <pc:docMk/>
+              <pc:sldMasterMk cId="437338208" sldId="2147483648"/>
+              <pc:sldLayoutMk cId="2326818522" sldId="2147483660"/>
+              <ac:spMk id="4" creationId="{00000000-0000-0000-0000-000000000000}"/>
+            </ac:spMkLst>
+          </pc:spChg>
+          <pc:spChg chg="mod">
+            <ac:chgData name="Karen Gibson" userId="c392f04a823fc96c" providerId="LiveId" clId="{3089DFEA-8D83-4ED0-89C8-568DF49BA8E7}" dt="2023-04-30T19:54:46.481" v="2511"/>
+            <ac:spMkLst>
+              <pc:docMk/>
+              <pc:sldMasterMk cId="437338208" sldId="2147483648"/>
+              <pc:sldLayoutMk cId="2326818522" sldId="2147483660"/>
+              <ac:spMk id="5" creationId="{00000000-0000-0000-0000-000000000000}"/>
+            </ac:spMkLst>
+          </pc:spChg>
+        </pc:sldLayoutChg>
+      </pc:sldMasterChg>
+      <pc:sldMasterChg chg="modSp modSldLayout">
+        <pc:chgData name="Karen Gibson" userId="c392f04a823fc96c" providerId="LiveId" clId="{3089DFEA-8D83-4ED0-89C8-568DF49BA8E7}" dt="2023-04-30T19:54:46.481" v="2511"/>
+        <pc:sldMasterMkLst>
+          <pc:docMk/>
+          <pc:sldMasterMk cId="3286357357" sldId="2147483661"/>
+        </pc:sldMasterMkLst>
+        <pc:spChg chg="mod">
+          <ac:chgData name="Karen Gibson" userId="c392f04a823fc96c" providerId="LiveId" clId="{3089DFEA-8D83-4ED0-89C8-568DF49BA8E7}" dt="2023-04-30T19:54:46.481" v="2511"/>
+          <ac:spMkLst>
+            <pc:docMk/>
+            <pc:sldMasterMk cId="3286357357" sldId="2147483661"/>
+            <ac:spMk id="2" creationId="{00000000-0000-0000-0000-000000000000}"/>
+          </ac:spMkLst>
+        </pc:spChg>
+        <pc:spChg chg="mod">
+          <ac:chgData name="Karen Gibson" userId="c392f04a823fc96c" providerId="LiveId" clId="{3089DFEA-8D83-4ED0-89C8-568DF49BA8E7}" dt="2023-04-30T19:54:46.481" v="2511"/>
+          <ac:spMkLst>
+            <pc:docMk/>
+            <pc:sldMasterMk cId="3286357357" sldId="2147483661"/>
+            <ac:spMk id="3" creationId="{00000000-0000-0000-0000-000000000000}"/>
+          </ac:spMkLst>
+        </pc:spChg>
+        <pc:spChg chg="mod">
+          <ac:chgData name="Karen Gibson" userId="c392f04a823fc96c" providerId="LiveId" clId="{3089DFEA-8D83-4ED0-89C8-568DF49BA8E7}" dt="2023-04-30T19:54:46.481" v="2511"/>
+          <ac:spMkLst>
+            <pc:docMk/>
+            <pc:sldMasterMk cId="3286357357" sldId="2147483661"/>
+            <ac:spMk id="4" creationId="{00000000-0000-0000-0000-000000000000}"/>
+          </ac:spMkLst>
+        </pc:spChg>
+        <pc:spChg chg="mod">
+          <ac:chgData name="Karen Gibson" userId="c392f04a823fc96c" providerId="LiveId" clId="{3089DFEA-8D83-4ED0-89C8-568DF49BA8E7}" dt="2023-04-30T19:54:46.481" v="2511"/>
+          <ac:spMkLst>
+            <pc:docMk/>
+            <pc:sldMasterMk cId="3286357357" sldId="2147483661"/>
+            <ac:spMk id="5" creationId="{00000000-0000-0000-0000-000000000000}"/>
+          </ac:spMkLst>
+        </pc:spChg>
+        <pc:spChg chg="mod">
+          <ac:chgData name="Karen Gibson" userId="c392f04a823fc96c" providerId="LiveId" clId="{3089DFEA-8D83-4ED0-89C8-568DF49BA8E7}" dt="2023-04-30T19:54:46.481" v="2511"/>
+          <ac:spMkLst>
+            <pc:docMk/>
+            <pc:sldMasterMk cId="3286357357" sldId="2147483661"/>
+            <ac:spMk id="6" creationId="{00000000-0000-0000-0000-000000000000}"/>
+          </ac:spMkLst>
+        </pc:spChg>
+        <pc:sldLayoutChg chg="modSp">
+          <pc:chgData name="Karen Gibson" userId="c392f04a823fc96c" providerId="LiveId" clId="{3089DFEA-8D83-4ED0-89C8-568DF49BA8E7}" dt="2023-04-30T19:54:46.481" v="2511"/>
+          <pc:sldLayoutMkLst>
+            <pc:docMk/>
+            <pc:sldMasterMk cId="3286357357" sldId="2147483661"/>
+            <pc:sldLayoutMk cId="1656086933" sldId="2147483662"/>
+          </pc:sldLayoutMkLst>
+          <pc:spChg chg="mod">
+            <ac:chgData name="Karen Gibson" userId="c392f04a823fc96c" providerId="LiveId" clId="{3089DFEA-8D83-4ED0-89C8-568DF49BA8E7}" dt="2023-04-30T19:54:46.481" v="2511"/>
+            <ac:spMkLst>
+              <pc:docMk/>
+              <pc:sldMasterMk cId="3286357357" sldId="2147483661"/>
+              <pc:sldLayoutMk cId="1656086933" sldId="2147483662"/>
+              <ac:spMk id="2" creationId="{00000000-0000-0000-0000-000000000000}"/>
+            </ac:spMkLst>
+          </pc:spChg>
+          <pc:spChg chg="mod">
+            <ac:chgData name="Karen Gibson" userId="c392f04a823fc96c" providerId="LiveId" clId="{3089DFEA-8D83-4ED0-89C8-568DF49BA8E7}" dt="2023-04-30T19:54:46.481" v="2511"/>
+            <ac:spMkLst>
+              <pc:docMk/>
+              <pc:sldMasterMk cId="3286357357" sldId="2147483661"/>
+              <pc:sldLayoutMk cId="1656086933" sldId="2147483662"/>
+              <ac:spMk id="3" creationId="{00000000-0000-0000-0000-000000000000}"/>
+            </ac:spMkLst>
+          </pc:spChg>
+        </pc:sldLayoutChg>
+        <pc:sldLayoutChg chg="modSp">
+          <pc:chgData name="Karen Gibson" userId="c392f04a823fc96c" providerId="LiveId" clId="{3089DFEA-8D83-4ED0-89C8-568DF49BA8E7}" dt="2023-04-30T19:54:46.481" v="2511"/>
+          <pc:sldLayoutMkLst>
+            <pc:docMk/>
+            <pc:sldMasterMk cId="3286357357" sldId="2147483661"/>
+            <pc:sldLayoutMk cId="3277933221" sldId="2147483664"/>
+          </pc:sldLayoutMkLst>
+          <pc:spChg chg="mod">
+            <ac:chgData name="Karen Gibson" userId="c392f04a823fc96c" providerId="LiveId" clId="{3089DFEA-8D83-4ED0-89C8-568DF49BA8E7}" dt="2023-04-30T19:54:46.481" v="2511"/>
+            <ac:spMkLst>
+              <pc:docMk/>
+              <pc:sldMasterMk cId="3286357357" sldId="2147483661"/>
+              <pc:sldLayoutMk cId="3277933221" sldId="2147483664"/>
+              <ac:spMk id="2" creationId="{00000000-0000-0000-0000-000000000000}"/>
+            </ac:spMkLst>
+          </pc:spChg>
+          <pc:spChg chg="mod">
+            <ac:chgData name="Karen Gibson" userId="c392f04a823fc96c" providerId="LiveId" clId="{3089DFEA-8D83-4ED0-89C8-568DF49BA8E7}" dt="2023-04-30T19:54:46.481" v="2511"/>
+            <ac:spMkLst>
+              <pc:docMk/>
+              <pc:sldMasterMk cId="3286357357" sldId="2147483661"/>
+              <pc:sldLayoutMk cId="3277933221" sldId="2147483664"/>
+              <ac:spMk id="3" creationId="{00000000-0000-0000-0000-000000000000}"/>
+            </ac:spMkLst>
+          </pc:spChg>
+        </pc:sldLayoutChg>
+        <pc:sldLayoutChg chg="modSp">
+          <pc:chgData name="Karen Gibson" userId="c392f04a823fc96c" providerId="LiveId" clId="{3089DFEA-8D83-4ED0-89C8-568DF49BA8E7}" dt="2023-04-30T19:54:46.481" v="2511"/>
+          <pc:sldLayoutMkLst>
+            <pc:docMk/>
+            <pc:sldMasterMk cId="3286357357" sldId="2147483661"/>
+            <pc:sldLayoutMk cId="778790462" sldId="2147483665"/>
+          </pc:sldLayoutMkLst>
+          <pc:spChg chg="mod">
+            <ac:chgData name="Karen Gibson" userId="c392f04a823fc96c" providerId="LiveId" clId="{3089DFEA-8D83-4ED0-89C8-568DF49BA8E7}" dt="2023-04-30T19:54:46.481" v="2511"/>
+            <ac:spMkLst>
+              <pc:docMk/>
+              <pc:sldMasterMk cId="3286357357" sldId="2147483661"/>
+              <pc:sldLayoutMk cId="778790462" sldId="2147483665"/>
+              <ac:spMk id="3" creationId="{00000000-0000-0000-0000-000000000000}"/>
+            </ac:spMkLst>
+          </pc:spChg>
+          <pc:spChg chg="mod">
+            <ac:chgData name="Karen Gibson" userId="c392f04a823fc96c" providerId="LiveId" clId="{3089DFEA-8D83-4ED0-89C8-568DF49BA8E7}" dt="2023-04-30T19:54:46.481" v="2511"/>
+            <ac:spMkLst>
+              <pc:docMk/>
+              <pc:sldMasterMk cId="3286357357" sldId="2147483661"/>
+              <pc:sldLayoutMk cId="778790462" sldId="2147483665"/>
+              <ac:spMk id="4" creationId="{00000000-0000-0000-0000-000000000000}"/>
+            </ac:spMkLst>
+          </pc:spChg>
+        </pc:sldLayoutChg>
+        <pc:sldLayoutChg chg="modSp">
+          <pc:chgData name="Karen Gibson" userId="c392f04a823fc96c" providerId="LiveId" clId="{3089DFEA-8D83-4ED0-89C8-568DF49BA8E7}" dt="2023-04-30T19:54:46.481" v="2511"/>
+          <pc:sldLayoutMkLst>
+            <pc:docMk/>
+            <pc:sldMasterMk cId="3286357357" sldId="2147483661"/>
+            <pc:sldLayoutMk cId="2919811487" sldId="2147483666"/>
+          </pc:sldLayoutMkLst>
+          <pc:spChg chg="mod">
+            <ac:chgData name="Karen Gibson" userId="c392f04a823fc96c" providerId="LiveId" clId="{3089DFEA-8D83-4ED0-89C8-568DF49BA8E7}" dt="2023-04-30T19:54:46.481" v="2511"/>
+            <ac:spMkLst>
+              <pc:docMk/>
+              <pc:sldMasterMk cId="3286357357" sldId="2147483661"/>
+              <pc:sldLayoutMk cId="2919811487" sldId="2147483666"/>
+              <ac:spMk id="3" creationId="{00000000-0000-0000-0000-000000000000}"/>
+            </ac:spMkLst>
+          </pc:spChg>
+          <pc:spChg chg="mod">
+            <ac:chgData name="Karen Gibson" userId="c392f04a823fc96c" providerId="LiveId" clId="{3089DFEA-8D83-4ED0-89C8-568DF49BA8E7}" dt="2023-04-30T19:54:46.481" v="2511"/>
+            <ac:spMkLst>
+              <pc:docMk/>
+              <pc:sldMasterMk cId="3286357357" sldId="2147483661"/>
+              <pc:sldLayoutMk cId="2919811487" sldId="2147483666"/>
+              <ac:spMk id="4" creationId="{00000000-0000-0000-0000-000000000000}"/>
+            </ac:spMkLst>
+          </pc:spChg>
+          <pc:spChg chg="mod">
+            <ac:chgData name="Karen Gibson" userId="c392f04a823fc96c" providerId="LiveId" clId="{3089DFEA-8D83-4ED0-89C8-568DF49BA8E7}" dt="2023-04-30T19:54:46.481" v="2511"/>
+            <ac:spMkLst>
+              <pc:docMk/>
+              <pc:sldMasterMk cId="3286357357" sldId="2147483661"/>
+              <pc:sldLayoutMk cId="2919811487" sldId="2147483666"/>
+              <ac:spMk id="5" creationId="{00000000-0000-0000-0000-000000000000}"/>
+            </ac:spMkLst>
+          </pc:spChg>
+          <pc:spChg chg="mod">
+            <ac:chgData name="Karen Gibson" userId="c392f04a823fc96c" providerId="LiveId" clId="{3089DFEA-8D83-4ED0-89C8-568DF49BA8E7}" dt="2023-04-30T19:54:46.481" v="2511"/>
+            <ac:spMkLst>
+              <pc:docMk/>
+              <pc:sldMasterMk cId="3286357357" sldId="2147483661"/>
+              <pc:sldLayoutMk cId="2919811487" sldId="2147483666"/>
+              <ac:spMk id="6" creationId="{00000000-0000-0000-0000-000000000000}"/>
+            </ac:spMkLst>
+          </pc:spChg>
+        </pc:sldLayoutChg>
+        <pc:sldLayoutChg chg="modSp">
+          <pc:chgData name="Karen Gibson" userId="c392f04a823fc96c" providerId="LiveId" clId="{3089DFEA-8D83-4ED0-89C8-568DF49BA8E7}" dt="2023-04-30T19:54:46.481" v="2511"/>
+          <pc:sldLayoutMkLst>
+            <pc:docMk/>
+            <pc:sldMasterMk cId="3286357357" sldId="2147483661"/>
+            <pc:sldLayoutMk cId="129688427" sldId="2147483669"/>
+          </pc:sldLayoutMkLst>
+          <pc:spChg chg="mod">
+            <ac:chgData name="Karen Gibson" userId="c392f04a823fc96c" providerId="LiveId" clId="{3089DFEA-8D83-4ED0-89C8-568DF49BA8E7}" dt="2023-04-30T19:54:46.481" v="2511"/>
+            <ac:spMkLst>
+              <pc:docMk/>
+              <pc:sldMasterMk cId="3286357357" sldId="2147483661"/>
+              <pc:sldLayoutMk cId="129688427" sldId="2147483669"/>
+              <ac:spMk id="2" creationId="{00000000-0000-0000-0000-000000000000}"/>
+            </ac:spMkLst>
+          </pc:spChg>
+          <pc:spChg chg="mod">
+            <ac:chgData name="Karen Gibson" userId="c392f04a823fc96c" providerId="LiveId" clId="{3089DFEA-8D83-4ED0-89C8-568DF49BA8E7}" dt="2023-04-30T19:54:46.481" v="2511"/>
+            <ac:spMkLst>
+              <pc:docMk/>
+              <pc:sldMasterMk cId="3286357357" sldId="2147483661"/>
+              <pc:sldLayoutMk cId="129688427" sldId="2147483669"/>
+              <ac:spMk id="3" creationId="{00000000-0000-0000-0000-000000000000}"/>
+            </ac:spMkLst>
+          </pc:spChg>
+          <pc:spChg chg="mod">
+            <ac:chgData name="Karen Gibson" userId="c392f04a823fc96c" providerId="LiveId" clId="{3089DFEA-8D83-4ED0-89C8-568DF49BA8E7}" dt="2023-04-30T19:54:46.481" v="2511"/>
+            <ac:spMkLst>
+              <pc:docMk/>
+              <pc:sldMasterMk cId="3286357357" sldId="2147483661"/>
+              <pc:sldLayoutMk cId="129688427" sldId="2147483669"/>
+              <ac:spMk id="4" creationId="{00000000-0000-0000-0000-000000000000}"/>
+            </ac:spMkLst>
+          </pc:spChg>
+        </pc:sldLayoutChg>
+        <pc:sldLayoutChg chg="modSp">
+          <pc:chgData name="Karen Gibson" userId="c392f04a823fc96c" providerId="LiveId" clId="{3089DFEA-8D83-4ED0-89C8-568DF49BA8E7}" dt="2023-04-30T19:54:46.481" v="2511"/>
+          <pc:sldLayoutMkLst>
+            <pc:docMk/>
+            <pc:sldMasterMk cId="3286357357" sldId="2147483661"/>
+            <pc:sldLayoutMk cId="2987035001" sldId="2147483670"/>
+          </pc:sldLayoutMkLst>
+          <pc:spChg chg="mod">
+            <ac:chgData name="Karen Gibson" userId="c392f04a823fc96c" providerId="LiveId" clId="{3089DFEA-8D83-4ED0-89C8-568DF49BA8E7}" dt="2023-04-30T19:54:46.481" v="2511"/>
+            <ac:spMkLst>
+              <pc:docMk/>
+              <pc:sldMasterMk cId="3286357357" sldId="2147483661"/>
+              <pc:sldLayoutMk cId="2987035001" sldId="2147483670"/>
+              <ac:spMk id="2" creationId="{00000000-0000-0000-0000-000000000000}"/>
+            </ac:spMkLst>
+          </pc:spChg>
+          <pc:spChg chg="mod">
+            <ac:chgData name="Karen Gibson" userId="c392f04a823fc96c" providerId="LiveId" clId="{3089DFEA-8D83-4ED0-89C8-568DF49BA8E7}" dt="2023-04-30T19:54:46.481" v="2511"/>
+            <ac:spMkLst>
+              <pc:docMk/>
+              <pc:sldMasterMk cId="3286357357" sldId="2147483661"/>
+              <pc:sldLayoutMk cId="2987035001" sldId="2147483670"/>
+              <ac:spMk id="3" creationId="{00000000-0000-0000-0000-000000000000}"/>
+            </ac:spMkLst>
+          </pc:spChg>
+          <pc:spChg chg="mod">
+            <ac:chgData name="Karen Gibson" userId="c392f04a823fc96c" providerId="LiveId" clId="{3089DFEA-8D83-4ED0-89C8-568DF49BA8E7}" dt="2023-04-30T19:54:46.481" v="2511"/>
+            <ac:spMkLst>
+              <pc:docMk/>
+              <pc:sldMasterMk cId="3286357357" sldId="2147483661"/>
+              <pc:sldLayoutMk cId="2987035001" sldId="2147483670"/>
+              <ac:spMk id="4" creationId="{00000000-0000-0000-0000-000000000000}"/>
+            </ac:spMkLst>
+          </pc:spChg>
+        </pc:sldLayoutChg>
+        <pc:sldLayoutChg chg="modSp">
+          <pc:chgData name="Karen Gibson" userId="c392f04a823fc96c" providerId="LiveId" clId="{3089DFEA-8D83-4ED0-89C8-568DF49BA8E7}" dt="2023-04-30T19:54:46.481" v="2511"/>
+          <pc:sldLayoutMkLst>
+            <pc:docMk/>
+            <pc:sldMasterMk cId="3286357357" sldId="2147483661"/>
+            <pc:sldLayoutMk cId="3962857223" sldId="2147483672"/>
+          </pc:sldLayoutMkLst>
+          <pc:spChg chg="mod">
+            <ac:chgData name="Karen Gibson" userId="c392f04a823fc96c" providerId="LiveId" clId="{3089DFEA-8D83-4ED0-89C8-568DF49BA8E7}" dt="2023-04-30T19:54:46.481" v="2511"/>
+            <ac:spMkLst>
+              <pc:docMk/>
+              <pc:sldMasterMk cId="3286357357" sldId="2147483661"/>
+              <pc:sldLayoutMk cId="3962857223" sldId="2147483672"/>
+              <ac:spMk id="2" creationId="{00000000-0000-0000-0000-000000000000}"/>
+            </ac:spMkLst>
+          </pc:spChg>
+          <pc:spChg chg="mod">
+            <ac:chgData name="Karen Gibson" userId="c392f04a823fc96c" providerId="LiveId" clId="{3089DFEA-8D83-4ED0-89C8-568DF49BA8E7}" dt="2023-04-30T19:54:46.481" v="2511"/>
+            <ac:spMkLst>
+              <pc:docMk/>
+              <pc:sldMasterMk cId="3286357357" sldId="2147483661"/>
+              <pc:sldLayoutMk cId="3962857223" sldId="2147483672"/>
+              <ac:spMk id="3" creationId="{00000000-0000-0000-0000-000000000000}"/>
+            </ac:spMkLst>
+          </pc:spChg>
+        </pc:sldLayoutChg>
+      </pc:sldMasterChg>
     </pc:docChg>
   </pc:docChgLst>
 </pc:chgInfo>
+</file>
+
+<file path=ppt/notesMasters/notesMaster1.xml><?xml version="1.0" encoding="utf-8"?>
+<p:notesMaster xmlns:a="http://schemas.openxmlformats.org/drawingml/2006/main" xmlns:r="http://schemas.openxmlformats.org/officeDocument/2006/relationships" xmlns:p="http://schemas.openxmlformats.org/presentationml/2006/main">
+  <p:cSld>
+    <p:bg>
+      <p:bgRef idx="1001">
+        <a:schemeClr val="bg1"/>
+      </p:bgRef>
+    </p:bg>
+    <p:spTree>
+      <p:nvGrpSpPr>
+        <p:cNvPr id="1" name=""/>
+        <p:cNvGrpSpPr/>
+        <p:nvPr/>
+      </p:nvGrpSpPr>
+      <p:grpSpPr>
+        <a:xfrm>
+          <a:off x="0" y="0"/>
+          <a:ext cx="0" cy="0"/>
+          <a:chOff x="0" y="0"/>
+          <a:chExt cx="0" cy="0"/>
+        </a:xfrm>
+      </p:grpSpPr>
+      <p:sp>
+        <p:nvSpPr>
+          <p:cNvPr id="2" name="Header Placeholder 1"/>
+          <p:cNvSpPr>
+            <a:spLocks noGrp="1"/>
+          </p:cNvSpPr>
+          <p:nvPr>
+            <p:ph type="hdr" sz="quarter"/>
+          </p:nvPr>
+        </p:nvSpPr>
+        <p:spPr>
+          <a:xfrm>
+            <a:off x="0" y="0"/>
+            <a:ext cx="2971800" cy="458788"/>
+          </a:xfrm>
+          <a:prstGeom prst="rect">
+            <a:avLst/>
+          </a:prstGeom>
+        </p:spPr>
+        <p:txBody>
+          <a:bodyPr vert="horz" lIns="91440" tIns="45720" rIns="91440" bIns="45720" rtlCol="0"/>
+          <a:lstStyle>
+            <a:lvl1pPr algn="l">
+              <a:defRPr sz="1200"/>
+            </a:lvl1pPr>
+          </a:lstStyle>
+          <a:p>
+            <a:endParaRPr lang="en-GB" dirty="0"/>
+          </a:p>
+        </p:txBody>
+      </p:sp>
+      <p:sp>
+        <p:nvSpPr>
+          <p:cNvPr id="3" name="Date Placeholder 2"/>
+          <p:cNvSpPr>
+            <a:spLocks noGrp="1"/>
+          </p:cNvSpPr>
+          <p:nvPr>
+            <p:ph type="dt" idx="1"/>
+          </p:nvPr>
+        </p:nvSpPr>
+        <p:spPr>
+          <a:xfrm>
+            <a:off x="3884613" y="0"/>
+            <a:ext cx="2971800" cy="458788"/>
+          </a:xfrm>
+          <a:prstGeom prst="rect">
+            <a:avLst/>
+          </a:prstGeom>
+        </p:spPr>
+        <p:txBody>
+          <a:bodyPr vert="horz" lIns="91440" tIns="45720" rIns="91440" bIns="45720" rtlCol="0"/>
+          <a:lstStyle>
+            <a:lvl1pPr algn="r">
+              <a:defRPr sz="1200"/>
+            </a:lvl1pPr>
+          </a:lstStyle>
+          <a:p>
+            <a:fld id="{63D0F5A2-37CF-4D26-A5A2-C3B5E9D6E23D}" type="datetimeFigureOut">
+              <a:rPr lang="en-GB" smtClean="0"/>
+              <a:t>30/04/2023</a:t>
+            </a:fld>
+            <a:endParaRPr lang="en-GB" dirty="0"/>
+          </a:p>
+        </p:txBody>
+      </p:sp>
+      <p:sp>
+        <p:nvSpPr>
+          <p:cNvPr id="4" name="Slide Image Placeholder 3"/>
+          <p:cNvSpPr>
+            <a:spLocks noGrp="1" noRot="1" noChangeAspect="1"/>
+          </p:cNvSpPr>
+          <p:nvPr>
+            <p:ph type="sldImg" idx="2"/>
+          </p:nvPr>
+        </p:nvSpPr>
+        <p:spPr>
+          <a:xfrm>
+            <a:off x="685800" y="1143000"/>
+            <a:ext cx="5486400" cy="3086100"/>
+          </a:xfrm>
+          <a:prstGeom prst="rect">
+            <a:avLst/>
+          </a:prstGeom>
+          <a:noFill/>
+          <a:ln w="12700">
+            <a:solidFill>
+              <a:prstClr val="black"/>
+            </a:solidFill>
+          </a:ln>
+        </p:spPr>
+        <p:txBody>
+          <a:bodyPr vert="horz" lIns="91440" tIns="45720" rIns="91440" bIns="45720" rtlCol="0" anchor="ctr"/>
+          <a:lstStyle/>
+          <a:p>
+            <a:endParaRPr lang="en-GB" dirty="0"/>
+          </a:p>
+        </p:txBody>
+      </p:sp>
+      <p:sp>
+        <p:nvSpPr>
+          <p:cNvPr id="5" name="Notes Placeholder 4"/>
+          <p:cNvSpPr>
+            <a:spLocks noGrp="1"/>
+          </p:cNvSpPr>
+          <p:nvPr>
+            <p:ph type="body" sz="quarter" idx="3"/>
+          </p:nvPr>
+        </p:nvSpPr>
+        <p:spPr>
+          <a:xfrm>
+            <a:off x="685800" y="4400550"/>
+            <a:ext cx="5486400" cy="3600450"/>
+          </a:xfrm>
+          <a:prstGeom prst="rect">
+            <a:avLst/>
+          </a:prstGeom>
+        </p:spPr>
+        <p:txBody>
+          <a:bodyPr vert="horz" lIns="91440" tIns="45720" rIns="91440" bIns="45720" rtlCol="0"/>
+          <a:lstStyle/>
+          <a:p>
+            <a:pPr lvl="0"/>
+            <a:r>
+              <a:rPr lang="en-US"/>
+              <a:t>Click to edit Master text styles</a:t>
+            </a:r>
+          </a:p>
+          <a:p>
+            <a:pPr lvl="1"/>
+            <a:r>
+              <a:rPr lang="en-US"/>
+              <a:t>Second level</a:t>
+            </a:r>
+          </a:p>
+          <a:p>
+            <a:pPr lvl="2"/>
+            <a:r>
+              <a:rPr lang="en-US"/>
+              <a:t>Third level</a:t>
+            </a:r>
+          </a:p>
+          <a:p>
+            <a:pPr lvl="3"/>
+            <a:r>
+              <a:rPr lang="en-US"/>
+              <a:t>Fourth level</a:t>
+            </a:r>
+          </a:p>
+          <a:p>
+            <a:pPr lvl="4"/>
+            <a:r>
+              <a:rPr lang="en-US"/>
+              <a:t>Fifth level</a:t>
+            </a:r>
+            <a:endParaRPr lang="en-GB"/>
+          </a:p>
+        </p:txBody>
+      </p:sp>
+      <p:sp>
+        <p:nvSpPr>
+          <p:cNvPr id="6" name="Footer Placeholder 5"/>
+          <p:cNvSpPr>
+            <a:spLocks noGrp="1"/>
+          </p:cNvSpPr>
+          <p:nvPr>
+            <p:ph type="ftr" sz="quarter" idx="4"/>
+          </p:nvPr>
+        </p:nvSpPr>
+        <p:spPr>
+          <a:xfrm>
+            <a:off x="0" y="8685213"/>
+            <a:ext cx="2971800" cy="458787"/>
+          </a:xfrm>
+          <a:prstGeom prst="rect">
+            <a:avLst/>
+          </a:prstGeom>
+        </p:spPr>
+        <p:txBody>
+          <a:bodyPr vert="horz" lIns="91440" tIns="45720" rIns="91440" bIns="45720" rtlCol="0" anchor="b"/>
+          <a:lstStyle>
+            <a:lvl1pPr algn="l">
+              <a:defRPr sz="1200"/>
+            </a:lvl1pPr>
+          </a:lstStyle>
+          <a:p>
+            <a:endParaRPr lang="en-GB" dirty="0"/>
+          </a:p>
+        </p:txBody>
+      </p:sp>
+      <p:sp>
+        <p:nvSpPr>
+          <p:cNvPr id="7" name="Slide Number Placeholder 6"/>
+          <p:cNvSpPr>
+            <a:spLocks noGrp="1"/>
+          </p:cNvSpPr>
+          <p:nvPr>
+            <p:ph type="sldNum" sz="quarter" idx="5"/>
+          </p:nvPr>
+        </p:nvSpPr>
+        <p:spPr>
+          <a:xfrm>
+            <a:off x="3884613" y="8685213"/>
+            <a:ext cx="2971800" cy="458787"/>
+          </a:xfrm>
+          <a:prstGeom prst="rect">
+            <a:avLst/>
+          </a:prstGeom>
+        </p:spPr>
+        <p:txBody>
+          <a:bodyPr vert="horz" lIns="91440" tIns="45720" rIns="91440" bIns="45720" rtlCol="0" anchor="b"/>
+          <a:lstStyle>
+            <a:lvl1pPr algn="r">
+              <a:defRPr sz="1200"/>
+            </a:lvl1pPr>
+          </a:lstStyle>
+          <a:p>
+            <a:fld id="{578CC5AB-4EA6-4CD7-88F4-B5344D2D16C4}" type="slidenum">
+              <a:rPr lang="en-GB" smtClean="0"/>
+              <a:t>‹#›</a:t>
+            </a:fld>
+            <a:endParaRPr lang="en-GB" dirty="0"/>
+          </a:p>
+        </p:txBody>
+      </p:sp>
+    </p:spTree>
+    <p:extLst>
+      <p:ext uri="{BB962C8B-B14F-4D97-AF65-F5344CB8AC3E}">
+        <p14:creationId xmlns:p14="http://schemas.microsoft.com/office/powerpoint/2010/main" val="2096016707"/>
+      </p:ext>
+    </p:extLst>
+  </p:cSld>
+  <p:clrMap bg1="lt1" tx1="dk1" bg2="lt2" tx2="dk2" accent1="accent1" accent2="accent2" accent3="accent3" accent4="accent4" accent5="accent5" accent6="accent6" hlink="hlink" folHlink="folHlink"/>
+  <p:notesStyle>
+    <a:lvl1pPr marL="0" algn="l" defTabSz="914400" rtl="0" eaLnBrk="1" latinLnBrk="0" hangingPunct="1">
+      <a:defRPr sz="1200" kern="1200">
+        <a:solidFill>
+          <a:schemeClr val="tx1"/>
+        </a:solidFill>
+        <a:latin typeface="+mn-lt"/>
+        <a:ea typeface="+mn-ea"/>
+        <a:cs typeface="+mn-cs"/>
+      </a:defRPr>
+    </a:lvl1pPr>
+    <a:lvl2pPr marL="457200" algn="l" defTabSz="914400" rtl="0" eaLnBrk="1" latinLnBrk="0" hangingPunct="1">
+      <a:defRPr sz="1200" kern="1200">
+        <a:solidFill>
+          <a:schemeClr val="tx1"/>
+        </a:solidFill>
+        <a:latin typeface="+mn-lt"/>
+        <a:ea typeface="+mn-ea"/>
+        <a:cs typeface="+mn-cs"/>
+      </a:defRPr>
+    </a:lvl2pPr>
+    <a:lvl3pPr marL="914400" algn="l" defTabSz="914400" rtl="0" eaLnBrk="1" latinLnBrk="0" hangingPunct="1">
+      <a:defRPr sz="1200" kern="1200">
+        <a:solidFill>
+          <a:schemeClr val="tx1"/>
+        </a:solidFill>
+        <a:latin typeface="+mn-lt"/>
+        <a:ea typeface="+mn-ea"/>
+        <a:cs typeface="+mn-cs"/>
+      </a:defRPr>
+    </a:lvl3pPr>
+    <a:lvl4pPr marL="1371600" algn="l" defTabSz="914400" rtl="0" eaLnBrk="1" latinLnBrk="0" hangingPunct="1">
+      <a:defRPr sz="1200" kern="1200">
+        <a:solidFill>
+          <a:schemeClr val="tx1"/>
+        </a:solidFill>
+        <a:latin typeface="+mn-lt"/>
+        <a:ea typeface="+mn-ea"/>
+        <a:cs typeface="+mn-cs"/>
+      </a:defRPr>
+    </a:lvl4pPr>
+    <a:lvl5pPr marL="1828800" algn="l" defTabSz="914400" rtl="0" eaLnBrk="1" latinLnBrk="0" hangingPunct="1">
+      <a:defRPr sz="1200" kern="1200">
+        <a:solidFill>
+          <a:schemeClr val="tx1"/>
+        </a:solidFill>
+        <a:latin typeface="+mn-lt"/>
+        <a:ea typeface="+mn-ea"/>
+        <a:cs typeface="+mn-cs"/>
+      </a:defRPr>
+    </a:lvl5pPr>
+    <a:lvl6pPr marL="2286000" algn="l" defTabSz="914400" rtl="0" eaLnBrk="1" latinLnBrk="0" hangingPunct="1">
+      <a:defRPr sz="1200" kern="1200">
+        <a:solidFill>
+          <a:schemeClr val="tx1"/>
+        </a:solidFill>
+        <a:latin typeface="+mn-lt"/>
+        <a:ea typeface="+mn-ea"/>
+        <a:cs typeface="+mn-cs"/>
+      </a:defRPr>
+    </a:lvl6pPr>
+    <a:lvl7pPr marL="2743200" algn="l" defTabSz="914400" rtl="0" eaLnBrk="1" latinLnBrk="0" hangingPunct="1">
+      <a:defRPr sz="1200" kern="1200">
+        <a:solidFill>
+          <a:schemeClr val="tx1"/>
+        </a:solidFill>
+        <a:latin typeface="+mn-lt"/>
+        <a:ea typeface="+mn-ea"/>
+        <a:cs typeface="+mn-cs"/>
+      </a:defRPr>
+    </a:lvl7pPr>
+    <a:lvl8pPr marL="3200400" algn="l" defTabSz="914400" rtl="0" eaLnBrk="1" latinLnBrk="0" hangingPunct="1">
+      <a:defRPr sz="1200" kern="1200">
+        <a:solidFill>
+          <a:schemeClr val="tx1"/>
+        </a:solidFill>
+        <a:latin typeface="+mn-lt"/>
+        <a:ea typeface="+mn-ea"/>
+        <a:cs typeface="+mn-cs"/>
+      </a:defRPr>
+    </a:lvl8pPr>
+    <a:lvl9pPr marL="3657600" algn="l" defTabSz="914400" rtl="0" eaLnBrk="1" latinLnBrk="0" hangingPunct="1">
+      <a:defRPr sz="1200" kern="1200">
+        <a:solidFill>
+          <a:schemeClr val="tx1"/>
+        </a:solidFill>
+        <a:latin typeface="+mn-lt"/>
+        <a:ea typeface="+mn-ea"/>
+        <a:cs typeface="+mn-cs"/>
+      </a:defRPr>
+    </a:lvl9pPr>
+  </p:notesStyle>
+</p:notesMaster>
+</file>
+
+<file path=ppt/notesSlides/notesSlide1.xml><?xml version="1.0" encoding="utf-8"?>
+<p:notes xmlns:a="http://schemas.openxmlformats.org/drawingml/2006/main" xmlns:r="http://schemas.openxmlformats.org/officeDocument/2006/relationships" xmlns:p="http://schemas.openxmlformats.org/presentationml/2006/main">
+  <p:cSld>
+    <p:spTree>
+      <p:nvGrpSpPr>
+        <p:cNvPr id="1" name=""/>
+        <p:cNvGrpSpPr/>
+        <p:nvPr/>
+      </p:nvGrpSpPr>
+      <p:grpSpPr>
+        <a:xfrm>
+          <a:off x="0" y="0"/>
+          <a:ext cx="0" cy="0"/>
+          <a:chOff x="0" y="0"/>
+          <a:chExt cx="0" cy="0"/>
+        </a:xfrm>
+      </p:grpSpPr>
+      <p:sp>
+        <p:nvSpPr>
+          <p:cNvPr id="2" name="Slide Image Placeholder 1"/>
+          <p:cNvSpPr>
+            <a:spLocks noGrp="1" noRot="1" noChangeAspect="1"/>
+          </p:cNvSpPr>
+          <p:nvPr>
+            <p:ph type="sldImg"/>
+          </p:nvPr>
+        </p:nvSpPr>
+        <p:spPr>
+          <a:xfrm>
+            <a:off x="685800" y="1143000"/>
+            <a:ext cx="5486400" cy="3086100"/>
+          </a:xfrm>
+        </p:spPr>
+      </p:sp>
+      <p:sp>
+        <p:nvSpPr>
+          <p:cNvPr id="3" name="Notes Placeholder 2"/>
+          <p:cNvSpPr>
+            <a:spLocks noGrp="1"/>
+          </p:cNvSpPr>
+          <p:nvPr>
+            <p:ph type="body" idx="1"/>
+          </p:nvPr>
+        </p:nvSpPr>
+        <p:spPr/>
+        <p:txBody>
+          <a:bodyPr/>
+          <a:lstStyle/>
+          <a:p>
+            <a:endParaRPr lang="en-GB" dirty="0"/>
+          </a:p>
+        </p:txBody>
+      </p:sp>
+      <p:sp>
+        <p:nvSpPr>
+          <p:cNvPr id="4" name="Slide Number Placeholder 3"/>
+          <p:cNvSpPr>
+            <a:spLocks noGrp="1"/>
+          </p:cNvSpPr>
+          <p:nvPr>
+            <p:ph type="sldNum" sz="quarter" idx="5"/>
+          </p:nvPr>
+        </p:nvSpPr>
+        <p:spPr/>
+        <p:txBody>
+          <a:bodyPr/>
+          <a:lstStyle/>
+          <a:p>
+            <a:fld id="{578CC5AB-4EA6-4CD7-88F4-B5344D2D16C4}" type="slidenum">
+              <a:rPr lang="en-GB" smtClean="0"/>
+              <a:t>4</a:t>
+            </a:fld>
+            <a:endParaRPr lang="en-GB" dirty="0"/>
+          </a:p>
+        </p:txBody>
+      </p:sp>
+    </p:spTree>
+    <p:extLst>
+      <p:ext uri="{BB962C8B-B14F-4D97-AF65-F5344CB8AC3E}">
+        <p14:creationId xmlns:p14="http://schemas.microsoft.com/office/powerpoint/2010/main" val="2497719722"/>
+      </p:ext>
+    </p:extLst>
+  </p:cSld>
+  <p:clrMapOvr>
+    <a:masterClrMapping/>
+  </p:clrMapOvr>
+</p:notes>
+</file>
+
+<file path=ppt/notesSlides/notesSlide2.xml><?xml version="1.0" encoding="utf-8"?>
+<p:notes xmlns:a="http://schemas.openxmlformats.org/drawingml/2006/main" xmlns:r="http://schemas.openxmlformats.org/officeDocument/2006/relationships" xmlns:p="http://schemas.openxmlformats.org/presentationml/2006/main">
+  <p:cSld>
+    <p:spTree>
+      <p:nvGrpSpPr>
+        <p:cNvPr id="1" name=""/>
+        <p:cNvGrpSpPr/>
+        <p:nvPr/>
+      </p:nvGrpSpPr>
+      <p:grpSpPr>
+        <a:xfrm>
+          <a:off x="0" y="0"/>
+          <a:ext cx="0" cy="0"/>
+          <a:chOff x="0" y="0"/>
+          <a:chExt cx="0" cy="0"/>
+        </a:xfrm>
+      </p:grpSpPr>
+      <p:sp>
+        <p:nvSpPr>
+          <p:cNvPr id="2" name="Slide Image Placeholder 1"/>
+          <p:cNvSpPr>
+            <a:spLocks noGrp="1" noRot="1" noChangeAspect="1"/>
+          </p:cNvSpPr>
+          <p:nvPr>
+            <p:ph type="sldImg"/>
+          </p:nvPr>
+        </p:nvSpPr>
+        <p:spPr>
+          <a:xfrm>
+            <a:off x="685800" y="1143000"/>
+            <a:ext cx="5486400" cy="3086100"/>
+          </a:xfrm>
+        </p:spPr>
+      </p:sp>
+      <p:sp>
+        <p:nvSpPr>
+          <p:cNvPr id="3" name="Notes Placeholder 2"/>
+          <p:cNvSpPr>
+            <a:spLocks noGrp="1"/>
+          </p:cNvSpPr>
+          <p:nvPr>
+            <p:ph type="body" idx="1"/>
+          </p:nvPr>
+        </p:nvSpPr>
+        <p:spPr/>
+        <p:txBody>
+          <a:bodyPr/>
+          <a:lstStyle/>
+          <a:p>
+            <a:endParaRPr lang="en-GB" dirty="0"/>
+          </a:p>
+        </p:txBody>
+      </p:sp>
+      <p:sp>
+        <p:nvSpPr>
+          <p:cNvPr id="4" name="Slide Number Placeholder 3"/>
+          <p:cNvSpPr>
+            <a:spLocks noGrp="1"/>
+          </p:cNvSpPr>
+          <p:nvPr>
+            <p:ph type="sldNum" sz="quarter" idx="5"/>
+          </p:nvPr>
+        </p:nvSpPr>
+        <p:spPr/>
+        <p:txBody>
+          <a:bodyPr/>
+          <a:lstStyle/>
+          <a:p>
+            <a:fld id="{578CC5AB-4EA6-4CD7-88F4-B5344D2D16C4}" type="slidenum">
+              <a:rPr lang="en-GB" smtClean="0"/>
+              <a:t>5</a:t>
+            </a:fld>
+            <a:endParaRPr lang="en-GB" dirty="0"/>
+          </a:p>
+        </p:txBody>
+      </p:sp>
+    </p:spTree>
+    <p:extLst>
+      <p:ext uri="{BB962C8B-B14F-4D97-AF65-F5344CB8AC3E}">
+        <p14:creationId xmlns:p14="http://schemas.microsoft.com/office/powerpoint/2010/main" val="3540347822"/>
+      </p:ext>
+    </p:extLst>
+  </p:cSld>
+  <p:clrMapOvr>
+    <a:masterClrMapping/>
+  </p:clrMapOvr>
+</p:notes>
 </file>
 
 <file path=ppt/slideLayouts/slideLayout1.xml><?xml version="1.0" encoding="utf-8"?>
@@ -661,9 +1849,9 @@
           <a:p>
             <a:fld id="{18DCCD61-643D-44A5-A450-3A42A50CBC1E}" type="datetimeFigureOut">
               <a:rPr lang="en-US" smtClean="0"/>
-              <a:t>4/29/2023</a:t>
+              <a:t>4/30/2023</a:t>
             </a:fld>
-            <a:endParaRPr lang="en-US"/>
+            <a:endParaRPr lang="en-US" dirty="0"/>
           </a:p>
         </p:txBody>
       </p:sp>
@@ -682,7 +1870,7 @@
           <a:bodyPr/>
           <a:lstStyle/>
           <a:p>
-            <a:endParaRPr lang="en-US"/>
+            <a:endParaRPr lang="en-US" dirty="0"/>
           </a:p>
         </p:txBody>
       </p:sp>
@@ -705,7 +1893,7 @@
               <a:rPr lang="en-US" smtClean="0"/>
               <a:t>‹#›</a:t>
             </a:fld>
-            <a:endParaRPr lang="en-US"/>
+            <a:endParaRPr lang="en-US" dirty="0"/>
           </a:p>
         </p:txBody>
       </p:sp>
@@ -751,8 +1939,8 @@
         </p:nvSpPr>
         <p:spPr>
           <a:xfrm>
-            <a:off x="457200" y="273050"/>
-            <a:ext cx="3008313" cy="1162050"/>
+            <a:off x="609601" y="273050"/>
+            <a:ext cx="4011084" cy="1162050"/>
           </a:xfrm>
         </p:spPr>
         <p:txBody>
@@ -782,8 +1970,8 @@
         </p:nvSpPr>
         <p:spPr>
           <a:xfrm>
-            <a:off x="3575050" y="273050"/>
-            <a:ext cx="5111750" cy="5853113"/>
+            <a:off x="4766733" y="273051"/>
+            <a:ext cx="6815667" cy="5853113"/>
           </a:xfrm>
         </p:spPr>
         <p:txBody>
@@ -866,8 +2054,8 @@
         </p:nvSpPr>
         <p:spPr>
           <a:xfrm>
-            <a:off x="457200" y="1435100"/>
-            <a:ext cx="3008313" cy="4691063"/>
+            <a:off x="609601" y="1435101"/>
+            <a:ext cx="4011084" cy="4691063"/>
           </a:xfrm>
         </p:spPr>
         <p:txBody>
@@ -936,9 +2124,9 @@
           <a:p>
             <a:fld id="{18DCCD61-643D-44A5-A450-3A42A50CBC1E}" type="datetimeFigureOut">
               <a:rPr lang="en-US" smtClean="0"/>
-              <a:t>4/29/2023</a:t>
+              <a:t>4/30/2023</a:t>
             </a:fld>
-            <a:endParaRPr lang="en-US"/>
+            <a:endParaRPr lang="en-US" dirty="0"/>
           </a:p>
         </p:txBody>
       </p:sp>
@@ -957,7 +2145,7 @@
           <a:bodyPr/>
           <a:lstStyle/>
           <a:p>
-            <a:endParaRPr lang="en-US"/>
+            <a:endParaRPr lang="en-US" dirty="0"/>
           </a:p>
         </p:txBody>
       </p:sp>
@@ -980,7 +2168,7 @@
               <a:rPr lang="en-US" smtClean="0"/>
               <a:t>‹#›</a:t>
             </a:fld>
-            <a:endParaRPr lang="en-US"/>
+            <a:endParaRPr lang="en-US" dirty="0"/>
           </a:p>
         </p:txBody>
       </p:sp>
@@ -1026,8 +2214,8 @@
         </p:nvSpPr>
         <p:spPr>
           <a:xfrm>
-            <a:off x="1792288" y="4800600"/>
-            <a:ext cx="5486400" cy="566738"/>
+            <a:off x="2389717" y="4800600"/>
+            <a:ext cx="7315200" cy="566738"/>
           </a:xfrm>
         </p:spPr>
         <p:txBody>
@@ -1057,8 +2245,8 @@
         </p:nvSpPr>
         <p:spPr>
           <a:xfrm>
-            <a:off x="1792288" y="612775"/>
-            <a:ext cx="5486400" cy="4114800"/>
+            <a:off x="2389717" y="612775"/>
+            <a:ext cx="7315200" cy="4114800"/>
           </a:xfrm>
         </p:spPr>
         <p:txBody>
@@ -1102,7 +2290,7 @@
             </a:lvl9pPr>
           </a:lstStyle>
           <a:p>
-            <a:endParaRPr lang="en-US"/>
+            <a:endParaRPr lang="en-US" dirty="0"/>
           </a:p>
         </p:txBody>
       </p:sp>
@@ -1118,8 +2306,8 @@
         </p:nvSpPr>
         <p:spPr>
           <a:xfrm>
-            <a:off x="1792288" y="5367338"/>
-            <a:ext cx="5486400" cy="804862"/>
+            <a:off x="2389717" y="5367338"/>
+            <a:ext cx="7315200" cy="804862"/>
           </a:xfrm>
         </p:spPr>
         <p:txBody>
@@ -1188,9 +2376,9 @@
           <a:p>
             <a:fld id="{18DCCD61-643D-44A5-A450-3A42A50CBC1E}" type="datetimeFigureOut">
               <a:rPr lang="en-US" smtClean="0"/>
-              <a:t>4/29/2023</a:t>
+              <a:t>4/30/2023</a:t>
             </a:fld>
-            <a:endParaRPr lang="en-US"/>
+            <a:endParaRPr lang="en-US" dirty="0"/>
           </a:p>
         </p:txBody>
       </p:sp>
@@ -1209,7 +2397,7 @@
           <a:bodyPr/>
           <a:lstStyle/>
           <a:p>
-            <a:endParaRPr lang="en-US"/>
+            <a:endParaRPr lang="en-US" dirty="0"/>
           </a:p>
         </p:txBody>
       </p:sp>
@@ -1232,7 +2420,7 @@
               <a:rPr lang="en-US" smtClean="0"/>
               <a:t>‹#›</a:t>
             </a:fld>
-            <a:endParaRPr lang="en-US"/>
+            <a:endParaRPr lang="en-US" dirty="0"/>
           </a:p>
         </p:txBody>
       </p:sp>
@@ -1356,9 +2544,9 @@
           <a:p>
             <a:fld id="{18DCCD61-643D-44A5-A450-3A42A50CBC1E}" type="datetimeFigureOut">
               <a:rPr lang="en-US" smtClean="0"/>
-              <a:t>4/29/2023</a:t>
+              <a:t>4/30/2023</a:t>
             </a:fld>
-            <a:endParaRPr lang="en-US"/>
+            <a:endParaRPr lang="en-US" dirty="0"/>
           </a:p>
         </p:txBody>
       </p:sp>
@@ -1377,7 +2565,7 @@
           <a:bodyPr/>
           <a:lstStyle/>
           <a:p>
-            <a:endParaRPr lang="en-US"/>
+            <a:endParaRPr lang="en-US" dirty="0"/>
           </a:p>
         </p:txBody>
       </p:sp>
@@ -1400,7 +2588,7 @@
               <a:rPr lang="en-US" smtClean="0"/>
               <a:t>‹#›</a:t>
             </a:fld>
-            <a:endParaRPr lang="en-US"/>
+            <a:endParaRPr lang="en-US" dirty="0"/>
           </a:p>
         </p:txBody>
       </p:sp>
@@ -1446,8 +2634,8 @@
         </p:nvSpPr>
         <p:spPr>
           <a:xfrm>
-            <a:off x="6629400" y="274638"/>
-            <a:ext cx="2057400" cy="5851525"/>
+            <a:off x="8839200" y="274639"/>
+            <a:ext cx="2743200" cy="5851525"/>
           </a:xfrm>
         </p:spPr>
         <p:txBody>
@@ -1473,8 +2661,8 @@
         </p:nvSpPr>
         <p:spPr>
           <a:xfrm>
-            <a:off x="457200" y="274638"/>
-            <a:ext cx="6019800" cy="5851525"/>
+            <a:off x="609600" y="274639"/>
+            <a:ext cx="8026400" cy="5851525"/>
           </a:xfrm>
         </p:spPr>
         <p:txBody>
@@ -1534,9 +2722,9 @@
           <a:p>
             <a:fld id="{18DCCD61-643D-44A5-A450-3A42A50CBC1E}" type="datetimeFigureOut">
               <a:rPr lang="en-US" smtClean="0"/>
-              <a:t>4/29/2023</a:t>
+              <a:t>4/30/2023</a:t>
             </a:fld>
-            <a:endParaRPr lang="en-US"/>
+            <a:endParaRPr lang="en-US" dirty="0"/>
           </a:p>
         </p:txBody>
       </p:sp>
@@ -1555,7 +2743,7 @@
           <a:bodyPr/>
           <a:lstStyle/>
           <a:p>
-            <a:endParaRPr lang="en-US"/>
+            <a:endParaRPr lang="en-US" dirty="0"/>
           </a:p>
         </p:txBody>
       </p:sp>
@@ -1578,7 +2766,7 @@
               <a:rPr lang="en-US" smtClean="0"/>
               <a:t>‹#›</a:t>
             </a:fld>
-            <a:endParaRPr lang="en-US"/>
+            <a:endParaRPr lang="en-US" dirty="0"/>
           </a:p>
         </p:txBody>
       </p:sp>
@@ -1639,7 +2827,7 @@
         <p:spPr>
           <a:xfrm>
             <a:off x="0" y="16778"/>
-            <a:ext cx="9144000" cy="1069514"/>
+            <a:ext cx="12192000" cy="1069514"/>
           </a:xfrm>
           <a:prstGeom prst="rect">
             <a:avLst/>
@@ -1679,8 +2867,8 @@
         </p:nvSpPr>
         <p:spPr>
           <a:xfrm>
-            <a:off x="457200" y="1600201"/>
-            <a:ext cx="8229600" cy="460648"/>
+            <a:off x="609600" y="1600201"/>
+            <a:ext cx="10972800" cy="460648"/>
           </a:xfrm>
           <a:prstGeom prst="rect">
             <a:avLst/>
@@ -1721,8 +2909,8 @@
         </p:nvSpPr>
         <p:spPr>
           <a:xfrm>
-            <a:off x="467544" y="2276872"/>
-            <a:ext cx="8229600" cy="3600400"/>
+            <a:off x="623392" y="2276872"/>
+            <a:ext cx="10972800" cy="3600400"/>
           </a:xfrm>
           <a:prstGeom prst="rect">
             <a:avLst/>
@@ -1807,8 +2995,8 @@
         </p:nvSpPr>
         <p:spPr>
           <a:xfrm>
-            <a:off x="1619672" y="0"/>
-            <a:ext cx="7524328" cy="1069514"/>
+            <a:off x="2159563" y="0"/>
+            <a:ext cx="10032437" cy="1069514"/>
           </a:xfrm>
           <a:prstGeom prst="rect">
             <a:avLst/>
@@ -1848,8 +3036,8 @@
         </p:nvSpPr>
         <p:spPr>
           <a:xfrm>
-            <a:off x="2123728" y="1268760"/>
-            <a:ext cx="6563072" cy="460648"/>
+            <a:off x="2831637" y="1268760"/>
+            <a:ext cx="8750763" cy="460648"/>
           </a:xfrm>
           <a:prstGeom prst="rect">
             <a:avLst/>
@@ -1890,8 +3078,8 @@
         </p:nvSpPr>
         <p:spPr>
           <a:xfrm>
-            <a:off x="2134072" y="1844824"/>
-            <a:ext cx="6563072" cy="4147865"/>
+            <a:off x="2845429" y="1844825"/>
+            <a:ext cx="8750763" cy="4147865"/>
           </a:xfrm>
           <a:prstGeom prst="rect">
             <a:avLst/>
@@ -1960,8 +3148,8 @@
         </p:nvSpPr>
         <p:spPr>
           <a:xfrm>
-            <a:off x="685800" y="2130425"/>
-            <a:ext cx="7772400" cy="1470025"/>
+            <a:off x="914400" y="2130426"/>
+            <a:ext cx="10363200" cy="1470025"/>
           </a:xfrm>
         </p:spPr>
         <p:txBody>
@@ -1987,8 +3175,8 @@
         </p:nvSpPr>
         <p:spPr>
           <a:xfrm>
-            <a:off x="1371600" y="3886200"/>
-            <a:ext cx="6400800" cy="1752600"/>
+            <a:off x="1828800" y="3886200"/>
+            <a:ext cx="8534400" cy="1752600"/>
           </a:xfrm>
         </p:spPr>
         <p:txBody>
@@ -2110,9 +3298,9 @@
           <a:p>
             <a:fld id="{18DCCD61-643D-44A5-A450-3A42A50CBC1E}" type="datetimeFigureOut">
               <a:rPr lang="en-US" smtClean="0"/>
-              <a:t>4/29/2023</a:t>
+              <a:t>4/30/2023</a:t>
             </a:fld>
-            <a:endParaRPr lang="en-US"/>
+            <a:endParaRPr lang="en-US" dirty="0"/>
           </a:p>
         </p:txBody>
       </p:sp>
@@ -2131,7 +3319,7 @@
           <a:bodyPr/>
           <a:lstStyle/>
           <a:p>
-            <a:endParaRPr lang="en-US"/>
+            <a:endParaRPr lang="en-US" dirty="0"/>
           </a:p>
         </p:txBody>
       </p:sp>
@@ -2154,7 +3342,7 @@
               <a:rPr lang="en-US" smtClean="0"/>
               <a:t>‹#›</a:t>
             </a:fld>
-            <a:endParaRPr lang="en-US"/>
+            <a:endParaRPr lang="en-US" dirty="0"/>
           </a:p>
         </p:txBody>
       </p:sp>
@@ -2278,9 +3466,9 @@
           <a:p>
             <a:fld id="{18DCCD61-643D-44A5-A450-3A42A50CBC1E}" type="datetimeFigureOut">
               <a:rPr lang="en-US" smtClean="0"/>
-              <a:t>4/29/2023</a:t>
+              <a:t>4/30/2023</a:t>
             </a:fld>
-            <a:endParaRPr lang="en-US"/>
+            <a:endParaRPr lang="en-US" dirty="0"/>
           </a:p>
         </p:txBody>
       </p:sp>
@@ -2299,7 +3487,7 @@
           <a:bodyPr/>
           <a:lstStyle/>
           <a:p>
-            <a:endParaRPr lang="en-US"/>
+            <a:endParaRPr lang="en-US" dirty="0"/>
           </a:p>
         </p:txBody>
       </p:sp>
@@ -2322,7 +3510,7 @@
               <a:rPr lang="en-US" smtClean="0"/>
               <a:t>‹#›</a:t>
             </a:fld>
-            <a:endParaRPr lang="en-US"/>
+            <a:endParaRPr lang="en-US" dirty="0"/>
           </a:p>
         </p:txBody>
       </p:sp>
@@ -2368,8 +3556,8 @@
         </p:nvSpPr>
         <p:spPr>
           <a:xfrm>
-            <a:off x="722313" y="4406900"/>
-            <a:ext cx="7772400" cy="1362075"/>
+            <a:off x="963084" y="4406901"/>
+            <a:ext cx="10363200" cy="1362075"/>
           </a:xfrm>
         </p:spPr>
         <p:txBody>
@@ -2399,8 +3587,8 @@
         </p:nvSpPr>
         <p:spPr>
           <a:xfrm>
-            <a:off x="722313" y="2906713"/>
-            <a:ext cx="7772400" cy="1500187"/>
+            <a:off x="963084" y="2906713"/>
+            <a:ext cx="10363200" cy="1500187"/>
           </a:xfrm>
         </p:spPr>
         <p:txBody>
@@ -2523,9 +3711,9 @@
           <a:p>
             <a:fld id="{18DCCD61-643D-44A5-A450-3A42A50CBC1E}" type="datetimeFigureOut">
               <a:rPr lang="en-US" smtClean="0"/>
-              <a:t>4/29/2023</a:t>
+              <a:t>4/30/2023</a:t>
             </a:fld>
-            <a:endParaRPr lang="en-US"/>
+            <a:endParaRPr lang="en-US" dirty="0"/>
           </a:p>
         </p:txBody>
       </p:sp>
@@ -2544,7 +3732,7 @@
           <a:bodyPr/>
           <a:lstStyle/>
           <a:p>
-            <a:endParaRPr lang="en-US"/>
+            <a:endParaRPr lang="en-US" dirty="0"/>
           </a:p>
         </p:txBody>
       </p:sp>
@@ -2567,7 +3755,7 @@
               <a:rPr lang="en-US" smtClean="0"/>
               <a:t>‹#›</a:t>
             </a:fld>
-            <a:endParaRPr lang="en-US"/>
+            <a:endParaRPr lang="en-US" dirty="0"/>
           </a:p>
         </p:txBody>
       </p:sp>
@@ -2635,8 +3823,8 @@
         </p:nvSpPr>
         <p:spPr>
           <a:xfrm>
-            <a:off x="457200" y="1600200"/>
-            <a:ext cx="4038600" cy="4525963"/>
+            <a:off x="609600" y="1600201"/>
+            <a:ext cx="5384800" cy="4525963"/>
           </a:xfrm>
         </p:spPr>
         <p:txBody>
@@ -2719,8 +3907,8 @@
         </p:nvSpPr>
         <p:spPr>
           <a:xfrm>
-            <a:off x="4648200" y="1600200"/>
-            <a:ext cx="4038600" cy="4525963"/>
+            <a:off x="6197600" y="1600201"/>
+            <a:ext cx="5384800" cy="4525963"/>
           </a:xfrm>
         </p:spPr>
         <p:txBody>
@@ -2808,9 +3996,9 @@
           <a:p>
             <a:fld id="{18DCCD61-643D-44A5-A450-3A42A50CBC1E}" type="datetimeFigureOut">
               <a:rPr lang="en-US" smtClean="0"/>
-              <a:t>4/29/2023</a:t>
+              <a:t>4/30/2023</a:t>
             </a:fld>
-            <a:endParaRPr lang="en-US"/>
+            <a:endParaRPr lang="en-US" dirty="0"/>
           </a:p>
         </p:txBody>
       </p:sp>
@@ -2829,7 +4017,7 @@
           <a:bodyPr/>
           <a:lstStyle/>
           <a:p>
-            <a:endParaRPr lang="en-US"/>
+            <a:endParaRPr lang="en-US" dirty="0"/>
           </a:p>
         </p:txBody>
       </p:sp>
@@ -2852,7 +4040,7 @@
               <a:rPr lang="en-US" smtClean="0"/>
               <a:t>‹#›</a:t>
             </a:fld>
-            <a:endParaRPr lang="en-US"/>
+            <a:endParaRPr lang="en-US" dirty="0"/>
           </a:p>
         </p:txBody>
       </p:sp>
@@ -2924,8 +4112,8 @@
         </p:nvSpPr>
         <p:spPr>
           <a:xfrm>
-            <a:off x="457200" y="1535113"/>
-            <a:ext cx="4040188" cy="639762"/>
+            <a:off x="609600" y="1535113"/>
+            <a:ext cx="5386917" cy="639762"/>
           </a:xfrm>
         </p:spPr>
         <p:txBody>
@@ -2989,8 +4177,8 @@
         </p:nvSpPr>
         <p:spPr>
           <a:xfrm>
-            <a:off x="457200" y="2174875"/>
-            <a:ext cx="4040188" cy="3951288"/>
+            <a:off x="609600" y="2174875"/>
+            <a:ext cx="5386917" cy="3951288"/>
           </a:xfrm>
         </p:spPr>
         <p:txBody>
@@ -3073,8 +4261,8 @@
         </p:nvSpPr>
         <p:spPr>
           <a:xfrm>
-            <a:off x="4645025" y="1535113"/>
-            <a:ext cx="4041775" cy="639762"/>
+            <a:off x="6193368" y="1535113"/>
+            <a:ext cx="5389033" cy="639762"/>
           </a:xfrm>
         </p:spPr>
         <p:txBody>
@@ -3138,8 +4326,8 @@
         </p:nvSpPr>
         <p:spPr>
           <a:xfrm>
-            <a:off x="4645025" y="2174875"/>
-            <a:ext cx="4041775" cy="3951288"/>
+            <a:off x="6193368" y="2174875"/>
+            <a:ext cx="5389033" cy="3951288"/>
           </a:xfrm>
         </p:spPr>
         <p:txBody>
@@ -3227,9 +4415,9 @@
           <a:p>
             <a:fld id="{18DCCD61-643D-44A5-A450-3A42A50CBC1E}" type="datetimeFigureOut">
               <a:rPr lang="en-US" smtClean="0"/>
-              <a:t>4/29/2023</a:t>
+              <a:t>4/30/2023</a:t>
             </a:fld>
-            <a:endParaRPr lang="en-US"/>
+            <a:endParaRPr lang="en-US" dirty="0"/>
           </a:p>
         </p:txBody>
       </p:sp>
@@ -3248,7 +4436,7 @@
           <a:bodyPr/>
           <a:lstStyle/>
           <a:p>
-            <a:endParaRPr lang="en-US"/>
+            <a:endParaRPr lang="en-US" dirty="0"/>
           </a:p>
         </p:txBody>
       </p:sp>
@@ -3271,7 +4459,7 @@
               <a:rPr lang="en-US" smtClean="0"/>
               <a:t>‹#›</a:t>
             </a:fld>
-            <a:endParaRPr lang="en-US"/>
+            <a:endParaRPr lang="en-US" dirty="0"/>
           </a:p>
         </p:txBody>
       </p:sp>
@@ -3344,9 +4532,9 @@
           <a:p>
             <a:fld id="{18DCCD61-643D-44A5-A450-3A42A50CBC1E}" type="datetimeFigureOut">
               <a:rPr lang="en-US" smtClean="0"/>
-              <a:t>4/29/2023</a:t>
+              <a:t>4/30/2023</a:t>
             </a:fld>
-            <a:endParaRPr lang="en-US"/>
+            <a:endParaRPr lang="en-US" dirty="0"/>
           </a:p>
         </p:txBody>
       </p:sp>
@@ -3365,7 +4553,7 @@
           <a:bodyPr/>
           <a:lstStyle/>
           <a:p>
-            <a:endParaRPr lang="en-US"/>
+            <a:endParaRPr lang="en-US" dirty="0"/>
           </a:p>
         </p:txBody>
       </p:sp>
@@ -3388,7 +4576,7 @@
               <a:rPr lang="en-US" smtClean="0"/>
               <a:t>‹#›</a:t>
             </a:fld>
-            <a:endParaRPr lang="en-US"/>
+            <a:endParaRPr lang="en-US" dirty="0"/>
           </a:p>
         </p:txBody>
       </p:sp>
@@ -3730,8 +4918,8 @@
         </p:nvSpPr>
         <p:spPr>
           <a:xfrm>
-            <a:off x="457200" y="274638"/>
-            <a:ext cx="8229600" cy="1143000"/>
+            <a:off x="609600" y="274638"/>
+            <a:ext cx="10972800" cy="1143000"/>
           </a:xfrm>
           <a:prstGeom prst="rect">
             <a:avLst/>
@@ -3762,8 +4950,8 @@
         </p:nvSpPr>
         <p:spPr>
           <a:xfrm>
-            <a:off x="457200" y="1600200"/>
-            <a:ext cx="8229600" cy="4525963"/>
+            <a:off x="609600" y="1600201"/>
+            <a:ext cx="10972800" cy="4525963"/>
           </a:xfrm>
           <a:prstGeom prst="rect">
             <a:avLst/>
@@ -3823,8 +5011,8 @@
         </p:nvSpPr>
         <p:spPr>
           <a:xfrm>
-            <a:off x="457200" y="6356350"/>
-            <a:ext cx="2133600" cy="365125"/>
+            <a:off x="609600" y="6356351"/>
+            <a:ext cx="2844800" cy="365125"/>
           </a:xfrm>
           <a:prstGeom prst="rect">
             <a:avLst/>
@@ -3846,9 +5034,9 @@
           <a:p>
             <a:fld id="{18DCCD61-643D-44A5-A450-3A42A50CBC1E}" type="datetimeFigureOut">
               <a:rPr lang="en-US" smtClean="0"/>
-              <a:t>4/29/2023</a:t>
+              <a:t>4/30/2023</a:t>
             </a:fld>
-            <a:endParaRPr lang="en-US"/>
+            <a:endParaRPr lang="en-US" dirty="0"/>
           </a:p>
         </p:txBody>
       </p:sp>
@@ -3864,8 +5052,8 @@
         </p:nvSpPr>
         <p:spPr>
           <a:xfrm>
-            <a:off x="3124200" y="6356350"/>
-            <a:ext cx="2895600" cy="365125"/>
+            <a:off x="4165600" y="6356351"/>
+            <a:ext cx="3860800" cy="365125"/>
           </a:xfrm>
           <a:prstGeom prst="rect">
             <a:avLst/>
@@ -3885,7 +5073,7 @@
             </a:lvl1pPr>
           </a:lstStyle>
           <a:p>
-            <a:endParaRPr lang="en-US"/>
+            <a:endParaRPr lang="en-US" dirty="0"/>
           </a:p>
         </p:txBody>
       </p:sp>
@@ -3901,8 +5089,8 @@
         </p:nvSpPr>
         <p:spPr>
           <a:xfrm>
-            <a:off x="6553200" y="6356350"/>
-            <a:ext cx="2133600" cy="365125"/>
+            <a:off x="8737600" y="6356351"/>
+            <a:ext cx="2844800" cy="365125"/>
           </a:xfrm>
           <a:prstGeom prst="rect">
             <a:avLst/>
@@ -3926,7 +5114,7 @@
               <a:rPr lang="en-US" smtClean="0"/>
               <a:t>‹#›</a:t>
             </a:fld>
-            <a:endParaRPr lang="en-US"/>
+            <a:endParaRPr lang="en-US" dirty="0"/>
           </a:p>
         </p:txBody>
       </p:sp>
@@ -4229,7 +5417,7 @@
         </p:nvSpPr>
         <p:spPr>
           <a:xfrm>
-            <a:off x="3995936" y="5589240"/>
+            <a:off x="5519936" y="5589240"/>
             <a:ext cx="4788024" cy="923330"/>
           </a:xfrm>
           <a:prstGeom prst="rect">
@@ -4243,17 +5431,11 @@
           </a:bodyPr>
           <a:lstStyle/>
           <a:p>
-            <a:pPr algn="r" fontAlgn="auto">
-              <a:spcBef>
-                <a:spcPts val="0"/>
-              </a:spcBef>
-              <a:spcAft>
-                <a:spcPts val="0"/>
-              </a:spcAft>
+            <a:pPr algn="r">
               <a:defRPr/>
             </a:pPr>
             <a:r>
-              <a:rPr kumimoji="0" lang="en-US" altLang="ko-KR" b="1" dirty="0">
+              <a:rPr lang="en-US" altLang="ko-KR" b="1" dirty="0">
                 <a:solidFill>
                   <a:schemeClr val="bg1"/>
                 </a:solidFill>
@@ -4264,13 +5446,7 @@
             </a:r>
           </a:p>
           <a:p>
-            <a:pPr algn="r" fontAlgn="auto">
-              <a:spcBef>
-                <a:spcPts val="0"/>
-              </a:spcBef>
-              <a:spcAft>
-                <a:spcPts val="0"/>
-              </a:spcAft>
+            <a:pPr algn="r">
               <a:defRPr/>
             </a:pPr>
             <a:r>
@@ -4295,13 +5471,7 @@
             </a:r>
           </a:p>
           <a:p>
-            <a:pPr algn="r" fontAlgn="auto">
-              <a:spcBef>
-                <a:spcPts val="0"/>
-              </a:spcBef>
-              <a:spcAft>
-                <a:spcPts val="0"/>
-              </a:spcAft>
+            <a:pPr algn="r">
               <a:defRPr/>
             </a:pPr>
             <a:r>
@@ -4314,13 +5484,6 @@
               </a:rPr>
               <a:t>May 2023</a:t>
             </a:r>
-            <a:endParaRPr kumimoji="0" lang="en-US" altLang="ko-KR" b="1" dirty="0">
-              <a:solidFill>
-                <a:schemeClr val="bg1"/>
-              </a:solidFill>
-              <a:latin typeface="Arial" pitchFamily="34" charset="0"/>
-              <a:cs typeface="Arial" pitchFamily="34" charset="0"/>
-            </a:endParaRPr>
           </a:p>
         </p:txBody>
       </p:sp>
@@ -4334,7 +5497,7 @@
         </p:nvSpPr>
         <p:spPr bwMode="auto">
           <a:xfrm>
-            <a:off x="3995936" y="3717032"/>
+            <a:off x="5519936" y="3717032"/>
             <a:ext cx="4788024" cy="1754326"/>
           </a:xfrm>
           <a:prstGeom prst="rect">
@@ -4454,8 +5617,8 @@
         </p:nvSpPr>
         <p:spPr>
           <a:xfrm>
-            <a:off x="323528" y="1556792"/>
-            <a:ext cx="7992888" cy="4896544"/>
+            <a:off x="0" y="1844824"/>
+            <a:ext cx="11809312" cy="4896544"/>
           </a:xfrm>
         </p:spPr>
         <p:txBody>
@@ -4464,7 +5627,7 @@
           <a:p>
             <a:pPr lvl="0"/>
             <a:r>
-              <a:rPr lang="en-US" altLang="ko-KR" b="1" dirty="0">
+              <a:rPr lang="en-US" altLang="ko-KR" sz="2800" b="1" dirty="0">
                 <a:latin typeface="+mn-lt"/>
                 <a:cs typeface="+mn-cs"/>
               </a:rPr>
@@ -4474,13 +5637,13 @@
           <a:p>
             <a:pPr lvl="0"/>
             <a:r>
-              <a:rPr lang="en-US" altLang="ko-KR" b="1" dirty="0">
+              <a:rPr lang="en-US" altLang="ko-KR" sz="2800" b="1" dirty="0">
                 <a:latin typeface="+mn-lt"/>
                 <a:cs typeface="+mn-cs"/>
               </a:rPr>
               <a:t>Newark airport, specifically:</a:t>
             </a:r>
-            <a:endParaRPr lang="en-US" altLang="ko-KR" b="1" dirty="0">
+            <a:endParaRPr lang="en-US" altLang="ko-KR" sz="2800" b="1" dirty="0">
               <a:latin typeface="+mn-lt"/>
             </a:endParaRPr>
           </a:p>
@@ -4490,7 +5653,7 @@
               <a:buChar char="•"/>
             </a:pPr>
             <a:r>
-              <a:rPr lang="en-US" altLang="ko-KR" sz="2000" b="1" dirty="0">
+              <a:rPr lang="en-US" altLang="ko-KR" b="1" dirty="0">
                 <a:solidFill>
                   <a:schemeClr val="bg1"/>
                 </a:solidFill>
@@ -4504,7 +5667,7 @@
               <a:buChar char="•"/>
             </a:pPr>
             <a:r>
-              <a:rPr lang="en-US" altLang="ko-KR" sz="2000" b="1" dirty="0">
+              <a:rPr lang="en-US" altLang="ko-KR" b="1" dirty="0">
                 <a:solidFill>
                   <a:schemeClr val="bg1"/>
                 </a:solidFill>
@@ -4514,14 +5677,14 @@
           </a:p>
           <a:p>
             <a:pPr lvl="0"/>
-            <a:endParaRPr lang="en-US" altLang="ko-KR" b="1" dirty="0">
+            <a:endParaRPr lang="en-US" altLang="ko-KR" sz="2800" b="1" dirty="0">
               <a:latin typeface="+mn-lt"/>
             </a:endParaRPr>
           </a:p>
           <a:p>
             <a:pPr lvl="0"/>
             <a:r>
-              <a:rPr lang="en-US" altLang="ko-KR" b="1" dirty="0">
+              <a:rPr lang="en-US" altLang="ko-KR" sz="2800" b="1" dirty="0">
                 <a:latin typeface="+mn-lt"/>
                 <a:cs typeface="+mn-cs"/>
               </a:rPr>
@@ -4534,54 +5697,51 @@
               <a:buChar char="•"/>
             </a:pPr>
             <a:r>
-              <a:rPr lang="en-US" altLang="ko-KR" sz="2000" b="1" dirty="0">
+              <a:rPr lang="en-US" altLang="ko-KR" b="1" dirty="0">
                 <a:solidFill>
                   <a:schemeClr val="bg1"/>
                 </a:solidFill>
-                <a:cs typeface="+mn-cs"/>
               </a:rPr>
               <a:t>other factors that cause departure delays </a:t>
             </a:r>
           </a:p>
           <a:p>
-            <a:pPr marL="1028700" lvl="1">
+            <a:pPr marL="1028700" lvl="1" latinLnBrk="0">
               <a:buFont typeface="Arial" panose="020B0604020202020204" pitchFamily="34" charset="0"/>
               <a:buChar char="•"/>
             </a:pPr>
             <a:r>
-              <a:rPr lang="en-US" sz="2000" b="1" dirty="0">
+              <a:rPr lang="en-US" b="1" dirty="0">
                 <a:solidFill>
                   <a:schemeClr val="bg1"/>
                 </a:solidFill>
-                <a:cs typeface="+mn-cs"/>
               </a:rPr>
               <a:t>h</a:t>
             </a:r>
             <a:r>
-              <a:rPr lang="en-GB" sz="2000" b="1" dirty="0">
+              <a:rPr lang="en-GB" b="1" dirty="0">
                 <a:solidFill>
                   <a:schemeClr val="bg1"/>
                 </a:solidFill>
-                <a:cs typeface="+mn-cs"/>
               </a:rPr>
               <a:t>ow Newark compares to other airports servicing New York city</a:t>
             </a:r>
           </a:p>
           <a:p>
             <a:pPr lvl="0"/>
-            <a:endParaRPr lang="en-US" altLang="ko-KR" b="1" dirty="0"/>
+            <a:endParaRPr lang="en-US" altLang="ko-KR" sz="2800" b="1" dirty="0"/>
           </a:p>
           <a:p>
             <a:pPr lvl="0"/>
-            <a:endParaRPr lang="en-US" altLang="ko-KR" b="1" dirty="0"/>
+            <a:endParaRPr lang="en-US" altLang="ko-KR" sz="2800" b="1" dirty="0"/>
           </a:p>
           <a:p>
             <a:pPr lvl="0"/>
             <a:r>
-              <a:rPr lang="en-US" altLang="ko-KR" b="1" dirty="0"/>
+              <a:rPr lang="en-US" altLang="ko-KR" sz="2800" b="1" dirty="0"/>
               <a:t>	</a:t>
             </a:r>
-            <a:endParaRPr lang="en-US" altLang="ko-KR" b="1" dirty="0">
+            <a:endParaRPr lang="en-US" altLang="ko-KR" sz="2800" b="1" dirty="0">
               <a:latin typeface="Arial" pitchFamily="34" charset="0"/>
               <a:cs typeface="Arial" pitchFamily="34" charset="0"/>
             </a:endParaRPr>
@@ -4659,8 +5819,8 @@
         </p:nvSpPr>
         <p:spPr>
           <a:xfrm>
-            <a:off x="323528" y="2132856"/>
-            <a:ext cx="7992888" cy="4896544"/>
+            <a:off x="119336" y="1916832"/>
+            <a:ext cx="12192000" cy="5400600"/>
           </a:xfrm>
         </p:spPr>
         <p:txBody>
@@ -4669,7 +5829,7 @@
           <a:p>
             <a:pPr lvl="0"/>
             <a:r>
-              <a:rPr lang="en-US" altLang="ko-KR" b="1" dirty="0">
+              <a:rPr lang="en-US" altLang="ko-KR" sz="2400" b="1" dirty="0">
                 <a:latin typeface="+mn-lt"/>
                 <a:cs typeface="+mn-cs"/>
               </a:rPr>
@@ -4682,7 +5842,7 @@
               <a:buChar char="•"/>
             </a:pPr>
             <a:r>
-              <a:rPr lang="en-US" altLang="ko-KR" sz="2000" b="1" dirty="0">
+              <a:rPr lang="en-US" altLang="ko-KR" sz="2400" b="1" dirty="0">
                 <a:solidFill>
                   <a:schemeClr val="bg1"/>
                 </a:solidFill>
@@ -4696,7 +5856,7 @@
               <a:buChar char="•"/>
             </a:pPr>
             <a:r>
-              <a:rPr lang="en-US" altLang="ko-KR" sz="2000" b="1" dirty="0">
+              <a:rPr lang="en-US" altLang="ko-KR" sz="2400" b="1" dirty="0">
                 <a:solidFill>
                   <a:schemeClr val="bg1"/>
                 </a:solidFill>
@@ -4710,7 +5870,7 @@
               <a:buChar char="•"/>
             </a:pPr>
             <a:r>
-              <a:rPr lang="en-US" altLang="ko-KR" sz="2000" b="1" dirty="0">
+              <a:rPr lang="en-US" altLang="ko-KR" sz="2400" b="1" dirty="0">
                 <a:solidFill>
                   <a:schemeClr val="bg1"/>
                 </a:solidFill>
@@ -4724,7 +5884,7 @@
               <a:buChar char="•"/>
             </a:pPr>
             <a:r>
-              <a:rPr lang="en-US" altLang="ko-KR" sz="2000" b="1" dirty="0">
+              <a:rPr lang="en-US" altLang="ko-KR" sz="2400" b="1" dirty="0">
                 <a:solidFill>
                   <a:schemeClr val="bg1"/>
                 </a:solidFill>
@@ -4734,14 +5894,14 @@
           </a:p>
           <a:p>
             <a:pPr lvl="0"/>
-            <a:endParaRPr lang="en-US" altLang="ko-KR" b="1" dirty="0">
+            <a:endParaRPr lang="en-US" altLang="ko-KR" sz="2400" b="1" dirty="0">
               <a:latin typeface="+mn-lt"/>
             </a:endParaRPr>
           </a:p>
           <a:p>
             <a:pPr lvl="0"/>
             <a:r>
-              <a:rPr lang="en-US" altLang="ko-KR" b="1" dirty="0">
+              <a:rPr lang="en-US" altLang="ko-KR" sz="2400" b="1" dirty="0">
                 <a:latin typeface="+mn-lt"/>
                 <a:cs typeface="+mn-cs"/>
               </a:rPr>
@@ -4754,7 +5914,7 @@
               <a:buChar char="•"/>
             </a:pPr>
             <a:r>
-              <a:rPr lang="en-US" altLang="ko-KR" sz="2000" b="1" dirty="0">
+              <a:rPr lang="en-US" altLang="ko-KR" sz="2400" b="1" dirty="0">
                 <a:solidFill>
                   <a:schemeClr val="bg1"/>
                 </a:solidFill>
@@ -4768,7 +5928,7 @@
               <a:buChar char="•"/>
             </a:pPr>
             <a:r>
-              <a:rPr lang="en-US" altLang="ko-KR" sz="2000" b="1" dirty="0">
+              <a:rPr lang="en-US" altLang="ko-KR" sz="2400" b="1" dirty="0">
                 <a:solidFill>
                   <a:schemeClr val="bg1"/>
                 </a:solidFill>
@@ -4782,7 +5942,7 @@
               <a:buChar char="•"/>
             </a:pPr>
             <a:r>
-              <a:rPr lang="en-US" altLang="ko-KR" sz="2000" b="1" dirty="0">
+              <a:rPr lang="en-US" altLang="ko-KR" sz="2400" b="1" dirty="0">
                 <a:solidFill>
                   <a:schemeClr val="bg1"/>
                 </a:solidFill>
@@ -4871,7 +6031,339 @@
                 <a:latin typeface="Malgun Gothic" panose="020B0503020000020004" pitchFamily="34" charset="-127"/>
                 <a:ea typeface="Malgun Gothic" panose="020B0503020000020004" pitchFamily="34" charset="-127"/>
               </a:rPr>
-              <a:t>Predicting delayed</a:t>
+              <a:t>Newark: flight status and weather</a:t>
+            </a:r>
+            <a:endParaRPr lang="ko-KR" altLang="en-US" dirty="0">
+              <a:latin typeface="Malgun Gothic" panose="020B0503020000020004" pitchFamily="34" charset="-127"/>
+              <a:ea typeface="Malgun Gothic" panose="020B0503020000020004" pitchFamily="34" charset="-127"/>
+            </a:endParaRPr>
+          </a:p>
+        </p:txBody>
+      </p:sp>
+      <p:pic>
+        <p:nvPicPr>
+          <p:cNvPr id="6" name="Picture 5" descr="Chart, bar chart&#10;&#10;Description automatically generated">
+            <a:extLst>
+              <a:ext uri="{FF2B5EF4-FFF2-40B4-BE49-F238E27FC236}">
+                <a16:creationId xmlns:a16="http://schemas.microsoft.com/office/drawing/2014/main" id="{1907718F-F1C0-6DDB-F36B-CF9E52748814}"/>
+              </a:ext>
+            </a:extLst>
+          </p:cNvPr>
+          <p:cNvPicPr>
+            <a:picLocks noChangeAspect="1"/>
+          </p:cNvPicPr>
+          <p:nvPr/>
+        </p:nvPicPr>
+        <p:blipFill>
+          <a:blip r:embed="rId3">
+            <a:extLst>
+              <a:ext uri="{28A0092B-C50C-407E-A947-70E740481C1C}">
+                <a14:useLocalDpi xmlns:a14="http://schemas.microsoft.com/office/drawing/2010/main" val="0"/>
+              </a:ext>
+            </a:extLst>
+          </a:blip>
+          <a:stretch>
+            <a:fillRect/>
+          </a:stretch>
+        </p:blipFill>
+        <p:spPr>
+          <a:xfrm>
+            <a:off x="407368" y="1268760"/>
+            <a:ext cx="6048672" cy="5292588"/>
+          </a:xfrm>
+          <a:prstGeom prst="rect">
+            <a:avLst/>
+          </a:prstGeom>
+        </p:spPr>
+      </p:pic>
+      <p:sp>
+        <p:nvSpPr>
+          <p:cNvPr id="2" name="TextBox 1">
+            <a:extLst>
+              <a:ext uri="{FF2B5EF4-FFF2-40B4-BE49-F238E27FC236}">
+                <a16:creationId xmlns:a16="http://schemas.microsoft.com/office/drawing/2014/main" id="{860469D3-0ED0-1628-EC83-48BD5125765A}"/>
+              </a:ext>
+            </a:extLst>
+          </p:cNvPr>
+          <p:cNvSpPr txBox="1"/>
+          <p:nvPr/>
+        </p:nvSpPr>
+        <p:spPr>
+          <a:xfrm>
+            <a:off x="6888088" y="1268760"/>
+            <a:ext cx="4896544" cy="1631216"/>
+          </a:xfrm>
+          <a:prstGeom prst="rect">
+            <a:avLst/>
+          </a:prstGeom>
+          <a:noFill/>
+        </p:spPr>
+        <p:txBody>
+          <a:bodyPr wrap="square" rtlCol="0">
+            <a:spAutoFit/>
+          </a:bodyPr>
+          <a:lstStyle/>
+          <a:p>
+            <a:pPr marL="285750" indent="-285750" latinLnBrk="0">
+              <a:buFont typeface="Arial" panose="020B0604020202020204" pitchFamily="34" charset="0"/>
+              <a:buChar char="•"/>
+            </a:pPr>
+            <a:r>
+              <a:rPr lang="en-GB" sz="2000" b="1" dirty="0">
+                <a:solidFill>
+                  <a:schemeClr val="bg1"/>
+                </a:solidFill>
+              </a:rPr>
+              <a:t>Departure flights impacted when snowfall hits 50mm </a:t>
+            </a:r>
+          </a:p>
+          <a:p>
+            <a:pPr marL="285750" indent="-285750" latinLnBrk="0">
+              <a:buFont typeface="Arial" panose="020B0604020202020204" pitchFamily="34" charset="0"/>
+              <a:buChar char="•"/>
+            </a:pPr>
+            <a:r>
+              <a:rPr lang="en-GB" sz="2000" b="1" dirty="0">
+                <a:solidFill>
+                  <a:schemeClr val="bg1"/>
+                </a:solidFill>
+              </a:rPr>
+              <a:t>Higher snowfall leads to higher chance of flight delays or cancellations</a:t>
+            </a:r>
+          </a:p>
+        </p:txBody>
+      </p:sp>
+    </p:spTree>
+    <p:extLst>
+      <p:ext uri="{BB962C8B-B14F-4D97-AF65-F5344CB8AC3E}">
+        <p14:creationId xmlns:p14="http://schemas.microsoft.com/office/powerpoint/2010/main" val="3919918713"/>
+      </p:ext>
+    </p:extLst>
+  </p:cSld>
+  <p:clrMapOvr>
+    <a:masterClrMapping/>
+  </p:clrMapOvr>
+</p:sld>
+</file>
+
+<file path=ppt/slides/slide5.xml><?xml version="1.0" encoding="utf-8"?>
+<p:sld xmlns:a="http://schemas.openxmlformats.org/drawingml/2006/main" xmlns:r="http://schemas.openxmlformats.org/officeDocument/2006/relationships" xmlns:p="http://schemas.openxmlformats.org/presentationml/2006/main">
+  <p:cSld>
+    <p:spTree>
+      <p:nvGrpSpPr>
+        <p:cNvPr id="1" name=""/>
+        <p:cNvGrpSpPr/>
+        <p:nvPr/>
+      </p:nvGrpSpPr>
+      <p:grpSpPr>
+        <a:xfrm>
+          <a:off x="0" y="0"/>
+          <a:ext cx="0" cy="0"/>
+          <a:chOff x="0" y="0"/>
+          <a:chExt cx="0" cy="0"/>
+        </a:xfrm>
+      </p:grpSpPr>
+      <p:sp>
+        <p:nvSpPr>
+          <p:cNvPr id="4" name="Title 3"/>
+          <p:cNvSpPr>
+            <a:spLocks noGrp="1"/>
+          </p:cNvSpPr>
+          <p:nvPr>
+            <p:ph type="title"/>
+          </p:nvPr>
+        </p:nvSpPr>
+        <p:spPr/>
+        <p:txBody>
+          <a:bodyPr/>
+          <a:lstStyle/>
+          <a:p>
+            <a:r>
+              <a:rPr lang="en-US" altLang="ko-KR" dirty="0">
+                <a:latin typeface="Malgun Gothic" panose="020B0503020000020004" pitchFamily="34" charset="-127"/>
+                <a:ea typeface="Malgun Gothic" panose="020B0503020000020004" pitchFamily="34" charset="-127"/>
+              </a:rPr>
+              <a:t>Newark: flight status and weather</a:t>
+            </a:r>
+            <a:endParaRPr lang="ko-KR" altLang="en-US" dirty="0">
+              <a:latin typeface="Malgun Gothic" panose="020B0503020000020004" pitchFamily="34" charset="-127"/>
+              <a:ea typeface="Malgun Gothic" panose="020B0503020000020004" pitchFamily="34" charset="-127"/>
+            </a:endParaRPr>
+          </a:p>
+        </p:txBody>
+      </p:sp>
+      <p:pic>
+        <p:nvPicPr>
+          <p:cNvPr id="11" name="Picture 10" descr="Chart, bar chart&#10;&#10;Description automatically generated">
+            <a:extLst>
+              <a:ext uri="{FF2B5EF4-FFF2-40B4-BE49-F238E27FC236}">
+                <a16:creationId xmlns:a16="http://schemas.microsoft.com/office/drawing/2014/main" id="{A5D0CEEC-2F4F-7AA7-1353-21E83ABC0736}"/>
+              </a:ext>
+            </a:extLst>
+          </p:cNvPr>
+          <p:cNvPicPr>
+            <a:picLocks noChangeAspect="1"/>
+          </p:cNvPicPr>
+          <p:nvPr/>
+        </p:nvPicPr>
+        <p:blipFill>
+          <a:blip r:embed="rId3">
+            <a:extLst>
+              <a:ext uri="{28A0092B-C50C-407E-A947-70E740481C1C}">
+                <a14:useLocalDpi xmlns:a14="http://schemas.microsoft.com/office/drawing/2010/main" val="0"/>
+              </a:ext>
+            </a:extLst>
+          </a:blip>
+          <a:stretch>
+            <a:fillRect/>
+          </a:stretch>
+        </p:blipFill>
+        <p:spPr>
+          <a:xfrm>
+            <a:off x="263352" y="1268760"/>
+            <a:ext cx="7812369" cy="5468658"/>
+          </a:xfrm>
+          <a:prstGeom prst="rect">
+            <a:avLst/>
+          </a:prstGeom>
+        </p:spPr>
+      </p:pic>
+      <p:sp>
+        <p:nvSpPr>
+          <p:cNvPr id="2" name="TextBox 1">
+            <a:extLst>
+              <a:ext uri="{FF2B5EF4-FFF2-40B4-BE49-F238E27FC236}">
+                <a16:creationId xmlns:a16="http://schemas.microsoft.com/office/drawing/2014/main" id="{4BCCE3F5-7F43-2D27-857C-C5D13AABD032}"/>
+              </a:ext>
+            </a:extLst>
+          </p:cNvPr>
+          <p:cNvSpPr txBox="1"/>
+          <p:nvPr/>
+        </p:nvSpPr>
+        <p:spPr>
+          <a:xfrm>
+            <a:off x="8328248" y="1412776"/>
+            <a:ext cx="3600400" cy="5016758"/>
+          </a:xfrm>
+          <a:prstGeom prst="rect">
+            <a:avLst/>
+          </a:prstGeom>
+          <a:noFill/>
+        </p:spPr>
+        <p:txBody>
+          <a:bodyPr wrap="square" rtlCol="0">
+            <a:spAutoFit/>
+          </a:bodyPr>
+          <a:lstStyle/>
+          <a:p>
+            <a:pPr marL="285750" indent="-285750" latinLnBrk="0">
+              <a:buFont typeface="Arial" panose="020B0604020202020204" pitchFamily="34" charset="0"/>
+              <a:buChar char="•"/>
+            </a:pPr>
+            <a:r>
+              <a:rPr lang="en-GB" sz="2000" b="1" dirty="0">
+                <a:solidFill>
+                  <a:schemeClr val="bg1"/>
+                </a:solidFill>
+              </a:rPr>
+              <a:t>Average of around 75% flights depart on time within temperature range 0.1°C - 25°C</a:t>
+            </a:r>
+          </a:p>
+          <a:p>
+            <a:pPr marL="285750" indent="-285750" latinLnBrk="0">
+              <a:buFont typeface="Arial" panose="020B0604020202020204" pitchFamily="34" charset="0"/>
+              <a:buChar char="•"/>
+            </a:pPr>
+            <a:r>
+              <a:rPr lang="en-GB" sz="2000" b="1" dirty="0">
+                <a:solidFill>
+                  <a:schemeClr val="bg1"/>
+                </a:solidFill>
+              </a:rPr>
+              <a:t>More flight delays when temperature at 0°C or below and 25.1°C or above</a:t>
+            </a:r>
+          </a:p>
+          <a:p>
+            <a:pPr marL="285750" indent="-285750" latinLnBrk="0">
+              <a:buFont typeface="Arial" panose="020B0604020202020204" pitchFamily="34" charset="0"/>
+              <a:buChar char="•"/>
+            </a:pPr>
+            <a:r>
+              <a:rPr lang="en-GB" sz="2000" b="1" dirty="0">
+                <a:solidFill>
+                  <a:schemeClr val="bg1"/>
+                </a:solidFill>
+              </a:rPr>
+              <a:t>Lower temperature correlates with likelihood of snow</a:t>
+            </a:r>
+          </a:p>
+          <a:p>
+            <a:pPr marL="285750" indent="-285750" latinLnBrk="0">
+              <a:buFont typeface="Arial" panose="020B0604020202020204" pitchFamily="34" charset="0"/>
+              <a:buChar char="•"/>
+            </a:pPr>
+            <a:r>
+              <a:rPr lang="en-GB" sz="2000" b="1" dirty="0">
+                <a:solidFill>
+                  <a:schemeClr val="bg1"/>
+                </a:solidFill>
+              </a:rPr>
+              <a:t>Higher temperatures correlate with months where airport has highest number of scheduled departures</a:t>
+            </a:r>
+          </a:p>
+        </p:txBody>
+      </p:sp>
+    </p:spTree>
+    <p:extLst>
+      <p:ext uri="{BB962C8B-B14F-4D97-AF65-F5344CB8AC3E}">
+        <p14:creationId xmlns:p14="http://schemas.microsoft.com/office/powerpoint/2010/main" val="1387276238"/>
+      </p:ext>
+    </p:extLst>
+  </p:cSld>
+  <p:clrMapOvr>
+    <a:masterClrMapping/>
+  </p:clrMapOvr>
+</p:sld>
+</file>
+
+<file path=ppt/slides/slide6.xml><?xml version="1.0" encoding="utf-8"?>
+<p:sld xmlns:a="http://schemas.openxmlformats.org/drawingml/2006/main" xmlns:r="http://schemas.openxmlformats.org/officeDocument/2006/relationships" xmlns:p="http://schemas.openxmlformats.org/presentationml/2006/main">
+  <p:cSld>
+    <p:spTree>
+      <p:nvGrpSpPr>
+        <p:cNvPr id="1" name=""/>
+        <p:cNvGrpSpPr/>
+        <p:nvPr/>
+      </p:nvGrpSpPr>
+      <p:grpSpPr>
+        <a:xfrm>
+          <a:off x="0" y="0"/>
+          <a:ext cx="0" cy="0"/>
+          <a:chOff x="0" y="0"/>
+          <a:chExt cx="0" cy="0"/>
+        </a:xfrm>
+      </p:grpSpPr>
+      <p:sp>
+        <p:nvSpPr>
+          <p:cNvPr id="4" name="Title 3"/>
+          <p:cNvSpPr>
+            <a:spLocks noGrp="1"/>
+          </p:cNvSpPr>
+          <p:nvPr>
+            <p:ph type="title"/>
+          </p:nvPr>
+        </p:nvSpPr>
+        <p:spPr/>
+        <p:txBody>
+          <a:bodyPr/>
+          <a:lstStyle/>
+          <a:p>
+            <a:r>
+              <a:rPr lang="en-US" altLang="ko-KR" dirty="0">
+                <a:latin typeface="Malgun Gothic" panose="020B0503020000020004" pitchFamily="34" charset="-127"/>
+                <a:ea typeface="Malgun Gothic" panose="020B0503020000020004" pitchFamily="34" charset="-127"/>
+              </a:rPr>
+              <a:t>Newark: predicting delayed</a:t>
             </a:r>
             <a:br>
               <a:rPr lang="en-US" altLang="ko-KR" dirty="0">
@@ -4921,7 +6413,7 @@
         </p:blipFill>
         <p:spPr>
           <a:xfrm>
-            <a:off x="251520" y="1412776"/>
+            <a:off x="335360" y="1340768"/>
             <a:ext cx="8484036" cy="4978656"/>
           </a:xfrm>
           <a:prstGeom prst="rect">
@@ -4932,7 +6424,7 @@
     </p:spTree>
     <p:extLst>
       <p:ext uri="{BB962C8B-B14F-4D97-AF65-F5344CB8AC3E}">
-        <p14:creationId xmlns:p14="http://schemas.microsoft.com/office/powerpoint/2010/main" val="2029593683"/>
+        <p14:creationId xmlns:p14="http://schemas.microsoft.com/office/powerpoint/2010/main" val="628037149"/>
       </p:ext>
     </p:extLst>
   </p:cSld>
@@ -4942,7 +6434,7 @@
 </p:sld>
 </file>
 
-<file path=ppt/slides/slide5.xml><?xml version="1.0" encoding="utf-8"?>
+<file path=ppt/slides/slide7.xml><?xml version="1.0" encoding="utf-8"?>
 <p:sld xmlns:a="http://schemas.openxmlformats.org/drawingml/2006/main" xmlns:r="http://schemas.openxmlformats.org/officeDocument/2006/relationships" xmlns:p="http://schemas.openxmlformats.org/presentationml/2006/main">
   <p:cSld>
     <p:spTree>
@@ -5014,7 +6506,7 @@
         </p:blipFill>
         <p:spPr>
           <a:xfrm>
-            <a:off x="1835696" y="980728"/>
+            <a:off x="3359696" y="980729"/>
             <a:ext cx="6552728" cy="4047403"/>
           </a:xfrm>
           <a:prstGeom prst="rect">
@@ -5040,7 +6532,7 @@
         </p:nvSpPr>
         <p:spPr>
           <a:xfrm>
-            <a:off x="1277888" y="5517232"/>
+            <a:off x="2801888" y="5517233"/>
             <a:ext cx="7668344" cy="1458993"/>
           </a:xfrm>
         </p:spPr>
@@ -5106,7 +6598,7 @@
 </p:sld>
 </file>
 
-<file path=ppt/slides/slide6.xml><?xml version="1.0" encoding="utf-8"?>
+<file path=ppt/slides/slide8.xml><?xml version="1.0" encoding="utf-8"?>
 <p:sld xmlns:a="http://schemas.openxmlformats.org/drawingml/2006/main" xmlns:r="http://schemas.openxmlformats.org/officeDocument/2006/relationships" xmlns:p="http://schemas.openxmlformats.org/presentationml/2006/main">
   <p:cSld>
     <p:spTree>
@@ -5153,10 +6645,10 @@
       </p:sp>
       <p:pic>
         <p:nvPicPr>
-          <p:cNvPr id="2" name="Picture 1" descr="Chart, line chart&#10;&#10;Description automatically generated">
+          <p:cNvPr id="5" name="Picture 4" descr="Chart, line chart&#10;&#10;Description automatically generated">
             <a:extLst>
               <a:ext uri="{FF2B5EF4-FFF2-40B4-BE49-F238E27FC236}">
-                <a16:creationId xmlns:a16="http://schemas.microsoft.com/office/drawing/2014/main" id="{14950B57-99DA-4558-5F6A-A420AB7A08EB}"/>
+                <a16:creationId xmlns:a16="http://schemas.microsoft.com/office/drawing/2014/main" id="{5A0C072C-E8F2-B0DD-35B3-51A230962A27}"/>
               </a:ext>
             </a:extLst>
           </p:cNvPr>
@@ -5179,8 +6671,44 @@
         </p:blipFill>
         <p:spPr>
           <a:xfrm>
-            <a:off x="1043608" y="1412776"/>
-            <a:ext cx="6955974" cy="4968552"/>
+            <a:off x="263352" y="1268760"/>
+            <a:ext cx="6794469" cy="5435575"/>
+          </a:xfrm>
+          <a:prstGeom prst="rect">
+            <a:avLst/>
+          </a:prstGeom>
+        </p:spPr>
+      </p:pic>
+      <p:pic>
+        <p:nvPicPr>
+          <p:cNvPr id="13" name="Picture 12" descr="Chart, line chart&#10;&#10;Description automatically generated">
+            <a:extLst>
+              <a:ext uri="{FF2B5EF4-FFF2-40B4-BE49-F238E27FC236}">
+                <a16:creationId xmlns:a16="http://schemas.microsoft.com/office/drawing/2014/main" id="{2C2059FD-9550-79F3-32C9-4E0AAC353FD6}"/>
+              </a:ext>
+            </a:extLst>
+          </p:cNvPr>
+          <p:cNvPicPr>
+            <a:picLocks noChangeAspect="1"/>
+          </p:cNvPicPr>
+          <p:nvPr/>
+        </p:nvPicPr>
+        <p:blipFill>
+          <a:blip r:embed="rId3">
+            <a:extLst>
+              <a:ext uri="{28A0092B-C50C-407E-A947-70E740481C1C}">
+                <a14:useLocalDpi xmlns:a14="http://schemas.microsoft.com/office/drawing/2010/main" val="0"/>
+              </a:ext>
+            </a:extLst>
+          </a:blip>
+          <a:stretch>
+            <a:fillRect/>
+          </a:stretch>
+        </p:blipFill>
+        <p:spPr>
+          <a:xfrm>
+            <a:off x="7283503" y="1268760"/>
+            <a:ext cx="4645145" cy="4064502"/>
           </a:xfrm>
           <a:prstGeom prst="rect">
             <a:avLst/>
@@ -5190,7 +6718,7 @@
     </p:spTree>
     <p:extLst>
       <p:ext uri="{BB962C8B-B14F-4D97-AF65-F5344CB8AC3E}">
-        <p14:creationId xmlns:p14="http://schemas.microsoft.com/office/powerpoint/2010/main" val="3482784889"/>
+        <p14:creationId xmlns:p14="http://schemas.microsoft.com/office/powerpoint/2010/main" val="772041981"/>
       </p:ext>
     </p:extLst>
   </p:cSld>
@@ -5768,4 +7296,299 @@
   <a:objectDefaults/>
   <a:extraClrSchemeLst/>
 </a:theme>
+</file>
+
+<file path=ppt/theme/theme3.xml><?xml version="1.0" encoding="utf-8"?>
+<a:theme xmlns:a="http://schemas.openxmlformats.org/drawingml/2006/main" name="Office Theme">
+  <a:themeElements>
+    <a:clrScheme name="Office">
+      <a:dk1>
+        <a:sysClr val="windowText" lastClr="000000"/>
+      </a:dk1>
+      <a:lt1>
+        <a:sysClr val="window" lastClr="FFFFFF"/>
+      </a:lt1>
+      <a:dk2>
+        <a:srgbClr val="44546A"/>
+      </a:dk2>
+      <a:lt2>
+        <a:srgbClr val="E7E6E6"/>
+      </a:lt2>
+      <a:accent1>
+        <a:srgbClr val="4472C4"/>
+      </a:accent1>
+      <a:accent2>
+        <a:srgbClr val="ED7D31"/>
+      </a:accent2>
+      <a:accent3>
+        <a:srgbClr val="A5A5A5"/>
+      </a:accent3>
+      <a:accent4>
+        <a:srgbClr val="FFC000"/>
+      </a:accent4>
+      <a:accent5>
+        <a:srgbClr val="5B9BD5"/>
+      </a:accent5>
+      <a:accent6>
+        <a:srgbClr val="70AD47"/>
+      </a:accent6>
+      <a:hlink>
+        <a:srgbClr val="0563C1"/>
+      </a:hlink>
+      <a:folHlink>
+        <a:srgbClr val="954F72"/>
+      </a:folHlink>
+    </a:clrScheme>
+    <a:fontScheme name="Office">
+      <a:majorFont>
+        <a:latin typeface="Calibri Light" panose="020F0302020204030204"/>
+        <a:ea typeface=""/>
+        <a:cs typeface=""/>
+        <a:font script="Jpan" typeface="游ゴシック Light"/>
+        <a:font script="Hang" typeface="맑은 고딕"/>
+        <a:font script="Hans" typeface="等线 Light"/>
+        <a:font script="Hant" typeface="新細明體"/>
+        <a:font script="Arab" typeface="Times New Roman"/>
+        <a:font script="Hebr" typeface="Times New Roman"/>
+        <a:font script="Thai" typeface="Angsana New"/>
+        <a:font script="Ethi" typeface="Nyala"/>
+        <a:font script="Beng" typeface="Vrinda"/>
+        <a:font script="Gujr" typeface="Shruti"/>
+        <a:font script="Khmr" typeface="MoolBoran"/>
+        <a:font script="Knda" typeface="Tunga"/>
+        <a:font script="Guru" typeface="Raavi"/>
+        <a:font script="Cans" typeface="Euphemia"/>
+        <a:font script="Cher" typeface="Plantagenet Cherokee"/>
+        <a:font script="Yiii" typeface="Microsoft Yi Baiti"/>
+        <a:font script="Tibt" typeface="Microsoft Himalaya"/>
+        <a:font script="Thaa" typeface="MV Boli"/>
+        <a:font script="Deva" typeface="Mangal"/>
+        <a:font script="Telu" typeface="Gautami"/>
+        <a:font script="Taml" typeface="Latha"/>
+        <a:font script="Syrc" typeface="Estrangelo Edessa"/>
+        <a:font script="Orya" typeface="Kalinga"/>
+        <a:font script="Mlym" typeface="Kartika"/>
+        <a:font script="Laoo" typeface="DokChampa"/>
+        <a:font script="Sinh" typeface="Iskoola Pota"/>
+        <a:font script="Mong" typeface="Mongolian Baiti"/>
+        <a:font script="Viet" typeface="Times New Roman"/>
+        <a:font script="Uigh" typeface="Microsoft Uighur"/>
+        <a:font script="Geor" typeface="Sylfaen"/>
+        <a:font script="Armn" typeface="Arial"/>
+        <a:font script="Bugi" typeface="Leelawadee UI"/>
+        <a:font script="Bopo" typeface="Microsoft JhengHei"/>
+        <a:font script="Java" typeface="Javanese Text"/>
+        <a:font script="Lisu" typeface="Segoe UI"/>
+        <a:font script="Mymr" typeface="Myanmar Text"/>
+        <a:font script="Nkoo" typeface="Ebrima"/>
+        <a:font script="Olck" typeface="Nirmala UI"/>
+        <a:font script="Osma" typeface="Ebrima"/>
+        <a:font script="Phag" typeface="Phagspa"/>
+        <a:font script="Syrn" typeface="Estrangelo Edessa"/>
+        <a:font script="Syrj" typeface="Estrangelo Edessa"/>
+        <a:font script="Syre" typeface="Estrangelo Edessa"/>
+        <a:font script="Sora" typeface="Nirmala UI"/>
+        <a:font script="Tale" typeface="Microsoft Tai Le"/>
+        <a:font script="Talu" typeface="Microsoft New Tai Lue"/>
+        <a:font script="Tfng" typeface="Ebrima"/>
+      </a:majorFont>
+      <a:minorFont>
+        <a:latin typeface="Calibri" panose="020F0502020204030204"/>
+        <a:ea typeface=""/>
+        <a:cs typeface=""/>
+        <a:font script="Jpan" typeface="游ゴシック"/>
+        <a:font script="Hang" typeface="맑은 고딕"/>
+        <a:font script="Hans" typeface="等线"/>
+        <a:font script="Hant" typeface="新細明體"/>
+        <a:font script="Arab" typeface="Arial"/>
+        <a:font script="Hebr" typeface="Arial"/>
+        <a:font script="Thai" typeface="Cordia New"/>
+        <a:font script="Ethi" typeface="Nyala"/>
+        <a:font script="Beng" typeface="Vrinda"/>
+        <a:font script="Gujr" typeface="Shruti"/>
+        <a:font script="Khmr" typeface="DaunPenh"/>
+        <a:font script="Knda" typeface="Tunga"/>
+        <a:font script="Guru" typeface="Raavi"/>
+        <a:font script="Cans" typeface="Euphemia"/>
+        <a:font script="Cher" typeface="Plantagenet Cherokee"/>
+        <a:font script="Yiii" typeface="Microsoft Yi Baiti"/>
+        <a:font script="Tibt" typeface="Microsoft Himalaya"/>
+        <a:font script="Thaa" typeface="MV Boli"/>
+        <a:font script="Deva" typeface="Mangal"/>
+        <a:font script="Telu" typeface="Gautami"/>
+        <a:font script="Taml" typeface="Latha"/>
+        <a:font script="Syrc" typeface="Estrangelo Edessa"/>
+        <a:font script="Orya" typeface="Kalinga"/>
+        <a:font script="Mlym" typeface="Kartika"/>
+        <a:font script="Laoo" typeface="DokChampa"/>
+        <a:font script="Sinh" typeface="Iskoola Pota"/>
+        <a:font script="Mong" typeface="Mongolian Baiti"/>
+        <a:font script="Viet" typeface="Arial"/>
+        <a:font script="Uigh" typeface="Microsoft Uighur"/>
+        <a:font script="Geor" typeface="Sylfaen"/>
+        <a:font script="Armn" typeface="Arial"/>
+        <a:font script="Bugi" typeface="Leelawadee UI"/>
+        <a:font script="Bopo" typeface="Microsoft JhengHei"/>
+        <a:font script="Java" typeface="Javanese Text"/>
+        <a:font script="Lisu" typeface="Segoe UI"/>
+        <a:font script="Mymr" typeface="Myanmar Text"/>
+        <a:font script="Nkoo" typeface="Ebrima"/>
+        <a:font script="Olck" typeface="Nirmala UI"/>
+        <a:font script="Osma" typeface="Ebrima"/>
+        <a:font script="Phag" typeface="Phagspa"/>
+        <a:font script="Syrn" typeface="Estrangelo Edessa"/>
+        <a:font script="Syrj" typeface="Estrangelo Edessa"/>
+        <a:font script="Syre" typeface="Estrangelo Edessa"/>
+        <a:font script="Sora" typeface="Nirmala UI"/>
+        <a:font script="Tale" typeface="Microsoft Tai Le"/>
+        <a:font script="Talu" typeface="Microsoft New Tai Lue"/>
+        <a:font script="Tfng" typeface="Ebrima"/>
+      </a:minorFont>
+    </a:fontScheme>
+    <a:fmtScheme name="Office">
+      <a:fillStyleLst>
+        <a:solidFill>
+          <a:schemeClr val="phClr"/>
+        </a:solidFill>
+        <a:gradFill rotWithShape="1">
+          <a:gsLst>
+            <a:gs pos="0">
+              <a:schemeClr val="phClr">
+                <a:lumMod val="110000"/>
+                <a:satMod val="105000"/>
+                <a:tint val="67000"/>
+              </a:schemeClr>
+            </a:gs>
+            <a:gs pos="50000">
+              <a:schemeClr val="phClr">
+                <a:lumMod val="105000"/>
+                <a:satMod val="103000"/>
+                <a:tint val="73000"/>
+              </a:schemeClr>
+            </a:gs>
+            <a:gs pos="100000">
+              <a:schemeClr val="phClr">
+                <a:lumMod val="105000"/>
+                <a:satMod val="109000"/>
+                <a:tint val="81000"/>
+              </a:schemeClr>
+            </a:gs>
+          </a:gsLst>
+          <a:lin ang="5400000" scaled="0"/>
+        </a:gradFill>
+        <a:gradFill rotWithShape="1">
+          <a:gsLst>
+            <a:gs pos="0">
+              <a:schemeClr val="phClr">
+                <a:satMod val="103000"/>
+                <a:lumMod val="102000"/>
+                <a:tint val="94000"/>
+              </a:schemeClr>
+            </a:gs>
+            <a:gs pos="50000">
+              <a:schemeClr val="phClr">
+                <a:satMod val="110000"/>
+                <a:lumMod val="100000"/>
+                <a:shade val="100000"/>
+              </a:schemeClr>
+            </a:gs>
+            <a:gs pos="100000">
+              <a:schemeClr val="phClr">
+                <a:lumMod val="99000"/>
+                <a:satMod val="120000"/>
+                <a:shade val="78000"/>
+              </a:schemeClr>
+            </a:gs>
+          </a:gsLst>
+          <a:lin ang="5400000" scaled="0"/>
+        </a:gradFill>
+      </a:fillStyleLst>
+      <a:lnStyleLst>
+        <a:ln w="6350" cap="flat" cmpd="sng" algn="ctr">
+          <a:solidFill>
+            <a:schemeClr val="phClr"/>
+          </a:solidFill>
+          <a:prstDash val="solid"/>
+          <a:miter lim="800000"/>
+        </a:ln>
+        <a:ln w="12700" cap="flat" cmpd="sng" algn="ctr">
+          <a:solidFill>
+            <a:schemeClr val="phClr"/>
+          </a:solidFill>
+          <a:prstDash val="solid"/>
+          <a:miter lim="800000"/>
+        </a:ln>
+        <a:ln w="19050" cap="flat" cmpd="sng" algn="ctr">
+          <a:solidFill>
+            <a:schemeClr val="phClr"/>
+          </a:solidFill>
+          <a:prstDash val="solid"/>
+          <a:miter lim="800000"/>
+        </a:ln>
+      </a:lnStyleLst>
+      <a:effectStyleLst>
+        <a:effectStyle>
+          <a:effectLst/>
+        </a:effectStyle>
+        <a:effectStyle>
+          <a:effectLst/>
+        </a:effectStyle>
+        <a:effectStyle>
+          <a:effectLst>
+            <a:outerShdw blurRad="57150" dist="19050" dir="5400000" algn="ctr" rotWithShape="0">
+              <a:srgbClr val="000000">
+                <a:alpha val="63000"/>
+              </a:srgbClr>
+            </a:outerShdw>
+          </a:effectLst>
+        </a:effectStyle>
+      </a:effectStyleLst>
+      <a:bgFillStyleLst>
+        <a:solidFill>
+          <a:schemeClr val="phClr"/>
+        </a:solidFill>
+        <a:solidFill>
+          <a:schemeClr val="phClr">
+            <a:tint val="95000"/>
+            <a:satMod val="170000"/>
+          </a:schemeClr>
+        </a:solidFill>
+        <a:gradFill rotWithShape="1">
+          <a:gsLst>
+            <a:gs pos="0">
+              <a:schemeClr val="phClr">
+                <a:tint val="93000"/>
+                <a:satMod val="150000"/>
+                <a:shade val="98000"/>
+                <a:lumMod val="102000"/>
+              </a:schemeClr>
+            </a:gs>
+            <a:gs pos="50000">
+              <a:schemeClr val="phClr">
+                <a:tint val="98000"/>
+                <a:satMod val="130000"/>
+                <a:shade val="90000"/>
+                <a:lumMod val="103000"/>
+              </a:schemeClr>
+            </a:gs>
+            <a:gs pos="100000">
+              <a:schemeClr val="phClr">
+                <a:shade val="63000"/>
+                <a:satMod val="120000"/>
+              </a:schemeClr>
+            </a:gs>
+          </a:gsLst>
+          <a:lin ang="5400000" scaled="0"/>
+        </a:gradFill>
+      </a:bgFillStyleLst>
+    </a:fmtScheme>
+  </a:themeElements>
+  <a:objectDefaults/>
+  <a:extraClrSchemeLst/>
+  <a:extLst>
+    <a:ext uri="{05A4C25C-085E-4340-85A3-A5531E510DB2}">
+      <thm15:themeFamily xmlns:thm15="http://schemas.microsoft.com/office/thememl/2012/main" name="Office Theme" id="{62F939B6-93AF-4DB8-9C6B-D6C7DFDC589F}" vid="{4A3C46E8-61CC-4603-A589-7422A47A8E4A}"/>
+    </a:ext>
+  </a:extLst>
+</a:theme>
 </file>
--- a/investigating_flight_delays_newark.pptx
+++ b/investigating_flight_delays_newark.pptx
@@ -6,17 +6,21 @@
     <p:sldMasterId id="2147483661" r:id="rId2"/>
   </p:sldMasterIdLst>
   <p:notesMasterIdLst>
-    <p:notesMasterId r:id="rId11"/>
+    <p:notesMasterId r:id="rId15"/>
   </p:notesMasterIdLst>
   <p:sldIdLst>
     <p:sldId id="256" r:id="rId3"/>
     <p:sldId id="257" r:id="rId4"/>
     <p:sldId id="260" r:id="rId5"/>
-    <p:sldId id="269" r:id="rId6"/>
-    <p:sldId id="270" r:id="rId7"/>
-    <p:sldId id="265" r:id="rId8"/>
-    <p:sldId id="259" r:id="rId9"/>
-    <p:sldId id="271" r:id="rId10"/>
+    <p:sldId id="272" r:id="rId6"/>
+    <p:sldId id="274" r:id="rId7"/>
+    <p:sldId id="270" r:id="rId8"/>
+    <p:sldId id="278" r:id="rId9"/>
+    <p:sldId id="275" r:id="rId10"/>
+    <p:sldId id="265" r:id="rId11"/>
+    <p:sldId id="273" r:id="rId12"/>
+    <p:sldId id="271" r:id="rId13"/>
+    <p:sldId id="277" r:id="rId14"/>
   </p:sldIdLst>
   <p:sldSz cx="12192000" cy="6858000"/>
   <p:notesSz cx="6858000" cy="9144000"/>
@@ -137,7 +141,7 @@
 <file path=ppt/revisionInfo.xml><?xml version="1.0" encoding="utf-8"?>
 <p1510:revInfo xmlns:a="http://schemas.openxmlformats.org/drawingml/2006/main" xmlns:r="http://schemas.openxmlformats.org/officeDocument/2006/relationships" xmlns:p1510="http://schemas.microsoft.com/office/powerpoint/2015/10/main">
   <p1510:revLst>
-    <p1510:client id="{3089DFEA-8D83-4ED0-89C8-568DF49BA8E7}" v="38" dt="2023-04-30T21:28:07.657"/>
+    <p1510:client id="{3089DFEA-8D83-4ED0-89C8-568DF49BA8E7}" v="167" dt="2023-05-02T10:38:47.796"/>
   </p1510:revLst>
 </p1510:revInfo>
 </file>
@@ -147,12 +151,12 @@
   <pc:docChgLst>
     <pc:chgData name="Karen Gibson" userId="c392f04a823fc96c" providerId="LiveId" clId="{3089DFEA-8D83-4ED0-89C8-568DF49BA8E7}"/>
     <pc:docChg chg="undo custSel addSld delSld modSld sldOrd modMainMaster modNotesMaster">
-      <pc:chgData name="Karen Gibson" userId="c392f04a823fc96c" providerId="LiveId" clId="{3089DFEA-8D83-4ED0-89C8-568DF49BA8E7}" dt="2023-04-30T21:30:42.408" v="3283" actId="20577"/>
+      <pc:chgData name="Karen Gibson" userId="c392f04a823fc96c" providerId="LiveId" clId="{3089DFEA-8D83-4ED0-89C8-568DF49BA8E7}" dt="2023-05-02T10:43:36.500" v="13812" actId="20577"/>
       <pc:docMkLst>
         <pc:docMk/>
       </pc:docMkLst>
-      <pc:sldChg chg="modSp mod">
-        <pc:chgData name="Karen Gibson" userId="c392f04a823fc96c" providerId="LiveId" clId="{3089DFEA-8D83-4ED0-89C8-568DF49BA8E7}" dt="2023-04-30T19:54:46.481" v="2511"/>
+      <pc:sldChg chg="modSp mod modNotesTx">
+        <pc:chgData name="Karen Gibson" userId="c392f04a823fc96c" providerId="LiveId" clId="{3089DFEA-8D83-4ED0-89C8-568DF49BA8E7}" dt="2023-05-02T09:46:02.399" v="8354" actId="20577"/>
         <pc:sldMkLst>
           <pc:docMk/>
           <pc:sldMk cId="1941221791" sldId="256"/>
@@ -175,7 +179,7 @@
         </pc:spChg>
       </pc:sldChg>
       <pc:sldChg chg="delSp modSp mod">
-        <pc:chgData name="Karen Gibson" userId="c392f04a823fc96c" providerId="LiveId" clId="{3089DFEA-8D83-4ED0-89C8-568DF49BA8E7}" dt="2023-04-30T21:12:19.465" v="2639" actId="948"/>
+        <pc:chgData name="Karen Gibson" userId="c392f04a823fc96c" providerId="LiveId" clId="{3089DFEA-8D83-4ED0-89C8-568DF49BA8E7}" dt="2023-05-02T09:58:09.371" v="8695" actId="20577"/>
         <pc:sldMkLst>
           <pc:docMk/>
           <pc:sldMk cId="891763176" sldId="257"/>
@@ -189,7 +193,7 @@
           </ac:spMkLst>
         </pc:spChg>
         <pc:spChg chg="mod">
-          <ac:chgData name="Karen Gibson" userId="c392f04a823fc96c" providerId="LiveId" clId="{3089DFEA-8D83-4ED0-89C8-568DF49BA8E7}" dt="2023-04-30T21:12:19.465" v="2639" actId="948"/>
+          <ac:chgData name="Karen Gibson" userId="c392f04a823fc96c" providerId="LiveId" clId="{3089DFEA-8D83-4ED0-89C8-568DF49BA8E7}" dt="2023-05-02T09:58:09.371" v="8695" actId="20577"/>
           <ac:spMkLst>
             <pc:docMk/>
             <pc:sldMk cId="891763176" sldId="257"/>
@@ -205,12 +209,20 @@
           </ac:spMkLst>
         </pc:spChg>
       </pc:sldChg>
-      <pc:sldChg chg="addSp delSp modSp mod setBg">
-        <pc:chgData name="Karen Gibson" userId="c392f04a823fc96c" providerId="LiveId" clId="{3089DFEA-8D83-4ED0-89C8-568DF49BA8E7}" dt="2023-04-30T19:54:46.481" v="2511"/>
+      <pc:sldChg chg="addSp delSp modSp del mod setBg">
+        <pc:chgData name="Karen Gibson" userId="c392f04a823fc96c" providerId="LiveId" clId="{3089DFEA-8D83-4ED0-89C8-568DF49BA8E7}" dt="2023-05-01T09:07:42.163" v="3629" actId="2696"/>
         <pc:sldMkLst>
           <pc:docMk/>
           <pc:sldMk cId="3659674305" sldId="259"/>
         </pc:sldMkLst>
+        <pc:spChg chg="add mod">
+          <ac:chgData name="Karen Gibson" userId="c392f04a823fc96c" providerId="LiveId" clId="{3089DFEA-8D83-4ED0-89C8-568DF49BA8E7}" dt="2023-05-01T09:06:49.916" v="3623" actId="21"/>
+          <ac:spMkLst>
+            <pc:docMk/>
+            <pc:sldMk cId="3659674305" sldId="259"/>
+            <ac:spMk id="3" creationId="{25E07BD7-FA75-CB97-8233-D133875987CF}"/>
+          </ac:spMkLst>
+        </pc:spChg>
         <pc:spChg chg="add del mod">
           <ac:chgData name="Karen Gibson" userId="c392f04a823fc96c" providerId="LiveId" clId="{3089DFEA-8D83-4ED0-89C8-568DF49BA8E7}" dt="2023-04-28T09:44:26.973" v="657" actId="478"/>
           <ac:spMkLst>
@@ -307,8 +319,8 @@
             <ac:spMk id="16" creationId="{67211480-73AF-D1EF-9298-5551BE0A4AB8}"/>
           </ac:spMkLst>
         </pc:spChg>
-        <pc:spChg chg="add mod">
-          <ac:chgData name="Karen Gibson" userId="c392f04a823fc96c" providerId="LiveId" clId="{3089DFEA-8D83-4ED0-89C8-568DF49BA8E7}" dt="2023-04-30T19:54:46.481" v="2511"/>
+        <pc:spChg chg="add del mod">
+          <ac:chgData name="Karen Gibson" userId="c392f04a823fc96c" providerId="LiveId" clId="{3089DFEA-8D83-4ED0-89C8-568DF49BA8E7}" dt="2023-05-01T09:06:49.916" v="3623" actId="21"/>
           <ac:spMkLst>
             <pc:docMk/>
             <pc:sldMk cId="3659674305" sldId="259"/>
@@ -331,8 +343,8 @@
             <ac:picMk id="20" creationId="{B7D50AEE-395A-8D70-AC97-F980AB7F882A}"/>
           </ac:picMkLst>
         </pc:picChg>
-        <pc:picChg chg="add mod">
-          <ac:chgData name="Karen Gibson" userId="c392f04a823fc96c" providerId="LiveId" clId="{3089DFEA-8D83-4ED0-89C8-568DF49BA8E7}" dt="2023-04-30T19:54:46.481" v="2511"/>
+        <pc:picChg chg="add del mod">
+          <ac:chgData name="Karen Gibson" userId="c392f04a823fc96c" providerId="LiveId" clId="{3089DFEA-8D83-4ED0-89C8-568DF49BA8E7}" dt="2023-05-01T09:04:18.185" v="3602" actId="478"/>
           <ac:picMkLst>
             <pc:docMk/>
             <pc:sldMk cId="3659674305" sldId="259"/>
@@ -341,7 +353,7 @@
         </pc:picChg>
       </pc:sldChg>
       <pc:sldChg chg="modSp add mod">
-        <pc:chgData name="Karen Gibson" userId="c392f04a823fc96c" providerId="LiveId" clId="{3089DFEA-8D83-4ED0-89C8-568DF49BA8E7}" dt="2023-04-30T21:13:14.975" v="2644" actId="1076"/>
+        <pc:chgData name="Karen Gibson" userId="c392f04a823fc96c" providerId="LiveId" clId="{3089DFEA-8D83-4ED0-89C8-568DF49BA8E7}" dt="2023-05-02T09:56:30.896" v="8442" actId="20577"/>
         <pc:sldMkLst>
           <pc:docMk/>
           <pc:sldMk cId="2576368514" sldId="260"/>
@@ -355,7 +367,7 @@
           </ac:spMkLst>
         </pc:spChg>
         <pc:spChg chg="mod">
-          <ac:chgData name="Karen Gibson" userId="c392f04a823fc96c" providerId="LiveId" clId="{3089DFEA-8D83-4ED0-89C8-568DF49BA8E7}" dt="2023-04-30T21:13:14.975" v="2644" actId="1076"/>
+          <ac:chgData name="Karen Gibson" userId="c392f04a823fc96c" providerId="LiveId" clId="{3089DFEA-8D83-4ED0-89C8-568DF49BA8E7}" dt="2023-05-02T09:56:30.896" v="8442" actId="20577"/>
           <ac:spMkLst>
             <pc:docMk/>
             <pc:sldMk cId="2576368514" sldId="260"/>
@@ -623,8 +635,8 @@
           </ac:picMkLst>
         </pc:picChg>
       </pc:sldChg>
-      <pc:sldChg chg="modSp add mod">
-        <pc:chgData name="Karen Gibson" userId="c392f04a823fc96c" providerId="LiveId" clId="{3089DFEA-8D83-4ED0-89C8-568DF49BA8E7}" dt="2023-04-30T21:30:42.408" v="3283" actId="20577"/>
+      <pc:sldChg chg="addSp delSp modSp add mod modNotesTx">
+        <pc:chgData name="Karen Gibson" userId="c392f04a823fc96c" providerId="LiveId" clId="{3089DFEA-8D83-4ED0-89C8-568DF49BA8E7}" dt="2023-05-02T10:24:21.490" v="11980" actId="20577"/>
         <pc:sldMkLst>
           <pc:docMk/>
           <pc:sldMk cId="628037149" sldId="265"/>
@@ -637,8 +649,40 @@
             <ac:spMk id="4" creationId="{00000000-0000-0000-0000-000000000000}"/>
           </ac:spMkLst>
         </pc:spChg>
-        <pc:picChg chg="mod">
-          <ac:chgData name="Karen Gibson" userId="c392f04a823fc96c" providerId="LiveId" clId="{3089DFEA-8D83-4ED0-89C8-568DF49BA8E7}" dt="2023-04-30T21:15:20.174" v="2645" actId="1076"/>
+        <pc:spChg chg="add mod">
+          <ac:chgData name="Karen Gibson" userId="c392f04a823fc96c" providerId="LiveId" clId="{3089DFEA-8D83-4ED0-89C8-568DF49BA8E7}" dt="2023-05-01T11:18:29.795" v="4354" actId="255"/>
+          <ac:spMkLst>
+            <pc:docMk/>
+            <pc:sldMk cId="628037149" sldId="265"/>
+            <ac:spMk id="9" creationId="{A6D2FCF8-5541-7E73-C809-0642CB3AE1BE}"/>
+          </ac:spMkLst>
+        </pc:spChg>
+        <pc:picChg chg="add del mod">
+          <ac:chgData name="Karen Gibson" userId="c392f04a823fc96c" providerId="LiveId" clId="{3089DFEA-8D83-4ED0-89C8-568DF49BA8E7}" dt="2023-05-01T08:11:25.011" v="3297" actId="478"/>
+          <ac:picMkLst>
+            <pc:docMk/>
+            <pc:sldMk cId="628037149" sldId="265"/>
+            <ac:picMk id="3" creationId="{C879F2D1-3E0B-2196-210B-F85E42AC7D73}"/>
+          </ac:picMkLst>
+        </pc:picChg>
+        <pc:picChg chg="add del mod modCrop">
+          <ac:chgData name="Karen Gibson" userId="c392f04a823fc96c" providerId="LiveId" clId="{3089DFEA-8D83-4ED0-89C8-568DF49BA8E7}" dt="2023-05-01T08:35:10.581" v="3340" actId="478"/>
+          <ac:picMkLst>
+            <pc:docMk/>
+            <pc:sldMk cId="628037149" sldId="265"/>
+            <ac:picMk id="6" creationId="{E04EEF66-0303-A549-D5C5-2968955FAFEF}"/>
+          </ac:picMkLst>
+        </pc:picChg>
+        <pc:picChg chg="add mod">
+          <ac:chgData name="Karen Gibson" userId="c392f04a823fc96c" providerId="LiveId" clId="{3089DFEA-8D83-4ED0-89C8-568DF49BA8E7}" dt="2023-05-01T08:35:43.012" v="3348" actId="14100"/>
+          <ac:picMkLst>
+            <pc:docMk/>
+            <pc:sldMk cId="628037149" sldId="265"/>
+            <ac:picMk id="8" creationId="{74D5F771-E17A-7DB2-C27C-020C9F62FBC2}"/>
+          </ac:picMkLst>
+        </pc:picChg>
+        <pc:picChg chg="del mod modCrop">
+          <ac:chgData name="Karen Gibson" userId="c392f04a823fc96c" providerId="LiveId" clId="{3089DFEA-8D83-4ED0-89C8-568DF49BA8E7}" dt="2023-05-01T08:35:11.763" v="3341" actId="478"/>
           <ac:picMkLst>
             <pc:docMk/>
             <pc:sldMk cId="628037149" sldId="265"/>
@@ -731,14 +775,14 @@
           </ac:picMkLst>
         </pc:picChg>
       </pc:sldChg>
-      <pc:sldChg chg="addSp delSp modSp add mod">
-        <pc:chgData name="Karen Gibson" userId="c392f04a823fc96c" providerId="LiveId" clId="{3089DFEA-8D83-4ED0-89C8-568DF49BA8E7}" dt="2023-04-30T21:30:27.526" v="3263" actId="20577"/>
+      <pc:sldChg chg="addSp delSp modSp add del mod">
+        <pc:chgData name="Karen Gibson" userId="c392f04a823fc96c" providerId="LiveId" clId="{3089DFEA-8D83-4ED0-89C8-568DF49BA8E7}" dt="2023-05-01T19:10:56.954" v="6763" actId="47"/>
         <pc:sldMkLst>
           <pc:docMk/>
           <pc:sldMk cId="3919918713" sldId="269"/>
         </pc:sldMkLst>
         <pc:spChg chg="add mod">
-          <ac:chgData name="Karen Gibson" userId="c392f04a823fc96c" providerId="LiveId" clId="{3089DFEA-8D83-4ED0-89C8-568DF49BA8E7}" dt="2023-04-30T21:29:37.535" v="3253" actId="20577"/>
+          <ac:chgData name="Karen Gibson" userId="c392f04a823fc96c" providerId="LiveId" clId="{3089DFEA-8D83-4ED0-89C8-568DF49BA8E7}" dt="2023-05-01T11:12:06.845" v="4321" actId="5793"/>
           <ac:spMkLst>
             <pc:docMk/>
             <pc:sldMk cId="3919918713" sldId="269"/>
@@ -746,7 +790,7 @@
           </ac:spMkLst>
         </pc:spChg>
         <pc:spChg chg="mod">
-          <ac:chgData name="Karen Gibson" userId="c392f04a823fc96c" providerId="LiveId" clId="{3089DFEA-8D83-4ED0-89C8-568DF49BA8E7}" dt="2023-04-30T21:30:27.526" v="3263" actId="20577"/>
+          <ac:chgData name="Karen Gibson" userId="c392f04a823fc96c" providerId="LiveId" clId="{3089DFEA-8D83-4ED0-89C8-568DF49BA8E7}" dt="2023-05-01T09:18:19.984" v="3676" actId="20577"/>
           <ac:spMkLst>
             <pc:docMk/>
             <pc:sldMk cId="3919918713" sldId="269"/>
@@ -762,7 +806,15 @@
           </ac:picMkLst>
         </pc:picChg>
         <pc:picChg chg="add mod">
-          <ac:chgData name="Karen Gibson" userId="c392f04a823fc96c" providerId="LiveId" clId="{3089DFEA-8D83-4ED0-89C8-568DF49BA8E7}" dt="2023-04-30T20:18:27.455" v="2552" actId="1076"/>
+          <ac:chgData name="Karen Gibson" userId="c392f04a823fc96c" providerId="LiveId" clId="{3089DFEA-8D83-4ED0-89C8-568DF49BA8E7}" dt="2023-05-01T09:15:48.965" v="3637" actId="1076"/>
+          <ac:picMkLst>
+            <pc:docMk/>
+            <pc:sldMk cId="3919918713" sldId="269"/>
+            <ac:picMk id="5" creationId="{265AF85E-85E6-C542-041E-9A584C8AAEB7}"/>
+          </ac:picMkLst>
+        </pc:picChg>
+        <pc:picChg chg="add del mod">
+          <ac:chgData name="Karen Gibson" userId="c392f04a823fc96c" providerId="LiveId" clId="{3089DFEA-8D83-4ED0-89C8-568DF49BA8E7}" dt="2023-05-01T09:15:28.397" v="3630" actId="478"/>
           <ac:picMkLst>
             <pc:docMk/>
             <pc:sldMk cId="3919918713" sldId="269"/>
@@ -778,14 +830,14 @@
           </ac:picMkLst>
         </pc:picChg>
       </pc:sldChg>
-      <pc:sldChg chg="addSp delSp modSp add mod">
-        <pc:chgData name="Karen Gibson" userId="c392f04a823fc96c" providerId="LiveId" clId="{3089DFEA-8D83-4ED0-89C8-568DF49BA8E7}" dt="2023-04-30T21:30:33.371" v="3273" actId="20577"/>
+      <pc:sldChg chg="addSp delSp modSp add mod ord modNotesTx">
+        <pc:chgData name="Karen Gibson" userId="c392f04a823fc96c" providerId="LiveId" clId="{3089DFEA-8D83-4ED0-89C8-568DF49BA8E7}" dt="2023-05-02T10:42:47.746" v="13675" actId="5793"/>
         <pc:sldMkLst>
           <pc:docMk/>
           <pc:sldMk cId="1387276238" sldId="270"/>
         </pc:sldMkLst>
         <pc:spChg chg="add mod">
-          <ac:chgData name="Karen Gibson" userId="c392f04a823fc96c" providerId="LiveId" clId="{3089DFEA-8D83-4ED0-89C8-568DF49BA8E7}" dt="2023-04-30T21:26:43.521" v="3095" actId="20577"/>
+          <ac:chgData name="Karen Gibson" userId="c392f04a823fc96c" providerId="LiveId" clId="{3089DFEA-8D83-4ED0-89C8-568DF49BA8E7}" dt="2023-05-01T11:13:28.962" v="4339" actId="1076"/>
           <ac:spMkLst>
             <pc:docMk/>
             <pc:sldMk cId="1387276238" sldId="270"/>
@@ -793,7 +845,7 @@
           </ac:spMkLst>
         </pc:spChg>
         <pc:spChg chg="mod">
-          <ac:chgData name="Karen Gibson" userId="c392f04a823fc96c" providerId="LiveId" clId="{3089DFEA-8D83-4ED0-89C8-568DF49BA8E7}" dt="2023-04-30T21:30:33.371" v="3273" actId="20577"/>
+          <ac:chgData name="Karen Gibson" userId="c392f04a823fc96c" providerId="LiveId" clId="{3089DFEA-8D83-4ED0-89C8-568DF49BA8E7}" dt="2023-05-01T09:18:30.426" v="3722" actId="20577"/>
           <ac:spMkLst>
             <pc:docMk/>
             <pc:sldMk cId="1387276238" sldId="270"/>
@@ -841,8 +893,8 @@
           </ac:picMkLst>
         </pc:picChg>
       </pc:sldChg>
-      <pc:sldChg chg="addSp delSp modSp add mod">
-        <pc:chgData name="Karen Gibson" userId="c392f04a823fc96c" providerId="LiveId" clId="{3089DFEA-8D83-4ED0-89C8-568DF49BA8E7}" dt="2023-04-30T21:02:39.150" v="2618" actId="1076"/>
+      <pc:sldChg chg="addSp delSp modSp add mod modNotesTx">
+        <pc:chgData name="Karen Gibson" userId="c392f04a823fc96c" providerId="LiveId" clId="{3089DFEA-8D83-4ED0-89C8-568DF49BA8E7}" dt="2023-05-02T10:37:34.884" v="13617" actId="20577"/>
         <pc:sldMkLst>
           <pc:docMk/>
           <pc:sldMk cId="772041981" sldId="271"/>
@@ -856,7 +908,7 @@
           </ac:picMkLst>
         </pc:picChg>
         <pc:picChg chg="add mod">
-          <ac:chgData name="Karen Gibson" userId="c392f04a823fc96c" providerId="LiveId" clId="{3089DFEA-8D83-4ED0-89C8-568DF49BA8E7}" dt="2023-04-30T20:44:55.756" v="2591" actId="14100"/>
+          <ac:chgData name="Karen Gibson" userId="c392f04a823fc96c" providerId="LiveId" clId="{3089DFEA-8D83-4ED0-89C8-568DF49BA8E7}" dt="2023-05-01T11:08:23.244" v="4317" actId="1076"/>
           <ac:picMkLst>
             <pc:docMk/>
             <pc:sldMk cId="772041981" sldId="271"/>
@@ -888,13 +940,534 @@
           </ac:picMkLst>
         </pc:picChg>
         <pc:picChg chg="add mod">
-          <ac:chgData name="Karen Gibson" userId="c392f04a823fc96c" providerId="LiveId" clId="{3089DFEA-8D83-4ED0-89C8-568DF49BA8E7}" dt="2023-04-30T21:02:39.150" v="2618" actId="1076"/>
+          <ac:chgData name="Karen Gibson" userId="c392f04a823fc96c" providerId="LiveId" clId="{3089DFEA-8D83-4ED0-89C8-568DF49BA8E7}" dt="2023-05-01T11:08:25.036" v="4318" actId="1076"/>
           <ac:picMkLst>
             <pc:docMk/>
             <pc:sldMk cId="772041981" sldId="271"/>
             <ac:picMk id="13" creationId="{2C2059FD-9550-79F3-32C9-4E0AAC353FD6}"/>
           </ac:picMkLst>
         </pc:picChg>
+      </pc:sldChg>
+      <pc:sldChg chg="addSp delSp modSp new mod modNotesTx">
+        <pc:chgData name="Karen Gibson" userId="c392f04a823fc96c" providerId="LiveId" clId="{3089DFEA-8D83-4ED0-89C8-568DF49BA8E7}" dt="2023-05-02T09:57:53.628" v="8686" actId="20577"/>
+        <pc:sldMkLst>
+          <pc:docMk/>
+          <pc:sldMk cId="516576802" sldId="272"/>
+        </pc:sldMkLst>
+        <pc:spChg chg="mod">
+          <ac:chgData name="Karen Gibson" userId="c392f04a823fc96c" providerId="LiveId" clId="{3089DFEA-8D83-4ED0-89C8-568DF49BA8E7}" dt="2023-05-01T08:15:13.757" v="3338" actId="20577"/>
+          <ac:spMkLst>
+            <pc:docMk/>
+            <pc:sldMk cId="516576802" sldId="272"/>
+            <ac:spMk id="2" creationId="{99DC4286-1376-D367-27AA-601787205ED7}"/>
+          </ac:spMkLst>
+        </pc:spChg>
+        <pc:spChg chg="del">
+          <ac:chgData name="Karen Gibson" userId="c392f04a823fc96c" providerId="LiveId" clId="{3089DFEA-8D83-4ED0-89C8-568DF49BA8E7}" dt="2023-05-01T08:15:02.619" v="3306" actId="478"/>
+          <ac:spMkLst>
+            <pc:docMk/>
+            <pc:sldMk cId="516576802" sldId="272"/>
+            <ac:spMk id="3" creationId="{1D33E940-0CBB-57A2-EA08-F7BEEB6D097B}"/>
+          </ac:spMkLst>
+        </pc:spChg>
+        <pc:spChg chg="del">
+          <ac:chgData name="Karen Gibson" userId="c392f04a823fc96c" providerId="LiveId" clId="{3089DFEA-8D83-4ED0-89C8-568DF49BA8E7}" dt="2023-05-01T08:15:05.460" v="3307" actId="478"/>
+          <ac:spMkLst>
+            <pc:docMk/>
+            <pc:sldMk cId="516576802" sldId="272"/>
+            <ac:spMk id="4" creationId="{C1E220D0-D084-DA24-F6FB-963D0C385BE2}"/>
+          </ac:spMkLst>
+        </pc:spChg>
+        <pc:spChg chg="add mod">
+          <ac:chgData name="Karen Gibson" userId="c392f04a823fc96c" providerId="LiveId" clId="{3089DFEA-8D83-4ED0-89C8-568DF49BA8E7}" dt="2023-05-02T08:54:11.578" v="7566" actId="20577"/>
+          <ac:spMkLst>
+            <pc:docMk/>
+            <pc:sldMk cId="516576802" sldId="272"/>
+            <ac:spMk id="5" creationId="{E4FF8238-8C75-FB5E-ADB3-18E4F7EF400C}"/>
+          </ac:spMkLst>
+        </pc:spChg>
+      </pc:sldChg>
+      <pc:sldChg chg="addSp delSp modSp add mod ord modNotesTx">
+        <pc:chgData name="Karen Gibson" userId="c392f04a823fc96c" providerId="LiveId" clId="{3089DFEA-8D83-4ED0-89C8-568DF49BA8E7}" dt="2023-05-02T10:27:24.180" v="12626" actId="20577"/>
+        <pc:sldMkLst>
+          <pc:docMk/>
+          <pc:sldMk cId="3581301953" sldId="273"/>
+        </pc:sldMkLst>
+        <pc:spChg chg="del mod">
+          <ac:chgData name="Karen Gibson" userId="c392f04a823fc96c" providerId="LiveId" clId="{3089DFEA-8D83-4ED0-89C8-568DF49BA8E7}" dt="2023-05-01T09:06:55.540" v="3624" actId="478"/>
+          <ac:spMkLst>
+            <pc:docMk/>
+            <pc:sldMk cId="3581301953" sldId="273"/>
+            <ac:spMk id="2" creationId="{4BCCE3F5-7F43-2D27-857C-C5D13AABD032}"/>
+          </ac:spMkLst>
+        </pc:spChg>
+        <pc:spChg chg="mod">
+          <ac:chgData name="Karen Gibson" userId="c392f04a823fc96c" providerId="LiveId" clId="{3089DFEA-8D83-4ED0-89C8-568DF49BA8E7}" dt="2023-05-01T10:17:05.539" v="4238" actId="20577"/>
+          <ac:spMkLst>
+            <pc:docMk/>
+            <pc:sldMk cId="3581301953" sldId="273"/>
+            <ac:spMk id="4" creationId="{00000000-0000-0000-0000-000000000000}"/>
+          </ac:spMkLst>
+        </pc:spChg>
+        <pc:spChg chg="add mod">
+          <ac:chgData name="Karen Gibson" userId="c392f04a823fc96c" providerId="LiveId" clId="{3089DFEA-8D83-4ED0-89C8-568DF49BA8E7}" dt="2023-05-01T11:17:20.103" v="4348" actId="1076"/>
+          <ac:spMkLst>
+            <pc:docMk/>
+            <pc:sldMk cId="3581301953" sldId="273"/>
+            <ac:spMk id="10" creationId="{CEAC3E47-16DD-5FBB-A492-125DDA0236F0}"/>
+          </ac:spMkLst>
+        </pc:spChg>
+        <pc:picChg chg="add mod">
+          <ac:chgData name="Karen Gibson" userId="c392f04a823fc96c" providerId="LiveId" clId="{3089DFEA-8D83-4ED0-89C8-568DF49BA8E7}" dt="2023-05-02T09:00:53.013" v="7673" actId="1076"/>
+          <ac:picMkLst>
+            <pc:docMk/>
+            <pc:sldMk cId="3581301953" sldId="273"/>
+            <ac:picMk id="3" creationId="{D04EAB95-0236-8623-34AC-EA3D2AEF1450}"/>
+          </ac:picMkLst>
+        </pc:picChg>
+        <pc:picChg chg="add del mod">
+          <ac:chgData name="Karen Gibson" userId="c392f04a823fc96c" providerId="LiveId" clId="{3089DFEA-8D83-4ED0-89C8-568DF49BA8E7}" dt="2023-05-01T09:04:44.652" v="3608" actId="478"/>
+          <ac:picMkLst>
+            <pc:docMk/>
+            <pc:sldMk cId="3581301953" sldId="273"/>
+            <ac:picMk id="5" creationId="{DC47A41F-0AC3-87A2-43C3-0CC6E6C41F7D}"/>
+          </ac:picMkLst>
+        </pc:picChg>
+        <pc:picChg chg="add del mod">
+          <ac:chgData name="Karen Gibson" userId="c392f04a823fc96c" providerId="LiveId" clId="{3089DFEA-8D83-4ED0-89C8-568DF49BA8E7}" dt="2023-05-01T09:05:30.285" v="3614" actId="478"/>
+          <ac:picMkLst>
+            <pc:docMk/>
+            <pc:sldMk cId="3581301953" sldId="273"/>
+            <ac:picMk id="7" creationId="{4B46CB2C-17FF-E6F5-4212-23B93A75FBE1}"/>
+          </ac:picMkLst>
+        </pc:picChg>
+        <pc:picChg chg="add del mod">
+          <ac:chgData name="Karen Gibson" userId="c392f04a823fc96c" providerId="LiveId" clId="{3089DFEA-8D83-4ED0-89C8-568DF49BA8E7}" dt="2023-05-02T09:00:14.932" v="7668" actId="478"/>
+          <ac:picMkLst>
+            <pc:docMk/>
+            <pc:sldMk cId="3581301953" sldId="273"/>
+            <ac:picMk id="9" creationId="{23F9904B-9CD2-9131-820F-FA163530BB5C}"/>
+          </ac:picMkLst>
+        </pc:picChg>
+        <pc:picChg chg="del">
+          <ac:chgData name="Karen Gibson" userId="c392f04a823fc96c" providerId="LiveId" clId="{3089DFEA-8D83-4ED0-89C8-568DF49BA8E7}" dt="2023-05-01T09:04:29.408" v="3603" actId="478"/>
+          <ac:picMkLst>
+            <pc:docMk/>
+            <pc:sldMk cId="3581301953" sldId="273"/>
+            <ac:picMk id="11" creationId="{A5D0CEEC-2F4F-7AA7-1353-21E83ABC0736}"/>
+          </ac:picMkLst>
+        </pc:picChg>
+      </pc:sldChg>
+      <pc:sldChg chg="addSp delSp modSp add mod ord modNotesTx">
+        <pc:chgData name="Karen Gibson" userId="c392f04a823fc96c" providerId="LiveId" clId="{3089DFEA-8D83-4ED0-89C8-568DF49BA8E7}" dt="2023-05-02T10:42:40.575" v="13653" actId="5793"/>
+        <pc:sldMkLst>
+          <pc:docMk/>
+          <pc:sldMk cId="1726355069" sldId="274"/>
+        </pc:sldMkLst>
+        <pc:spChg chg="del mod">
+          <ac:chgData name="Karen Gibson" userId="c392f04a823fc96c" providerId="LiveId" clId="{3089DFEA-8D83-4ED0-89C8-568DF49BA8E7}" dt="2023-05-01T09:39:58.235" v="3803" actId="478"/>
+          <ac:spMkLst>
+            <pc:docMk/>
+            <pc:sldMk cId="1726355069" sldId="274"/>
+            <ac:spMk id="2" creationId="{4BCCE3F5-7F43-2D27-857C-C5D13AABD032}"/>
+          </ac:spMkLst>
+        </pc:spChg>
+        <pc:spChg chg="mod">
+          <ac:chgData name="Karen Gibson" userId="c392f04a823fc96c" providerId="LiveId" clId="{3089DFEA-8D83-4ED0-89C8-568DF49BA8E7}" dt="2023-05-01T09:33:43.775" v="3776" actId="20577"/>
+          <ac:spMkLst>
+            <pc:docMk/>
+            <pc:sldMk cId="1726355069" sldId="274"/>
+            <ac:spMk id="4" creationId="{00000000-0000-0000-0000-000000000000}"/>
+          </ac:spMkLst>
+        </pc:spChg>
+        <pc:spChg chg="add del mod">
+          <ac:chgData name="Karen Gibson" userId="c392f04a823fc96c" providerId="LiveId" clId="{3089DFEA-8D83-4ED0-89C8-568DF49BA8E7}" dt="2023-05-01T09:40:20.115" v="3805" actId="478"/>
+          <ac:spMkLst>
+            <pc:docMk/>
+            <pc:sldMk cId="1726355069" sldId="274"/>
+            <ac:spMk id="15" creationId="{11D4BDE2-5456-7372-3C62-4A50A4672237}"/>
+          </ac:spMkLst>
+        </pc:spChg>
+        <pc:spChg chg="add mod">
+          <ac:chgData name="Karen Gibson" userId="c392f04a823fc96c" providerId="LiveId" clId="{3089DFEA-8D83-4ED0-89C8-568DF49BA8E7}" dt="2023-05-01T11:12:45.748" v="4327" actId="1076"/>
+          <ac:spMkLst>
+            <pc:docMk/>
+            <pc:sldMk cId="1726355069" sldId="274"/>
+            <ac:spMk id="16" creationId="{273AA986-6BE8-B41F-A0A7-6C3C3EF626C6}"/>
+          </ac:spMkLst>
+        </pc:spChg>
+        <pc:picChg chg="add mod">
+          <ac:chgData name="Karen Gibson" userId="c392f04a823fc96c" providerId="LiveId" clId="{3089DFEA-8D83-4ED0-89C8-568DF49BA8E7}" dt="2023-05-02T09:03:27.721" v="7680" actId="14100"/>
+          <ac:picMkLst>
+            <pc:docMk/>
+            <pc:sldMk cId="1726355069" sldId="274"/>
+            <ac:picMk id="3" creationId="{207059B7-F8AC-BC04-CA8C-B75A4D64CD59}"/>
+          </ac:picMkLst>
+        </pc:picChg>
+        <pc:picChg chg="add del mod">
+          <ac:chgData name="Karen Gibson" userId="c392f04a823fc96c" providerId="LiveId" clId="{3089DFEA-8D83-4ED0-89C8-568DF49BA8E7}" dt="2023-05-01T09:29:35.469" v="3775" actId="478"/>
+          <ac:picMkLst>
+            <pc:docMk/>
+            <pc:sldMk cId="1726355069" sldId="274"/>
+            <ac:picMk id="5" creationId="{C255AEA8-FF22-02FD-5EE1-F20B65FBCE77}"/>
+          </ac:picMkLst>
+        </pc:picChg>
+        <pc:picChg chg="add del mod">
+          <ac:chgData name="Karen Gibson" userId="c392f04a823fc96c" providerId="LiveId" clId="{3089DFEA-8D83-4ED0-89C8-568DF49BA8E7}" dt="2023-05-01T09:33:59.553" v="3780" actId="478"/>
+          <ac:picMkLst>
+            <pc:docMk/>
+            <pc:sldMk cId="1726355069" sldId="274"/>
+            <ac:picMk id="7" creationId="{B3CC4B57-0333-99C6-0D2B-068E37AFBA5F}"/>
+          </ac:picMkLst>
+        </pc:picChg>
+        <pc:picChg chg="add del mod">
+          <ac:chgData name="Karen Gibson" userId="c392f04a823fc96c" providerId="LiveId" clId="{3089DFEA-8D83-4ED0-89C8-568DF49BA8E7}" dt="2023-05-01T09:36:13.366" v="3786" actId="478"/>
+          <ac:picMkLst>
+            <pc:docMk/>
+            <pc:sldMk cId="1726355069" sldId="274"/>
+            <ac:picMk id="9" creationId="{D14D5378-442C-784B-5F2B-E21D55765EB0}"/>
+          </ac:picMkLst>
+        </pc:picChg>
+        <pc:picChg chg="del">
+          <ac:chgData name="Karen Gibson" userId="c392f04a823fc96c" providerId="LiveId" clId="{3089DFEA-8D83-4ED0-89C8-568DF49BA8E7}" dt="2023-05-01T09:29:00.943" v="3749" actId="478"/>
+          <ac:picMkLst>
+            <pc:docMk/>
+            <pc:sldMk cId="1726355069" sldId="274"/>
+            <ac:picMk id="11" creationId="{A5D0CEEC-2F4F-7AA7-1353-21E83ABC0736}"/>
+          </ac:picMkLst>
+        </pc:picChg>
+        <pc:picChg chg="add del mod">
+          <ac:chgData name="Karen Gibson" userId="c392f04a823fc96c" providerId="LiveId" clId="{3089DFEA-8D83-4ED0-89C8-568DF49BA8E7}" dt="2023-05-01T09:37:53.362" v="3797" actId="478"/>
+          <ac:picMkLst>
+            <pc:docMk/>
+            <pc:sldMk cId="1726355069" sldId="274"/>
+            <ac:picMk id="12" creationId="{6F9829B6-5E4B-A247-0F2F-39041EEE8480}"/>
+          </ac:picMkLst>
+        </pc:picChg>
+        <pc:picChg chg="add del mod">
+          <ac:chgData name="Karen Gibson" userId="c392f04a823fc96c" providerId="LiveId" clId="{3089DFEA-8D83-4ED0-89C8-568DF49BA8E7}" dt="2023-05-02T09:03:20.799" v="7678" actId="478"/>
+          <ac:picMkLst>
+            <pc:docMk/>
+            <pc:sldMk cId="1726355069" sldId="274"/>
+            <ac:picMk id="14" creationId="{5862A7A4-E195-2FE5-DEB5-5B2C0F9542E3}"/>
+          </ac:picMkLst>
+        </pc:picChg>
+      </pc:sldChg>
+      <pc:sldChg chg="addSp delSp modSp add mod modNotesTx">
+        <pc:chgData name="Karen Gibson" userId="c392f04a823fc96c" providerId="LiveId" clId="{3089DFEA-8D83-4ED0-89C8-568DF49BA8E7}" dt="2023-05-02T10:18:32.608" v="10686" actId="20577"/>
+        <pc:sldMkLst>
+          <pc:docMk/>
+          <pc:sldMk cId="608792833" sldId="275"/>
+        </pc:sldMkLst>
+        <pc:spChg chg="del">
+          <ac:chgData name="Karen Gibson" userId="c392f04a823fc96c" providerId="LiveId" clId="{3089DFEA-8D83-4ED0-89C8-568DF49BA8E7}" dt="2023-05-01T10:51:06.629" v="4288" actId="478"/>
+          <ac:spMkLst>
+            <pc:docMk/>
+            <pc:sldMk cId="608792833" sldId="275"/>
+            <ac:spMk id="2" creationId="{860469D3-0ED0-1628-EC83-48BD5125765A}"/>
+          </ac:spMkLst>
+        </pc:spChg>
+        <pc:spChg chg="mod">
+          <ac:chgData name="Karen Gibson" userId="c392f04a823fc96c" providerId="LiveId" clId="{3089DFEA-8D83-4ED0-89C8-568DF49BA8E7}" dt="2023-05-01T10:49:48.287" v="4285" actId="20577"/>
+          <ac:spMkLst>
+            <pc:docMk/>
+            <pc:sldMk cId="608792833" sldId="275"/>
+            <ac:spMk id="4" creationId="{00000000-0000-0000-0000-000000000000}"/>
+          </ac:spMkLst>
+        </pc:spChg>
+        <pc:spChg chg="add mod">
+          <ac:chgData name="Karen Gibson" userId="c392f04a823fc96c" providerId="LiveId" clId="{3089DFEA-8D83-4ED0-89C8-568DF49BA8E7}" dt="2023-05-02T10:17:35.699" v="10633" actId="20577"/>
+          <ac:spMkLst>
+            <pc:docMk/>
+            <pc:sldMk cId="608792833" sldId="275"/>
+            <ac:spMk id="17" creationId="{09098407-64FE-5B22-5CCA-9A56F870392E}"/>
+          </ac:spMkLst>
+        </pc:spChg>
+        <pc:spChg chg="add del mod">
+          <ac:chgData name="Karen Gibson" userId="c392f04a823fc96c" providerId="LiveId" clId="{3089DFEA-8D83-4ED0-89C8-568DF49BA8E7}" dt="2023-05-01T11:18:18.503" v="4351" actId="478"/>
+          <ac:spMkLst>
+            <pc:docMk/>
+            <pc:sldMk cId="608792833" sldId="275"/>
+            <ac:spMk id="17" creationId="{8DA9E547-8CAE-0F8F-2804-97829271738D}"/>
+          </ac:spMkLst>
+        </pc:spChg>
+        <pc:picChg chg="add del mod">
+          <ac:chgData name="Karen Gibson" userId="c392f04a823fc96c" providerId="LiveId" clId="{3089DFEA-8D83-4ED0-89C8-568DF49BA8E7}" dt="2023-05-01T12:32:21.801" v="5558" actId="478"/>
+          <ac:picMkLst>
+            <pc:docMk/>
+            <pc:sldMk cId="608792833" sldId="275"/>
+            <ac:picMk id="3" creationId="{2A291CB6-B0DD-E4C3-1847-DF218948D77B}"/>
+          </ac:picMkLst>
+        </pc:picChg>
+        <pc:picChg chg="add del mod">
+          <ac:chgData name="Karen Gibson" userId="c392f04a823fc96c" providerId="LiveId" clId="{3089DFEA-8D83-4ED0-89C8-568DF49BA8E7}" dt="2023-05-02T09:08:08.139" v="7688" actId="478"/>
+          <ac:picMkLst>
+            <pc:docMk/>
+            <pc:sldMk cId="608792833" sldId="275"/>
+            <ac:picMk id="3" creationId="{D9849884-062C-E09D-773D-7B7FE71D6FDE}"/>
+          </ac:picMkLst>
+        </pc:picChg>
+        <pc:picChg chg="del">
+          <ac:chgData name="Karen Gibson" userId="c392f04a823fc96c" providerId="LiveId" clId="{3089DFEA-8D83-4ED0-89C8-568DF49BA8E7}" dt="2023-05-01T10:17:19.956" v="4240" actId="478"/>
+          <ac:picMkLst>
+            <pc:docMk/>
+            <pc:sldMk cId="608792833" sldId="275"/>
+            <ac:picMk id="5" creationId="{265AF85E-85E6-C542-041E-9A584C8AAEB7}"/>
+          </ac:picMkLst>
+        </pc:picChg>
+        <pc:picChg chg="add del mod">
+          <ac:chgData name="Karen Gibson" userId="c392f04a823fc96c" providerId="LiveId" clId="{3089DFEA-8D83-4ED0-89C8-568DF49BA8E7}" dt="2023-05-01T12:32:22.936" v="5559" actId="478"/>
+          <ac:picMkLst>
+            <pc:docMk/>
+            <pc:sldMk cId="608792833" sldId="275"/>
+            <ac:picMk id="6" creationId="{81A6A6A1-6940-9872-0DF1-4B4E44DF5C7B}"/>
+          </ac:picMkLst>
+        </pc:picChg>
+        <pc:picChg chg="add mod modCrop">
+          <ac:chgData name="Karen Gibson" userId="c392f04a823fc96c" providerId="LiveId" clId="{3089DFEA-8D83-4ED0-89C8-568DF49BA8E7}" dt="2023-05-02T09:10:00.118" v="7698" actId="14100"/>
+          <ac:picMkLst>
+            <pc:docMk/>
+            <pc:sldMk cId="608792833" sldId="275"/>
+            <ac:picMk id="6" creationId="{C40BF09F-9A66-97F3-FBD4-A28F923A3683}"/>
+          </ac:picMkLst>
+        </pc:picChg>
+        <pc:picChg chg="add del mod">
+          <ac:chgData name="Karen Gibson" userId="c392f04a823fc96c" providerId="LiveId" clId="{3089DFEA-8D83-4ED0-89C8-568DF49BA8E7}" dt="2023-05-01T10:56:07.543" v="4296" actId="478"/>
+          <ac:picMkLst>
+            <pc:docMk/>
+            <pc:sldMk cId="608792833" sldId="275"/>
+            <ac:picMk id="6" creationId="{D1E5D0BD-EA64-9637-09B8-FEDC61F0881C}"/>
+          </ac:picMkLst>
+        </pc:picChg>
+        <pc:picChg chg="add del mod">
+          <ac:chgData name="Karen Gibson" userId="c392f04a823fc96c" providerId="LiveId" clId="{3089DFEA-8D83-4ED0-89C8-568DF49BA8E7}" dt="2023-05-02T09:07:46.450" v="7684" actId="478"/>
+          <ac:picMkLst>
+            <pc:docMk/>
+            <pc:sldMk cId="608792833" sldId="275"/>
+            <ac:picMk id="8" creationId="{40326F98-D284-EBCA-4127-38213B009D63}"/>
+          </ac:picMkLst>
+        </pc:picChg>
+        <pc:picChg chg="add del mod">
+          <ac:chgData name="Karen Gibson" userId="c392f04a823fc96c" providerId="LiveId" clId="{3089DFEA-8D83-4ED0-89C8-568DF49BA8E7}" dt="2023-05-01T10:48:38.454" v="4249" actId="478"/>
+          <ac:picMkLst>
+            <pc:docMk/>
+            <pc:sldMk cId="608792833" sldId="275"/>
+            <ac:picMk id="8" creationId="{82A28784-1AD6-F1F2-EFB6-DD899DCE00DB}"/>
+          </ac:picMkLst>
+        </pc:picChg>
+        <pc:picChg chg="add del mod">
+          <ac:chgData name="Karen Gibson" userId="c392f04a823fc96c" providerId="LiveId" clId="{3089DFEA-8D83-4ED0-89C8-568DF49BA8E7}" dt="2023-05-01T13:54:45.649" v="5573" actId="478"/>
+          <ac:picMkLst>
+            <pc:docMk/>
+            <pc:sldMk cId="608792833" sldId="275"/>
+            <ac:picMk id="10" creationId="{0627D3C8-63FB-6D76-2EFC-99B28F9FA734}"/>
+          </ac:picMkLst>
+        </pc:picChg>
+        <pc:picChg chg="add del mod">
+          <ac:chgData name="Karen Gibson" userId="c392f04a823fc96c" providerId="LiveId" clId="{3089DFEA-8D83-4ED0-89C8-568DF49BA8E7}" dt="2023-05-01T10:51:03.953" v="4287" actId="478"/>
+          <ac:picMkLst>
+            <pc:docMk/>
+            <pc:sldMk cId="608792833" sldId="275"/>
+            <ac:picMk id="10" creationId="{684E3DAD-01EB-812E-DA11-C5F183520F26}"/>
+          </ac:picMkLst>
+        </pc:picChg>
+        <pc:picChg chg="add del mod modCrop">
+          <ac:chgData name="Karen Gibson" userId="c392f04a823fc96c" providerId="LiveId" clId="{3089DFEA-8D83-4ED0-89C8-568DF49BA8E7}" dt="2023-05-01T12:30:45.929" v="5537" actId="478"/>
+          <ac:picMkLst>
+            <pc:docMk/>
+            <pc:sldMk cId="608792833" sldId="275"/>
+            <ac:picMk id="12" creationId="{281F57D0-CAFB-93B1-9257-34FDEF6BC9DC}"/>
+          </ac:picMkLst>
+        </pc:picChg>
+        <pc:picChg chg="add del mod">
+          <ac:chgData name="Karen Gibson" userId="c392f04a823fc96c" providerId="LiveId" clId="{3089DFEA-8D83-4ED0-89C8-568DF49BA8E7}" dt="2023-05-01T13:59:56.821" v="5577" actId="478"/>
+          <ac:picMkLst>
+            <pc:docMk/>
+            <pc:sldMk cId="608792833" sldId="275"/>
+            <ac:picMk id="13" creationId="{269B73B9-3581-3677-3F5F-E5A07E70FAB2}"/>
+          </ac:picMkLst>
+        </pc:picChg>
+        <pc:picChg chg="add del mod">
+          <ac:chgData name="Karen Gibson" userId="c392f04a823fc96c" providerId="LiveId" clId="{3089DFEA-8D83-4ED0-89C8-568DF49BA8E7}" dt="2023-05-01T10:57:00.641" v="4305" actId="478"/>
+          <ac:picMkLst>
+            <pc:docMk/>
+            <pc:sldMk cId="608792833" sldId="275"/>
+            <ac:picMk id="14" creationId="{FFE4DE9A-FA8F-5920-C733-7CBA24E9C7B5}"/>
+          </ac:picMkLst>
+        </pc:picChg>
+        <pc:picChg chg="add mod modCrop">
+          <ac:chgData name="Karen Gibson" userId="c392f04a823fc96c" providerId="LiveId" clId="{3089DFEA-8D83-4ED0-89C8-568DF49BA8E7}" dt="2023-05-01T14:12:18.220" v="6111" actId="1076"/>
+          <ac:picMkLst>
+            <pc:docMk/>
+            <pc:sldMk cId="608792833" sldId="275"/>
+            <ac:picMk id="15" creationId="{426D4F01-53F8-917E-E27A-1C72CCDBBC0A}"/>
+          </ac:picMkLst>
+        </pc:picChg>
+        <pc:picChg chg="add del mod modCrop">
+          <ac:chgData name="Karen Gibson" userId="c392f04a823fc96c" providerId="LiveId" clId="{3089DFEA-8D83-4ED0-89C8-568DF49BA8E7}" dt="2023-05-01T12:30:47.328" v="5538" actId="478"/>
+          <ac:picMkLst>
+            <pc:docMk/>
+            <pc:sldMk cId="608792833" sldId="275"/>
+            <ac:picMk id="16" creationId="{4E72079F-ACBD-4A7B-5CA9-A382530D27DA}"/>
+          </ac:picMkLst>
+        </pc:picChg>
+      </pc:sldChg>
+      <pc:sldChg chg="addSp delSp modSp add del mod ord setBg">
+        <pc:chgData name="Karen Gibson" userId="c392f04a823fc96c" providerId="LiveId" clId="{3089DFEA-8D83-4ED0-89C8-568DF49BA8E7}" dt="2023-05-02T09:37:52.839" v="8339" actId="2696"/>
+        <pc:sldMkLst>
+          <pc:docMk/>
+          <pc:sldMk cId="3073419524" sldId="276"/>
+        </pc:sldMkLst>
+        <pc:spChg chg="mod">
+          <ac:chgData name="Karen Gibson" userId="c392f04a823fc96c" providerId="LiveId" clId="{3089DFEA-8D83-4ED0-89C8-568DF49BA8E7}" dt="2023-05-02T09:18:09.749" v="7709" actId="26606"/>
+          <ac:spMkLst>
+            <pc:docMk/>
+            <pc:sldMk cId="3073419524" sldId="276"/>
+            <ac:spMk id="2" creationId="{99DC4286-1376-D367-27AA-601787205ED7}"/>
+          </ac:spMkLst>
+        </pc:spChg>
+        <pc:spChg chg="del mod">
+          <ac:chgData name="Karen Gibson" userId="c392f04a823fc96c" providerId="LiveId" clId="{3089DFEA-8D83-4ED0-89C8-568DF49BA8E7}" dt="2023-05-02T09:18:09.749" v="7709" actId="26606"/>
+          <ac:spMkLst>
+            <pc:docMk/>
+            <pc:sldMk cId="3073419524" sldId="276"/>
+            <ac:spMk id="5" creationId="{E4FF8238-8C75-FB5E-ADB3-18E4F7EF400C}"/>
+          </ac:spMkLst>
+        </pc:spChg>
+        <pc:spChg chg="add">
+          <ac:chgData name="Karen Gibson" userId="c392f04a823fc96c" providerId="LiveId" clId="{3089DFEA-8D83-4ED0-89C8-568DF49BA8E7}" dt="2023-05-02T09:18:09.749" v="7709" actId="26606"/>
+          <ac:spMkLst>
+            <pc:docMk/>
+            <pc:sldMk cId="3073419524" sldId="276"/>
+            <ac:spMk id="8" creationId="{BACC6370-2D7E-4714-9D71-7542949D7D5D}"/>
+          </ac:spMkLst>
+        </pc:spChg>
+        <pc:spChg chg="add del">
+          <ac:chgData name="Karen Gibson" userId="c392f04a823fc96c" providerId="LiveId" clId="{3089DFEA-8D83-4ED0-89C8-568DF49BA8E7}" dt="2023-05-02T09:18:01.266" v="7708" actId="26606"/>
+          <ac:spMkLst>
+            <pc:docMk/>
+            <pc:sldMk cId="3073419524" sldId="276"/>
+            <ac:spMk id="11" creationId="{79BB35BC-D5C2-4C8B-A22A-A71E6191913B}"/>
+          </ac:spMkLst>
+        </pc:spChg>
+        <pc:spChg chg="add">
+          <ac:chgData name="Karen Gibson" userId="c392f04a823fc96c" providerId="LiveId" clId="{3089DFEA-8D83-4ED0-89C8-568DF49BA8E7}" dt="2023-05-02T09:18:09.749" v="7709" actId="26606"/>
+          <ac:spMkLst>
+            <pc:docMk/>
+            <pc:sldMk cId="3073419524" sldId="276"/>
+            <ac:spMk id="13" creationId="{F68B3F68-107C-434F-AA38-110D5EA91B85}"/>
+          </ac:spMkLst>
+        </pc:spChg>
+        <pc:spChg chg="add">
+          <ac:chgData name="Karen Gibson" userId="c392f04a823fc96c" providerId="LiveId" clId="{3089DFEA-8D83-4ED0-89C8-568DF49BA8E7}" dt="2023-05-02T09:18:09.749" v="7709" actId="26606"/>
+          <ac:spMkLst>
+            <pc:docMk/>
+            <pc:sldMk cId="3073419524" sldId="276"/>
+            <ac:spMk id="15" creationId="{AAD0DBB9-1A4B-4391-81D4-CB19F9AB918A}"/>
+          </ac:spMkLst>
+        </pc:spChg>
+        <pc:spChg chg="add">
+          <ac:chgData name="Karen Gibson" userId="c392f04a823fc96c" providerId="LiveId" clId="{3089DFEA-8D83-4ED0-89C8-568DF49BA8E7}" dt="2023-05-02T09:18:09.749" v="7709" actId="26606"/>
+          <ac:spMkLst>
+            <pc:docMk/>
+            <pc:sldMk cId="3073419524" sldId="276"/>
+            <ac:spMk id="17" creationId="{063BBA22-50EA-4C4D-BE05-F1CE4E63AA56}"/>
+          </ac:spMkLst>
+        </pc:spChg>
+        <pc:graphicFrameChg chg="add mod">
+          <ac:chgData name="Karen Gibson" userId="c392f04a823fc96c" providerId="LiveId" clId="{3089DFEA-8D83-4ED0-89C8-568DF49BA8E7}" dt="2023-05-02T09:19:05.347" v="7744"/>
+          <ac:graphicFrameMkLst>
+            <pc:docMk/>
+            <pc:sldMk cId="3073419524" sldId="276"/>
+            <ac:graphicFrameMk id="9" creationId="{72C49847-8646-612F-DD8D-90ABA63CA80E}"/>
+          </ac:graphicFrameMkLst>
+        </pc:graphicFrameChg>
+        <pc:picChg chg="add del">
+          <ac:chgData name="Karen Gibson" userId="c392f04a823fc96c" providerId="LiveId" clId="{3089DFEA-8D83-4ED0-89C8-568DF49BA8E7}" dt="2023-05-02T09:18:01.266" v="7708" actId="26606"/>
+          <ac:picMkLst>
+            <pc:docMk/>
+            <pc:sldMk cId="3073419524" sldId="276"/>
+            <ac:picMk id="7" creationId="{47681CBB-266C-FA43-4A9E-44051FC2A29D}"/>
+          </ac:picMkLst>
+        </pc:picChg>
+      </pc:sldChg>
+      <pc:sldChg chg="addSp delSp modSp add mod modNotesTx">
+        <pc:chgData name="Karen Gibson" userId="c392f04a823fc96c" providerId="LiveId" clId="{3089DFEA-8D83-4ED0-89C8-568DF49BA8E7}" dt="2023-05-02T10:39:46.561" v="13629" actId="20577"/>
+        <pc:sldMkLst>
+          <pc:docMk/>
+          <pc:sldMk cId="3623226167" sldId="277"/>
+        </pc:sldMkLst>
+        <pc:spChg chg="mod">
+          <ac:chgData name="Karen Gibson" userId="c392f04a823fc96c" providerId="LiveId" clId="{3089DFEA-8D83-4ED0-89C8-568DF49BA8E7}" dt="2023-05-02T09:18:51.385" v="7741" actId="20577"/>
+          <ac:spMkLst>
+            <pc:docMk/>
+            <pc:sldMk cId="3623226167" sldId="277"/>
+            <ac:spMk id="4" creationId="{00000000-0000-0000-0000-000000000000}"/>
+          </ac:spMkLst>
+        </pc:spChg>
+        <pc:graphicFrameChg chg="add mod modGraphic">
+          <ac:chgData name="Karen Gibson" userId="c392f04a823fc96c" providerId="LiveId" clId="{3089DFEA-8D83-4ED0-89C8-568DF49BA8E7}" dt="2023-05-02T10:38:44.410" v="13623"/>
+          <ac:graphicFrameMkLst>
+            <pc:docMk/>
+            <pc:sldMk cId="3623226167" sldId="277"/>
+            <ac:graphicFrameMk id="2" creationId="{F3F6605F-2573-5A02-013B-8FC55499AC14}"/>
+          </ac:graphicFrameMkLst>
+        </pc:graphicFrameChg>
+        <pc:picChg chg="del">
+          <ac:chgData name="Karen Gibson" userId="c392f04a823fc96c" providerId="LiveId" clId="{3089DFEA-8D83-4ED0-89C8-568DF49BA8E7}" dt="2023-05-02T09:18:54.561" v="7743" actId="478"/>
+          <ac:picMkLst>
+            <pc:docMk/>
+            <pc:sldMk cId="3623226167" sldId="277"/>
+            <ac:picMk id="5" creationId="{5A0C072C-E8F2-B0DD-35B3-51A230962A27}"/>
+          </ac:picMkLst>
+        </pc:picChg>
+        <pc:picChg chg="add del mod">
+          <ac:chgData name="Karen Gibson" userId="c392f04a823fc96c" providerId="LiveId" clId="{3089DFEA-8D83-4ED0-89C8-568DF49BA8E7}" dt="2023-05-02T09:39:07.341" v="8345" actId="478"/>
+          <ac:picMkLst>
+            <pc:docMk/>
+            <pc:sldMk cId="3623226167" sldId="277"/>
+            <ac:picMk id="6" creationId="{6ACC78BC-4A69-E2D0-A802-78C4382FBBDA}"/>
+          </ac:picMkLst>
+        </pc:picChg>
+        <pc:picChg chg="del">
+          <ac:chgData name="Karen Gibson" userId="c392f04a823fc96c" providerId="LiveId" clId="{3089DFEA-8D83-4ED0-89C8-568DF49BA8E7}" dt="2023-05-02T09:18:53.379" v="7742" actId="478"/>
+          <ac:picMkLst>
+            <pc:docMk/>
+            <pc:sldMk cId="3623226167" sldId="277"/>
+            <ac:picMk id="13" creationId="{2C2059FD-9550-79F3-32C9-4E0AAC353FD6}"/>
+          </ac:picMkLst>
+        </pc:picChg>
+      </pc:sldChg>
+      <pc:sldChg chg="addSp delSp modSp add mod ord modNotesTx">
+        <pc:chgData name="Karen Gibson" userId="c392f04a823fc96c" providerId="LiveId" clId="{3089DFEA-8D83-4ED0-89C8-568DF49BA8E7}" dt="2023-05-02T10:43:36.500" v="13812" actId="20577"/>
+        <pc:sldMkLst>
+          <pc:docMk/>
+          <pc:sldMk cId="1861394353" sldId="278"/>
+        </pc:sldMkLst>
+        <pc:spChg chg="mod">
+          <ac:chgData name="Karen Gibson" userId="c392f04a823fc96c" providerId="LiveId" clId="{3089DFEA-8D83-4ED0-89C8-568DF49BA8E7}" dt="2023-05-02T09:27:16.626" v="7847" actId="20577"/>
+          <ac:spMkLst>
+            <pc:docMk/>
+            <pc:sldMk cId="1861394353" sldId="278"/>
+            <ac:spMk id="2" creationId="{99DC4286-1376-D367-27AA-601787205ED7}"/>
+          </ac:spMkLst>
+        </pc:spChg>
+        <pc:spChg chg="add del">
+          <ac:chgData name="Karen Gibson" userId="c392f04a823fc96c" providerId="LiveId" clId="{3089DFEA-8D83-4ED0-89C8-568DF49BA8E7}" dt="2023-05-02T09:37:11.285" v="8336" actId="478"/>
+          <ac:spMkLst>
+            <pc:docMk/>
+            <pc:sldMk cId="1861394353" sldId="278"/>
+            <ac:spMk id="3" creationId="{5818CF34-EA55-7C0C-DAE2-EAF12C5FA65F}"/>
+          </ac:spMkLst>
+        </pc:spChg>
+        <pc:spChg chg="mod">
+          <ac:chgData name="Karen Gibson" userId="c392f04a823fc96c" providerId="LiveId" clId="{3089DFEA-8D83-4ED0-89C8-568DF49BA8E7}" dt="2023-05-02T09:37:27.872" v="8338" actId="115"/>
+          <ac:spMkLst>
+            <pc:docMk/>
+            <pc:sldMk cId="1861394353" sldId="278"/>
+            <ac:spMk id="5" creationId="{E4FF8238-8C75-FB5E-ADB3-18E4F7EF400C}"/>
+          </ac:spMkLst>
+        </pc:spChg>
       </pc:sldChg>
       <pc:sldMasterChg chg="modSldLayout">
         <pc:chgData name="Karen Gibson" userId="c392f04a823fc96c" providerId="LiveId" clId="{3089DFEA-8D83-4ED0-89C8-568DF49BA8E7}" dt="2023-04-30T19:54:46.481" v="2511"/>
@@ -1241,6 +1814,3488 @@
     </pc:docChg>
   </pc:docChgLst>
 </pc:chgInfo>
+</file>
+
+<file path=ppt/diagrams/colors1.xml><?xml version="1.0" encoding="utf-8"?>
+<dgm:colorsDef xmlns:dgm="http://schemas.openxmlformats.org/drawingml/2006/diagram" xmlns:a="http://schemas.openxmlformats.org/drawingml/2006/main" uniqueId="urn:microsoft.com/office/officeart/2018/5/colors/Iconchunking_neutralbg_colorful5">
+  <dgm:title val=""/>
+  <dgm:desc val=""/>
+  <dgm:catLst>
+    <dgm:cat type="colorful" pri="10500"/>
+  </dgm:catLst>
+  <dgm:styleLbl name="node0">
+    <dgm:fillClrLst meth="repeat">
+      <a:schemeClr val="accent4"/>
+    </dgm:fillClrLst>
+    <dgm:linClrLst meth="repeat">
+      <a:schemeClr val="lt1"/>
+    </dgm:linClrLst>
+    <dgm:effectClrLst/>
+    <dgm:txLinClrLst/>
+    <dgm:txFillClrLst/>
+    <dgm:txEffectClrLst/>
+  </dgm:styleLbl>
+  <dgm:styleLbl name="node1">
+    <dgm:fillClrLst>
+      <a:schemeClr val="accent5"/>
+      <a:schemeClr val="accent6"/>
+    </dgm:fillClrLst>
+    <dgm:linClrLst meth="repeat">
+      <a:schemeClr val="lt1">
+        <a:alpha val="0"/>
+      </a:schemeClr>
+    </dgm:linClrLst>
+    <dgm:effectClrLst/>
+    <dgm:txLinClrLst/>
+    <dgm:txFillClrLst/>
+    <dgm:txEffectClrLst/>
+  </dgm:styleLbl>
+  <dgm:styleLbl name="alignNode1">
+    <dgm:fillClrLst>
+      <a:schemeClr val="accent5"/>
+      <a:schemeClr val="accent6"/>
+    </dgm:fillClrLst>
+    <dgm:linClrLst>
+      <a:schemeClr val="accent5"/>
+      <a:schemeClr val="accent6"/>
+    </dgm:linClrLst>
+    <dgm:effectClrLst/>
+    <dgm:txLinClrLst/>
+    <dgm:txFillClrLst/>
+    <dgm:txEffectClrLst/>
+  </dgm:styleLbl>
+  <dgm:styleLbl name="lnNode1">
+    <dgm:fillClrLst>
+      <a:schemeClr val="accent5"/>
+      <a:schemeClr val="accent6"/>
+    </dgm:fillClrLst>
+    <dgm:linClrLst meth="repeat">
+      <a:schemeClr val="lt1"/>
+    </dgm:linClrLst>
+    <dgm:effectClrLst/>
+    <dgm:txLinClrLst/>
+    <dgm:txFillClrLst/>
+    <dgm:txEffectClrLst/>
+  </dgm:styleLbl>
+  <dgm:styleLbl name="vennNode1">
+    <dgm:fillClrLst>
+      <a:schemeClr val="accent5">
+        <a:alpha val="50000"/>
+      </a:schemeClr>
+      <a:schemeClr val="accent6">
+        <a:alpha val="50000"/>
+      </a:schemeClr>
+    </dgm:fillClrLst>
+    <dgm:linClrLst meth="repeat">
+      <a:schemeClr val="lt1"/>
+    </dgm:linClrLst>
+    <dgm:effectClrLst/>
+    <dgm:txLinClrLst/>
+    <dgm:txFillClrLst/>
+    <dgm:txEffectClrLst/>
+  </dgm:styleLbl>
+  <dgm:styleLbl name="node2">
+    <dgm:fillClrLst>
+      <a:schemeClr val="accent6"/>
+    </dgm:fillClrLst>
+    <dgm:linClrLst meth="repeat">
+      <a:schemeClr val="lt1"/>
+    </dgm:linClrLst>
+    <dgm:effectClrLst/>
+    <dgm:txLinClrLst/>
+    <dgm:txFillClrLst/>
+    <dgm:txEffectClrLst/>
+  </dgm:styleLbl>
+  <dgm:styleLbl name="node3">
+    <dgm:fillClrLst>
+      <a:schemeClr val="accent1"/>
+    </dgm:fillClrLst>
+    <dgm:linClrLst meth="repeat">
+      <a:schemeClr val="lt1"/>
+    </dgm:linClrLst>
+    <dgm:effectClrLst/>
+    <dgm:txLinClrLst/>
+    <dgm:txFillClrLst/>
+    <dgm:txEffectClrLst/>
+  </dgm:styleLbl>
+  <dgm:styleLbl name="node4">
+    <dgm:fillClrLst>
+      <a:schemeClr val="accent2"/>
+    </dgm:fillClrLst>
+    <dgm:linClrLst meth="repeat">
+      <a:schemeClr val="lt1"/>
+    </dgm:linClrLst>
+    <dgm:effectClrLst/>
+    <dgm:txLinClrLst/>
+    <dgm:txFillClrLst/>
+    <dgm:txEffectClrLst/>
+  </dgm:styleLbl>
+  <dgm:styleLbl name="fgImgPlace1">
+    <dgm:fillClrLst>
+      <a:schemeClr val="accent5">
+        <a:tint val="50000"/>
+      </a:schemeClr>
+      <a:schemeClr val="accent6">
+        <a:tint val="50000"/>
+      </a:schemeClr>
+    </dgm:fillClrLst>
+    <dgm:linClrLst meth="repeat">
+      <a:schemeClr val="lt1"/>
+    </dgm:linClrLst>
+    <dgm:effectClrLst/>
+    <dgm:txLinClrLst/>
+    <dgm:txFillClrLst meth="repeat">
+      <a:schemeClr val="lt1"/>
+    </dgm:txFillClrLst>
+    <dgm:txEffectClrLst/>
+  </dgm:styleLbl>
+  <dgm:styleLbl name="alignImgPlace1">
+    <dgm:fillClrLst>
+      <a:schemeClr val="accent5">
+        <a:tint val="50000"/>
+      </a:schemeClr>
+      <a:schemeClr val="accent6">
+        <a:tint val="20000"/>
+      </a:schemeClr>
+    </dgm:fillClrLst>
+    <dgm:linClrLst meth="repeat">
+      <a:schemeClr val="lt1"/>
+    </dgm:linClrLst>
+    <dgm:effectClrLst/>
+    <dgm:txLinClrLst/>
+    <dgm:txFillClrLst meth="repeat">
+      <a:schemeClr val="lt1"/>
+    </dgm:txFillClrLst>
+    <dgm:txEffectClrLst/>
+  </dgm:styleLbl>
+  <dgm:styleLbl name="bgImgPlace1">
+    <dgm:fillClrLst>
+      <a:schemeClr val="accent5">
+        <a:tint val="50000"/>
+      </a:schemeClr>
+      <a:schemeClr val="accent6">
+        <a:tint val="20000"/>
+      </a:schemeClr>
+    </dgm:fillClrLst>
+    <dgm:linClrLst meth="repeat">
+      <a:schemeClr val="lt1"/>
+    </dgm:linClrLst>
+    <dgm:effectClrLst/>
+    <dgm:txLinClrLst/>
+    <dgm:txFillClrLst meth="repeat">
+      <a:schemeClr val="lt1"/>
+    </dgm:txFillClrLst>
+    <dgm:txEffectClrLst/>
+  </dgm:styleLbl>
+  <dgm:styleLbl name="sibTrans2D1">
+    <dgm:fillClrLst>
+      <a:schemeClr val="accent5"/>
+      <a:schemeClr val="accent6"/>
+    </dgm:fillClrLst>
+    <dgm:linClrLst meth="repeat">
+      <a:schemeClr val="lt1"/>
+    </dgm:linClrLst>
+    <dgm:effectClrLst/>
+    <dgm:txLinClrLst/>
+    <dgm:txFillClrLst/>
+    <dgm:txEffectClrLst/>
+  </dgm:styleLbl>
+  <dgm:styleLbl name="fgSibTrans2D1">
+    <dgm:fillClrLst>
+      <a:schemeClr val="accent5"/>
+      <a:schemeClr val="accent6"/>
+    </dgm:fillClrLst>
+    <dgm:linClrLst meth="repeat">
+      <a:schemeClr val="lt1"/>
+    </dgm:linClrLst>
+    <dgm:effectClrLst/>
+    <dgm:txLinClrLst/>
+    <dgm:txFillClrLst meth="repeat">
+      <a:schemeClr val="lt1"/>
+    </dgm:txFillClrLst>
+    <dgm:txEffectClrLst/>
+  </dgm:styleLbl>
+  <dgm:styleLbl name="bgSibTrans2D1">
+    <dgm:fillClrLst>
+      <a:schemeClr val="accent5"/>
+      <a:schemeClr val="accent6"/>
+    </dgm:fillClrLst>
+    <dgm:linClrLst meth="repeat">
+      <a:schemeClr val="lt1"/>
+    </dgm:linClrLst>
+    <dgm:effectClrLst/>
+    <dgm:txLinClrLst/>
+    <dgm:txFillClrLst meth="repeat">
+      <a:schemeClr val="lt1"/>
+    </dgm:txFillClrLst>
+    <dgm:txEffectClrLst/>
+  </dgm:styleLbl>
+  <dgm:styleLbl name="sibTrans1D1">
+    <dgm:fillClrLst/>
+    <dgm:linClrLst>
+      <a:schemeClr val="accent5"/>
+      <a:schemeClr val="accent6"/>
+    </dgm:linClrLst>
+    <dgm:effectClrLst/>
+    <dgm:txLinClrLst/>
+    <dgm:txFillClrLst meth="repeat">
+      <a:schemeClr val="tx1"/>
+    </dgm:txFillClrLst>
+    <dgm:txEffectClrLst/>
+  </dgm:styleLbl>
+  <dgm:styleLbl name="callout">
+    <dgm:fillClrLst meth="repeat">
+      <a:schemeClr val="accent5"/>
+    </dgm:fillClrLst>
+    <dgm:linClrLst meth="repeat">
+      <a:schemeClr val="accent5">
+        <a:tint val="50000"/>
+      </a:schemeClr>
+    </dgm:linClrLst>
+    <dgm:effectClrLst/>
+    <dgm:txLinClrLst/>
+    <dgm:txFillClrLst meth="repeat">
+      <a:schemeClr val="tx1"/>
+    </dgm:txFillClrLst>
+    <dgm:txEffectClrLst/>
+  </dgm:styleLbl>
+  <dgm:styleLbl name="asst0">
+    <dgm:fillClrLst meth="repeat">
+      <a:schemeClr val="accent5"/>
+    </dgm:fillClrLst>
+    <dgm:linClrLst meth="repeat">
+      <a:schemeClr val="lt1">
+        <a:shade val="80000"/>
+      </a:schemeClr>
+    </dgm:linClrLst>
+    <dgm:effectClrLst/>
+    <dgm:txLinClrLst/>
+    <dgm:txFillClrLst/>
+    <dgm:txEffectClrLst/>
+  </dgm:styleLbl>
+  <dgm:styleLbl name="asst1">
+    <dgm:fillClrLst meth="repeat">
+      <a:schemeClr val="accent6"/>
+    </dgm:fillClrLst>
+    <dgm:linClrLst meth="repeat">
+      <a:schemeClr val="lt1">
+        <a:shade val="80000"/>
+      </a:schemeClr>
+    </dgm:linClrLst>
+    <dgm:effectClrLst/>
+    <dgm:txLinClrLst/>
+    <dgm:txFillClrLst/>
+    <dgm:txEffectClrLst/>
+  </dgm:styleLbl>
+  <dgm:styleLbl name="asst2">
+    <dgm:fillClrLst>
+      <a:schemeClr val="accent1"/>
+    </dgm:fillClrLst>
+    <dgm:linClrLst meth="repeat">
+      <a:schemeClr val="lt1"/>
+    </dgm:linClrLst>
+    <dgm:effectClrLst/>
+    <dgm:txLinClrLst/>
+    <dgm:txFillClrLst/>
+    <dgm:txEffectClrLst/>
+  </dgm:styleLbl>
+  <dgm:styleLbl name="asst3">
+    <dgm:fillClrLst>
+      <a:schemeClr val="accent2"/>
+    </dgm:fillClrLst>
+    <dgm:linClrLst meth="repeat">
+      <a:schemeClr val="lt1"/>
+    </dgm:linClrLst>
+    <dgm:effectClrLst/>
+    <dgm:txLinClrLst/>
+    <dgm:txFillClrLst/>
+    <dgm:txEffectClrLst/>
+  </dgm:styleLbl>
+  <dgm:styleLbl name="asst4">
+    <dgm:fillClrLst>
+      <a:schemeClr val="accent3"/>
+    </dgm:fillClrLst>
+    <dgm:linClrLst meth="repeat">
+      <a:schemeClr val="lt1"/>
+    </dgm:linClrLst>
+    <dgm:effectClrLst/>
+    <dgm:txLinClrLst/>
+    <dgm:txFillClrLst/>
+    <dgm:txEffectClrLst/>
+  </dgm:styleLbl>
+  <dgm:styleLbl name="parChTrans2D1">
+    <dgm:fillClrLst meth="repeat">
+      <a:schemeClr val="accent5"/>
+    </dgm:fillClrLst>
+    <dgm:linClrLst meth="repeat">
+      <a:schemeClr val="lt1"/>
+    </dgm:linClrLst>
+    <dgm:effectClrLst/>
+    <dgm:txLinClrLst/>
+    <dgm:txFillClrLst meth="repeat">
+      <a:schemeClr val="lt1"/>
+    </dgm:txFillClrLst>
+    <dgm:txEffectClrLst/>
+  </dgm:styleLbl>
+  <dgm:styleLbl name="parChTrans2D2">
+    <dgm:fillClrLst meth="repeat">
+      <a:schemeClr val="accent6"/>
+    </dgm:fillClrLst>
+    <dgm:linClrLst meth="repeat">
+      <a:schemeClr val="lt1"/>
+    </dgm:linClrLst>
+    <dgm:effectClrLst/>
+    <dgm:txLinClrLst/>
+    <dgm:txFillClrLst/>
+    <dgm:txEffectClrLst/>
+  </dgm:styleLbl>
+  <dgm:styleLbl name="parChTrans2D3">
+    <dgm:fillClrLst meth="repeat">
+      <a:schemeClr val="accent6"/>
+    </dgm:fillClrLst>
+    <dgm:linClrLst meth="repeat">
+      <a:schemeClr val="lt1"/>
+    </dgm:linClrLst>
+    <dgm:effectClrLst/>
+    <dgm:txLinClrLst/>
+    <dgm:txFillClrLst/>
+    <dgm:txEffectClrLst/>
+  </dgm:styleLbl>
+  <dgm:styleLbl name="parChTrans2D4">
+    <dgm:fillClrLst meth="repeat">
+      <a:schemeClr val="accent1"/>
+    </dgm:fillClrLst>
+    <dgm:linClrLst meth="repeat">
+      <a:schemeClr val="lt1"/>
+    </dgm:linClrLst>
+    <dgm:effectClrLst/>
+    <dgm:txLinClrLst/>
+    <dgm:txFillClrLst meth="repeat">
+      <a:schemeClr val="lt1"/>
+    </dgm:txFillClrLst>
+    <dgm:txEffectClrLst/>
+  </dgm:styleLbl>
+  <dgm:styleLbl name="parChTrans1D1">
+    <dgm:fillClrLst meth="repeat">
+      <a:schemeClr val="accent5"/>
+    </dgm:fillClrLst>
+    <dgm:linClrLst meth="repeat">
+      <a:schemeClr val="accent5"/>
+    </dgm:linClrLst>
+    <dgm:effectClrLst/>
+    <dgm:txLinClrLst/>
+    <dgm:txFillClrLst meth="repeat">
+      <a:schemeClr val="tx1"/>
+    </dgm:txFillClrLst>
+    <dgm:txEffectClrLst/>
+  </dgm:styleLbl>
+  <dgm:styleLbl name="parChTrans1D2">
+    <dgm:fillClrLst meth="repeat">
+      <a:schemeClr val="accent6">
+        <a:tint val="90000"/>
+      </a:schemeClr>
+    </dgm:fillClrLst>
+    <dgm:linClrLst meth="repeat">
+      <a:schemeClr val="accent6"/>
+    </dgm:linClrLst>
+    <dgm:effectClrLst/>
+    <dgm:txLinClrLst/>
+    <dgm:txFillClrLst meth="repeat">
+      <a:schemeClr val="tx1"/>
+    </dgm:txFillClrLst>
+    <dgm:txEffectClrLst/>
+  </dgm:styleLbl>
+  <dgm:styleLbl name="parChTrans1D3">
+    <dgm:fillClrLst meth="repeat">
+      <a:schemeClr val="accent6">
+        <a:tint val="70000"/>
+      </a:schemeClr>
+    </dgm:fillClrLst>
+    <dgm:linClrLst meth="repeat">
+      <a:schemeClr val="accent1"/>
+    </dgm:linClrLst>
+    <dgm:effectClrLst/>
+    <dgm:txLinClrLst/>
+    <dgm:txFillClrLst meth="repeat">
+      <a:schemeClr val="tx1"/>
+    </dgm:txFillClrLst>
+    <dgm:txEffectClrLst/>
+  </dgm:styleLbl>
+  <dgm:styleLbl name="parChTrans1D4">
+    <dgm:fillClrLst meth="repeat">
+      <a:schemeClr val="accent6">
+        <a:tint val="50000"/>
+      </a:schemeClr>
+    </dgm:fillClrLst>
+    <dgm:linClrLst meth="repeat">
+      <a:schemeClr val="accent2"/>
+    </dgm:linClrLst>
+    <dgm:effectClrLst/>
+    <dgm:txLinClrLst/>
+    <dgm:txFillClrLst meth="repeat">
+      <a:schemeClr val="tx1"/>
+    </dgm:txFillClrLst>
+    <dgm:txEffectClrLst/>
+  </dgm:styleLbl>
+  <dgm:styleLbl name="fgAcc1">
+    <dgm:fillClrLst meth="repeat">
+      <a:schemeClr val="lt1">
+        <a:alpha val="90000"/>
+      </a:schemeClr>
+    </dgm:fillClrLst>
+    <dgm:linClrLst>
+      <a:schemeClr val="accent5"/>
+      <a:schemeClr val="accent6"/>
+    </dgm:linClrLst>
+    <dgm:effectClrLst/>
+    <dgm:txLinClrLst/>
+    <dgm:txFillClrLst meth="repeat">
+      <a:schemeClr val="dk1"/>
+    </dgm:txFillClrLst>
+    <dgm:txEffectClrLst/>
+  </dgm:styleLbl>
+  <dgm:styleLbl name="conFgAcc1">
+    <dgm:fillClrLst meth="repeat">
+      <a:schemeClr val="lt1">
+        <a:alpha val="90000"/>
+      </a:schemeClr>
+    </dgm:fillClrLst>
+    <dgm:linClrLst>
+      <a:schemeClr val="accent5"/>
+      <a:schemeClr val="accent6"/>
+    </dgm:linClrLst>
+    <dgm:effectClrLst/>
+    <dgm:txLinClrLst/>
+    <dgm:txFillClrLst meth="repeat">
+      <a:schemeClr val="dk1"/>
+    </dgm:txFillClrLst>
+    <dgm:txEffectClrLst/>
+  </dgm:styleLbl>
+  <dgm:styleLbl name="alignAcc1">
+    <dgm:fillClrLst meth="repeat">
+      <a:schemeClr val="lt1">
+        <a:alpha val="90000"/>
+      </a:schemeClr>
+    </dgm:fillClrLst>
+    <dgm:linClrLst>
+      <a:schemeClr val="accent5"/>
+      <a:schemeClr val="accent6"/>
+    </dgm:linClrLst>
+    <dgm:effectClrLst/>
+    <dgm:txLinClrLst/>
+    <dgm:txFillClrLst meth="repeat">
+      <a:schemeClr val="dk1"/>
+    </dgm:txFillClrLst>
+    <dgm:txEffectClrLst/>
+  </dgm:styleLbl>
+  <dgm:styleLbl name="trAlignAcc1">
+    <dgm:fillClrLst meth="repeat">
+      <a:schemeClr val="lt1">
+        <a:alpha val="40000"/>
+      </a:schemeClr>
+    </dgm:fillClrLst>
+    <dgm:linClrLst meth="repeat">
+      <a:schemeClr val="accent5"/>
+    </dgm:linClrLst>
+    <dgm:effectClrLst/>
+    <dgm:txLinClrLst/>
+    <dgm:txFillClrLst meth="repeat">
+      <a:schemeClr val="dk1"/>
+    </dgm:txFillClrLst>
+    <dgm:txEffectClrLst/>
+  </dgm:styleLbl>
+  <dgm:styleLbl name="bgAcc1">
+    <dgm:fillClrLst meth="repeat">
+      <a:schemeClr val="lt1">
+        <a:alpha val="90000"/>
+      </a:schemeClr>
+    </dgm:fillClrLst>
+    <dgm:linClrLst>
+      <a:schemeClr val="accent5"/>
+      <a:schemeClr val="accent6"/>
+    </dgm:linClrLst>
+    <dgm:effectClrLst/>
+    <dgm:txLinClrLst/>
+    <dgm:txFillClrLst meth="repeat">
+      <a:schemeClr val="dk1"/>
+    </dgm:txFillClrLst>
+    <dgm:txEffectClrLst/>
+  </dgm:styleLbl>
+  <dgm:styleLbl name="solidFgAcc1">
+    <dgm:fillClrLst meth="repeat">
+      <a:schemeClr val="lt1"/>
+    </dgm:fillClrLst>
+    <dgm:linClrLst>
+      <a:schemeClr val="accent5"/>
+      <a:schemeClr val="accent6"/>
+    </dgm:linClrLst>
+    <dgm:effectClrLst/>
+    <dgm:txLinClrLst/>
+    <dgm:txFillClrLst meth="repeat">
+      <a:schemeClr val="dk1"/>
+    </dgm:txFillClrLst>
+    <dgm:txEffectClrLst/>
+  </dgm:styleLbl>
+  <dgm:styleLbl name="solidAlignAcc1">
+    <dgm:fillClrLst meth="repeat">
+      <a:schemeClr val="lt1"/>
+    </dgm:fillClrLst>
+    <dgm:linClrLst>
+      <a:schemeClr val="accent5"/>
+      <a:schemeClr val="accent6"/>
+    </dgm:linClrLst>
+    <dgm:effectClrLst/>
+    <dgm:txLinClrLst/>
+    <dgm:txFillClrLst meth="repeat">
+      <a:schemeClr val="dk1"/>
+    </dgm:txFillClrLst>
+    <dgm:txEffectClrLst/>
+  </dgm:styleLbl>
+  <dgm:styleLbl name="solidBgAcc1">
+    <dgm:fillClrLst meth="repeat">
+      <a:schemeClr val="lt1"/>
+    </dgm:fillClrLst>
+    <dgm:linClrLst>
+      <a:schemeClr val="accent5"/>
+      <a:schemeClr val="accent6"/>
+    </dgm:linClrLst>
+    <dgm:effectClrLst/>
+    <dgm:txLinClrLst/>
+    <dgm:txFillClrLst meth="repeat">
+      <a:schemeClr val="dk1"/>
+    </dgm:txFillClrLst>
+    <dgm:txEffectClrLst/>
+  </dgm:styleLbl>
+  <dgm:styleLbl name="fgAccFollowNode1">
+    <dgm:fillClrLst>
+      <a:schemeClr val="accent5">
+        <a:tint val="40000"/>
+        <a:alpha val="90000"/>
+      </a:schemeClr>
+      <a:schemeClr val="accent6">
+        <a:tint val="40000"/>
+        <a:alpha val="90000"/>
+      </a:schemeClr>
+    </dgm:fillClrLst>
+    <dgm:linClrLst>
+      <a:schemeClr val="accent5">
+        <a:tint val="40000"/>
+        <a:alpha val="90000"/>
+      </a:schemeClr>
+      <a:schemeClr val="accent5">
+        <a:tint val="40000"/>
+        <a:alpha val="90000"/>
+      </a:schemeClr>
+    </dgm:linClrLst>
+    <dgm:effectClrLst/>
+    <dgm:txLinClrLst/>
+    <dgm:txFillClrLst meth="repeat">
+      <a:schemeClr val="dk1"/>
+    </dgm:txFillClrLst>
+    <dgm:txEffectClrLst/>
+  </dgm:styleLbl>
+  <dgm:styleLbl name="alignAccFollowNode1">
+    <dgm:fillClrLst>
+      <a:schemeClr val="accent5">
+        <a:tint val="40000"/>
+        <a:alpha val="90000"/>
+      </a:schemeClr>
+      <a:schemeClr val="accent6">
+        <a:tint val="40000"/>
+        <a:alpha val="90000"/>
+      </a:schemeClr>
+    </dgm:fillClrLst>
+    <dgm:linClrLst>
+      <a:schemeClr val="accent5">
+        <a:tint val="40000"/>
+        <a:alpha val="90000"/>
+      </a:schemeClr>
+      <a:schemeClr val="accent6">
+        <a:tint val="40000"/>
+        <a:alpha val="90000"/>
+      </a:schemeClr>
+    </dgm:linClrLst>
+    <dgm:effectClrLst/>
+    <dgm:txLinClrLst/>
+    <dgm:txFillClrLst meth="repeat">
+      <a:schemeClr val="dk1"/>
+    </dgm:txFillClrLst>
+    <dgm:txEffectClrLst/>
+  </dgm:styleLbl>
+  <dgm:styleLbl name="bgAccFollowNode1">
+    <dgm:fillClrLst>
+      <a:schemeClr val="accent5">
+        <a:tint val="40000"/>
+        <a:alpha val="90000"/>
+      </a:schemeClr>
+      <a:schemeClr val="accent6">
+        <a:tint val="40000"/>
+        <a:alpha val="90000"/>
+      </a:schemeClr>
+    </dgm:fillClrLst>
+    <dgm:linClrLst>
+      <a:schemeClr val="accent5">
+        <a:tint val="40000"/>
+        <a:alpha val="90000"/>
+      </a:schemeClr>
+      <a:schemeClr val="accent6">
+        <a:tint val="40000"/>
+        <a:alpha val="90000"/>
+      </a:schemeClr>
+    </dgm:linClrLst>
+    <dgm:effectClrLst/>
+    <dgm:txLinClrLst/>
+    <dgm:txFillClrLst meth="repeat">
+      <a:schemeClr val="dk1"/>
+    </dgm:txFillClrLst>
+    <dgm:txEffectClrLst/>
+  </dgm:styleLbl>
+  <dgm:styleLbl name="fgAcc0">
+    <dgm:fillClrLst meth="repeat">
+      <a:schemeClr val="lt1">
+        <a:alpha val="90000"/>
+      </a:schemeClr>
+    </dgm:fillClrLst>
+    <dgm:linClrLst>
+      <a:schemeClr val="accent4"/>
+    </dgm:linClrLst>
+    <dgm:effectClrLst/>
+    <dgm:txLinClrLst/>
+    <dgm:txFillClrLst meth="repeat">
+      <a:schemeClr val="dk1"/>
+    </dgm:txFillClrLst>
+    <dgm:txEffectClrLst/>
+  </dgm:styleLbl>
+  <dgm:styleLbl name="fgAcc2">
+    <dgm:fillClrLst meth="repeat">
+      <a:schemeClr val="lt1">
+        <a:alpha val="90000"/>
+      </a:schemeClr>
+    </dgm:fillClrLst>
+    <dgm:linClrLst>
+      <a:schemeClr val="accent6"/>
+    </dgm:linClrLst>
+    <dgm:effectClrLst/>
+    <dgm:txLinClrLst/>
+    <dgm:txFillClrLst meth="repeat">
+      <a:schemeClr val="dk1"/>
+    </dgm:txFillClrLst>
+    <dgm:txEffectClrLst/>
+  </dgm:styleLbl>
+  <dgm:styleLbl name="fgAcc3">
+    <dgm:fillClrLst meth="repeat">
+      <a:schemeClr val="lt1">
+        <a:alpha val="90000"/>
+      </a:schemeClr>
+    </dgm:fillClrLst>
+    <dgm:linClrLst>
+      <a:schemeClr val="accent1"/>
+    </dgm:linClrLst>
+    <dgm:effectClrLst/>
+    <dgm:txLinClrLst/>
+    <dgm:txFillClrLst meth="repeat">
+      <a:schemeClr val="dk1"/>
+    </dgm:txFillClrLst>
+    <dgm:txEffectClrLst/>
+  </dgm:styleLbl>
+  <dgm:styleLbl name="fgAcc4">
+    <dgm:fillClrLst meth="repeat">
+      <a:schemeClr val="lt1">
+        <a:alpha val="90000"/>
+      </a:schemeClr>
+    </dgm:fillClrLst>
+    <dgm:linClrLst>
+      <a:schemeClr val="accent2"/>
+    </dgm:linClrLst>
+    <dgm:effectClrLst/>
+    <dgm:txLinClrLst/>
+    <dgm:txFillClrLst meth="repeat">
+      <a:schemeClr val="dk1"/>
+    </dgm:txFillClrLst>
+    <dgm:txEffectClrLst/>
+  </dgm:styleLbl>
+  <dgm:styleLbl name="bgShp">
+    <dgm:fillClrLst meth="repeat">
+      <a:schemeClr val="bg1">
+        <a:lumMod val="95000"/>
+      </a:schemeClr>
+    </dgm:fillClrLst>
+    <dgm:linClrLst meth="repeat">
+      <a:schemeClr val="dk1"/>
+    </dgm:linClrLst>
+    <dgm:effectClrLst/>
+    <dgm:txLinClrLst/>
+    <dgm:txFillClrLst meth="repeat">
+      <a:schemeClr val="dk1"/>
+    </dgm:txFillClrLst>
+    <dgm:txEffectClrLst/>
+  </dgm:styleLbl>
+  <dgm:styleLbl name="dkBgShp">
+    <dgm:fillClrLst meth="repeat">
+      <a:schemeClr val="accent5">
+        <a:shade val="90000"/>
+      </a:schemeClr>
+    </dgm:fillClrLst>
+    <dgm:linClrLst meth="repeat">
+      <a:schemeClr val="dk1"/>
+    </dgm:linClrLst>
+    <dgm:effectClrLst/>
+    <dgm:txLinClrLst/>
+    <dgm:txFillClrLst meth="repeat">
+      <a:schemeClr val="lt1"/>
+    </dgm:txFillClrLst>
+    <dgm:txEffectClrLst/>
+  </dgm:styleLbl>
+  <dgm:styleLbl name="trBgShp">
+    <dgm:fillClrLst meth="repeat">
+      <a:schemeClr val="accent5">
+        <a:tint val="50000"/>
+        <a:alpha val="40000"/>
+      </a:schemeClr>
+    </dgm:fillClrLst>
+    <dgm:linClrLst meth="repeat">
+      <a:schemeClr val="accent5"/>
+    </dgm:linClrLst>
+    <dgm:effectClrLst/>
+    <dgm:txLinClrLst/>
+    <dgm:txFillClrLst meth="repeat">
+      <a:schemeClr val="lt1"/>
+    </dgm:txFillClrLst>
+    <dgm:txEffectClrLst/>
+  </dgm:styleLbl>
+  <dgm:styleLbl name="fgShp">
+    <dgm:fillClrLst meth="repeat">
+      <a:schemeClr val="accent5">
+        <a:tint val="40000"/>
+      </a:schemeClr>
+    </dgm:fillClrLst>
+    <dgm:linClrLst meth="repeat">
+      <a:schemeClr val="lt1"/>
+    </dgm:linClrLst>
+    <dgm:effectClrLst/>
+    <dgm:txLinClrLst/>
+    <dgm:txFillClrLst meth="repeat">
+      <a:schemeClr val="dk1"/>
+    </dgm:txFillClrLst>
+    <dgm:txEffectClrLst/>
+  </dgm:styleLbl>
+  <dgm:styleLbl name="revTx">
+    <dgm:fillClrLst meth="repeat">
+      <a:schemeClr val="lt1">
+        <a:alpha val="0"/>
+      </a:schemeClr>
+    </dgm:fillClrLst>
+    <dgm:linClrLst meth="repeat">
+      <a:schemeClr val="dk1">
+        <a:alpha val="0"/>
+      </a:schemeClr>
+    </dgm:linClrLst>
+    <dgm:effectClrLst/>
+    <dgm:txLinClrLst/>
+    <dgm:txFillClrLst meth="repeat">
+      <a:schemeClr val="tx1"/>
+    </dgm:txFillClrLst>
+    <dgm:txEffectClrLst/>
+  </dgm:styleLbl>
+</dgm:colorsDef>
+</file>
+
+<file path=ppt/diagrams/data1.xml><?xml version="1.0" encoding="utf-8"?>
+<dgm:dataModel xmlns:dgm="http://schemas.openxmlformats.org/drawingml/2006/diagram" xmlns:a="http://schemas.openxmlformats.org/drawingml/2006/main">
+  <dgm:ptLst>
+    <dgm:pt modelId="{D0CFB1D8-9DDA-4CF1-90A5-212DF224CE0C}" type="doc">
+      <dgm:prSet loTypeId="urn:microsoft.com/office/officeart/2018/2/layout/IconLabelDescriptionList" loCatId="icon" qsTypeId="urn:microsoft.com/office/officeart/2005/8/quickstyle/simple1" qsCatId="simple" csTypeId="urn:microsoft.com/office/officeart/2018/5/colors/Iconchunking_neutralbg_colorful5" csCatId="colorful" phldr="1"/>
+      <dgm:spPr/>
+      <dgm:t>
+        <a:bodyPr/>
+        <a:lstStyle/>
+        <a:p>
+          <a:endParaRPr lang="en-US"/>
+        </a:p>
+      </dgm:t>
+    </dgm:pt>
+    <dgm:pt modelId="{D0F91B50-5AB3-4433-A9BF-B512784543CB}">
+      <dgm:prSet custT="1"/>
+      <dgm:spPr/>
+      <dgm:t>
+        <a:bodyPr/>
+        <a:lstStyle/>
+        <a:p>
+          <a:pPr>
+            <a:defRPr b="1"/>
+          </a:pPr>
+          <a:r>
+            <a:rPr lang="en-US" sz="2400" b="1" dirty="0">
+              <a:solidFill>
+                <a:schemeClr val="bg1"/>
+              </a:solidFill>
+            </a:rPr>
+            <a:t>Weather factors are not the full picture</a:t>
+          </a:r>
+          <a:endParaRPr lang="en-US" sz="2400" dirty="0">
+            <a:solidFill>
+              <a:schemeClr val="bg1"/>
+            </a:solidFill>
+          </a:endParaRPr>
+        </a:p>
+      </dgm:t>
+    </dgm:pt>
+    <dgm:pt modelId="{F16D8382-E26E-412B-960D-5AE04D3ECD8B}" type="parTrans" cxnId="{EBECB793-0043-4FAD-9E17-267D9FEDFDDC}">
+      <dgm:prSet/>
+      <dgm:spPr/>
+      <dgm:t>
+        <a:bodyPr/>
+        <a:lstStyle/>
+        <a:p>
+          <a:endParaRPr lang="en-US"/>
+        </a:p>
+      </dgm:t>
+    </dgm:pt>
+    <dgm:pt modelId="{65D84475-CEA0-4ED3-954E-1A84193C3619}" type="sibTrans" cxnId="{EBECB793-0043-4FAD-9E17-267D9FEDFDDC}">
+      <dgm:prSet/>
+      <dgm:spPr/>
+      <dgm:t>
+        <a:bodyPr/>
+        <a:lstStyle/>
+        <a:p>
+          <a:endParaRPr lang="en-US"/>
+        </a:p>
+      </dgm:t>
+    </dgm:pt>
+    <dgm:pt modelId="{203A5A0D-A329-400D-861B-58F0C263251E}">
+      <dgm:prSet custT="1"/>
+      <dgm:spPr/>
+      <dgm:t>
+        <a:bodyPr/>
+        <a:lstStyle/>
+        <a:p>
+          <a:pPr>
+            <a:defRPr b="1"/>
+          </a:pPr>
+          <a:r>
+            <a:rPr lang="en-US" sz="2400" b="1" dirty="0">
+              <a:solidFill>
+                <a:schemeClr val="bg1"/>
+              </a:solidFill>
+            </a:rPr>
+            <a:t>Technologies to assist planes with in certain whether conditions will help</a:t>
+          </a:r>
+          <a:endParaRPr lang="en-US" sz="2400" dirty="0">
+            <a:solidFill>
+              <a:schemeClr val="bg1"/>
+            </a:solidFill>
+          </a:endParaRPr>
+        </a:p>
+      </dgm:t>
+    </dgm:pt>
+    <dgm:pt modelId="{1C24EC80-8378-4B13-827B-AB46A357400D}" type="parTrans" cxnId="{48B122D9-8528-4631-904C-0C274B26DA0A}">
+      <dgm:prSet/>
+      <dgm:spPr/>
+      <dgm:t>
+        <a:bodyPr/>
+        <a:lstStyle/>
+        <a:p>
+          <a:endParaRPr lang="en-US"/>
+        </a:p>
+      </dgm:t>
+    </dgm:pt>
+    <dgm:pt modelId="{375D03EF-FC0A-4CA9-AA83-AD07B20C51B8}" type="sibTrans" cxnId="{48B122D9-8528-4631-904C-0C274B26DA0A}">
+      <dgm:prSet/>
+      <dgm:spPr/>
+      <dgm:t>
+        <a:bodyPr/>
+        <a:lstStyle/>
+        <a:p>
+          <a:endParaRPr lang="en-US"/>
+        </a:p>
+      </dgm:t>
+    </dgm:pt>
+    <dgm:pt modelId="{4DA881EC-E4CC-433B-A985-C5EC3DA216DC}">
+      <dgm:prSet custT="1"/>
+      <dgm:spPr/>
+      <dgm:t>
+        <a:bodyPr/>
+        <a:lstStyle/>
+        <a:p>
+          <a:pPr>
+            <a:defRPr b="1"/>
+          </a:pPr>
+          <a:r>
+            <a:rPr lang="en-US" sz="2400" b="1" dirty="0">
+              <a:solidFill>
+                <a:schemeClr val="bg1"/>
+              </a:solidFill>
+            </a:rPr>
+            <a:t>Other factors to consider:</a:t>
+          </a:r>
+          <a:endParaRPr lang="en-US" sz="2400" dirty="0">
+            <a:solidFill>
+              <a:schemeClr val="bg1"/>
+            </a:solidFill>
+          </a:endParaRPr>
+        </a:p>
+      </dgm:t>
+    </dgm:pt>
+    <dgm:pt modelId="{9E7F2608-B00C-413F-A974-4B197D55C402}" type="parTrans" cxnId="{306C7306-3802-4E5A-924F-39F922D47E0A}">
+      <dgm:prSet/>
+      <dgm:spPr/>
+      <dgm:t>
+        <a:bodyPr/>
+        <a:lstStyle/>
+        <a:p>
+          <a:endParaRPr lang="en-US"/>
+        </a:p>
+      </dgm:t>
+    </dgm:pt>
+    <dgm:pt modelId="{A258BDF4-7381-4FAB-B5B1-639F35F7278F}" type="sibTrans" cxnId="{306C7306-3802-4E5A-924F-39F922D47E0A}">
+      <dgm:prSet/>
+      <dgm:spPr/>
+      <dgm:t>
+        <a:bodyPr/>
+        <a:lstStyle/>
+        <a:p>
+          <a:endParaRPr lang="en-US"/>
+        </a:p>
+      </dgm:t>
+    </dgm:pt>
+    <dgm:pt modelId="{B9C0BE59-DF8F-46B4-A41F-C1C96E012ED6}">
+      <dgm:prSet/>
+      <dgm:spPr/>
+      <dgm:t>
+        <a:bodyPr/>
+        <a:lstStyle/>
+        <a:p>
+          <a:pPr>
+            <a:buFont typeface="Arial" panose="020B0604020202020204" pitchFamily="34" charset="0"/>
+            <a:buChar char="•"/>
+          </a:pPr>
+          <a:r>
+            <a:rPr lang="en-US" b="1" dirty="0">
+              <a:solidFill>
+                <a:schemeClr val="bg1"/>
+              </a:solidFill>
+            </a:rPr>
+            <a:t>- balancing out flight schedules more evenly where possible</a:t>
+          </a:r>
+          <a:endParaRPr lang="en-US" dirty="0">
+            <a:solidFill>
+              <a:schemeClr val="bg1"/>
+            </a:solidFill>
+          </a:endParaRPr>
+        </a:p>
+      </dgm:t>
+    </dgm:pt>
+    <dgm:pt modelId="{016006C7-92B9-4978-BF0B-7A3E331C9076}" type="parTrans" cxnId="{F8F96060-2FEB-400E-A215-330050DA1187}">
+      <dgm:prSet/>
+      <dgm:spPr/>
+      <dgm:t>
+        <a:bodyPr/>
+        <a:lstStyle/>
+        <a:p>
+          <a:endParaRPr lang="en-US"/>
+        </a:p>
+      </dgm:t>
+    </dgm:pt>
+    <dgm:pt modelId="{54D6A98C-3FA4-46C9-B97E-D0A05B2FDBE9}" type="sibTrans" cxnId="{F8F96060-2FEB-400E-A215-330050DA1187}">
+      <dgm:prSet/>
+      <dgm:spPr/>
+      <dgm:t>
+        <a:bodyPr/>
+        <a:lstStyle/>
+        <a:p>
+          <a:endParaRPr lang="en-US"/>
+        </a:p>
+      </dgm:t>
+    </dgm:pt>
+    <dgm:pt modelId="{2E96A71F-88F3-4C99-8262-025A10203E5B}">
+      <dgm:prSet/>
+      <dgm:spPr/>
+      <dgm:t>
+        <a:bodyPr/>
+        <a:lstStyle/>
+        <a:p>
+          <a:pPr>
+            <a:buFont typeface="Arial" panose="020B0604020202020204" pitchFamily="34" charset="0"/>
+            <a:buChar char="•"/>
+          </a:pPr>
+          <a:r>
+            <a:rPr lang="en-US" b="1" dirty="0">
+              <a:solidFill>
+                <a:schemeClr val="bg1"/>
+              </a:solidFill>
+            </a:rPr>
+            <a:t>- investigate specific carrier issues</a:t>
+          </a:r>
+          <a:endParaRPr lang="en-US" dirty="0">
+            <a:solidFill>
+              <a:schemeClr val="bg1"/>
+            </a:solidFill>
+          </a:endParaRPr>
+        </a:p>
+      </dgm:t>
+    </dgm:pt>
+    <dgm:pt modelId="{A68A4A6B-44B3-476E-875F-B641FDB916F0}" type="parTrans" cxnId="{C0DA96B5-0E3C-40C8-9A32-70FDCF697A70}">
+      <dgm:prSet/>
+      <dgm:spPr/>
+      <dgm:t>
+        <a:bodyPr/>
+        <a:lstStyle/>
+        <a:p>
+          <a:endParaRPr lang="en-US"/>
+        </a:p>
+      </dgm:t>
+    </dgm:pt>
+    <dgm:pt modelId="{7B3A52D2-2A9E-4952-8C3E-B47B351A1F97}" type="sibTrans" cxnId="{C0DA96B5-0E3C-40C8-9A32-70FDCF697A70}">
+      <dgm:prSet/>
+      <dgm:spPr/>
+      <dgm:t>
+        <a:bodyPr/>
+        <a:lstStyle/>
+        <a:p>
+          <a:endParaRPr lang="en-US"/>
+        </a:p>
+      </dgm:t>
+    </dgm:pt>
+    <dgm:pt modelId="{81DA3875-54B1-4937-9A0F-03D3B80B93A9}">
+      <dgm:prSet custT="1"/>
+      <dgm:spPr/>
+      <dgm:t>
+        <a:bodyPr/>
+        <a:lstStyle/>
+        <a:p>
+          <a:pPr>
+            <a:defRPr b="1"/>
+          </a:pPr>
+          <a:r>
+            <a:rPr lang="en-US" sz="2400" b="1" dirty="0">
+              <a:solidFill>
+                <a:schemeClr val="bg1"/>
+              </a:solidFill>
+            </a:rPr>
+            <a:t>Further research:</a:t>
+          </a:r>
+          <a:endParaRPr lang="en-US" sz="2400" dirty="0">
+            <a:solidFill>
+              <a:schemeClr val="bg1"/>
+            </a:solidFill>
+          </a:endParaRPr>
+        </a:p>
+      </dgm:t>
+    </dgm:pt>
+    <dgm:pt modelId="{59B2D4D8-BDC3-4018-B41E-DC5A64C74F4A}" type="parTrans" cxnId="{5736A9FC-745D-4AA6-8B6D-6A3725A5CA86}">
+      <dgm:prSet/>
+      <dgm:spPr/>
+      <dgm:t>
+        <a:bodyPr/>
+        <a:lstStyle/>
+        <a:p>
+          <a:endParaRPr lang="en-US"/>
+        </a:p>
+      </dgm:t>
+    </dgm:pt>
+    <dgm:pt modelId="{68D18D7B-DFD1-4A6C-9001-9D4F9FABD3C5}" type="sibTrans" cxnId="{5736A9FC-745D-4AA6-8B6D-6A3725A5CA86}">
+      <dgm:prSet/>
+      <dgm:spPr/>
+      <dgm:t>
+        <a:bodyPr/>
+        <a:lstStyle/>
+        <a:p>
+          <a:endParaRPr lang="en-US"/>
+        </a:p>
+      </dgm:t>
+    </dgm:pt>
+    <dgm:pt modelId="{2F812D3D-AE87-43FF-87B5-6CA22E80B34C}">
+      <dgm:prSet/>
+      <dgm:spPr/>
+      <dgm:t>
+        <a:bodyPr/>
+        <a:lstStyle/>
+        <a:p>
+          <a:r>
+            <a:rPr lang="en-US" b="1" dirty="0">
+              <a:solidFill>
+                <a:schemeClr val="bg1"/>
+              </a:solidFill>
+            </a:rPr>
+            <a:t>- what causes delays at peak periods? (airport staffing levels, air traffic congestion, etc.)</a:t>
+          </a:r>
+          <a:endParaRPr lang="en-US" dirty="0">
+            <a:solidFill>
+              <a:schemeClr val="bg1"/>
+            </a:solidFill>
+          </a:endParaRPr>
+        </a:p>
+      </dgm:t>
+    </dgm:pt>
+    <dgm:pt modelId="{A10CF4C7-979F-4A01-8EBA-BB93596F6A88}" type="parTrans" cxnId="{5D314080-D144-4CAC-8740-62EF1E2B6954}">
+      <dgm:prSet/>
+      <dgm:spPr/>
+      <dgm:t>
+        <a:bodyPr/>
+        <a:lstStyle/>
+        <a:p>
+          <a:endParaRPr lang="en-US"/>
+        </a:p>
+      </dgm:t>
+    </dgm:pt>
+    <dgm:pt modelId="{0EE7F0F1-6714-4DBD-8917-774C46EA609F}" type="sibTrans" cxnId="{5D314080-D144-4CAC-8740-62EF1E2B6954}">
+      <dgm:prSet/>
+      <dgm:spPr/>
+      <dgm:t>
+        <a:bodyPr/>
+        <a:lstStyle/>
+        <a:p>
+          <a:endParaRPr lang="en-US"/>
+        </a:p>
+      </dgm:t>
+    </dgm:pt>
+    <dgm:pt modelId="{9EBFB704-8505-4E2F-864B-FE56204A828A}">
+      <dgm:prSet/>
+      <dgm:spPr/>
+      <dgm:t>
+        <a:bodyPr/>
+        <a:lstStyle/>
+        <a:p>
+          <a:r>
+            <a:rPr lang="en-US" b="1" dirty="0">
+              <a:solidFill>
+                <a:schemeClr val="bg1"/>
+              </a:solidFill>
+            </a:rPr>
+            <a:t>- conversations with carriers that experience higher % of delays</a:t>
+          </a:r>
+          <a:endParaRPr lang="en-US" dirty="0">
+            <a:solidFill>
+              <a:schemeClr val="bg1"/>
+            </a:solidFill>
+          </a:endParaRPr>
+        </a:p>
+      </dgm:t>
+    </dgm:pt>
+    <dgm:pt modelId="{09FBA998-0C2B-44DF-BF72-ED86A77FFB07}" type="parTrans" cxnId="{DBA15F31-1A06-49D3-96D5-683F5C4D2131}">
+      <dgm:prSet/>
+      <dgm:spPr/>
+      <dgm:t>
+        <a:bodyPr/>
+        <a:lstStyle/>
+        <a:p>
+          <a:endParaRPr lang="en-US"/>
+        </a:p>
+      </dgm:t>
+    </dgm:pt>
+    <dgm:pt modelId="{F451C64A-8DD5-4C92-96E7-F06EA86B5133}" type="sibTrans" cxnId="{DBA15F31-1A06-49D3-96D5-683F5C4D2131}">
+      <dgm:prSet/>
+      <dgm:spPr/>
+      <dgm:t>
+        <a:bodyPr/>
+        <a:lstStyle/>
+        <a:p>
+          <a:endParaRPr lang="en-US"/>
+        </a:p>
+      </dgm:t>
+    </dgm:pt>
+    <dgm:pt modelId="{79A6E62E-B66C-49F6-A349-FD28BBD3EE15}" type="pres">
+      <dgm:prSet presAssocID="{D0CFB1D8-9DDA-4CF1-90A5-212DF224CE0C}" presName="root" presStyleCnt="0">
+        <dgm:presLayoutVars>
+          <dgm:dir/>
+          <dgm:resizeHandles val="exact"/>
+        </dgm:presLayoutVars>
+      </dgm:prSet>
+      <dgm:spPr/>
+    </dgm:pt>
+    <dgm:pt modelId="{692970A8-B428-4538-A87F-DDC37A67939B}" type="pres">
+      <dgm:prSet presAssocID="{D0F91B50-5AB3-4433-A9BF-B512784543CB}" presName="compNode" presStyleCnt="0"/>
+      <dgm:spPr/>
+    </dgm:pt>
+    <dgm:pt modelId="{2CDE9C06-E655-49DD-9036-369900D7E5E9}" type="pres">
+      <dgm:prSet presAssocID="{D0F91B50-5AB3-4433-A9BF-B512784543CB}" presName="iconRect" presStyleLbl="node1" presStyleIdx="0" presStyleCnt="4"/>
+      <dgm:spPr>
+        <a:blipFill>
+          <a:blip xmlns:r="http://schemas.openxmlformats.org/officeDocument/2006/relationships" r:embed="rId1">
+            <a:duotone>
+              <a:prstClr val="black"/>
+              <a:schemeClr val="accent4">
+                <a:tint val="45000"/>
+                <a:satMod val="400000"/>
+              </a:schemeClr>
+            </a:duotone>
+            <a:extLst>
+              <a:ext uri="{28A0092B-C50C-407E-A947-70E740481C1C}">
+                <a14:useLocalDpi xmlns:a14="http://schemas.microsoft.com/office/drawing/2010/main" val="0"/>
+              </a:ext>
+              <a:ext uri="{96DAC541-7B7A-43D3-8B79-37D633B846F1}">
+                <asvg:svgBlip xmlns:asvg="http://schemas.microsoft.com/office/drawing/2016/SVG/main" r:embed="rId2"/>
+              </a:ext>
+            </a:extLst>
+          </a:blip>
+          <a:srcRect/>
+          <a:stretch>
+            <a:fillRect t="-9000" b="-9000"/>
+          </a:stretch>
+        </a:blipFill>
+        <a:ln>
+          <a:noFill/>
+        </a:ln>
+      </dgm:spPr>
+      <dgm:extLst>
+        <a:ext uri="{E40237B7-FDA0-4F09-8148-C483321AD2D9}">
+          <dgm14:cNvPr xmlns:dgm14="http://schemas.microsoft.com/office/drawing/2010/diagram" id="0" name="" descr="Partial sun with solid fill"/>
+        </a:ext>
+      </dgm:extLst>
+    </dgm:pt>
+    <dgm:pt modelId="{69773546-6D6C-4C0E-B74A-2075F7938339}" type="pres">
+      <dgm:prSet presAssocID="{D0F91B50-5AB3-4433-A9BF-B512784543CB}" presName="iconSpace" presStyleCnt="0"/>
+      <dgm:spPr/>
+    </dgm:pt>
+    <dgm:pt modelId="{E0C8A08C-F8D9-424E-80E1-A4C37CF6A1E7}" type="pres">
+      <dgm:prSet presAssocID="{D0F91B50-5AB3-4433-A9BF-B512784543CB}" presName="parTx" presStyleLbl="revTx" presStyleIdx="0" presStyleCnt="8">
+        <dgm:presLayoutVars>
+          <dgm:chMax val="0"/>
+          <dgm:chPref val="0"/>
+        </dgm:presLayoutVars>
+      </dgm:prSet>
+      <dgm:spPr/>
+    </dgm:pt>
+    <dgm:pt modelId="{75756D44-9F53-4EE7-926F-580FC751EB1D}" type="pres">
+      <dgm:prSet presAssocID="{D0F91B50-5AB3-4433-A9BF-B512784543CB}" presName="txSpace" presStyleCnt="0"/>
+      <dgm:spPr/>
+    </dgm:pt>
+    <dgm:pt modelId="{E9C8D255-3291-48E5-B704-574DB9542664}" type="pres">
+      <dgm:prSet presAssocID="{D0F91B50-5AB3-4433-A9BF-B512784543CB}" presName="desTx" presStyleLbl="revTx" presStyleIdx="1" presStyleCnt="8">
+        <dgm:presLayoutVars/>
+      </dgm:prSet>
+      <dgm:spPr/>
+    </dgm:pt>
+    <dgm:pt modelId="{C14EA5DF-2317-4068-901F-460C0D3CEA6E}" type="pres">
+      <dgm:prSet presAssocID="{65D84475-CEA0-4ED3-954E-1A84193C3619}" presName="sibTrans" presStyleCnt="0"/>
+      <dgm:spPr/>
+    </dgm:pt>
+    <dgm:pt modelId="{765AB8C8-A187-4E0D-AB45-B809C8A9CC56}" type="pres">
+      <dgm:prSet presAssocID="{203A5A0D-A329-400D-861B-58F0C263251E}" presName="compNode" presStyleCnt="0"/>
+      <dgm:spPr/>
+    </dgm:pt>
+    <dgm:pt modelId="{73B51F0F-E172-46E3-8ECE-11C4E25228FA}" type="pres">
+      <dgm:prSet presAssocID="{203A5A0D-A329-400D-861B-58F0C263251E}" presName="iconRect" presStyleLbl="node1" presStyleIdx="1" presStyleCnt="4"/>
+      <dgm:spPr>
+        <a:blipFill>
+          <a:blip xmlns:r="http://schemas.openxmlformats.org/officeDocument/2006/relationships" r:embed="rId3">
+            <a:biLevel thresh="75000"/>
+            <a:extLst>
+              <a:ext uri="{28A0092B-C50C-407E-A947-70E740481C1C}">
+                <a14:useLocalDpi xmlns:a14="http://schemas.microsoft.com/office/drawing/2010/main" val="0"/>
+              </a:ext>
+              <a:ext uri="{96DAC541-7B7A-43D3-8B79-37D633B846F1}">
+                <asvg:svgBlip xmlns:asvg="http://schemas.microsoft.com/office/drawing/2016/SVG/main" r:embed="rId4"/>
+              </a:ext>
+            </a:extLst>
+          </a:blip>
+          <a:stretch>
+            <a:fillRect/>
+          </a:stretch>
+        </a:blipFill>
+        <a:ln>
+          <a:noFill/>
+        </a:ln>
+        <a:effectLst/>
+      </dgm:spPr>
+      <dgm:extLst>
+        <a:ext uri="{E40237B7-FDA0-4F09-8148-C483321AD2D9}">
+          <dgm14:cNvPr xmlns:dgm14="http://schemas.microsoft.com/office/drawing/2010/diagram" id="0" name="" descr="Airplane"/>
+        </a:ext>
+      </dgm:extLst>
+    </dgm:pt>
+    <dgm:pt modelId="{2F945F4F-18AD-4F44-8A2D-1B28CCA0C97D}" type="pres">
+      <dgm:prSet presAssocID="{203A5A0D-A329-400D-861B-58F0C263251E}" presName="iconSpace" presStyleCnt="0"/>
+      <dgm:spPr/>
+    </dgm:pt>
+    <dgm:pt modelId="{59857442-C6ED-4251-98E1-406CF7E7CBD1}" type="pres">
+      <dgm:prSet presAssocID="{203A5A0D-A329-400D-861B-58F0C263251E}" presName="parTx" presStyleLbl="revTx" presStyleIdx="2" presStyleCnt="8">
+        <dgm:presLayoutVars>
+          <dgm:chMax val="0"/>
+          <dgm:chPref val="0"/>
+        </dgm:presLayoutVars>
+      </dgm:prSet>
+      <dgm:spPr/>
+    </dgm:pt>
+    <dgm:pt modelId="{0D4FFFCF-1D84-4304-A982-14B264F2FD3F}" type="pres">
+      <dgm:prSet presAssocID="{203A5A0D-A329-400D-861B-58F0C263251E}" presName="txSpace" presStyleCnt="0"/>
+      <dgm:spPr/>
+    </dgm:pt>
+    <dgm:pt modelId="{92956790-3812-48A9-B9F4-565406396865}" type="pres">
+      <dgm:prSet presAssocID="{203A5A0D-A329-400D-861B-58F0C263251E}" presName="desTx" presStyleLbl="revTx" presStyleIdx="3" presStyleCnt="8">
+        <dgm:presLayoutVars/>
+      </dgm:prSet>
+      <dgm:spPr/>
+    </dgm:pt>
+    <dgm:pt modelId="{A6081731-ED18-4761-9796-A2AC4F71BDBB}" type="pres">
+      <dgm:prSet presAssocID="{375D03EF-FC0A-4CA9-AA83-AD07B20C51B8}" presName="sibTrans" presStyleCnt="0"/>
+      <dgm:spPr/>
+    </dgm:pt>
+    <dgm:pt modelId="{719319D4-23BD-4C16-8C10-FD263405F602}" type="pres">
+      <dgm:prSet presAssocID="{4DA881EC-E4CC-433B-A985-C5EC3DA216DC}" presName="compNode" presStyleCnt="0"/>
+      <dgm:spPr/>
+    </dgm:pt>
+    <dgm:pt modelId="{2894FA9B-03FE-4E50-828D-A5CB08F3F91C}" type="pres">
+      <dgm:prSet presAssocID="{4DA881EC-E4CC-433B-A985-C5EC3DA216DC}" presName="iconRect" presStyleLbl="node1" presStyleIdx="2" presStyleCnt="4"/>
+      <dgm:spPr>
+        <a:blipFill>
+          <a:blip xmlns:r="http://schemas.openxmlformats.org/officeDocument/2006/relationships" r:embed="rId5">
+            <a:extLst>
+              <a:ext uri="{96DAC541-7B7A-43D3-8B79-37D633B846F1}">
+                <asvg:svgBlip xmlns:asvg="http://schemas.microsoft.com/office/drawing/2016/SVG/main" r:embed="rId6"/>
+              </a:ext>
+            </a:extLst>
+          </a:blip>
+          <a:srcRect/>
+          <a:stretch>
+            <a:fillRect/>
+          </a:stretch>
+        </a:blipFill>
+        <a:ln>
+          <a:noFill/>
+        </a:ln>
+      </dgm:spPr>
+      <dgm:extLst>
+        <a:ext uri="{E40237B7-FDA0-4F09-8148-C483321AD2D9}">
+          <dgm14:cNvPr xmlns:dgm14="http://schemas.microsoft.com/office/drawing/2010/diagram" id="0" name="" descr="Thought bubble with solid fill"/>
+        </a:ext>
+      </dgm:extLst>
+    </dgm:pt>
+    <dgm:pt modelId="{AFB77887-5C66-4298-8F21-942CB9633FC4}" type="pres">
+      <dgm:prSet presAssocID="{4DA881EC-E4CC-433B-A985-C5EC3DA216DC}" presName="iconSpace" presStyleCnt="0"/>
+      <dgm:spPr/>
+    </dgm:pt>
+    <dgm:pt modelId="{997426D3-03EC-4BD1-A962-FF0C5AE3148E}" type="pres">
+      <dgm:prSet presAssocID="{4DA881EC-E4CC-433B-A985-C5EC3DA216DC}" presName="parTx" presStyleLbl="revTx" presStyleIdx="4" presStyleCnt="8">
+        <dgm:presLayoutVars>
+          <dgm:chMax val="0"/>
+          <dgm:chPref val="0"/>
+        </dgm:presLayoutVars>
+      </dgm:prSet>
+      <dgm:spPr/>
+    </dgm:pt>
+    <dgm:pt modelId="{FE36C135-D73E-41AB-B5D2-A2567E55AFCA}" type="pres">
+      <dgm:prSet presAssocID="{4DA881EC-E4CC-433B-A985-C5EC3DA216DC}" presName="txSpace" presStyleCnt="0"/>
+      <dgm:spPr/>
+    </dgm:pt>
+    <dgm:pt modelId="{074777D9-BA92-44AE-8692-487DE7B91FB2}" type="pres">
+      <dgm:prSet presAssocID="{4DA881EC-E4CC-433B-A985-C5EC3DA216DC}" presName="desTx" presStyleLbl="revTx" presStyleIdx="5" presStyleCnt="8" custLinFactY="-78119" custLinFactNeighborX="-277" custLinFactNeighborY="-100000">
+        <dgm:presLayoutVars/>
+      </dgm:prSet>
+      <dgm:spPr/>
+    </dgm:pt>
+    <dgm:pt modelId="{90849A06-B0A7-4A55-A329-D0BFE03FED3E}" type="pres">
+      <dgm:prSet presAssocID="{A258BDF4-7381-4FAB-B5B1-639F35F7278F}" presName="sibTrans" presStyleCnt="0"/>
+      <dgm:spPr/>
+    </dgm:pt>
+    <dgm:pt modelId="{AA16C5FC-33E2-4FA5-B7B8-870CC49BF7AF}" type="pres">
+      <dgm:prSet presAssocID="{81DA3875-54B1-4937-9A0F-03D3B80B93A9}" presName="compNode" presStyleCnt="0"/>
+      <dgm:spPr/>
+    </dgm:pt>
+    <dgm:pt modelId="{1A9684F0-2CAC-4F33-8F7C-4E61605AB5C6}" type="pres">
+      <dgm:prSet presAssocID="{81DA3875-54B1-4937-9A0F-03D3B80B93A9}" presName="iconRect" presStyleLbl="node1" presStyleIdx="3" presStyleCnt="4"/>
+      <dgm:spPr>
+        <a:blipFill>
+          <a:blip xmlns:r="http://schemas.openxmlformats.org/officeDocument/2006/relationships" r:embed="rId7">
+            <a:extLst>
+              <a:ext uri="{28A0092B-C50C-407E-A947-70E740481C1C}">
+                <a14:useLocalDpi xmlns:a14="http://schemas.microsoft.com/office/drawing/2010/main" val="0"/>
+              </a:ext>
+              <a:ext uri="{96DAC541-7B7A-43D3-8B79-37D633B846F1}">
+                <asvg:svgBlip xmlns:asvg="http://schemas.microsoft.com/office/drawing/2016/SVG/main" r:embed="rId8"/>
+              </a:ext>
+            </a:extLst>
+          </a:blip>
+          <a:stretch>
+            <a:fillRect/>
+          </a:stretch>
+        </a:blipFill>
+        <a:ln>
+          <a:noFill/>
+        </a:ln>
+      </dgm:spPr>
+      <dgm:extLst>
+        <a:ext uri="{E40237B7-FDA0-4F09-8148-C483321AD2D9}">
+          <dgm14:cNvPr xmlns:dgm14="http://schemas.microsoft.com/office/drawing/2010/diagram" id="0" name="" descr="Pilot"/>
+        </a:ext>
+      </dgm:extLst>
+    </dgm:pt>
+    <dgm:pt modelId="{4609468A-3E01-4B75-8A53-AF7EE59CC9F5}" type="pres">
+      <dgm:prSet presAssocID="{81DA3875-54B1-4937-9A0F-03D3B80B93A9}" presName="iconSpace" presStyleCnt="0"/>
+      <dgm:spPr/>
+    </dgm:pt>
+    <dgm:pt modelId="{51E4CD37-84BC-404E-84F4-893785FDA8D6}" type="pres">
+      <dgm:prSet presAssocID="{81DA3875-54B1-4937-9A0F-03D3B80B93A9}" presName="parTx" presStyleLbl="revTx" presStyleIdx="6" presStyleCnt="8">
+        <dgm:presLayoutVars>
+          <dgm:chMax val="0"/>
+          <dgm:chPref val="0"/>
+        </dgm:presLayoutVars>
+      </dgm:prSet>
+      <dgm:spPr/>
+    </dgm:pt>
+    <dgm:pt modelId="{D432C19D-2704-4494-97D8-5AE5C81E19E9}" type="pres">
+      <dgm:prSet presAssocID="{81DA3875-54B1-4937-9A0F-03D3B80B93A9}" presName="txSpace" presStyleCnt="0"/>
+      <dgm:spPr/>
+    </dgm:pt>
+    <dgm:pt modelId="{4760B70D-0987-494B-B24B-A464519D8645}" type="pres">
+      <dgm:prSet presAssocID="{81DA3875-54B1-4937-9A0F-03D3B80B93A9}" presName="desTx" presStyleLbl="revTx" presStyleIdx="7" presStyleCnt="8" custLinFactY="-69034" custLinFactNeighborX="-4163" custLinFactNeighborY="-100000">
+        <dgm:presLayoutVars/>
+      </dgm:prSet>
+      <dgm:spPr/>
+    </dgm:pt>
+  </dgm:ptLst>
+  <dgm:cxnLst>
+    <dgm:cxn modelId="{306C7306-3802-4E5A-924F-39F922D47E0A}" srcId="{D0CFB1D8-9DDA-4CF1-90A5-212DF224CE0C}" destId="{4DA881EC-E4CC-433B-A985-C5EC3DA216DC}" srcOrd="2" destOrd="0" parTransId="{9E7F2608-B00C-413F-A974-4B197D55C402}" sibTransId="{A258BDF4-7381-4FAB-B5B1-639F35F7278F}"/>
+    <dgm:cxn modelId="{59022A22-4628-4C8E-A8D5-E69C5AA7C192}" type="presOf" srcId="{D0CFB1D8-9DDA-4CF1-90A5-212DF224CE0C}" destId="{79A6E62E-B66C-49F6-A349-FD28BBD3EE15}" srcOrd="0" destOrd="0" presId="urn:microsoft.com/office/officeart/2018/2/layout/IconLabelDescriptionList"/>
+    <dgm:cxn modelId="{A9A0112F-ADBA-4946-8093-C53E7AD2D08F}" type="presOf" srcId="{81DA3875-54B1-4937-9A0F-03D3B80B93A9}" destId="{51E4CD37-84BC-404E-84F4-893785FDA8D6}" srcOrd="0" destOrd="0" presId="urn:microsoft.com/office/officeart/2018/2/layout/IconLabelDescriptionList"/>
+    <dgm:cxn modelId="{DBA15F31-1A06-49D3-96D5-683F5C4D2131}" srcId="{81DA3875-54B1-4937-9A0F-03D3B80B93A9}" destId="{9EBFB704-8505-4E2F-864B-FE56204A828A}" srcOrd="1" destOrd="0" parTransId="{09FBA998-0C2B-44DF-BF72-ED86A77FFB07}" sibTransId="{F451C64A-8DD5-4C92-96E7-F06EA86B5133}"/>
+    <dgm:cxn modelId="{3AC75D60-5E8F-4255-B8EB-DB95A3D67739}" type="presOf" srcId="{9EBFB704-8505-4E2F-864B-FE56204A828A}" destId="{4760B70D-0987-494B-B24B-A464519D8645}" srcOrd="0" destOrd="1" presId="urn:microsoft.com/office/officeart/2018/2/layout/IconLabelDescriptionList"/>
+    <dgm:cxn modelId="{F8F96060-2FEB-400E-A215-330050DA1187}" srcId="{4DA881EC-E4CC-433B-A985-C5EC3DA216DC}" destId="{B9C0BE59-DF8F-46B4-A41F-C1C96E012ED6}" srcOrd="0" destOrd="0" parTransId="{016006C7-92B9-4978-BF0B-7A3E331C9076}" sibTransId="{54D6A98C-3FA4-46C9-B97E-D0A05B2FDBE9}"/>
+    <dgm:cxn modelId="{5D314080-D144-4CAC-8740-62EF1E2B6954}" srcId="{81DA3875-54B1-4937-9A0F-03D3B80B93A9}" destId="{2F812D3D-AE87-43FF-87B5-6CA22E80B34C}" srcOrd="0" destOrd="0" parTransId="{A10CF4C7-979F-4A01-8EBA-BB93596F6A88}" sibTransId="{0EE7F0F1-6714-4DBD-8917-774C46EA609F}"/>
+    <dgm:cxn modelId="{53AF578C-8CA9-47C7-9A7D-4083C4EEFC2A}" type="presOf" srcId="{2F812D3D-AE87-43FF-87B5-6CA22E80B34C}" destId="{4760B70D-0987-494B-B24B-A464519D8645}" srcOrd="0" destOrd="0" presId="urn:microsoft.com/office/officeart/2018/2/layout/IconLabelDescriptionList"/>
+    <dgm:cxn modelId="{EBECB793-0043-4FAD-9E17-267D9FEDFDDC}" srcId="{D0CFB1D8-9DDA-4CF1-90A5-212DF224CE0C}" destId="{D0F91B50-5AB3-4433-A9BF-B512784543CB}" srcOrd="0" destOrd="0" parTransId="{F16D8382-E26E-412B-960D-5AE04D3ECD8B}" sibTransId="{65D84475-CEA0-4ED3-954E-1A84193C3619}"/>
+    <dgm:cxn modelId="{AFC1B2A6-A922-4A23-8423-35A392433913}" type="presOf" srcId="{B9C0BE59-DF8F-46B4-A41F-C1C96E012ED6}" destId="{074777D9-BA92-44AE-8692-487DE7B91FB2}" srcOrd="0" destOrd="0" presId="urn:microsoft.com/office/officeart/2018/2/layout/IconLabelDescriptionList"/>
+    <dgm:cxn modelId="{C0DA96B5-0E3C-40C8-9A32-70FDCF697A70}" srcId="{4DA881EC-E4CC-433B-A985-C5EC3DA216DC}" destId="{2E96A71F-88F3-4C99-8262-025A10203E5B}" srcOrd="1" destOrd="0" parTransId="{A68A4A6B-44B3-476E-875F-B641FDB916F0}" sibTransId="{7B3A52D2-2A9E-4952-8C3E-B47B351A1F97}"/>
+    <dgm:cxn modelId="{B6AD92B8-6054-4F9F-B457-A636585A1654}" type="presOf" srcId="{203A5A0D-A329-400D-861B-58F0C263251E}" destId="{59857442-C6ED-4251-98E1-406CF7E7CBD1}" srcOrd="0" destOrd="0" presId="urn:microsoft.com/office/officeart/2018/2/layout/IconLabelDescriptionList"/>
+    <dgm:cxn modelId="{776B42CA-0C1D-4229-9C99-5934B4A4184E}" type="presOf" srcId="{4DA881EC-E4CC-433B-A985-C5EC3DA216DC}" destId="{997426D3-03EC-4BD1-A962-FF0C5AE3148E}" srcOrd="0" destOrd="0" presId="urn:microsoft.com/office/officeart/2018/2/layout/IconLabelDescriptionList"/>
+    <dgm:cxn modelId="{48B122D9-8528-4631-904C-0C274B26DA0A}" srcId="{D0CFB1D8-9DDA-4CF1-90A5-212DF224CE0C}" destId="{203A5A0D-A329-400D-861B-58F0C263251E}" srcOrd="1" destOrd="0" parTransId="{1C24EC80-8378-4B13-827B-AB46A357400D}" sibTransId="{375D03EF-FC0A-4CA9-AA83-AD07B20C51B8}"/>
+    <dgm:cxn modelId="{8E9D00E6-6B40-4D9D-95A7-378996677FE9}" type="presOf" srcId="{D0F91B50-5AB3-4433-A9BF-B512784543CB}" destId="{E0C8A08C-F8D9-424E-80E1-A4C37CF6A1E7}" srcOrd="0" destOrd="0" presId="urn:microsoft.com/office/officeart/2018/2/layout/IconLabelDescriptionList"/>
+    <dgm:cxn modelId="{6D5ED4E9-8EB4-4AA8-AA38-7E1F325638F4}" type="presOf" srcId="{2E96A71F-88F3-4C99-8262-025A10203E5B}" destId="{074777D9-BA92-44AE-8692-487DE7B91FB2}" srcOrd="0" destOrd="1" presId="urn:microsoft.com/office/officeart/2018/2/layout/IconLabelDescriptionList"/>
+    <dgm:cxn modelId="{5736A9FC-745D-4AA6-8B6D-6A3725A5CA86}" srcId="{D0CFB1D8-9DDA-4CF1-90A5-212DF224CE0C}" destId="{81DA3875-54B1-4937-9A0F-03D3B80B93A9}" srcOrd="3" destOrd="0" parTransId="{59B2D4D8-BDC3-4018-B41E-DC5A64C74F4A}" sibTransId="{68D18D7B-DFD1-4A6C-9001-9D4F9FABD3C5}"/>
+    <dgm:cxn modelId="{E5F18CE8-5DB6-4C26-AE94-5FEFB8380D5A}" type="presParOf" srcId="{79A6E62E-B66C-49F6-A349-FD28BBD3EE15}" destId="{692970A8-B428-4538-A87F-DDC37A67939B}" srcOrd="0" destOrd="0" presId="urn:microsoft.com/office/officeart/2018/2/layout/IconLabelDescriptionList"/>
+    <dgm:cxn modelId="{72CC1CA7-52AC-4082-9CEC-9653C904909F}" type="presParOf" srcId="{692970A8-B428-4538-A87F-DDC37A67939B}" destId="{2CDE9C06-E655-49DD-9036-369900D7E5E9}" srcOrd="0" destOrd="0" presId="urn:microsoft.com/office/officeart/2018/2/layout/IconLabelDescriptionList"/>
+    <dgm:cxn modelId="{CE817597-D486-49F7-8B37-BE2B61A9673B}" type="presParOf" srcId="{692970A8-B428-4538-A87F-DDC37A67939B}" destId="{69773546-6D6C-4C0E-B74A-2075F7938339}" srcOrd="1" destOrd="0" presId="urn:microsoft.com/office/officeart/2018/2/layout/IconLabelDescriptionList"/>
+    <dgm:cxn modelId="{CF368015-6AC5-4E62-96A0-7C82973EB3E6}" type="presParOf" srcId="{692970A8-B428-4538-A87F-DDC37A67939B}" destId="{E0C8A08C-F8D9-424E-80E1-A4C37CF6A1E7}" srcOrd="2" destOrd="0" presId="urn:microsoft.com/office/officeart/2018/2/layout/IconLabelDescriptionList"/>
+    <dgm:cxn modelId="{D7CD37E9-38BA-4924-BE12-F51980B6361F}" type="presParOf" srcId="{692970A8-B428-4538-A87F-DDC37A67939B}" destId="{75756D44-9F53-4EE7-926F-580FC751EB1D}" srcOrd="3" destOrd="0" presId="urn:microsoft.com/office/officeart/2018/2/layout/IconLabelDescriptionList"/>
+    <dgm:cxn modelId="{FD72B0D4-6ED8-4AB9-AA0C-D67C68FD52E6}" type="presParOf" srcId="{692970A8-B428-4538-A87F-DDC37A67939B}" destId="{E9C8D255-3291-48E5-B704-574DB9542664}" srcOrd="4" destOrd="0" presId="urn:microsoft.com/office/officeart/2018/2/layout/IconLabelDescriptionList"/>
+    <dgm:cxn modelId="{6D0AD782-29A3-44D6-83BB-59403C093BA4}" type="presParOf" srcId="{79A6E62E-B66C-49F6-A349-FD28BBD3EE15}" destId="{C14EA5DF-2317-4068-901F-460C0D3CEA6E}" srcOrd="1" destOrd="0" presId="urn:microsoft.com/office/officeart/2018/2/layout/IconLabelDescriptionList"/>
+    <dgm:cxn modelId="{02394AB5-279A-4005-B826-A75C0D8CEB75}" type="presParOf" srcId="{79A6E62E-B66C-49F6-A349-FD28BBD3EE15}" destId="{765AB8C8-A187-4E0D-AB45-B809C8A9CC56}" srcOrd="2" destOrd="0" presId="urn:microsoft.com/office/officeart/2018/2/layout/IconLabelDescriptionList"/>
+    <dgm:cxn modelId="{A2949867-64EE-4461-8620-AD312A6A2373}" type="presParOf" srcId="{765AB8C8-A187-4E0D-AB45-B809C8A9CC56}" destId="{73B51F0F-E172-46E3-8ECE-11C4E25228FA}" srcOrd="0" destOrd="0" presId="urn:microsoft.com/office/officeart/2018/2/layout/IconLabelDescriptionList"/>
+    <dgm:cxn modelId="{3CE59C7A-041E-4CA5-BDAA-C4BCBBB1B2A9}" type="presParOf" srcId="{765AB8C8-A187-4E0D-AB45-B809C8A9CC56}" destId="{2F945F4F-18AD-4F44-8A2D-1B28CCA0C97D}" srcOrd="1" destOrd="0" presId="urn:microsoft.com/office/officeart/2018/2/layout/IconLabelDescriptionList"/>
+    <dgm:cxn modelId="{6F44C9CD-C63D-480B-BE85-7FB7FED4CE4A}" type="presParOf" srcId="{765AB8C8-A187-4E0D-AB45-B809C8A9CC56}" destId="{59857442-C6ED-4251-98E1-406CF7E7CBD1}" srcOrd="2" destOrd="0" presId="urn:microsoft.com/office/officeart/2018/2/layout/IconLabelDescriptionList"/>
+    <dgm:cxn modelId="{A8F407FE-FDD0-4453-9D83-F09B9D31B4EB}" type="presParOf" srcId="{765AB8C8-A187-4E0D-AB45-B809C8A9CC56}" destId="{0D4FFFCF-1D84-4304-A982-14B264F2FD3F}" srcOrd="3" destOrd="0" presId="urn:microsoft.com/office/officeart/2018/2/layout/IconLabelDescriptionList"/>
+    <dgm:cxn modelId="{6905116B-DBFD-440D-A8AD-C5AF3DA04B2F}" type="presParOf" srcId="{765AB8C8-A187-4E0D-AB45-B809C8A9CC56}" destId="{92956790-3812-48A9-B9F4-565406396865}" srcOrd="4" destOrd="0" presId="urn:microsoft.com/office/officeart/2018/2/layout/IconLabelDescriptionList"/>
+    <dgm:cxn modelId="{68AF3A96-4AD5-46D5-A31A-2A758552F981}" type="presParOf" srcId="{79A6E62E-B66C-49F6-A349-FD28BBD3EE15}" destId="{A6081731-ED18-4761-9796-A2AC4F71BDBB}" srcOrd="3" destOrd="0" presId="urn:microsoft.com/office/officeart/2018/2/layout/IconLabelDescriptionList"/>
+    <dgm:cxn modelId="{587C8380-9A8B-49BB-8535-A9CE0D70B842}" type="presParOf" srcId="{79A6E62E-B66C-49F6-A349-FD28BBD3EE15}" destId="{719319D4-23BD-4C16-8C10-FD263405F602}" srcOrd="4" destOrd="0" presId="urn:microsoft.com/office/officeart/2018/2/layout/IconLabelDescriptionList"/>
+    <dgm:cxn modelId="{978211EC-470F-402D-8C9E-EBE24630E862}" type="presParOf" srcId="{719319D4-23BD-4C16-8C10-FD263405F602}" destId="{2894FA9B-03FE-4E50-828D-A5CB08F3F91C}" srcOrd="0" destOrd="0" presId="urn:microsoft.com/office/officeart/2018/2/layout/IconLabelDescriptionList"/>
+    <dgm:cxn modelId="{36EB2EDB-A169-48CB-8ABE-8A354DBEAF7A}" type="presParOf" srcId="{719319D4-23BD-4C16-8C10-FD263405F602}" destId="{AFB77887-5C66-4298-8F21-942CB9633FC4}" srcOrd="1" destOrd="0" presId="urn:microsoft.com/office/officeart/2018/2/layout/IconLabelDescriptionList"/>
+    <dgm:cxn modelId="{777457AD-FDB1-4A7C-A742-F21452495CAE}" type="presParOf" srcId="{719319D4-23BD-4C16-8C10-FD263405F602}" destId="{997426D3-03EC-4BD1-A962-FF0C5AE3148E}" srcOrd="2" destOrd="0" presId="urn:microsoft.com/office/officeart/2018/2/layout/IconLabelDescriptionList"/>
+    <dgm:cxn modelId="{A4B15691-0CE8-49B7-931C-F5C44E8283F9}" type="presParOf" srcId="{719319D4-23BD-4C16-8C10-FD263405F602}" destId="{FE36C135-D73E-41AB-B5D2-A2567E55AFCA}" srcOrd="3" destOrd="0" presId="urn:microsoft.com/office/officeart/2018/2/layout/IconLabelDescriptionList"/>
+    <dgm:cxn modelId="{2797D9F3-64EC-4793-A301-AB0F88F7E4B9}" type="presParOf" srcId="{719319D4-23BD-4C16-8C10-FD263405F602}" destId="{074777D9-BA92-44AE-8692-487DE7B91FB2}" srcOrd="4" destOrd="0" presId="urn:microsoft.com/office/officeart/2018/2/layout/IconLabelDescriptionList"/>
+    <dgm:cxn modelId="{696B3F07-276E-4E62-8D1F-63158F60032C}" type="presParOf" srcId="{79A6E62E-B66C-49F6-A349-FD28BBD3EE15}" destId="{90849A06-B0A7-4A55-A329-D0BFE03FED3E}" srcOrd="5" destOrd="0" presId="urn:microsoft.com/office/officeart/2018/2/layout/IconLabelDescriptionList"/>
+    <dgm:cxn modelId="{C69A1247-00CE-4095-A2F3-BE4D6854D257}" type="presParOf" srcId="{79A6E62E-B66C-49F6-A349-FD28BBD3EE15}" destId="{AA16C5FC-33E2-4FA5-B7B8-870CC49BF7AF}" srcOrd="6" destOrd="0" presId="urn:microsoft.com/office/officeart/2018/2/layout/IconLabelDescriptionList"/>
+    <dgm:cxn modelId="{997FF68C-850A-4848-8AC9-C21F10A29543}" type="presParOf" srcId="{AA16C5FC-33E2-4FA5-B7B8-870CC49BF7AF}" destId="{1A9684F0-2CAC-4F33-8F7C-4E61605AB5C6}" srcOrd="0" destOrd="0" presId="urn:microsoft.com/office/officeart/2018/2/layout/IconLabelDescriptionList"/>
+    <dgm:cxn modelId="{1E3E6B55-D650-4C32-B671-C82D77B8C60A}" type="presParOf" srcId="{AA16C5FC-33E2-4FA5-B7B8-870CC49BF7AF}" destId="{4609468A-3E01-4B75-8A53-AF7EE59CC9F5}" srcOrd="1" destOrd="0" presId="urn:microsoft.com/office/officeart/2018/2/layout/IconLabelDescriptionList"/>
+    <dgm:cxn modelId="{18C12877-BE85-4265-A57E-D433019172BB}" type="presParOf" srcId="{AA16C5FC-33E2-4FA5-B7B8-870CC49BF7AF}" destId="{51E4CD37-84BC-404E-84F4-893785FDA8D6}" srcOrd="2" destOrd="0" presId="urn:microsoft.com/office/officeart/2018/2/layout/IconLabelDescriptionList"/>
+    <dgm:cxn modelId="{FBE3DD97-DFEF-47FA-9A1B-4EBFA27B90A2}" type="presParOf" srcId="{AA16C5FC-33E2-4FA5-B7B8-870CC49BF7AF}" destId="{D432C19D-2704-4494-97D8-5AE5C81E19E9}" srcOrd="3" destOrd="0" presId="urn:microsoft.com/office/officeart/2018/2/layout/IconLabelDescriptionList"/>
+    <dgm:cxn modelId="{14BB1E69-8A13-4993-9C3E-8061B4F1AC1F}" type="presParOf" srcId="{AA16C5FC-33E2-4FA5-B7B8-870CC49BF7AF}" destId="{4760B70D-0987-494B-B24B-A464519D8645}" srcOrd="4" destOrd="0" presId="urn:microsoft.com/office/officeart/2018/2/layout/IconLabelDescriptionList"/>
+  </dgm:cxnLst>
+  <dgm:bg>
+    <a:noFill/>
+  </dgm:bg>
+  <dgm:whole/>
+  <dgm:extLst>
+    <a:ext uri="http://schemas.microsoft.com/office/drawing/2008/diagram">
+      <dsp:dataModelExt xmlns:dsp="http://schemas.microsoft.com/office/drawing/2008/diagram" relId="rId7" minVer="http://schemas.openxmlformats.org/drawingml/2006/diagram"/>
+    </a:ext>
+  </dgm:extLst>
+</dgm:dataModel>
+</file>
+
+<file path=ppt/diagrams/drawing1.xml><?xml version="1.0" encoding="utf-8"?>
+<dsp:drawing xmlns:dgm="http://schemas.openxmlformats.org/drawingml/2006/diagram" xmlns:dsp="http://schemas.microsoft.com/office/drawing/2008/diagram" xmlns:a="http://schemas.openxmlformats.org/drawingml/2006/main">
+  <dsp:spTree>
+    <dsp:nvGrpSpPr>
+      <dsp:cNvPr id="0" name=""/>
+      <dsp:cNvGrpSpPr/>
+    </dsp:nvGrpSpPr>
+    <dsp:grpSpPr/>
+    <dsp:sp modelId="{2CDE9C06-E655-49DD-9036-369900D7E5E9}">
+      <dsp:nvSpPr>
+        <dsp:cNvPr id="0" name=""/>
+        <dsp:cNvSpPr/>
+      </dsp:nvSpPr>
+      <dsp:spPr>
+        <a:xfrm>
+          <a:off x="14877" y="383924"/>
+          <a:ext cx="842944" cy="713267"/>
+        </a:xfrm>
+        <a:prstGeom prst="rect">
+          <a:avLst/>
+        </a:prstGeom>
+        <a:blipFill>
+          <a:blip xmlns:r="http://schemas.openxmlformats.org/officeDocument/2006/relationships" r:embed="rId1">
+            <a:duotone>
+              <a:prstClr val="black"/>
+              <a:schemeClr val="accent4">
+                <a:tint val="45000"/>
+                <a:satMod val="400000"/>
+              </a:schemeClr>
+            </a:duotone>
+            <a:extLst>
+              <a:ext uri="{28A0092B-C50C-407E-A947-70E740481C1C}">
+                <a14:useLocalDpi xmlns:a14="http://schemas.microsoft.com/office/drawing/2010/main" val="0"/>
+              </a:ext>
+              <a:ext uri="{96DAC541-7B7A-43D3-8B79-37D633B846F1}">
+                <asvg:svgBlip xmlns:asvg="http://schemas.microsoft.com/office/drawing/2016/SVG/main" r:embed="rId2"/>
+              </a:ext>
+            </a:extLst>
+          </a:blip>
+          <a:srcRect/>
+          <a:stretch>
+            <a:fillRect t="-9000" b="-9000"/>
+          </a:stretch>
+        </a:blipFill>
+        <a:ln w="25400" cap="flat" cmpd="sng" algn="ctr">
+          <a:noFill/>
+          <a:prstDash val="solid"/>
+        </a:ln>
+        <a:effectLst/>
+      </dsp:spPr>
+      <dsp:style>
+        <a:lnRef idx="2">
+          <a:scrgbClr r="0" g="0" b="0"/>
+        </a:lnRef>
+        <a:fillRef idx="1">
+          <a:scrgbClr r="0" g="0" b="0"/>
+        </a:fillRef>
+        <a:effectRef idx="0">
+          <a:scrgbClr r="0" g="0" b="0"/>
+        </a:effectRef>
+        <a:fontRef idx="minor">
+          <a:schemeClr val="lt1"/>
+        </a:fontRef>
+      </dsp:style>
+    </dsp:sp>
+    <dsp:sp modelId="{E0C8A08C-F8D9-424E-80E1-A4C37CF6A1E7}">
+      <dsp:nvSpPr>
+        <dsp:cNvPr id="0" name=""/>
+        <dsp:cNvSpPr/>
+      </dsp:nvSpPr>
+      <dsp:spPr>
+        <a:xfrm>
+          <a:off x="14877" y="1277653"/>
+          <a:ext cx="2408414" cy="2426482"/>
+        </a:xfrm>
+        <a:prstGeom prst="rect">
+          <a:avLst/>
+        </a:prstGeom>
+        <a:noFill/>
+        <a:ln>
+          <a:noFill/>
+        </a:ln>
+        <a:effectLst/>
+      </dsp:spPr>
+      <dsp:style>
+        <a:lnRef idx="0">
+          <a:scrgbClr r="0" g="0" b="0"/>
+        </a:lnRef>
+        <a:fillRef idx="0">
+          <a:scrgbClr r="0" g="0" b="0"/>
+        </a:fillRef>
+        <a:effectRef idx="0">
+          <a:scrgbClr r="0" g="0" b="0"/>
+        </a:effectRef>
+        <a:fontRef idx="minor"/>
+      </dsp:style>
+      <dsp:txBody>
+        <a:bodyPr spcFirstLastPara="0" vert="horz" wrap="square" lIns="0" tIns="0" rIns="0" bIns="0" numCol="1" spcCol="1270" anchor="t" anchorCtr="0">
+          <a:noAutofit/>
+        </a:bodyPr>
+        <a:lstStyle/>
+        <a:p>
+          <a:pPr marL="0" lvl="0" indent="0" algn="l" defTabSz="1066800">
+            <a:lnSpc>
+              <a:spcPct val="90000"/>
+            </a:lnSpc>
+            <a:spcBef>
+              <a:spcPct val="0"/>
+            </a:spcBef>
+            <a:spcAft>
+              <a:spcPct val="35000"/>
+            </a:spcAft>
+            <a:buNone/>
+            <a:defRPr b="1"/>
+          </a:pPr>
+          <a:r>
+            <a:rPr lang="en-US" sz="2400" b="1" kern="1200" dirty="0">
+              <a:solidFill>
+                <a:schemeClr val="bg1"/>
+              </a:solidFill>
+            </a:rPr>
+            <a:t>Weather factors are not the full picture</a:t>
+          </a:r>
+          <a:endParaRPr lang="en-US" sz="2400" kern="1200" dirty="0">
+            <a:solidFill>
+              <a:schemeClr val="bg1"/>
+            </a:solidFill>
+          </a:endParaRPr>
+        </a:p>
+      </dsp:txBody>
+      <dsp:txXfrm>
+        <a:off x="14877" y="1277653"/>
+        <a:ext cx="2408414" cy="2426482"/>
+      </dsp:txXfrm>
+    </dsp:sp>
+    <dsp:sp modelId="{E9C8D255-3291-48E5-B704-574DB9542664}">
+      <dsp:nvSpPr>
+        <dsp:cNvPr id="0" name=""/>
+        <dsp:cNvSpPr/>
+      </dsp:nvSpPr>
+      <dsp:spPr>
+        <a:xfrm>
+          <a:off x="14877" y="3788071"/>
+          <a:ext cx="2408414" cy="792619"/>
+        </a:xfrm>
+        <a:prstGeom prst="rect">
+          <a:avLst/>
+        </a:prstGeom>
+        <a:noFill/>
+        <a:ln>
+          <a:noFill/>
+        </a:ln>
+        <a:effectLst/>
+      </dsp:spPr>
+      <dsp:style>
+        <a:lnRef idx="0">
+          <a:scrgbClr r="0" g="0" b="0"/>
+        </a:lnRef>
+        <a:fillRef idx="0">
+          <a:scrgbClr r="0" g="0" b="0"/>
+        </a:fillRef>
+        <a:effectRef idx="0">
+          <a:scrgbClr r="0" g="0" b="0"/>
+        </a:effectRef>
+        <a:fontRef idx="minor"/>
+      </dsp:style>
+    </dsp:sp>
+    <dsp:sp modelId="{73B51F0F-E172-46E3-8ECE-11C4E25228FA}">
+      <dsp:nvSpPr>
+        <dsp:cNvPr id="0" name=""/>
+        <dsp:cNvSpPr/>
+      </dsp:nvSpPr>
+      <dsp:spPr>
+        <a:xfrm>
+          <a:off x="2844764" y="383924"/>
+          <a:ext cx="842944" cy="713267"/>
+        </a:xfrm>
+        <a:prstGeom prst="rect">
+          <a:avLst/>
+        </a:prstGeom>
+        <a:blipFill>
+          <a:blip xmlns:r="http://schemas.openxmlformats.org/officeDocument/2006/relationships" r:embed="rId3">
+            <a:biLevel thresh="75000"/>
+            <a:extLst>
+              <a:ext uri="{28A0092B-C50C-407E-A947-70E740481C1C}">
+                <a14:useLocalDpi xmlns:a14="http://schemas.microsoft.com/office/drawing/2010/main" val="0"/>
+              </a:ext>
+              <a:ext uri="{96DAC541-7B7A-43D3-8B79-37D633B846F1}">
+                <asvg:svgBlip xmlns:asvg="http://schemas.microsoft.com/office/drawing/2016/SVG/main" r:embed="rId4"/>
+              </a:ext>
+            </a:extLst>
+          </a:blip>
+          <a:stretch>
+            <a:fillRect/>
+          </a:stretch>
+        </a:blipFill>
+        <a:ln w="25400" cap="flat" cmpd="sng" algn="ctr">
+          <a:noFill/>
+          <a:prstDash val="solid"/>
+        </a:ln>
+        <a:effectLst/>
+      </dsp:spPr>
+      <dsp:style>
+        <a:lnRef idx="2">
+          <a:scrgbClr r="0" g="0" b="0"/>
+        </a:lnRef>
+        <a:fillRef idx="1">
+          <a:scrgbClr r="0" g="0" b="0"/>
+        </a:fillRef>
+        <a:effectRef idx="0">
+          <a:scrgbClr r="0" g="0" b="0"/>
+        </a:effectRef>
+        <a:fontRef idx="minor">
+          <a:schemeClr val="lt1"/>
+        </a:fontRef>
+      </dsp:style>
+    </dsp:sp>
+    <dsp:sp modelId="{59857442-C6ED-4251-98E1-406CF7E7CBD1}">
+      <dsp:nvSpPr>
+        <dsp:cNvPr id="0" name=""/>
+        <dsp:cNvSpPr/>
+      </dsp:nvSpPr>
+      <dsp:spPr>
+        <a:xfrm>
+          <a:off x="2844764" y="1277653"/>
+          <a:ext cx="2408414" cy="2426482"/>
+        </a:xfrm>
+        <a:prstGeom prst="rect">
+          <a:avLst/>
+        </a:prstGeom>
+        <a:noFill/>
+        <a:ln>
+          <a:noFill/>
+        </a:ln>
+        <a:effectLst/>
+      </dsp:spPr>
+      <dsp:style>
+        <a:lnRef idx="0">
+          <a:scrgbClr r="0" g="0" b="0"/>
+        </a:lnRef>
+        <a:fillRef idx="0">
+          <a:scrgbClr r="0" g="0" b="0"/>
+        </a:fillRef>
+        <a:effectRef idx="0">
+          <a:scrgbClr r="0" g="0" b="0"/>
+        </a:effectRef>
+        <a:fontRef idx="minor"/>
+      </dsp:style>
+      <dsp:txBody>
+        <a:bodyPr spcFirstLastPara="0" vert="horz" wrap="square" lIns="0" tIns="0" rIns="0" bIns="0" numCol="1" spcCol="1270" anchor="t" anchorCtr="0">
+          <a:noAutofit/>
+        </a:bodyPr>
+        <a:lstStyle/>
+        <a:p>
+          <a:pPr marL="0" lvl="0" indent="0" algn="l" defTabSz="1066800">
+            <a:lnSpc>
+              <a:spcPct val="90000"/>
+            </a:lnSpc>
+            <a:spcBef>
+              <a:spcPct val="0"/>
+            </a:spcBef>
+            <a:spcAft>
+              <a:spcPct val="35000"/>
+            </a:spcAft>
+            <a:buNone/>
+            <a:defRPr b="1"/>
+          </a:pPr>
+          <a:r>
+            <a:rPr lang="en-US" sz="2400" b="1" kern="1200" dirty="0">
+              <a:solidFill>
+                <a:schemeClr val="bg1"/>
+              </a:solidFill>
+            </a:rPr>
+            <a:t>Technologies to assist planes with in certain whether conditions will help</a:t>
+          </a:r>
+          <a:endParaRPr lang="en-US" sz="2400" kern="1200" dirty="0">
+            <a:solidFill>
+              <a:schemeClr val="bg1"/>
+            </a:solidFill>
+          </a:endParaRPr>
+        </a:p>
+      </dsp:txBody>
+      <dsp:txXfrm>
+        <a:off x="2844764" y="1277653"/>
+        <a:ext cx="2408414" cy="2426482"/>
+      </dsp:txXfrm>
+    </dsp:sp>
+    <dsp:sp modelId="{92956790-3812-48A9-B9F4-565406396865}">
+      <dsp:nvSpPr>
+        <dsp:cNvPr id="0" name=""/>
+        <dsp:cNvSpPr/>
+      </dsp:nvSpPr>
+      <dsp:spPr>
+        <a:xfrm>
+          <a:off x="2844764" y="3788071"/>
+          <a:ext cx="2408414" cy="792619"/>
+        </a:xfrm>
+        <a:prstGeom prst="rect">
+          <a:avLst/>
+        </a:prstGeom>
+        <a:noFill/>
+        <a:ln>
+          <a:noFill/>
+        </a:ln>
+        <a:effectLst/>
+      </dsp:spPr>
+      <dsp:style>
+        <a:lnRef idx="0">
+          <a:scrgbClr r="0" g="0" b="0"/>
+        </a:lnRef>
+        <a:fillRef idx="0">
+          <a:scrgbClr r="0" g="0" b="0"/>
+        </a:fillRef>
+        <a:effectRef idx="0">
+          <a:scrgbClr r="0" g="0" b="0"/>
+        </a:effectRef>
+        <a:fontRef idx="minor"/>
+      </dsp:style>
+    </dsp:sp>
+    <dsp:sp modelId="{2894FA9B-03FE-4E50-828D-A5CB08F3F91C}">
+      <dsp:nvSpPr>
+        <dsp:cNvPr id="0" name=""/>
+        <dsp:cNvSpPr/>
+      </dsp:nvSpPr>
+      <dsp:spPr>
+        <a:xfrm>
+          <a:off x="5674650" y="383924"/>
+          <a:ext cx="842944" cy="713267"/>
+        </a:xfrm>
+        <a:prstGeom prst="rect">
+          <a:avLst/>
+        </a:prstGeom>
+        <a:blipFill>
+          <a:blip xmlns:r="http://schemas.openxmlformats.org/officeDocument/2006/relationships" r:embed="rId5">
+            <a:extLst>
+              <a:ext uri="{96DAC541-7B7A-43D3-8B79-37D633B846F1}">
+                <asvg:svgBlip xmlns:asvg="http://schemas.microsoft.com/office/drawing/2016/SVG/main" r:embed="rId6"/>
+              </a:ext>
+            </a:extLst>
+          </a:blip>
+          <a:srcRect/>
+          <a:stretch>
+            <a:fillRect/>
+          </a:stretch>
+        </a:blipFill>
+        <a:ln w="25400" cap="flat" cmpd="sng" algn="ctr">
+          <a:noFill/>
+          <a:prstDash val="solid"/>
+        </a:ln>
+        <a:effectLst/>
+      </dsp:spPr>
+      <dsp:style>
+        <a:lnRef idx="2">
+          <a:scrgbClr r="0" g="0" b="0"/>
+        </a:lnRef>
+        <a:fillRef idx="1">
+          <a:scrgbClr r="0" g="0" b="0"/>
+        </a:fillRef>
+        <a:effectRef idx="0">
+          <a:scrgbClr r="0" g="0" b="0"/>
+        </a:effectRef>
+        <a:fontRef idx="minor">
+          <a:schemeClr val="lt1"/>
+        </a:fontRef>
+      </dsp:style>
+    </dsp:sp>
+    <dsp:sp modelId="{997426D3-03EC-4BD1-A962-FF0C5AE3148E}">
+      <dsp:nvSpPr>
+        <dsp:cNvPr id="0" name=""/>
+        <dsp:cNvSpPr/>
+      </dsp:nvSpPr>
+      <dsp:spPr>
+        <a:xfrm>
+          <a:off x="5674650" y="1277653"/>
+          <a:ext cx="2408414" cy="2426482"/>
+        </a:xfrm>
+        <a:prstGeom prst="rect">
+          <a:avLst/>
+        </a:prstGeom>
+        <a:noFill/>
+        <a:ln>
+          <a:noFill/>
+        </a:ln>
+        <a:effectLst/>
+      </dsp:spPr>
+      <dsp:style>
+        <a:lnRef idx="0">
+          <a:scrgbClr r="0" g="0" b="0"/>
+        </a:lnRef>
+        <a:fillRef idx="0">
+          <a:scrgbClr r="0" g="0" b="0"/>
+        </a:fillRef>
+        <a:effectRef idx="0">
+          <a:scrgbClr r="0" g="0" b="0"/>
+        </a:effectRef>
+        <a:fontRef idx="minor"/>
+      </dsp:style>
+      <dsp:txBody>
+        <a:bodyPr spcFirstLastPara="0" vert="horz" wrap="square" lIns="0" tIns="0" rIns="0" bIns="0" numCol="1" spcCol="1270" anchor="t" anchorCtr="0">
+          <a:noAutofit/>
+        </a:bodyPr>
+        <a:lstStyle/>
+        <a:p>
+          <a:pPr marL="0" lvl="0" indent="0" algn="l" defTabSz="1066800">
+            <a:lnSpc>
+              <a:spcPct val="90000"/>
+            </a:lnSpc>
+            <a:spcBef>
+              <a:spcPct val="0"/>
+            </a:spcBef>
+            <a:spcAft>
+              <a:spcPct val="35000"/>
+            </a:spcAft>
+            <a:buNone/>
+            <a:defRPr b="1"/>
+          </a:pPr>
+          <a:r>
+            <a:rPr lang="en-US" sz="2400" b="1" kern="1200" dirty="0">
+              <a:solidFill>
+                <a:schemeClr val="bg1"/>
+              </a:solidFill>
+            </a:rPr>
+            <a:t>Other factors to consider:</a:t>
+          </a:r>
+          <a:endParaRPr lang="en-US" sz="2400" kern="1200" dirty="0">
+            <a:solidFill>
+              <a:schemeClr val="bg1"/>
+            </a:solidFill>
+          </a:endParaRPr>
+        </a:p>
+      </dsp:txBody>
+      <dsp:txXfrm>
+        <a:off x="5674650" y="1277653"/>
+        <a:ext cx="2408414" cy="2426482"/>
+      </dsp:txXfrm>
+    </dsp:sp>
+    <dsp:sp modelId="{074777D9-BA92-44AE-8692-487DE7B91FB2}">
+      <dsp:nvSpPr>
+        <dsp:cNvPr id="0" name=""/>
+        <dsp:cNvSpPr/>
+      </dsp:nvSpPr>
+      <dsp:spPr>
+        <a:xfrm>
+          <a:off x="5667979" y="2376266"/>
+          <a:ext cx="2408414" cy="792619"/>
+        </a:xfrm>
+        <a:prstGeom prst="rect">
+          <a:avLst/>
+        </a:prstGeom>
+        <a:noFill/>
+        <a:ln>
+          <a:noFill/>
+        </a:ln>
+        <a:effectLst/>
+      </dsp:spPr>
+      <dsp:style>
+        <a:lnRef idx="0">
+          <a:scrgbClr r="0" g="0" b="0"/>
+        </a:lnRef>
+        <a:fillRef idx="0">
+          <a:scrgbClr r="0" g="0" b="0"/>
+        </a:fillRef>
+        <a:effectRef idx="0">
+          <a:scrgbClr r="0" g="0" b="0"/>
+        </a:effectRef>
+        <a:fontRef idx="minor"/>
+      </dsp:style>
+      <dsp:txBody>
+        <a:bodyPr spcFirstLastPara="0" vert="horz" wrap="square" lIns="0" tIns="0" rIns="0" bIns="0" numCol="1" spcCol="1270" anchor="t" anchorCtr="0">
+          <a:noAutofit/>
+        </a:bodyPr>
+        <a:lstStyle/>
+        <a:p>
+          <a:pPr marL="0" lvl="0" indent="0" algn="l" defTabSz="755650">
+            <a:lnSpc>
+              <a:spcPct val="90000"/>
+            </a:lnSpc>
+            <a:spcBef>
+              <a:spcPct val="0"/>
+            </a:spcBef>
+            <a:spcAft>
+              <a:spcPct val="35000"/>
+            </a:spcAft>
+            <a:buFont typeface="Arial" panose="020B0604020202020204" pitchFamily="34" charset="0"/>
+            <a:buNone/>
+          </a:pPr>
+          <a:r>
+            <a:rPr lang="en-US" sz="1700" b="1" kern="1200" dirty="0">
+              <a:solidFill>
+                <a:schemeClr val="bg1"/>
+              </a:solidFill>
+            </a:rPr>
+            <a:t>- balancing out flight schedules more evenly where possible</a:t>
+          </a:r>
+          <a:endParaRPr lang="en-US" sz="1700" kern="1200" dirty="0">
+            <a:solidFill>
+              <a:schemeClr val="bg1"/>
+            </a:solidFill>
+          </a:endParaRPr>
+        </a:p>
+        <a:p>
+          <a:pPr marL="0" lvl="0" indent="0" algn="l" defTabSz="755650">
+            <a:lnSpc>
+              <a:spcPct val="90000"/>
+            </a:lnSpc>
+            <a:spcBef>
+              <a:spcPct val="0"/>
+            </a:spcBef>
+            <a:spcAft>
+              <a:spcPct val="35000"/>
+            </a:spcAft>
+            <a:buFont typeface="Arial" panose="020B0604020202020204" pitchFamily="34" charset="0"/>
+            <a:buNone/>
+          </a:pPr>
+          <a:r>
+            <a:rPr lang="en-US" sz="1700" b="1" kern="1200" dirty="0">
+              <a:solidFill>
+                <a:schemeClr val="bg1"/>
+              </a:solidFill>
+            </a:rPr>
+            <a:t>- investigate specific carrier issues</a:t>
+          </a:r>
+          <a:endParaRPr lang="en-US" sz="1700" kern="1200" dirty="0">
+            <a:solidFill>
+              <a:schemeClr val="bg1"/>
+            </a:solidFill>
+          </a:endParaRPr>
+        </a:p>
+      </dsp:txBody>
+      <dsp:txXfrm>
+        <a:off x="5667979" y="2376266"/>
+        <a:ext cx="2408414" cy="792619"/>
+      </dsp:txXfrm>
+    </dsp:sp>
+    <dsp:sp modelId="{1A9684F0-2CAC-4F33-8F7C-4E61605AB5C6}">
+      <dsp:nvSpPr>
+        <dsp:cNvPr id="0" name=""/>
+        <dsp:cNvSpPr/>
+      </dsp:nvSpPr>
+      <dsp:spPr>
+        <a:xfrm>
+          <a:off x="8504537" y="383924"/>
+          <a:ext cx="842944" cy="713267"/>
+        </a:xfrm>
+        <a:prstGeom prst="rect">
+          <a:avLst/>
+        </a:prstGeom>
+        <a:blipFill>
+          <a:blip xmlns:r="http://schemas.openxmlformats.org/officeDocument/2006/relationships" r:embed="rId7">
+            <a:extLst>
+              <a:ext uri="{28A0092B-C50C-407E-A947-70E740481C1C}">
+                <a14:useLocalDpi xmlns:a14="http://schemas.microsoft.com/office/drawing/2010/main" val="0"/>
+              </a:ext>
+              <a:ext uri="{96DAC541-7B7A-43D3-8B79-37D633B846F1}">
+                <asvg:svgBlip xmlns:asvg="http://schemas.microsoft.com/office/drawing/2016/SVG/main" r:embed="rId8"/>
+              </a:ext>
+            </a:extLst>
+          </a:blip>
+          <a:stretch>
+            <a:fillRect/>
+          </a:stretch>
+        </a:blipFill>
+        <a:ln w="25400" cap="flat" cmpd="sng" algn="ctr">
+          <a:noFill/>
+          <a:prstDash val="solid"/>
+        </a:ln>
+        <a:effectLst/>
+      </dsp:spPr>
+      <dsp:style>
+        <a:lnRef idx="2">
+          <a:scrgbClr r="0" g="0" b="0"/>
+        </a:lnRef>
+        <a:fillRef idx="1">
+          <a:scrgbClr r="0" g="0" b="0"/>
+        </a:fillRef>
+        <a:effectRef idx="0">
+          <a:scrgbClr r="0" g="0" b="0"/>
+        </a:effectRef>
+        <a:fontRef idx="minor">
+          <a:schemeClr val="lt1"/>
+        </a:fontRef>
+      </dsp:style>
+    </dsp:sp>
+    <dsp:sp modelId="{51E4CD37-84BC-404E-84F4-893785FDA8D6}">
+      <dsp:nvSpPr>
+        <dsp:cNvPr id="0" name=""/>
+        <dsp:cNvSpPr/>
+      </dsp:nvSpPr>
+      <dsp:spPr>
+        <a:xfrm>
+          <a:off x="8504537" y="1277653"/>
+          <a:ext cx="2408414" cy="2426482"/>
+        </a:xfrm>
+        <a:prstGeom prst="rect">
+          <a:avLst/>
+        </a:prstGeom>
+        <a:noFill/>
+        <a:ln>
+          <a:noFill/>
+        </a:ln>
+        <a:effectLst/>
+      </dsp:spPr>
+      <dsp:style>
+        <a:lnRef idx="0">
+          <a:scrgbClr r="0" g="0" b="0"/>
+        </a:lnRef>
+        <a:fillRef idx="0">
+          <a:scrgbClr r="0" g="0" b="0"/>
+        </a:fillRef>
+        <a:effectRef idx="0">
+          <a:scrgbClr r="0" g="0" b="0"/>
+        </a:effectRef>
+        <a:fontRef idx="minor"/>
+      </dsp:style>
+      <dsp:txBody>
+        <a:bodyPr spcFirstLastPara="0" vert="horz" wrap="square" lIns="0" tIns="0" rIns="0" bIns="0" numCol="1" spcCol="1270" anchor="t" anchorCtr="0">
+          <a:noAutofit/>
+        </a:bodyPr>
+        <a:lstStyle/>
+        <a:p>
+          <a:pPr marL="0" lvl="0" indent="0" algn="l" defTabSz="1066800">
+            <a:lnSpc>
+              <a:spcPct val="90000"/>
+            </a:lnSpc>
+            <a:spcBef>
+              <a:spcPct val="0"/>
+            </a:spcBef>
+            <a:spcAft>
+              <a:spcPct val="35000"/>
+            </a:spcAft>
+            <a:buNone/>
+            <a:defRPr b="1"/>
+          </a:pPr>
+          <a:r>
+            <a:rPr lang="en-US" sz="2400" b="1" kern="1200" dirty="0">
+              <a:solidFill>
+                <a:schemeClr val="bg1"/>
+              </a:solidFill>
+            </a:rPr>
+            <a:t>Further research:</a:t>
+          </a:r>
+          <a:endParaRPr lang="en-US" sz="2400" kern="1200" dirty="0">
+            <a:solidFill>
+              <a:schemeClr val="bg1"/>
+            </a:solidFill>
+          </a:endParaRPr>
+        </a:p>
+      </dsp:txBody>
+      <dsp:txXfrm>
+        <a:off x="8504537" y="1277653"/>
+        <a:ext cx="2408414" cy="2426482"/>
+      </dsp:txXfrm>
+    </dsp:sp>
+    <dsp:sp modelId="{4760B70D-0987-494B-B24B-A464519D8645}">
+      <dsp:nvSpPr>
+        <dsp:cNvPr id="0" name=""/>
+        <dsp:cNvSpPr/>
+      </dsp:nvSpPr>
+      <dsp:spPr>
+        <a:xfrm>
+          <a:off x="8404275" y="2448275"/>
+          <a:ext cx="2408414" cy="792619"/>
+        </a:xfrm>
+        <a:prstGeom prst="rect">
+          <a:avLst/>
+        </a:prstGeom>
+        <a:noFill/>
+        <a:ln>
+          <a:noFill/>
+        </a:ln>
+        <a:effectLst/>
+      </dsp:spPr>
+      <dsp:style>
+        <a:lnRef idx="0">
+          <a:scrgbClr r="0" g="0" b="0"/>
+        </a:lnRef>
+        <a:fillRef idx="0">
+          <a:scrgbClr r="0" g="0" b="0"/>
+        </a:fillRef>
+        <a:effectRef idx="0">
+          <a:scrgbClr r="0" g="0" b="0"/>
+        </a:effectRef>
+        <a:fontRef idx="minor"/>
+      </dsp:style>
+      <dsp:txBody>
+        <a:bodyPr spcFirstLastPara="0" vert="horz" wrap="square" lIns="0" tIns="0" rIns="0" bIns="0" numCol="1" spcCol="1270" anchor="t" anchorCtr="0">
+          <a:noAutofit/>
+        </a:bodyPr>
+        <a:lstStyle/>
+        <a:p>
+          <a:pPr marL="0" lvl="0" indent="0" algn="l" defTabSz="755650">
+            <a:lnSpc>
+              <a:spcPct val="90000"/>
+            </a:lnSpc>
+            <a:spcBef>
+              <a:spcPct val="0"/>
+            </a:spcBef>
+            <a:spcAft>
+              <a:spcPct val="35000"/>
+            </a:spcAft>
+            <a:buNone/>
+          </a:pPr>
+          <a:r>
+            <a:rPr lang="en-US" sz="1700" b="1" kern="1200" dirty="0">
+              <a:solidFill>
+                <a:schemeClr val="bg1"/>
+              </a:solidFill>
+            </a:rPr>
+            <a:t>- what causes delays at peak periods? (airport staffing levels, air traffic congestion, etc.)</a:t>
+          </a:r>
+          <a:endParaRPr lang="en-US" sz="1700" kern="1200" dirty="0">
+            <a:solidFill>
+              <a:schemeClr val="bg1"/>
+            </a:solidFill>
+          </a:endParaRPr>
+        </a:p>
+        <a:p>
+          <a:pPr marL="0" lvl="0" indent="0" algn="l" defTabSz="755650">
+            <a:lnSpc>
+              <a:spcPct val="90000"/>
+            </a:lnSpc>
+            <a:spcBef>
+              <a:spcPct val="0"/>
+            </a:spcBef>
+            <a:spcAft>
+              <a:spcPct val="35000"/>
+            </a:spcAft>
+            <a:buNone/>
+          </a:pPr>
+          <a:r>
+            <a:rPr lang="en-US" sz="1700" b="1" kern="1200" dirty="0">
+              <a:solidFill>
+                <a:schemeClr val="bg1"/>
+              </a:solidFill>
+            </a:rPr>
+            <a:t>- conversations with carriers that experience higher % of delays</a:t>
+          </a:r>
+          <a:endParaRPr lang="en-US" sz="1700" kern="1200" dirty="0">
+            <a:solidFill>
+              <a:schemeClr val="bg1"/>
+            </a:solidFill>
+          </a:endParaRPr>
+        </a:p>
+      </dsp:txBody>
+      <dsp:txXfrm>
+        <a:off x="8404275" y="2448275"/>
+        <a:ext cx="2408414" cy="792619"/>
+      </dsp:txXfrm>
+    </dsp:sp>
+  </dsp:spTree>
+</dsp:drawing>
+</file>
+
+<file path=ppt/diagrams/layout1.xml><?xml version="1.0" encoding="utf-8"?>
+<dgm:layoutDef xmlns:dgm="http://schemas.openxmlformats.org/drawingml/2006/diagram" xmlns:a="http://schemas.openxmlformats.org/drawingml/2006/main" uniqueId="urn:microsoft.com/office/officeart/2018/2/layout/IconLabelDescriptionList">
+  <dgm:title val="Icon Label Description List"/>
+  <dgm:desc val="Use to show non-sequential or grouped chunks of information. The placeholder holds an icon or small picture, and corresponding text boxes show Level 1 and Level 2 text respectively. Works well for minimal Level 1 text accompanied by lengthier Level two text."/>
+  <dgm:catLst>
+    <dgm:cat type="icon" pri="500"/>
+  </dgm:catLst>
+  <dgm:sampData useDef="1">
+    <dgm:dataModel>
+      <dgm:ptLst/>
+      <dgm:bg/>
+      <dgm:whole/>
+    </dgm:dataModel>
+  </dgm:sampData>
+  <dgm:styleData useDef="1">
+    <dgm:dataModel>
+      <dgm:ptLst/>
+      <dgm:bg/>
+      <dgm:whole/>
+    </dgm:dataModel>
+  </dgm:styleData>
+  <dgm:clrData useDef="1">
+    <dgm:dataModel>
+      <dgm:ptLst/>
+      <dgm:bg/>
+      <dgm:whole/>
+    </dgm:dataModel>
+  </dgm:clrData>
+  <dgm:layoutNode name="root">
+    <dgm:varLst>
+      <dgm:dir/>
+      <dgm:resizeHandles val="exact"/>
+    </dgm:varLst>
+    <dgm:choose name="Name0">
+      <dgm:if name="Name1" axis="self" func="var" arg="dir" op="equ" val="norm">
+        <dgm:alg type="lin"/>
+      </dgm:if>
+      <dgm:else name="Name2">
+        <dgm:alg type="lin">
+          <dgm:param type="linDir" val="fromR"/>
+        </dgm:alg>
+      </dgm:else>
+    </dgm:choose>
+    <dgm:shape xmlns:r="http://schemas.openxmlformats.org/officeDocument/2006/relationships" r:blip="">
+      <dgm:adjLst/>
+    </dgm:shape>
+    <dgm:presOf/>
+    <dgm:constrLst>
+      <dgm:constr type="h" for="ch" forName="compNode" refType="h" fact="0.45"/>
+      <dgm:constr type="w" for="ch" forName="compNode" val="120"/>
+      <dgm:constr type="w" for="ch" forName="sibTrans" refType="w" refFor="ch" refForName="compNode" fact="0.175"/>
+      <dgm:constr type="primFontSz" for="des" forName="parTx" val="36"/>
+      <dgm:constr type="primFontSz" for="des" forName="desTx" refType="primFontSz" refFor="des" refForName="parTx" op="lte" fact="0.75"/>
+      <dgm:constr type="h" for="des" forName="compNode" op="equ"/>
+      <dgm:constr type="h" for="des" forName="iconRect" op="equ"/>
+      <dgm:constr type="w" for="des" forName="iconRect" op="equ"/>
+      <dgm:constr type="h" for="des" forName="iconSpace" op="equ"/>
+      <dgm:constr type="h" for="des" forName="parTx" op="equ"/>
+      <dgm:constr type="h" for="des" forName="txSpace" op="equ"/>
+      <dgm:constr type="h" for="des" forName="desTx" op="equ"/>
+    </dgm:constrLst>
+    <dgm:ruleLst>
+      <dgm:rule type="w" for="ch" forName="compNode" val="0" fact="NaN" max="NaN"/>
+    </dgm:ruleLst>
+    <dgm:forEach name="Name3" axis="ch" ptType="node">
+      <dgm:layoutNode name="compNode">
+        <dgm:alg type="composite"/>
+        <dgm:shape xmlns:r="http://schemas.openxmlformats.org/officeDocument/2006/relationships" r:blip="">
+          <dgm:adjLst/>
+        </dgm:shape>
+        <dgm:presOf axis="self"/>
+        <dgm:constrLst>
+          <dgm:constr type="w" for="ch" forName="iconRect" refType="w" fact="0.35"/>
+          <dgm:constr type="h" for="ch" forName="iconRect" refType="w" refFor="ch" refForName="iconRect"/>
+          <dgm:constr type="l" for="ch" forName="iconRect"/>
+          <dgm:constr type="t" for="ch" forName="iconRect"/>
+          <dgm:constr type="w" for="ch" forName="iconSpace" refType="w"/>
+          <dgm:constr type="h" for="ch" forName="iconSpace" refType="h" fact="0.043"/>
+          <dgm:constr type="l" for="ch" forName="iconSpace"/>
+          <dgm:constr type="t" for="ch" forName="iconSpace" refType="b" refFor="ch" refForName="iconRect"/>
+          <dgm:constr type="w" for="ch" forName="parTx" refType="w"/>
+          <dgm:constr type="h" for="ch" forName="parTx" refType="w" fact="0.15"/>
+          <dgm:constr type="l" for="ch" forName="parTx"/>
+          <dgm:constr type="t" for="ch" forName="parTx" refType="b" refFor="ch" refForName="iconSpace"/>
+          <dgm:constr type="h" for="ch" forName="txSpace" refType="h" fact="0.02"/>
+          <dgm:constr type="w" for="ch" forName="txSpace" refType="w"/>
+          <dgm:constr type="l" for="ch" forName="txSpace"/>
+          <dgm:constr type="t" for="ch" forName="txSpace" refType="b" refFor="ch" refForName="parTx"/>
+          <dgm:constr type="w" for="ch" forName="desTx" refType="w"/>
+          <dgm:constr type="l" for="ch" forName="desTx"/>
+          <dgm:constr type="t" for="ch" forName="desTx" refType="b" refFor="ch" refForName="txSpace"/>
+        </dgm:constrLst>
+        <dgm:ruleLst>
+          <dgm:rule type="h" val="INF" fact="NaN" max="NaN"/>
+        </dgm:ruleLst>
+        <dgm:layoutNode name="iconRect" styleLbl="node1">
+          <dgm:alg type="sp"/>
+          <dgm:shape xmlns:r="http://schemas.openxmlformats.org/officeDocument/2006/relationships" type="rect" r:blip="" blipPhldr="1">
+            <dgm:adjLst/>
+          </dgm:shape>
+          <dgm:presOf/>
+          <dgm:constrLst/>
+          <dgm:ruleLst/>
+        </dgm:layoutNode>
+        <dgm:layoutNode name="iconSpace">
+          <dgm:alg type="sp"/>
+          <dgm:shape xmlns:r="http://schemas.openxmlformats.org/officeDocument/2006/relationships" r:blip="">
+            <dgm:adjLst/>
+          </dgm:shape>
+          <dgm:presOf/>
+          <dgm:constrLst/>
+          <dgm:ruleLst/>
+        </dgm:layoutNode>
+        <dgm:layoutNode name="parTx" styleLbl="revTx">
+          <dgm:varLst>
+            <dgm:chMax val="0"/>
+            <dgm:chPref val="0"/>
+          </dgm:varLst>
+          <dgm:alg type="tx">
+            <dgm:param type="txAnchorVert" val="t"/>
+            <dgm:param type="parTxLTRAlign" val="l"/>
+            <dgm:param type="shpTxLTRAlignCh" val="l"/>
+            <dgm:param type="parTxRTLAlign" val="r"/>
+            <dgm:param type="shpTxRTLAlignCh" val="r"/>
+          </dgm:alg>
+          <dgm:shape xmlns:r="http://schemas.openxmlformats.org/officeDocument/2006/relationships" type="rect" r:blip="">
+            <dgm:adjLst/>
+          </dgm:shape>
+          <dgm:presOf axis="self" ptType="node"/>
+          <dgm:constrLst>
+            <dgm:constr type="lMarg"/>
+            <dgm:constr type="rMarg"/>
+            <dgm:constr type="tMarg"/>
+            <dgm:constr type="bMarg"/>
+          </dgm:constrLst>
+          <dgm:ruleLst>
+            <dgm:rule type="primFontSz" val="14" fact="NaN" max="NaN"/>
+            <dgm:rule type="h" val="INF" fact="NaN" max="NaN"/>
+          </dgm:ruleLst>
+        </dgm:layoutNode>
+        <dgm:layoutNode name="txSpace">
+          <dgm:alg type="sp"/>
+          <dgm:shape xmlns:r="http://schemas.openxmlformats.org/officeDocument/2006/relationships" r:blip="">
+            <dgm:adjLst/>
+          </dgm:shape>
+          <dgm:presOf/>
+          <dgm:constrLst/>
+          <dgm:ruleLst/>
+        </dgm:layoutNode>
+        <dgm:layoutNode name="desTx" styleLbl="revTx">
+          <dgm:varLst/>
+          <dgm:alg type="tx">
+            <dgm:param type="stBulletLvl" val="0"/>
+            <dgm:param type="txAnchorVert" val="t"/>
+            <dgm:param type="parTxLTRAlign" val="l"/>
+            <dgm:param type="shpTxLTRAlignCh" val="l"/>
+            <dgm:param type="parTxRTLAlign" val="r"/>
+            <dgm:param type="shpTxRTLAlignCh" val="r"/>
+          </dgm:alg>
+          <dgm:shape xmlns:r="http://schemas.openxmlformats.org/officeDocument/2006/relationships" type="rect" r:blip="">
+            <dgm:adjLst/>
+          </dgm:shape>
+          <dgm:presOf axis="des" ptType="node"/>
+          <dgm:constrLst>
+            <dgm:constr type="secFontSz" refType="primFontSz"/>
+            <dgm:constr type="lMarg"/>
+            <dgm:constr type="rMarg"/>
+            <dgm:constr type="tMarg"/>
+            <dgm:constr type="bMarg"/>
+          </dgm:constrLst>
+          <dgm:ruleLst>
+            <dgm:rule type="primFontSz" val="NaN" fact="NaN" max="17"/>
+            <dgm:rule type="h" val="INF" fact="NaN" max="NaN"/>
+          </dgm:ruleLst>
+        </dgm:layoutNode>
+      </dgm:layoutNode>
+      <dgm:forEach name="Name4" axis="followSib" ptType="sibTrans" cnt="1">
+        <dgm:layoutNode name="sibTrans">
+          <dgm:alg type="sp"/>
+          <dgm:shape xmlns:r="http://schemas.openxmlformats.org/officeDocument/2006/relationships" r:blip="">
+            <dgm:adjLst/>
+          </dgm:shape>
+          <dgm:presOf axis="self"/>
+          <dgm:constrLst/>
+          <dgm:ruleLst/>
+        </dgm:layoutNode>
+      </dgm:forEach>
+    </dgm:forEach>
+  </dgm:layoutNode>
+  <dgm:extLst>
+    <a:ext uri="{68A01E43-0DF5-4B5B-8FA6-DAF915123BFB}">
+      <dgm1612:lstStyle xmlns:dgm1612="http://schemas.microsoft.com/office/drawing/2016/12/diagram">
+        <a:lvl1pPr>
+          <a:lnSpc>
+            <a:spcPct val="100000"/>
+          </a:lnSpc>
+          <a:defRPr b="1"/>
+        </a:lvl1pPr>
+        <a:lvl2pPr>
+          <a:lnSpc>
+            <a:spcPct val="100000"/>
+          </a:lnSpc>
+        </a:lvl2pPr>
+      </dgm1612:lstStyle>
+    </a:ext>
+  </dgm:extLst>
+</dgm:layoutDef>
+</file>
+
+<file path=ppt/diagrams/quickStyle1.xml><?xml version="1.0" encoding="utf-8"?>
+<dgm:styleDef xmlns:dgm="http://schemas.openxmlformats.org/drawingml/2006/diagram" xmlns:a="http://schemas.openxmlformats.org/drawingml/2006/main" uniqueId="urn:microsoft.com/office/officeart/2005/8/quickstyle/simple1">
+  <dgm:title val=""/>
+  <dgm:desc val=""/>
+  <dgm:catLst>
+    <dgm:cat type="simple" pri="10100"/>
+  </dgm:catLst>
+  <dgm:scene3d>
+    <a:camera prst="orthographicFront"/>
+    <a:lightRig rig="threePt" dir="t"/>
+  </dgm:scene3d>
+  <dgm:styleLbl name="node0">
+    <dgm:scene3d>
+      <a:camera prst="orthographicFront"/>
+      <a:lightRig rig="threePt" dir="t"/>
+    </dgm:scene3d>
+    <dgm:sp3d/>
+    <dgm:txPr/>
+    <dgm:style>
+      <a:lnRef idx="2">
+        <a:scrgbClr r="0" g="0" b="0"/>
+      </a:lnRef>
+      <a:fillRef idx="1">
+        <a:scrgbClr r="0" g="0" b="0"/>
+      </a:fillRef>
+      <a:effectRef idx="0">
+        <a:scrgbClr r="0" g="0" b="0"/>
+      </a:effectRef>
+      <a:fontRef idx="minor">
+        <a:schemeClr val="lt1"/>
+      </a:fontRef>
+    </dgm:style>
+  </dgm:styleLbl>
+  <dgm:styleLbl name="lnNode1">
+    <dgm:scene3d>
+      <a:camera prst="orthographicFront"/>
+      <a:lightRig rig="threePt" dir="t"/>
+    </dgm:scene3d>
+    <dgm:sp3d/>
+    <dgm:txPr/>
+    <dgm:style>
+      <a:lnRef idx="2">
+        <a:scrgbClr r="0" g="0" b="0"/>
+      </a:lnRef>
+      <a:fillRef idx="1">
+        <a:scrgbClr r="0" g="0" b="0"/>
+      </a:fillRef>
+      <a:effectRef idx="0">
+        <a:scrgbClr r="0" g="0" b="0"/>
+      </a:effectRef>
+      <a:fontRef idx="minor">
+        <a:schemeClr val="lt1"/>
+      </a:fontRef>
+    </dgm:style>
+  </dgm:styleLbl>
+  <dgm:styleLbl name="vennNode1">
+    <dgm:scene3d>
+      <a:camera prst="orthographicFront"/>
+      <a:lightRig rig="threePt" dir="t"/>
+    </dgm:scene3d>
+    <dgm:sp3d/>
+    <dgm:txPr/>
+    <dgm:style>
+      <a:lnRef idx="2">
+        <a:scrgbClr r="0" g="0" b="0"/>
+      </a:lnRef>
+      <a:fillRef idx="1">
+        <a:scrgbClr r="0" g="0" b="0"/>
+      </a:fillRef>
+      <a:effectRef idx="0">
+        <a:scrgbClr r="0" g="0" b="0"/>
+      </a:effectRef>
+      <a:fontRef idx="minor">
+        <a:schemeClr val="tx1"/>
+      </a:fontRef>
+    </dgm:style>
+  </dgm:styleLbl>
+  <dgm:styleLbl name="alignNode1">
+    <dgm:scene3d>
+      <a:camera prst="orthographicFront"/>
+      <a:lightRig rig="threePt" dir="t"/>
+    </dgm:scene3d>
+    <dgm:sp3d/>
+    <dgm:txPr/>
+    <dgm:style>
+      <a:lnRef idx="2">
+        <a:scrgbClr r="0" g="0" b="0"/>
+      </a:lnRef>
+      <a:fillRef idx="1">
+        <a:scrgbClr r="0" g="0" b="0"/>
+      </a:fillRef>
+      <a:effectRef idx="0">
+        <a:scrgbClr r="0" g="0" b="0"/>
+      </a:effectRef>
+      <a:fontRef idx="minor">
+        <a:schemeClr val="lt1"/>
+      </a:fontRef>
+    </dgm:style>
+  </dgm:styleLbl>
+  <dgm:styleLbl name="node1">
+    <dgm:scene3d>
+      <a:camera prst="orthographicFront"/>
+      <a:lightRig rig="threePt" dir="t"/>
+    </dgm:scene3d>
+    <dgm:sp3d/>
+    <dgm:txPr/>
+    <dgm:style>
+      <a:lnRef idx="2">
+        <a:scrgbClr r="0" g="0" b="0"/>
+      </a:lnRef>
+      <a:fillRef idx="1">
+        <a:scrgbClr r="0" g="0" b="0"/>
+      </a:fillRef>
+      <a:effectRef idx="0">
+        <a:scrgbClr r="0" g="0" b="0"/>
+      </a:effectRef>
+      <a:fontRef idx="minor">
+        <a:schemeClr val="lt1"/>
+      </a:fontRef>
+    </dgm:style>
+  </dgm:styleLbl>
+  <dgm:styleLbl name="node2">
+    <dgm:scene3d>
+      <a:camera prst="orthographicFront"/>
+      <a:lightRig rig="threePt" dir="t"/>
+    </dgm:scene3d>
+    <dgm:sp3d/>
+    <dgm:txPr/>
+    <dgm:style>
+      <a:lnRef idx="2">
+        <a:scrgbClr r="0" g="0" b="0"/>
+      </a:lnRef>
+      <a:fillRef idx="1">
+        <a:scrgbClr r="0" g="0" b="0"/>
+      </a:fillRef>
+      <a:effectRef idx="0">
+        <a:scrgbClr r="0" g="0" b="0"/>
+      </a:effectRef>
+      <a:fontRef idx="minor">
+        <a:schemeClr val="lt1"/>
+      </a:fontRef>
+    </dgm:style>
+  </dgm:styleLbl>
+  <dgm:styleLbl name="node3">
+    <dgm:scene3d>
+      <a:camera prst="orthographicFront"/>
+      <a:lightRig rig="threePt" dir="t"/>
+    </dgm:scene3d>
+    <dgm:sp3d/>
+    <dgm:txPr/>
+    <dgm:style>
+      <a:lnRef idx="2">
+        <a:scrgbClr r="0" g="0" b="0"/>
+      </a:lnRef>
+      <a:fillRef idx="1">
+        <a:scrgbClr r="0" g="0" b="0"/>
+      </a:fillRef>
+      <a:effectRef idx="0">
+        <a:scrgbClr r="0" g="0" b="0"/>
+      </a:effectRef>
+      <a:fontRef idx="minor">
+        <a:schemeClr val="lt1"/>
+      </a:fontRef>
+    </dgm:style>
+  </dgm:styleLbl>
+  <dgm:styleLbl name="node4">
+    <dgm:scene3d>
+      <a:camera prst="orthographicFront"/>
+      <a:lightRig rig="threePt" dir="t"/>
+    </dgm:scene3d>
+    <dgm:sp3d/>
+    <dgm:txPr/>
+    <dgm:style>
+      <a:lnRef idx="2">
+        <a:scrgbClr r="0" g="0" b="0"/>
+      </a:lnRef>
+      <a:fillRef idx="1">
+        <a:scrgbClr r="0" g="0" b="0"/>
+      </a:fillRef>
+      <a:effectRef idx="0">
+        <a:scrgbClr r="0" g="0" b="0"/>
+      </a:effectRef>
+      <a:fontRef idx="minor">
+        <a:schemeClr val="lt1"/>
+      </a:fontRef>
+    </dgm:style>
+  </dgm:styleLbl>
+  <dgm:styleLbl name="fgImgPlace1">
+    <dgm:scene3d>
+      <a:camera prst="orthographicFront"/>
+      <a:lightRig rig="threePt" dir="t"/>
+    </dgm:scene3d>
+    <dgm:sp3d/>
+    <dgm:txPr/>
+    <dgm:style>
+      <a:lnRef idx="2">
+        <a:scrgbClr r="0" g="0" b="0"/>
+      </a:lnRef>
+      <a:fillRef idx="1">
+        <a:scrgbClr r="0" g="0" b="0"/>
+      </a:fillRef>
+      <a:effectRef idx="0">
+        <a:scrgbClr r="0" g="0" b="0"/>
+      </a:effectRef>
+      <a:fontRef idx="minor"/>
+    </dgm:style>
+  </dgm:styleLbl>
+  <dgm:styleLbl name="alignImgPlace1">
+    <dgm:scene3d>
+      <a:camera prst="orthographicFront"/>
+      <a:lightRig rig="threePt" dir="t"/>
+    </dgm:scene3d>
+    <dgm:sp3d/>
+    <dgm:txPr/>
+    <dgm:style>
+      <a:lnRef idx="2">
+        <a:scrgbClr r="0" g="0" b="0"/>
+      </a:lnRef>
+      <a:fillRef idx="1">
+        <a:scrgbClr r="0" g="0" b="0"/>
+      </a:fillRef>
+      <a:effectRef idx="0">
+        <a:scrgbClr r="0" g="0" b="0"/>
+      </a:effectRef>
+      <a:fontRef idx="minor"/>
+    </dgm:style>
+  </dgm:styleLbl>
+  <dgm:styleLbl name="bgImgPlace1">
+    <dgm:scene3d>
+      <a:camera prst="orthographicFront"/>
+      <a:lightRig rig="threePt" dir="t"/>
+    </dgm:scene3d>
+    <dgm:sp3d/>
+    <dgm:txPr/>
+    <dgm:style>
+      <a:lnRef idx="2">
+        <a:scrgbClr r="0" g="0" b="0"/>
+      </a:lnRef>
+      <a:fillRef idx="1">
+        <a:scrgbClr r="0" g="0" b="0"/>
+      </a:fillRef>
+      <a:effectRef idx="0">
+        <a:scrgbClr r="0" g="0" b="0"/>
+      </a:effectRef>
+      <a:fontRef idx="minor"/>
+    </dgm:style>
+  </dgm:styleLbl>
+  <dgm:styleLbl name="sibTrans2D1">
+    <dgm:scene3d>
+      <a:camera prst="orthographicFront"/>
+      <a:lightRig rig="threePt" dir="t"/>
+    </dgm:scene3d>
+    <dgm:sp3d/>
+    <dgm:txPr/>
+    <dgm:style>
+      <a:lnRef idx="0">
+        <a:scrgbClr r="0" g="0" b="0"/>
+      </a:lnRef>
+      <a:fillRef idx="1">
+        <a:scrgbClr r="0" g="0" b="0"/>
+      </a:fillRef>
+      <a:effectRef idx="0">
+        <a:scrgbClr r="0" g="0" b="0"/>
+      </a:effectRef>
+      <a:fontRef idx="minor">
+        <a:schemeClr val="lt1"/>
+      </a:fontRef>
+    </dgm:style>
+  </dgm:styleLbl>
+  <dgm:styleLbl name="fgSibTrans2D1">
+    <dgm:scene3d>
+      <a:camera prst="orthographicFront"/>
+      <a:lightRig rig="threePt" dir="t"/>
+    </dgm:scene3d>
+    <dgm:sp3d/>
+    <dgm:txPr/>
+    <dgm:style>
+      <a:lnRef idx="0">
+        <a:scrgbClr r="0" g="0" b="0"/>
+      </a:lnRef>
+      <a:fillRef idx="1">
+        <a:scrgbClr r="0" g="0" b="0"/>
+      </a:fillRef>
+      <a:effectRef idx="0">
+        <a:scrgbClr r="0" g="0" b="0"/>
+      </a:effectRef>
+      <a:fontRef idx="minor">
+        <a:schemeClr val="lt1"/>
+      </a:fontRef>
+    </dgm:style>
+  </dgm:styleLbl>
+  <dgm:styleLbl name="bgSibTrans2D1">
+    <dgm:scene3d>
+      <a:camera prst="orthographicFront"/>
+      <a:lightRig rig="threePt" dir="t"/>
+    </dgm:scene3d>
+    <dgm:sp3d/>
+    <dgm:txPr/>
+    <dgm:style>
+      <a:lnRef idx="0">
+        <a:scrgbClr r="0" g="0" b="0"/>
+      </a:lnRef>
+      <a:fillRef idx="1">
+        <a:scrgbClr r="0" g="0" b="0"/>
+      </a:fillRef>
+      <a:effectRef idx="0">
+        <a:scrgbClr r="0" g="0" b="0"/>
+      </a:effectRef>
+      <a:fontRef idx="minor">
+        <a:schemeClr val="lt1"/>
+      </a:fontRef>
+    </dgm:style>
+  </dgm:styleLbl>
+  <dgm:styleLbl name="sibTrans1D1">
+    <dgm:scene3d>
+      <a:camera prst="orthographicFront"/>
+      <a:lightRig rig="threePt" dir="t"/>
+    </dgm:scene3d>
+    <dgm:sp3d/>
+    <dgm:txPr/>
+    <dgm:style>
+      <a:lnRef idx="1">
+        <a:scrgbClr r="0" g="0" b="0"/>
+      </a:lnRef>
+      <a:fillRef idx="0">
+        <a:scrgbClr r="0" g="0" b="0"/>
+      </a:fillRef>
+      <a:effectRef idx="0">
+        <a:scrgbClr r="0" g="0" b="0"/>
+      </a:effectRef>
+      <a:fontRef idx="minor"/>
+    </dgm:style>
+  </dgm:styleLbl>
+  <dgm:styleLbl name="callout">
+    <dgm:scene3d>
+      <a:camera prst="orthographicFront"/>
+      <a:lightRig rig="threePt" dir="t"/>
+    </dgm:scene3d>
+    <dgm:sp3d/>
+    <dgm:txPr/>
+    <dgm:style>
+      <a:lnRef idx="2">
+        <a:scrgbClr r="0" g="0" b="0"/>
+      </a:lnRef>
+      <a:fillRef idx="1">
+        <a:scrgbClr r="0" g="0" b="0"/>
+      </a:fillRef>
+      <a:effectRef idx="0">
+        <a:scrgbClr r="0" g="0" b="0"/>
+      </a:effectRef>
+      <a:fontRef idx="minor"/>
+    </dgm:style>
+  </dgm:styleLbl>
+  <dgm:styleLbl name="asst0">
+    <dgm:scene3d>
+      <a:camera prst="orthographicFront"/>
+      <a:lightRig rig="threePt" dir="t"/>
+    </dgm:scene3d>
+    <dgm:sp3d/>
+    <dgm:txPr/>
+    <dgm:style>
+      <a:lnRef idx="2">
+        <a:scrgbClr r="0" g="0" b="0"/>
+      </a:lnRef>
+      <a:fillRef idx="1">
+        <a:scrgbClr r="0" g="0" b="0"/>
+      </a:fillRef>
+      <a:effectRef idx="0">
+        <a:scrgbClr r="0" g="0" b="0"/>
+      </a:effectRef>
+      <a:fontRef idx="minor">
+        <a:schemeClr val="lt1"/>
+      </a:fontRef>
+    </dgm:style>
+  </dgm:styleLbl>
+  <dgm:styleLbl name="asst1">
+    <dgm:scene3d>
+      <a:camera prst="orthographicFront"/>
+      <a:lightRig rig="threePt" dir="t"/>
+    </dgm:scene3d>
+    <dgm:sp3d/>
+    <dgm:txPr/>
+    <dgm:style>
+      <a:lnRef idx="2">
+        <a:scrgbClr r="0" g="0" b="0"/>
+      </a:lnRef>
+      <a:fillRef idx="1">
+        <a:scrgbClr r="0" g="0" b="0"/>
+      </a:fillRef>
+      <a:effectRef idx="0">
+        <a:scrgbClr r="0" g="0" b="0"/>
+      </a:effectRef>
+      <a:fontRef idx="minor">
+        <a:schemeClr val="lt1"/>
+      </a:fontRef>
+    </dgm:style>
+  </dgm:styleLbl>
+  <dgm:styleLbl name="asst2">
+    <dgm:scene3d>
+      <a:camera prst="orthographicFront"/>
+      <a:lightRig rig="threePt" dir="t"/>
+    </dgm:scene3d>
+    <dgm:sp3d/>
+    <dgm:txPr/>
+    <dgm:style>
+      <a:lnRef idx="2">
+        <a:scrgbClr r="0" g="0" b="0"/>
+      </a:lnRef>
+      <a:fillRef idx="1">
+        <a:scrgbClr r="0" g="0" b="0"/>
+      </a:fillRef>
+      <a:effectRef idx="0">
+        <a:scrgbClr r="0" g="0" b="0"/>
+      </a:effectRef>
+      <a:fontRef idx="minor">
+        <a:schemeClr val="lt1"/>
+      </a:fontRef>
+    </dgm:style>
+  </dgm:styleLbl>
+  <dgm:styleLbl name="asst3">
+    <dgm:scene3d>
+      <a:camera prst="orthographicFront"/>
+      <a:lightRig rig="threePt" dir="t"/>
+    </dgm:scene3d>
+    <dgm:sp3d/>
+    <dgm:txPr/>
+    <dgm:style>
+      <a:lnRef idx="2">
+        <a:scrgbClr r="0" g="0" b="0"/>
+      </a:lnRef>
+      <a:fillRef idx="1">
+        <a:scrgbClr r="0" g="0" b="0"/>
+      </a:fillRef>
+      <a:effectRef idx="0">
+        <a:scrgbClr r="0" g="0" b="0"/>
+      </a:effectRef>
+      <a:fontRef idx="minor">
+        <a:schemeClr val="lt1"/>
+      </a:fontRef>
+    </dgm:style>
+  </dgm:styleLbl>
+  <dgm:styleLbl name="asst4">
+    <dgm:scene3d>
+      <a:camera prst="orthographicFront"/>
+      <a:lightRig rig="threePt" dir="t"/>
+    </dgm:scene3d>
+    <dgm:sp3d/>
+    <dgm:txPr/>
+    <dgm:style>
+      <a:lnRef idx="2">
+        <a:scrgbClr r="0" g="0" b="0"/>
+      </a:lnRef>
+      <a:fillRef idx="1">
+        <a:scrgbClr r="0" g="0" b="0"/>
+      </a:fillRef>
+      <a:effectRef idx="0">
+        <a:scrgbClr r="0" g="0" b="0"/>
+      </a:effectRef>
+      <a:fontRef idx="minor">
+        <a:schemeClr val="lt1"/>
+      </a:fontRef>
+    </dgm:style>
+  </dgm:styleLbl>
+  <dgm:styleLbl name="parChTrans2D1">
+    <dgm:scene3d>
+      <a:camera prst="orthographicFront"/>
+      <a:lightRig rig="threePt" dir="t"/>
+    </dgm:scene3d>
+    <dgm:sp3d/>
+    <dgm:txPr/>
+    <dgm:style>
+      <a:lnRef idx="2">
+        <a:scrgbClr r="0" g="0" b="0"/>
+      </a:lnRef>
+      <a:fillRef idx="1">
+        <a:scrgbClr r="0" g="0" b="0"/>
+      </a:fillRef>
+      <a:effectRef idx="0">
+        <a:scrgbClr r="0" g="0" b="0"/>
+      </a:effectRef>
+      <a:fontRef idx="minor">
+        <a:schemeClr val="lt1"/>
+      </a:fontRef>
+    </dgm:style>
+  </dgm:styleLbl>
+  <dgm:styleLbl name="parChTrans2D2">
+    <dgm:scene3d>
+      <a:camera prst="orthographicFront"/>
+      <a:lightRig rig="threePt" dir="t"/>
+    </dgm:scene3d>
+    <dgm:sp3d/>
+    <dgm:txPr/>
+    <dgm:style>
+      <a:lnRef idx="2">
+        <a:scrgbClr r="0" g="0" b="0"/>
+      </a:lnRef>
+      <a:fillRef idx="1">
+        <a:scrgbClr r="0" g="0" b="0"/>
+      </a:fillRef>
+      <a:effectRef idx="0">
+        <a:scrgbClr r="0" g="0" b="0"/>
+      </a:effectRef>
+      <a:fontRef idx="minor">
+        <a:schemeClr val="lt1"/>
+      </a:fontRef>
+    </dgm:style>
+  </dgm:styleLbl>
+  <dgm:styleLbl name="parChTrans2D3">
+    <dgm:scene3d>
+      <a:camera prst="orthographicFront"/>
+      <a:lightRig rig="threePt" dir="t"/>
+    </dgm:scene3d>
+    <dgm:sp3d/>
+    <dgm:txPr/>
+    <dgm:style>
+      <a:lnRef idx="2">
+        <a:scrgbClr r="0" g="0" b="0"/>
+      </a:lnRef>
+      <a:fillRef idx="1">
+        <a:scrgbClr r="0" g="0" b="0"/>
+      </a:fillRef>
+      <a:effectRef idx="0">
+        <a:scrgbClr r="0" g="0" b="0"/>
+      </a:effectRef>
+      <a:fontRef idx="minor">
+        <a:schemeClr val="lt1"/>
+      </a:fontRef>
+    </dgm:style>
+  </dgm:styleLbl>
+  <dgm:styleLbl name="parChTrans2D4">
+    <dgm:scene3d>
+      <a:camera prst="orthographicFront"/>
+      <a:lightRig rig="threePt" dir="t"/>
+    </dgm:scene3d>
+    <dgm:sp3d/>
+    <dgm:txPr/>
+    <dgm:style>
+      <a:lnRef idx="2">
+        <a:scrgbClr r="0" g="0" b="0"/>
+      </a:lnRef>
+      <a:fillRef idx="1">
+        <a:scrgbClr r="0" g="0" b="0"/>
+      </a:fillRef>
+      <a:effectRef idx="0">
+        <a:scrgbClr r="0" g="0" b="0"/>
+      </a:effectRef>
+      <a:fontRef idx="minor">
+        <a:schemeClr val="lt1"/>
+      </a:fontRef>
+    </dgm:style>
+  </dgm:styleLbl>
+  <dgm:styleLbl name="parChTrans1D1">
+    <dgm:scene3d>
+      <a:camera prst="orthographicFront"/>
+      <a:lightRig rig="threePt" dir="t"/>
+    </dgm:scene3d>
+    <dgm:sp3d/>
+    <dgm:txPr/>
+    <dgm:style>
+      <a:lnRef idx="2">
+        <a:scrgbClr r="0" g="0" b="0"/>
+      </a:lnRef>
+      <a:fillRef idx="0">
+        <a:scrgbClr r="0" g="0" b="0"/>
+      </a:fillRef>
+      <a:effectRef idx="0">
+        <a:scrgbClr r="0" g="0" b="0"/>
+      </a:effectRef>
+      <a:fontRef idx="minor"/>
+    </dgm:style>
+  </dgm:styleLbl>
+  <dgm:styleLbl name="parChTrans1D2">
+    <dgm:scene3d>
+      <a:camera prst="orthographicFront"/>
+      <a:lightRig rig="threePt" dir="t"/>
+    </dgm:scene3d>
+    <dgm:sp3d/>
+    <dgm:txPr/>
+    <dgm:style>
+      <a:lnRef idx="2">
+        <a:scrgbClr r="0" g="0" b="0"/>
+      </a:lnRef>
+      <a:fillRef idx="0">
+        <a:scrgbClr r="0" g="0" b="0"/>
+      </a:fillRef>
+      <a:effectRef idx="0">
+        <a:scrgbClr r="0" g="0" b="0"/>
+      </a:effectRef>
+      <a:fontRef idx="minor"/>
+    </dgm:style>
+  </dgm:styleLbl>
+  <dgm:styleLbl name="parChTrans1D3">
+    <dgm:scene3d>
+      <a:camera prst="orthographicFront"/>
+      <a:lightRig rig="threePt" dir="t"/>
+    </dgm:scene3d>
+    <dgm:sp3d/>
+    <dgm:txPr/>
+    <dgm:style>
+      <a:lnRef idx="2">
+        <a:scrgbClr r="0" g="0" b="0"/>
+      </a:lnRef>
+      <a:fillRef idx="0">
+        <a:scrgbClr r="0" g="0" b="0"/>
+      </a:fillRef>
+      <a:effectRef idx="0">
+        <a:scrgbClr r="0" g="0" b="0"/>
+      </a:effectRef>
+      <a:fontRef idx="minor"/>
+    </dgm:style>
+  </dgm:styleLbl>
+  <dgm:styleLbl name="parChTrans1D4">
+    <dgm:scene3d>
+      <a:camera prst="orthographicFront"/>
+      <a:lightRig rig="threePt" dir="t"/>
+    </dgm:scene3d>
+    <dgm:sp3d/>
+    <dgm:txPr/>
+    <dgm:style>
+      <a:lnRef idx="2">
+        <a:scrgbClr r="0" g="0" b="0"/>
+      </a:lnRef>
+      <a:fillRef idx="0">
+        <a:scrgbClr r="0" g="0" b="0"/>
+      </a:fillRef>
+      <a:effectRef idx="0">
+        <a:scrgbClr r="0" g="0" b="0"/>
+      </a:effectRef>
+      <a:fontRef idx="minor"/>
+    </dgm:style>
+  </dgm:styleLbl>
+  <dgm:styleLbl name="fgAcc1">
+    <dgm:scene3d>
+      <a:camera prst="orthographicFront"/>
+      <a:lightRig rig="threePt" dir="t"/>
+    </dgm:scene3d>
+    <dgm:sp3d/>
+    <dgm:txPr/>
+    <dgm:style>
+      <a:lnRef idx="2">
+        <a:scrgbClr r="0" g="0" b="0"/>
+      </a:lnRef>
+      <a:fillRef idx="1">
+        <a:scrgbClr r="0" g="0" b="0"/>
+      </a:fillRef>
+      <a:effectRef idx="0">
+        <a:scrgbClr r="0" g="0" b="0"/>
+      </a:effectRef>
+      <a:fontRef idx="minor"/>
+    </dgm:style>
+  </dgm:styleLbl>
+  <dgm:styleLbl name="conFgAcc1">
+    <dgm:scene3d>
+      <a:camera prst="orthographicFront"/>
+      <a:lightRig rig="threePt" dir="t"/>
+    </dgm:scene3d>
+    <dgm:sp3d/>
+    <dgm:txPr/>
+    <dgm:style>
+      <a:lnRef idx="2">
+        <a:scrgbClr r="0" g="0" b="0"/>
+      </a:lnRef>
+      <a:fillRef idx="1">
+        <a:scrgbClr r="0" g="0" b="0"/>
+      </a:fillRef>
+      <a:effectRef idx="0">
+        <a:scrgbClr r="0" g="0" b="0"/>
+      </a:effectRef>
+      <a:fontRef idx="minor"/>
+    </dgm:style>
+  </dgm:styleLbl>
+  <dgm:styleLbl name="alignAcc1">
+    <dgm:scene3d>
+      <a:camera prst="orthographicFront"/>
+      <a:lightRig rig="threePt" dir="t"/>
+    </dgm:scene3d>
+    <dgm:sp3d/>
+    <dgm:txPr/>
+    <dgm:style>
+      <a:lnRef idx="2">
+        <a:scrgbClr r="0" g="0" b="0"/>
+      </a:lnRef>
+      <a:fillRef idx="1">
+        <a:scrgbClr r="0" g="0" b="0"/>
+      </a:fillRef>
+      <a:effectRef idx="0">
+        <a:scrgbClr r="0" g="0" b="0"/>
+      </a:effectRef>
+      <a:fontRef idx="minor"/>
+    </dgm:style>
+  </dgm:styleLbl>
+  <dgm:styleLbl name="trAlignAcc1">
+    <dgm:scene3d>
+      <a:camera prst="orthographicFront"/>
+      <a:lightRig rig="threePt" dir="t"/>
+    </dgm:scene3d>
+    <dgm:sp3d/>
+    <dgm:txPr/>
+    <dgm:style>
+      <a:lnRef idx="1">
+        <a:scrgbClr r="0" g="0" b="0"/>
+      </a:lnRef>
+      <a:fillRef idx="1">
+        <a:scrgbClr r="0" g="0" b="0"/>
+      </a:fillRef>
+      <a:effectRef idx="0">
+        <a:scrgbClr r="0" g="0" b="0"/>
+      </a:effectRef>
+      <a:fontRef idx="minor"/>
+    </dgm:style>
+  </dgm:styleLbl>
+  <dgm:styleLbl name="bgAcc1">
+    <dgm:scene3d>
+      <a:camera prst="orthographicFront"/>
+      <a:lightRig rig="threePt" dir="t"/>
+    </dgm:scene3d>
+    <dgm:sp3d/>
+    <dgm:txPr/>
+    <dgm:style>
+      <a:lnRef idx="2">
+        <a:scrgbClr r="0" g="0" b="0"/>
+      </a:lnRef>
+      <a:fillRef idx="1">
+        <a:scrgbClr r="0" g="0" b="0"/>
+      </a:fillRef>
+      <a:effectRef idx="0">
+        <a:scrgbClr r="0" g="0" b="0"/>
+      </a:effectRef>
+      <a:fontRef idx="minor"/>
+    </dgm:style>
+  </dgm:styleLbl>
+  <dgm:styleLbl name="solidFgAcc1">
+    <dgm:scene3d>
+      <a:camera prst="orthographicFront"/>
+      <a:lightRig rig="threePt" dir="t"/>
+    </dgm:scene3d>
+    <dgm:sp3d/>
+    <dgm:txPr/>
+    <dgm:style>
+      <a:lnRef idx="2">
+        <a:scrgbClr r="0" g="0" b="0"/>
+      </a:lnRef>
+      <a:fillRef idx="1">
+        <a:scrgbClr r="0" g="0" b="0"/>
+      </a:fillRef>
+      <a:effectRef idx="0">
+        <a:scrgbClr r="0" g="0" b="0"/>
+      </a:effectRef>
+      <a:fontRef idx="minor"/>
+    </dgm:style>
+  </dgm:styleLbl>
+  <dgm:styleLbl name="solidAlignAcc1">
+    <dgm:scene3d>
+      <a:camera prst="orthographicFront"/>
+      <a:lightRig rig="threePt" dir="t"/>
+    </dgm:scene3d>
+    <dgm:sp3d/>
+    <dgm:txPr/>
+    <dgm:style>
+      <a:lnRef idx="2">
+        <a:scrgbClr r="0" g="0" b="0"/>
+      </a:lnRef>
+      <a:fillRef idx="1">
+        <a:scrgbClr r="0" g="0" b="0"/>
+      </a:fillRef>
+      <a:effectRef idx="0">
+        <a:scrgbClr r="0" g="0" b="0"/>
+      </a:effectRef>
+      <a:fontRef idx="minor"/>
+    </dgm:style>
+  </dgm:styleLbl>
+  <dgm:styleLbl name="solidBgAcc1">
+    <dgm:scene3d>
+      <a:camera prst="orthographicFront"/>
+      <a:lightRig rig="threePt" dir="t"/>
+    </dgm:scene3d>
+    <dgm:sp3d/>
+    <dgm:txPr/>
+    <dgm:style>
+      <a:lnRef idx="2">
+        <a:scrgbClr r="0" g="0" b="0"/>
+      </a:lnRef>
+      <a:fillRef idx="1">
+        <a:scrgbClr r="0" g="0" b="0"/>
+      </a:fillRef>
+      <a:effectRef idx="0">
+        <a:scrgbClr r="0" g="0" b="0"/>
+      </a:effectRef>
+      <a:fontRef idx="minor"/>
+    </dgm:style>
+  </dgm:styleLbl>
+  <dgm:styleLbl name="fgAccFollowNode1">
+    <dgm:scene3d>
+      <a:camera prst="orthographicFront"/>
+      <a:lightRig rig="threePt" dir="t"/>
+    </dgm:scene3d>
+    <dgm:sp3d/>
+    <dgm:txPr/>
+    <dgm:style>
+      <a:lnRef idx="2">
+        <a:scrgbClr r="0" g="0" b="0"/>
+      </a:lnRef>
+      <a:fillRef idx="1">
+        <a:scrgbClr r="0" g="0" b="0"/>
+      </a:fillRef>
+      <a:effectRef idx="0">
+        <a:scrgbClr r="0" g="0" b="0"/>
+      </a:effectRef>
+      <a:fontRef idx="minor"/>
+    </dgm:style>
+  </dgm:styleLbl>
+  <dgm:styleLbl name="alignAccFollowNode1">
+    <dgm:scene3d>
+      <a:camera prst="orthographicFront"/>
+      <a:lightRig rig="threePt" dir="t"/>
+    </dgm:scene3d>
+    <dgm:sp3d/>
+    <dgm:txPr/>
+    <dgm:style>
+      <a:lnRef idx="2">
+        <a:scrgbClr r="0" g="0" b="0"/>
+      </a:lnRef>
+      <a:fillRef idx="1">
+        <a:scrgbClr r="0" g="0" b="0"/>
+      </a:fillRef>
+      <a:effectRef idx="0">
+        <a:scrgbClr r="0" g="0" b="0"/>
+      </a:effectRef>
+      <a:fontRef idx="minor"/>
+    </dgm:style>
+  </dgm:styleLbl>
+  <dgm:styleLbl name="bgAccFollowNode1">
+    <dgm:scene3d>
+      <a:camera prst="orthographicFront"/>
+      <a:lightRig rig="threePt" dir="t"/>
+    </dgm:scene3d>
+    <dgm:sp3d/>
+    <dgm:txPr/>
+    <dgm:style>
+      <a:lnRef idx="2">
+        <a:scrgbClr r="0" g="0" b="0"/>
+      </a:lnRef>
+      <a:fillRef idx="1">
+        <a:scrgbClr r="0" g="0" b="0"/>
+      </a:fillRef>
+      <a:effectRef idx="0">
+        <a:scrgbClr r="0" g="0" b="0"/>
+      </a:effectRef>
+      <a:fontRef idx="minor"/>
+    </dgm:style>
+  </dgm:styleLbl>
+  <dgm:styleLbl name="fgAcc0">
+    <dgm:scene3d>
+      <a:camera prst="orthographicFront"/>
+      <a:lightRig rig="threePt" dir="t"/>
+    </dgm:scene3d>
+    <dgm:sp3d/>
+    <dgm:txPr/>
+    <dgm:style>
+      <a:lnRef idx="2">
+        <a:scrgbClr r="0" g="0" b="0"/>
+      </a:lnRef>
+      <a:fillRef idx="1">
+        <a:scrgbClr r="0" g="0" b="0"/>
+      </a:fillRef>
+      <a:effectRef idx="0">
+        <a:scrgbClr r="0" g="0" b="0"/>
+      </a:effectRef>
+      <a:fontRef idx="minor"/>
+    </dgm:style>
+  </dgm:styleLbl>
+  <dgm:styleLbl name="fgAcc2">
+    <dgm:scene3d>
+      <a:camera prst="orthographicFront"/>
+      <a:lightRig rig="threePt" dir="t"/>
+    </dgm:scene3d>
+    <dgm:sp3d/>
+    <dgm:txPr/>
+    <dgm:style>
+      <a:lnRef idx="2">
+        <a:scrgbClr r="0" g="0" b="0"/>
+      </a:lnRef>
+      <a:fillRef idx="1">
+        <a:scrgbClr r="0" g="0" b="0"/>
+      </a:fillRef>
+      <a:effectRef idx="0">
+        <a:scrgbClr r="0" g="0" b="0"/>
+      </a:effectRef>
+      <a:fontRef idx="minor"/>
+    </dgm:style>
+  </dgm:styleLbl>
+  <dgm:styleLbl name="fgAcc3">
+    <dgm:scene3d>
+      <a:camera prst="orthographicFront"/>
+      <a:lightRig rig="threePt" dir="t"/>
+    </dgm:scene3d>
+    <dgm:sp3d/>
+    <dgm:txPr/>
+    <dgm:style>
+      <a:lnRef idx="2">
+        <a:scrgbClr r="0" g="0" b="0"/>
+      </a:lnRef>
+      <a:fillRef idx="1">
+        <a:scrgbClr r="0" g="0" b="0"/>
+      </a:fillRef>
+      <a:effectRef idx="0">
+        <a:scrgbClr r="0" g="0" b="0"/>
+      </a:effectRef>
+      <a:fontRef idx="minor"/>
+    </dgm:style>
+  </dgm:styleLbl>
+  <dgm:styleLbl name="fgAcc4">
+    <dgm:scene3d>
+      <a:camera prst="orthographicFront"/>
+      <a:lightRig rig="threePt" dir="t"/>
+    </dgm:scene3d>
+    <dgm:sp3d/>
+    <dgm:txPr/>
+    <dgm:style>
+      <a:lnRef idx="2">
+        <a:scrgbClr r="0" g="0" b="0"/>
+      </a:lnRef>
+      <a:fillRef idx="1">
+        <a:scrgbClr r="0" g="0" b="0"/>
+      </a:fillRef>
+      <a:effectRef idx="0">
+        <a:scrgbClr r="0" g="0" b="0"/>
+      </a:effectRef>
+      <a:fontRef idx="minor"/>
+    </dgm:style>
+  </dgm:styleLbl>
+  <dgm:styleLbl name="bgShp">
+    <dgm:scene3d>
+      <a:camera prst="orthographicFront"/>
+      <a:lightRig rig="threePt" dir="t"/>
+    </dgm:scene3d>
+    <dgm:sp3d/>
+    <dgm:txPr/>
+    <dgm:style>
+      <a:lnRef idx="0">
+        <a:scrgbClr r="0" g="0" b="0"/>
+      </a:lnRef>
+      <a:fillRef idx="1">
+        <a:scrgbClr r="0" g="0" b="0"/>
+      </a:fillRef>
+      <a:effectRef idx="0">
+        <a:scrgbClr r="0" g="0" b="0"/>
+      </a:effectRef>
+      <a:fontRef idx="minor"/>
+    </dgm:style>
+  </dgm:styleLbl>
+  <dgm:styleLbl name="dkBgShp">
+    <dgm:scene3d>
+      <a:camera prst="orthographicFront"/>
+      <a:lightRig rig="threePt" dir="t"/>
+    </dgm:scene3d>
+    <dgm:sp3d/>
+    <dgm:txPr/>
+    <dgm:style>
+      <a:lnRef idx="0">
+        <a:scrgbClr r="0" g="0" b="0"/>
+      </a:lnRef>
+      <a:fillRef idx="1">
+        <a:scrgbClr r="0" g="0" b="0"/>
+      </a:fillRef>
+      <a:effectRef idx="0">
+        <a:scrgbClr r="0" g="0" b="0"/>
+      </a:effectRef>
+      <a:fontRef idx="minor"/>
+    </dgm:style>
+  </dgm:styleLbl>
+  <dgm:styleLbl name="trBgShp">
+    <dgm:scene3d>
+      <a:camera prst="orthographicFront"/>
+      <a:lightRig rig="threePt" dir="t"/>
+    </dgm:scene3d>
+    <dgm:sp3d/>
+    <dgm:txPr/>
+    <dgm:style>
+      <a:lnRef idx="0">
+        <a:scrgbClr r="0" g="0" b="0"/>
+      </a:lnRef>
+      <a:fillRef idx="1">
+        <a:scrgbClr r="0" g="0" b="0"/>
+      </a:fillRef>
+      <a:effectRef idx="0">
+        <a:scrgbClr r="0" g="0" b="0"/>
+      </a:effectRef>
+      <a:fontRef idx="minor"/>
+    </dgm:style>
+  </dgm:styleLbl>
+  <dgm:styleLbl name="fgShp">
+    <dgm:scene3d>
+      <a:camera prst="orthographicFront"/>
+      <a:lightRig rig="threePt" dir="t"/>
+    </dgm:scene3d>
+    <dgm:sp3d/>
+    <dgm:txPr/>
+    <dgm:style>
+      <a:lnRef idx="2">
+        <a:scrgbClr r="0" g="0" b="0"/>
+      </a:lnRef>
+      <a:fillRef idx="1">
+        <a:scrgbClr r="0" g="0" b="0"/>
+      </a:fillRef>
+      <a:effectRef idx="0">
+        <a:scrgbClr r="0" g="0" b="0"/>
+      </a:effectRef>
+      <a:fontRef idx="minor"/>
+    </dgm:style>
+  </dgm:styleLbl>
+  <dgm:styleLbl name="revTx">
+    <dgm:scene3d>
+      <a:camera prst="orthographicFront"/>
+      <a:lightRig rig="threePt" dir="t"/>
+    </dgm:scene3d>
+    <dgm:sp3d/>
+    <dgm:txPr/>
+    <dgm:style>
+      <a:lnRef idx="0">
+        <a:scrgbClr r="0" g="0" b="0"/>
+      </a:lnRef>
+      <a:fillRef idx="0">
+        <a:scrgbClr r="0" g="0" b="0"/>
+      </a:fillRef>
+      <a:effectRef idx="0">
+        <a:scrgbClr r="0" g="0" b="0"/>
+      </a:effectRef>
+      <a:fontRef idx="minor"/>
+    </dgm:style>
+  </dgm:styleLbl>
+</dgm:styleDef>
 </file>
 
 <file path=ppt/notesMasters/notesMaster1.xml><?xml version="1.0" encoding="utf-8"?>
@@ -1325,7 +5380,7 @@
           <a:p>
             <a:fld id="{63D0F5A2-37CF-4D26-A5A2-C3B5E9D6E23D}" type="datetimeFigureOut">
               <a:rPr lang="en-GB" smtClean="0"/>
-              <a:t>30/04/2023</a:t>
+              <a:t>02/05/2023</a:t>
             </a:fld>
             <a:endParaRPr lang="en-GB" dirty="0"/>
           </a:p>
@@ -1620,12 +5675,7 @@
             <p:ph type="sldImg"/>
           </p:nvPr>
         </p:nvSpPr>
-        <p:spPr>
-          <a:xfrm>
-            <a:off x="685800" y="1143000"/>
-            <a:ext cx="5486400" cy="3086100"/>
-          </a:xfrm>
-        </p:spPr>
+        <p:spPr/>
       </p:sp>
       <p:sp>
         <p:nvSpPr>
@@ -1642,7 +5692,10 @@
           <a:bodyPr/>
           <a:lstStyle/>
           <a:p>
-            <a:endParaRPr lang="en-GB" dirty="0"/>
+            <a:r>
+              <a:rPr lang="en-GB" dirty="0"/>
+              <a:t>Test</a:t>
+            </a:r>
           </a:p>
         </p:txBody>
       </p:sp>
@@ -1663,7 +5716,7 @@
           <a:p>
             <a:fld id="{578CC5AB-4EA6-4CD7-88F4-B5344D2D16C4}" type="slidenum">
               <a:rPr lang="en-GB" smtClean="0"/>
-              <a:t>4</a:t>
+              <a:t>1</a:t>
             </a:fld>
             <a:endParaRPr lang="en-GB" dirty="0"/>
           </a:p>
@@ -1672,7 +5725,385 @@
     </p:spTree>
     <p:extLst>
       <p:ext uri="{BB962C8B-B14F-4D97-AF65-F5344CB8AC3E}">
-        <p14:creationId xmlns:p14="http://schemas.microsoft.com/office/powerpoint/2010/main" val="2497719722"/>
+        <p14:creationId xmlns:p14="http://schemas.microsoft.com/office/powerpoint/2010/main" val="3103104082"/>
+      </p:ext>
+    </p:extLst>
+  </p:cSld>
+  <p:clrMapOvr>
+    <a:masterClrMapping/>
+  </p:clrMapOvr>
+</p:notes>
+</file>
+
+<file path=ppt/notesSlides/notesSlide10.xml><?xml version="1.0" encoding="utf-8"?>
+<p:notes xmlns:a="http://schemas.openxmlformats.org/drawingml/2006/main" xmlns:r="http://schemas.openxmlformats.org/officeDocument/2006/relationships" xmlns:p="http://schemas.openxmlformats.org/presentationml/2006/main">
+  <p:cSld>
+    <p:spTree>
+      <p:nvGrpSpPr>
+        <p:cNvPr id="1" name=""/>
+        <p:cNvGrpSpPr/>
+        <p:nvPr/>
+      </p:nvGrpSpPr>
+      <p:grpSpPr>
+        <a:xfrm>
+          <a:off x="0" y="0"/>
+          <a:ext cx="0" cy="0"/>
+          <a:chOff x="0" y="0"/>
+          <a:chExt cx="0" cy="0"/>
+        </a:xfrm>
+      </p:grpSpPr>
+      <p:sp>
+        <p:nvSpPr>
+          <p:cNvPr id="2" name="Slide Image Placeholder 1"/>
+          <p:cNvSpPr>
+            <a:spLocks noGrp="1" noRot="1" noChangeAspect="1"/>
+          </p:cNvSpPr>
+          <p:nvPr>
+            <p:ph type="sldImg"/>
+          </p:nvPr>
+        </p:nvSpPr>
+        <p:spPr/>
+      </p:sp>
+      <p:sp>
+        <p:nvSpPr>
+          <p:cNvPr id="3" name="Notes Placeholder 2"/>
+          <p:cNvSpPr>
+            <a:spLocks noGrp="1"/>
+          </p:cNvSpPr>
+          <p:nvPr>
+            <p:ph type="body" idx="1"/>
+          </p:nvPr>
+        </p:nvSpPr>
+        <p:spPr/>
+        <p:txBody>
+          <a:bodyPr/>
+          <a:lstStyle/>
+          <a:p>
+            <a:r>
+              <a:rPr lang="en-GB" dirty="0"/>
+              <a:t>Continuing to look at performance across the three airports, the graph on the left shows the count of scheduled domestic departures for all three airports throughout each month of 2017. </a:t>
+            </a:r>
+          </a:p>
+          <a:p>
+            <a:endParaRPr lang="en-GB" dirty="0"/>
+          </a:p>
+          <a:p>
+            <a:r>
+              <a:rPr lang="en-GB" dirty="0"/>
+              <a:t>We see that Newark (identified by the blue line) has a higher number of domestic departures than the other two airports. </a:t>
+            </a:r>
+          </a:p>
+          <a:p>
+            <a:endParaRPr lang="en-GB" dirty="0"/>
+          </a:p>
+          <a:p>
+            <a:r>
+              <a:rPr lang="en-GB" dirty="0"/>
+              <a:t>Breaking this information down to show the percentage of delayed and cancelled flights across each month of the year, we see fairly similar trends across the board. As mentioned earlier, we see an increase of busy-ness at each airport in the summer months, when the average temperature is higher.</a:t>
+            </a:r>
+          </a:p>
+          <a:p>
+            <a:endParaRPr lang="en-GB" dirty="0"/>
+          </a:p>
+          <a:p>
+            <a:r>
+              <a:rPr lang="en-GB" dirty="0"/>
+              <a:t>Our data does show some anomalies, for example we see that June is a quiet summer month for Newark, yet it is the month with the higher number of delays. This may be worth further exploration. </a:t>
+            </a:r>
+          </a:p>
+        </p:txBody>
+      </p:sp>
+      <p:sp>
+        <p:nvSpPr>
+          <p:cNvPr id="4" name="Slide Number Placeholder 3"/>
+          <p:cNvSpPr>
+            <a:spLocks noGrp="1"/>
+          </p:cNvSpPr>
+          <p:nvPr>
+            <p:ph type="sldNum" sz="quarter" idx="5"/>
+          </p:nvPr>
+        </p:nvSpPr>
+        <p:spPr/>
+        <p:txBody>
+          <a:bodyPr/>
+          <a:lstStyle/>
+          <a:p>
+            <a:fld id="{578CC5AB-4EA6-4CD7-88F4-B5344D2D16C4}" type="slidenum">
+              <a:rPr lang="en-GB" smtClean="0"/>
+              <a:t>11</a:t>
+            </a:fld>
+            <a:endParaRPr lang="en-GB" dirty="0"/>
+          </a:p>
+        </p:txBody>
+      </p:sp>
+    </p:spTree>
+    <p:extLst>
+      <p:ext uri="{BB962C8B-B14F-4D97-AF65-F5344CB8AC3E}">
+        <p14:creationId xmlns:p14="http://schemas.microsoft.com/office/powerpoint/2010/main" val="4178701064"/>
+      </p:ext>
+    </p:extLst>
+  </p:cSld>
+  <p:clrMapOvr>
+    <a:masterClrMapping/>
+  </p:clrMapOvr>
+</p:notes>
+</file>
+
+<file path=ppt/notesSlides/notesSlide11.xml><?xml version="1.0" encoding="utf-8"?>
+<p:notes xmlns:a="http://schemas.openxmlformats.org/drawingml/2006/main" xmlns:r="http://schemas.openxmlformats.org/officeDocument/2006/relationships" xmlns:p="http://schemas.openxmlformats.org/presentationml/2006/main">
+  <p:cSld>
+    <p:spTree>
+      <p:nvGrpSpPr>
+        <p:cNvPr id="1" name=""/>
+        <p:cNvGrpSpPr/>
+        <p:nvPr/>
+      </p:nvGrpSpPr>
+      <p:grpSpPr>
+        <a:xfrm>
+          <a:off x="0" y="0"/>
+          <a:ext cx="0" cy="0"/>
+          <a:chOff x="0" y="0"/>
+          <a:chExt cx="0" cy="0"/>
+        </a:xfrm>
+      </p:grpSpPr>
+      <p:sp>
+        <p:nvSpPr>
+          <p:cNvPr id="2" name="Slide Image Placeholder 1"/>
+          <p:cNvSpPr>
+            <a:spLocks noGrp="1" noRot="1" noChangeAspect="1"/>
+          </p:cNvSpPr>
+          <p:nvPr>
+            <p:ph type="sldImg"/>
+          </p:nvPr>
+        </p:nvSpPr>
+        <p:spPr/>
+      </p:sp>
+      <p:sp>
+        <p:nvSpPr>
+          <p:cNvPr id="3" name="Notes Placeholder 2"/>
+          <p:cNvSpPr>
+            <a:spLocks noGrp="1"/>
+          </p:cNvSpPr>
+          <p:nvPr>
+            <p:ph type="body" idx="1"/>
+          </p:nvPr>
+        </p:nvSpPr>
+        <p:spPr/>
+        <p:txBody>
+          <a:bodyPr/>
+          <a:lstStyle/>
+          <a:p>
+            <a:pPr marL="342900" lvl="0" indent="-342900">
+              <a:lnSpc>
+                <a:spcPct val="107000"/>
+              </a:lnSpc>
+              <a:spcAft>
+                <a:spcPts val="800"/>
+              </a:spcAft>
+              <a:buFont typeface="Arial" panose="020B0604020202020204" pitchFamily="34" charset="0"/>
+              <a:buChar char="•"/>
+              <a:tabLst>
+                <a:tab pos="457200" algn="l"/>
+              </a:tabLst>
+            </a:pPr>
+            <a:r>
+              <a:rPr lang="en-US" sz="1100" b="0" kern="100" dirty="0">
+                <a:effectLst/>
+                <a:latin typeface="Calibri" panose="020F0502020204030204" pitchFamily="34" charset="0"/>
+                <a:ea typeface="Calibri" panose="020F0502020204030204" pitchFamily="34" charset="0"/>
+                <a:cs typeface="Times New Roman" panose="02020603050405020304" pitchFamily="18" charset="0"/>
+              </a:rPr>
+              <a:t>Weather factors can be considered as part of the reason for flight delays or cancellation but there is a bigger picture with varying factors to consider</a:t>
+            </a:r>
+            <a:endParaRPr lang="en-GB" sz="1100" b="0" kern="100" dirty="0">
+              <a:effectLst/>
+              <a:latin typeface="Calibri" panose="020F0502020204030204" pitchFamily="34" charset="0"/>
+              <a:ea typeface="Calibri" panose="020F0502020204030204" pitchFamily="34" charset="0"/>
+              <a:cs typeface="Times New Roman" panose="02020603050405020304" pitchFamily="18" charset="0"/>
+            </a:endParaRPr>
+          </a:p>
+          <a:p>
+            <a:pPr marL="342900" lvl="0" indent="-342900">
+              <a:lnSpc>
+                <a:spcPct val="107000"/>
+              </a:lnSpc>
+              <a:spcAft>
+                <a:spcPts val="800"/>
+              </a:spcAft>
+              <a:buFont typeface="Arial" panose="020B0604020202020204" pitchFamily="34" charset="0"/>
+              <a:buChar char="•"/>
+              <a:tabLst>
+                <a:tab pos="457200" algn="l"/>
+              </a:tabLst>
+            </a:pPr>
+            <a:r>
+              <a:rPr lang="en-US" sz="1100" b="0" kern="100" dirty="0">
+                <a:effectLst/>
+                <a:latin typeface="Calibri" panose="020F0502020204030204" pitchFamily="34" charset="0"/>
+                <a:ea typeface="Calibri" panose="020F0502020204030204" pitchFamily="34" charset="0"/>
+                <a:cs typeface="Times New Roman" panose="02020603050405020304" pitchFamily="18" charset="0"/>
+              </a:rPr>
+              <a:t>May wish to consider technologies to assist planes in low visibility and when there is more than 50mm snow</a:t>
+            </a:r>
+            <a:endParaRPr lang="en-GB" sz="1100" b="0" kern="100" dirty="0">
+              <a:effectLst/>
+              <a:latin typeface="Calibri" panose="020F0502020204030204" pitchFamily="34" charset="0"/>
+              <a:ea typeface="Calibri" panose="020F0502020204030204" pitchFamily="34" charset="0"/>
+              <a:cs typeface="Times New Roman" panose="02020603050405020304" pitchFamily="18" charset="0"/>
+            </a:endParaRPr>
+          </a:p>
+          <a:p>
+            <a:pPr marL="342900" lvl="0" indent="-342900">
+              <a:lnSpc>
+                <a:spcPct val="107000"/>
+              </a:lnSpc>
+              <a:spcAft>
+                <a:spcPts val="800"/>
+              </a:spcAft>
+              <a:buFont typeface="Arial" panose="020B0604020202020204" pitchFamily="34" charset="0"/>
+              <a:buChar char="•"/>
+              <a:tabLst>
+                <a:tab pos="457200" algn="l"/>
+              </a:tabLst>
+            </a:pPr>
+            <a:r>
+              <a:rPr lang="en-US" sz="1100" b="0" kern="100" dirty="0">
+                <a:effectLst/>
+                <a:latin typeface="Calibri" panose="020F0502020204030204" pitchFamily="34" charset="0"/>
+                <a:ea typeface="Calibri" panose="020F0502020204030204" pitchFamily="34" charset="0"/>
+                <a:cs typeface="Times New Roman" panose="02020603050405020304" pitchFamily="18" charset="0"/>
+              </a:rPr>
+              <a:t>Other factors to consider include the day and month of departures as these are typically indicative of busy-ness:</a:t>
+            </a:r>
+            <a:endParaRPr lang="en-GB" sz="1100" b="0" kern="100" dirty="0">
+              <a:effectLst/>
+              <a:latin typeface="Calibri" panose="020F0502020204030204" pitchFamily="34" charset="0"/>
+              <a:ea typeface="Calibri" panose="020F0502020204030204" pitchFamily="34" charset="0"/>
+              <a:cs typeface="Times New Roman" panose="02020603050405020304" pitchFamily="18" charset="0"/>
+            </a:endParaRPr>
+          </a:p>
+          <a:p>
+            <a:pPr marL="742950" lvl="1" indent="-285750">
+              <a:lnSpc>
+                <a:spcPct val="107000"/>
+              </a:lnSpc>
+              <a:spcAft>
+                <a:spcPts val="800"/>
+              </a:spcAft>
+              <a:buFont typeface="Arial" panose="020B0604020202020204" pitchFamily="34" charset="0"/>
+              <a:buChar char="•"/>
+              <a:tabLst>
+                <a:tab pos="914400" algn="l"/>
+              </a:tabLst>
+            </a:pPr>
+            <a:r>
+              <a:rPr lang="en-US" sz="1100" b="0" kern="100" dirty="0">
+                <a:effectLst/>
+                <a:latin typeface="Calibri" panose="020F0502020204030204" pitchFamily="34" charset="0"/>
+                <a:ea typeface="Calibri" panose="020F0502020204030204" pitchFamily="34" charset="0"/>
+                <a:cs typeface="Times New Roman" panose="02020603050405020304" pitchFamily="18" charset="0"/>
+              </a:rPr>
+              <a:t>consider balancing out flight schedules more evenly where possible</a:t>
+            </a:r>
+            <a:endParaRPr lang="en-GB" sz="1100" b="0" kern="100" dirty="0">
+              <a:effectLst/>
+              <a:latin typeface="Calibri" panose="020F0502020204030204" pitchFamily="34" charset="0"/>
+              <a:ea typeface="Calibri" panose="020F0502020204030204" pitchFamily="34" charset="0"/>
+              <a:cs typeface="Times New Roman" panose="02020603050405020304" pitchFamily="18" charset="0"/>
+            </a:endParaRPr>
+          </a:p>
+          <a:p>
+            <a:pPr marL="742950" lvl="1" indent="-285750">
+              <a:lnSpc>
+                <a:spcPct val="107000"/>
+              </a:lnSpc>
+              <a:spcAft>
+                <a:spcPts val="800"/>
+              </a:spcAft>
+              <a:buFont typeface="Arial" panose="020B0604020202020204" pitchFamily="34" charset="0"/>
+              <a:buChar char="•"/>
+              <a:tabLst>
+                <a:tab pos="914400" algn="l"/>
+              </a:tabLst>
+            </a:pPr>
+            <a:r>
+              <a:rPr lang="en-US" sz="1100" b="0" kern="100" dirty="0">
+                <a:effectLst/>
+                <a:latin typeface="Calibri" panose="020F0502020204030204" pitchFamily="34" charset="0"/>
+                <a:ea typeface="Calibri" panose="020F0502020204030204" pitchFamily="34" charset="0"/>
+                <a:cs typeface="Times New Roman" panose="02020603050405020304" pitchFamily="18" charset="0"/>
+              </a:rPr>
+              <a:t>further research needed to ascertain the specific causes of delays at  busier times</a:t>
+            </a:r>
+            <a:endParaRPr lang="en-GB" sz="1100" b="0" kern="100" dirty="0">
+              <a:effectLst/>
+              <a:latin typeface="Calibri" panose="020F0502020204030204" pitchFamily="34" charset="0"/>
+              <a:ea typeface="Calibri" panose="020F0502020204030204" pitchFamily="34" charset="0"/>
+              <a:cs typeface="Times New Roman" panose="02020603050405020304" pitchFamily="18" charset="0"/>
+            </a:endParaRPr>
+          </a:p>
+          <a:p>
+            <a:pPr marL="342900" lvl="0" indent="-342900">
+              <a:lnSpc>
+                <a:spcPct val="107000"/>
+              </a:lnSpc>
+              <a:spcAft>
+                <a:spcPts val="800"/>
+              </a:spcAft>
+              <a:buFont typeface="Arial" panose="020B0604020202020204" pitchFamily="34" charset="0"/>
+              <a:buChar char="•"/>
+              <a:tabLst>
+                <a:tab pos="457200" algn="l"/>
+              </a:tabLst>
+            </a:pPr>
+            <a:r>
+              <a:rPr lang="en-US" sz="1100" b="0" kern="100" dirty="0">
+                <a:effectLst/>
+                <a:latin typeface="Calibri" panose="020F0502020204030204" pitchFamily="34" charset="0"/>
+                <a:ea typeface="Calibri" panose="020F0502020204030204" pitchFamily="34" charset="0"/>
+                <a:cs typeface="Times New Roman" panose="02020603050405020304" pitchFamily="18" charset="0"/>
+              </a:rPr>
+              <a:t>Conversations with carriers who experience higher percentage of delays and cancellation needed to understand the specific issues the company/planes experience</a:t>
+            </a:r>
+            <a:endParaRPr lang="en-GB" sz="1100" b="0" kern="100" dirty="0">
+              <a:effectLst/>
+              <a:latin typeface="Calibri" panose="020F0502020204030204" pitchFamily="34" charset="0"/>
+              <a:ea typeface="Calibri" panose="020F0502020204030204" pitchFamily="34" charset="0"/>
+              <a:cs typeface="Times New Roman" panose="02020603050405020304" pitchFamily="18" charset="0"/>
+            </a:endParaRPr>
+          </a:p>
+          <a:p>
+            <a:endParaRPr lang="en-GB" dirty="0"/>
+          </a:p>
+        </p:txBody>
+      </p:sp>
+      <p:sp>
+        <p:nvSpPr>
+          <p:cNvPr id="4" name="Slide Number Placeholder 3"/>
+          <p:cNvSpPr>
+            <a:spLocks noGrp="1"/>
+          </p:cNvSpPr>
+          <p:nvPr>
+            <p:ph type="sldNum" sz="quarter" idx="5"/>
+          </p:nvPr>
+        </p:nvSpPr>
+        <p:spPr/>
+        <p:txBody>
+          <a:bodyPr/>
+          <a:lstStyle/>
+          <a:p>
+            <a:fld id="{578CC5AB-4EA6-4CD7-88F4-B5344D2D16C4}" type="slidenum">
+              <a:rPr lang="en-GB" smtClean="0"/>
+              <a:t>12</a:t>
+            </a:fld>
+            <a:endParaRPr lang="en-GB" dirty="0"/>
+          </a:p>
+        </p:txBody>
+      </p:sp>
+    </p:spTree>
+    <p:extLst>
+      <p:ext uri="{BB962C8B-B14F-4D97-AF65-F5344CB8AC3E}">
+        <p14:creationId xmlns:p14="http://schemas.microsoft.com/office/powerpoint/2010/main" val="1067091684"/>
       </p:ext>
     </p:extLst>
   </p:cSld>
@@ -1683,6 +6114,186 @@
 </file>
 
 <file path=ppt/notesSlides/notesSlide2.xml><?xml version="1.0" encoding="utf-8"?>
+<p:notes xmlns:a="http://schemas.openxmlformats.org/drawingml/2006/main" xmlns:r="http://schemas.openxmlformats.org/officeDocument/2006/relationships" xmlns:p="http://schemas.openxmlformats.org/presentationml/2006/main">
+  <p:cSld>
+    <p:spTree>
+      <p:nvGrpSpPr>
+        <p:cNvPr id="1" name=""/>
+        <p:cNvGrpSpPr/>
+        <p:nvPr/>
+      </p:nvGrpSpPr>
+      <p:grpSpPr>
+        <a:xfrm>
+          <a:off x="0" y="0"/>
+          <a:ext cx="0" cy="0"/>
+          <a:chOff x="0" y="0"/>
+          <a:chExt cx="0" cy="0"/>
+        </a:xfrm>
+      </p:grpSpPr>
+      <p:sp>
+        <p:nvSpPr>
+          <p:cNvPr id="2" name="Slide Image Placeholder 1"/>
+          <p:cNvSpPr>
+            <a:spLocks noGrp="1" noRot="1" noChangeAspect="1"/>
+          </p:cNvSpPr>
+          <p:nvPr>
+            <p:ph type="sldImg"/>
+          </p:nvPr>
+        </p:nvSpPr>
+        <p:spPr/>
+      </p:sp>
+      <p:sp>
+        <p:nvSpPr>
+          <p:cNvPr id="3" name="Notes Placeholder 2"/>
+          <p:cNvSpPr>
+            <a:spLocks noGrp="1"/>
+          </p:cNvSpPr>
+          <p:nvPr>
+            <p:ph type="body" idx="1"/>
+          </p:nvPr>
+        </p:nvSpPr>
+        <p:spPr/>
+        <p:txBody>
+          <a:bodyPr/>
+          <a:lstStyle/>
+          <a:p>
+            <a:endParaRPr lang="en-GB" dirty="0"/>
+          </a:p>
+        </p:txBody>
+      </p:sp>
+      <p:sp>
+        <p:nvSpPr>
+          <p:cNvPr id="4" name="Slide Number Placeholder 3"/>
+          <p:cNvSpPr>
+            <a:spLocks noGrp="1"/>
+          </p:cNvSpPr>
+          <p:nvPr>
+            <p:ph type="sldNum" sz="quarter" idx="5"/>
+          </p:nvPr>
+        </p:nvSpPr>
+        <p:spPr/>
+        <p:txBody>
+          <a:bodyPr/>
+          <a:lstStyle/>
+          <a:p>
+            <a:fld id="{578CC5AB-4EA6-4CD7-88F4-B5344D2D16C4}" type="slidenum">
+              <a:rPr lang="en-GB" smtClean="0"/>
+              <a:t>2</a:t>
+            </a:fld>
+            <a:endParaRPr lang="en-GB" dirty="0"/>
+          </a:p>
+        </p:txBody>
+      </p:sp>
+    </p:spTree>
+    <p:extLst>
+      <p:ext uri="{BB962C8B-B14F-4D97-AF65-F5344CB8AC3E}">
+        <p14:creationId xmlns:p14="http://schemas.microsoft.com/office/powerpoint/2010/main" val="1695509198"/>
+      </p:ext>
+    </p:extLst>
+  </p:cSld>
+  <p:clrMapOvr>
+    <a:masterClrMapping/>
+  </p:clrMapOvr>
+</p:notes>
+</file>
+
+<file path=ppt/notesSlides/notesSlide3.xml><?xml version="1.0" encoding="utf-8"?>
+<p:notes xmlns:a="http://schemas.openxmlformats.org/drawingml/2006/main" xmlns:r="http://schemas.openxmlformats.org/officeDocument/2006/relationships" xmlns:p="http://schemas.openxmlformats.org/presentationml/2006/main">
+  <p:cSld>
+    <p:spTree>
+      <p:nvGrpSpPr>
+        <p:cNvPr id="1" name=""/>
+        <p:cNvGrpSpPr/>
+        <p:nvPr/>
+      </p:nvGrpSpPr>
+      <p:grpSpPr>
+        <a:xfrm>
+          <a:off x="0" y="0"/>
+          <a:ext cx="0" cy="0"/>
+          <a:chOff x="0" y="0"/>
+          <a:chExt cx="0" cy="0"/>
+        </a:xfrm>
+      </p:grpSpPr>
+      <p:sp>
+        <p:nvSpPr>
+          <p:cNvPr id="2" name="Slide Image Placeholder 1"/>
+          <p:cNvSpPr>
+            <a:spLocks noGrp="1" noRot="1" noChangeAspect="1"/>
+          </p:cNvSpPr>
+          <p:nvPr>
+            <p:ph type="sldImg"/>
+          </p:nvPr>
+        </p:nvSpPr>
+        <p:spPr/>
+      </p:sp>
+      <p:sp>
+        <p:nvSpPr>
+          <p:cNvPr id="3" name="Notes Placeholder 2"/>
+          <p:cNvSpPr>
+            <a:spLocks noGrp="1"/>
+          </p:cNvSpPr>
+          <p:nvPr>
+            <p:ph type="body" idx="1"/>
+          </p:nvPr>
+        </p:nvSpPr>
+        <p:spPr/>
+        <p:txBody>
+          <a:bodyPr/>
+          <a:lstStyle/>
+          <a:p>
+            <a:r>
+              <a:rPr lang="en-GB" dirty="0"/>
+              <a:t>The weather factors that our data looks at are: read slide</a:t>
+            </a:r>
+          </a:p>
+          <a:p>
+            <a:endParaRPr lang="en-GB" dirty="0"/>
+          </a:p>
+          <a:p>
+            <a:r>
+              <a:rPr lang="en-GB" dirty="0"/>
+              <a:t>For this presentation we will look closer at the impact on flight departures based on visibility levels and also the average daily temperature.</a:t>
+            </a:r>
+          </a:p>
+        </p:txBody>
+      </p:sp>
+      <p:sp>
+        <p:nvSpPr>
+          <p:cNvPr id="4" name="Slide Number Placeholder 3"/>
+          <p:cNvSpPr>
+            <a:spLocks noGrp="1"/>
+          </p:cNvSpPr>
+          <p:nvPr>
+            <p:ph type="sldNum" sz="quarter" idx="5"/>
+          </p:nvPr>
+        </p:nvSpPr>
+        <p:spPr/>
+        <p:txBody>
+          <a:bodyPr/>
+          <a:lstStyle/>
+          <a:p>
+            <a:fld id="{578CC5AB-4EA6-4CD7-88F4-B5344D2D16C4}" type="slidenum">
+              <a:rPr lang="en-GB" smtClean="0"/>
+              <a:t>4</a:t>
+            </a:fld>
+            <a:endParaRPr lang="en-GB" dirty="0"/>
+          </a:p>
+        </p:txBody>
+      </p:sp>
+    </p:spTree>
+    <p:extLst>
+      <p:ext uri="{BB962C8B-B14F-4D97-AF65-F5344CB8AC3E}">
+        <p14:creationId xmlns:p14="http://schemas.microsoft.com/office/powerpoint/2010/main" val="4278865668"/>
+      </p:ext>
+    </p:extLst>
+  </p:cSld>
+  <p:clrMapOvr>
+    <a:masterClrMapping/>
+  </p:clrMapOvr>
+</p:notes>
+</file>
+
+<file path=ppt/notesSlides/notesSlide4.xml><?xml version="1.0" encoding="utf-8"?>
 <p:notes xmlns:a="http://schemas.openxmlformats.org/drawingml/2006/main" xmlns:r="http://schemas.openxmlformats.org/officeDocument/2006/relationships" xmlns:p="http://schemas.openxmlformats.org/presentationml/2006/main">
   <p:cSld>
     <p:spTree>
@@ -1731,6 +6342,30 @@
           <a:bodyPr/>
           <a:lstStyle/>
           <a:p>
+            <a:r>
+              <a:rPr lang="en-GB" dirty="0"/>
+              <a:t>This graph shows…</a:t>
+            </a:r>
+          </a:p>
+          <a:p>
+            <a:endParaRPr lang="en-GB" dirty="0"/>
+          </a:p>
+          <a:p>
+            <a:r>
+              <a:rPr lang="en-GB" dirty="0"/>
+              <a:t>Perhaps unsurprisingly, we see that departure cancellations are at the highest when visibility is lowest. *refer to graph*</a:t>
+            </a:r>
+          </a:p>
+          <a:p>
+            <a:endParaRPr lang="en-GB" dirty="0"/>
+          </a:p>
+          <a:p>
+            <a:r>
+              <a:rPr lang="en-GB" dirty="0"/>
+              <a:t>There is less of a fluctuation in delays, but we do still see a pattern of more delays with less visibility. *refer to graph*</a:t>
+            </a:r>
+          </a:p>
+          <a:p>
             <a:endParaRPr lang="en-GB" dirty="0"/>
           </a:p>
         </p:txBody>
@@ -1761,7 +6396,580 @@
     </p:spTree>
     <p:extLst>
       <p:ext uri="{BB962C8B-B14F-4D97-AF65-F5344CB8AC3E}">
+        <p14:creationId xmlns:p14="http://schemas.microsoft.com/office/powerpoint/2010/main" val="3053239816"/>
+      </p:ext>
+    </p:extLst>
+  </p:cSld>
+  <p:clrMapOvr>
+    <a:masterClrMapping/>
+  </p:clrMapOvr>
+</p:notes>
+</file>
+
+<file path=ppt/notesSlides/notesSlide5.xml><?xml version="1.0" encoding="utf-8"?>
+<p:notes xmlns:a="http://schemas.openxmlformats.org/drawingml/2006/main" xmlns:r="http://schemas.openxmlformats.org/officeDocument/2006/relationships" xmlns:p="http://schemas.openxmlformats.org/presentationml/2006/main">
+  <p:cSld>
+    <p:spTree>
+      <p:nvGrpSpPr>
+        <p:cNvPr id="1" name=""/>
+        <p:cNvGrpSpPr/>
+        <p:nvPr/>
+      </p:nvGrpSpPr>
+      <p:grpSpPr>
+        <a:xfrm>
+          <a:off x="0" y="0"/>
+          <a:ext cx="0" cy="0"/>
+          <a:chOff x="0" y="0"/>
+          <a:chExt cx="0" cy="0"/>
+        </a:xfrm>
+      </p:grpSpPr>
+      <p:sp>
+        <p:nvSpPr>
+          <p:cNvPr id="2" name="Slide Image Placeholder 1"/>
+          <p:cNvSpPr>
+            <a:spLocks noGrp="1" noRot="1" noChangeAspect="1"/>
+          </p:cNvSpPr>
+          <p:nvPr>
+            <p:ph type="sldImg"/>
+          </p:nvPr>
+        </p:nvSpPr>
+        <p:spPr>
+          <a:xfrm>
+            <a:off x="685800" y="1143000"/>
+            <a:ext cx="5486400" cy="3086100"/>
+          </a:xfrm>
+        </p:spPr>
+      </p:sp>
+      <p:sp>
+        <p:nvSpPr>
+          <p:cNvPr id="3" name="Notes Placeholder 2"/>
+          <p:cNvSpPr>
+            <a:spLocks noGrp="1"/>
+          </p:cNvSpPr>
+          <p:nvPr>
+            <p:ph type="body" idx="1"/>
+          </p:nvPr>
+        </p:nvSpPr>
+        <p:spPr/>
+        <p:txBody>
+          <a:bodyPr/>
+          <a:lstStyle/>
+          <a:p>
+            <a:r>
+              <a:rPr lang="en-GB" dirty="0"/>
+              <a:t>This graph shows…</a:t>
+            </a:r>
+          </a:p>
+          <a:p>
+            <a:endParaRPr lang="en-GB" dirty="0"/>
+          </a:p>
+          <a:p>
+            <a:r>
+              <a:rPr lang="en-GB" dirty="0"/>
+              <a:t>We see a nice average spread of around 75% of flights departing on time when the temperature ranges from 0.1 to 25 degrees.</a:t>
+            </a:r>
+          </a:p>
+          <a:p>
+            <a:endParaRPr lang="en-GB" dirty="0"/>
+          </a:p>
+          <a:p>
+            <a:r>
+              <a:rPr lang="en-GB" dirty="0"/>
+              <a:t>Above and below these temperatures we see a fluctuation in our scheduled flights.</a:t>
+            </a:r>
+          </a:p>
+          <a:p>
+            <a:endParaRPr lang="en-GB" dirty="0"/>
+          </a:p>
+          <a:p>
+            <a:r>
+              <a:rPr lang="en-GB" dirty="0"/>
+              <a:t>We know from exploration of our that snow has an impact on flight delays, and snow will occur at the colder </a:t>
+            </a:r>
+            <a:r>
+              <a:rPr lang="en-GB" dirty="0" err="1"/>
+              <a:t>tempartures</a:t>
+            </a:r>
+            <a:r>
+              <a:rPr lang="en-GB" dirty="0"/>
+              <a:t> so this could be part of the story here.</a:t>
+            </a:r>
+          </a:p>
+          <a:p>
+            <a:endParaRPr lang="en-GB" dirty="0"/>
+          </a:p>
+          <a:p>
+            <a:r>
+              <a:rPr lang="en-GB" dirty="0"/>
+              <a:t>We also know, and will explore more later, that the airport is busier in the warmer months of the year and that a busier airport sees more delays. This could explain the drop in on time flights in the higher temperature bands.</a:t>
+            </a:r>
+          </a:p>
+        </p:txBody>
+      </p:sp>
+      <p:sp>
+        <p:nvSpPr>
+          <p:cNvPr id="4" name="Slide Number Placeholder 3"/>
+          <p:cNvSpPr>
+            <a:spLocks noGrp="1"/>
+          </p:cNvSpPr>
+          <p:nvPr>
+            <p:ph type="sldNum" sz="quarter" idx="5"/>
+          </p:nvPr>
+        </p:nvSpPr>
+        <p:spPr/>
+        <p:txBody>
+          <a:bodyPr/>
+          <a:lstStyle/>
+          <a:p>
+            <a:fld id="{578CC5AB-4EA6-4CD7-88F4-B5344D2D16C4}" type="slidenum">
+              <a:rPr lang="en-GB" smtClean="0"/>
+              <a:t>6</a:t>
+            </a:fld>
+            <a:endParaRPr lang="en-GB" dirty="0"/>
+          </a:p>
+        </p:txBody>
+      </p:sp>
+    </p:spTree>
+    <p:extLst>
+      <p:ext uri="{BB962C8B-B14F-4D97-AF65-F5344CB8AC3E}">
         <p14:creationId xmlns:p14="http://schemas.microsoft.com/office/powerpoint/2010/main" val="3540347822"/>
+      </p:ext>
+    </p:extLst>
+  </p:cSld>
+  <p:clrMapOvr>
+    <a:masterClrMapping/>
+  </p:clrMapOvr>
+</p:notes>
+</file>
+
+<file path=ppt/notesSlides/notesSlide6.xml><?xml version="1.0" encoding="utf-8"?>
+<p:notes xmlns:a="http://schemas.openxmlformats.org/drawingml/2006/main" xmlns:r="http://schemas.openxmlformats.org/officeDocument/2006/relationships" xmlns:p="http://schemas.openxmlformats.org/presentationml/2006/main">
+  <p:cSld>
+    <p:spTree>
+      <p:nvGrpSpPr>
+        <p:cNvPr id="1" name=""/>
+        <p:cNvGrpSpPr/>
+        <p:nvPr/>
+      </p:nvGrpSpPr>
+      <p:grpSpPr>
+        <a:xfrm>
+          <a:off x="0" y="0"/>
+          <a:ext cx="0" cy="0"/>
+          <a:chOff x="0" y="0"/>
+          <a:chExt cx="0" cy="0"/>
+        </a:xfrm>
+      </p:grpSpPr>
+      <p:sp>
+        <p:nvSpPr>
+          <p:cNvPr id="2" name="Slide Image Placeholder 1"/>
+          <p:cNvSpPr>
+            <a:spLocks noGrp="1" noRot="1" noChangeAspect="1"/>
+          </p:cNvSpPr>
+          <p:nvPr>
+            <p:ph type="sldImg"/>
+          </p:nvPr>
+        </p:nvSpPr>
+        <p:spPr/>
+      </p:sp>
+      <p:sp>
+        <p:nvSpPr>
+          <p:cNvPr id="3" name="Notes Placeholder 2"/>
+          <p:cNvSpPr>
+            <a:spLocks noGrp="1"/>
+          </p:cNvSpPr>
+          <p:nvPr>
+            <p:ph type="body" idx="1"/>
+          </p:nvPr>
+        </p:nvSpPr>
+        <p:spPr/>
+        <p:txBody>
+          <a:bodyPr/>
+          <a:lstStyle/>
+          <a:p>
+            <a:r>
+              <a:rPr lang="en-GB" dirty="0"/>
+              <a:t>For this presentation we will delve a bit deeper in to the pattern of delays and </a:t>
+            </a:r>
+            <a:r>
+              <a:rPr lang="en-GB"/>
+              <a:t>cancellations by carrier </a:t>
+            </a:r>
+            <a:r>
+              <a:rPr lang="en-GB" dirty="0"/>
+              <a:t>(or airline) </a:t>
+            </a:r>
+          </a:p>
+        </p:txBody>
+      </p:sp>
+      <p:sp>
+        <p:nvSpPr>
+          <p:cNvPr id="4" name="Slide Number Placeholder 3"/>
+          <p:cNvSpPr>
+            <a:spLocks noGrp="1"/>
+          </p:cNvSpPr>
+          <p:nvPr>
+            <p:ph type="sldNum" sz="quarter" idx="5"/>
+          </p:nvPr>
+        </p:nvSpPr>
+        <p:spPr/>
+        <p:txBody>
+          <a:bodyPr/>
+          <a:lstStyle/>
+          <a:p>
+            <a:fld id="{578CC5AB-4EA6-4CD7-88F4-B5344D2D16C4}" type="slidenum">
+              <a:rPr lang="en-GB" smtClean="0"/>
+              <a:t>7</a:t>
+            </a:fld>
+            <a:endParaRPr lang="en-GB" dirty="0"/>
+          </a:p>
+        </p:txBody>
+      </p:sp>
+    </p:spTree>
+    <p:extLst>
+      <p:ext uri="{BB962C8B-B14F-4D97-AF65-F5344CB8AC3E}">
+        <p14:creationId xmlns:p14="http://schemas.microsoft.com/office/powerpoint/2010/main" val="3492165516"/>
+      </p:ext>
+    </p:extLst>
+  </p:cSld>
+  <p:clrMapOvr>
+    <a:masterClrMapping/>
+  </p:clrMapOvr>
+</p:notes>
+</file>
+
+<file path=ppt/notesSlides/notesSlide7.xml><?xml version="1.0" encoding="utf-8"?>
+<p:notes xmlns:a="http://schemas.openxmlformats.org/drawingml/2006/main" xmlns:r="http://schemas.openxmlformats.org/officeDocument/2006/relationships" xmlns:p="http://schemas.openxmlformats.org/presentationml/2006/main">
+  <p:cSld>
+    <p:spTree>
+      <p:nvGrpSpPr>
+        <p:cNvPr id="1" name=""/>
+        <p:cNvGrpSpPr/>
+        <p:nvPr/>
+      </p:nvGrpSpPr>
+      <p:grpSpPr>
+        <a:xfrm>
+          <a:off x="0" y="0"/>
+          <a:ext cx="0" cy="0"/>
+          <a:chOff x="0" y="0"/>
+          <a:chExt cx="0" cy="0"/>
+        </a:xfrm>
+      </p:grpSpPr>
+      <p:sp>
+        <p:nvSpPr>
+          <p:cNvPr id="2" name="Slide Image Placeholder 1"/>
+          <p:cNvSpPr>
+            <a:spLocks noGrp="1" noRot="1" noChangeAspect="1"/>
+          </p:cNvSpPr>
+          <p:nvPr>
+            <p:ph type="sldImg"/>
+          </p:nvPr>
+        </p:nvSpPr>
+        <p:spPr>
+          <a:xfrm>
+            <a:off x="685800" y="1143000"/>
+            <a:ext cx="5486400" cy="3086100"/>
+          </a:xfrm>
+        </p:spPr>
+      </p:sp>
+      <p:sp>
+        <p:nvSpPr>
+          <p:cNvPr id="3" name="Notes Placeholder 2"/>
+          <p:cNvSpPr>
+            <a:spLocks noGrp="1"/>
+          </p:cNvSpPr>
+          <p:nvPr>
+            <p:ph type="body" idx="1"/>
+          </p:nvPr>
+        </p:nvSpPr>
+        <p:spPr/>
+        <p:txBody>
+          <a:bodyPr/>
+          <a:lstStyle/>
+          <a:p>
+            <a:r>
+              <a:rPr lang="en-GB" dirty="0"/>
+              <a:t>When we look at the raw count of our carrier data, which is the graph on the left, we see that United have the highest number of delays by a large margin. </a:t>
+            </a:r>
+          </a:p>
+          <a:p>
+            <a:endParaRPr lang="en-GB" dirty="0"/>
+          </a:p>
+          <a:p>
+            <a:r>
+              <a:rPr lang="en-GB" dirty="0"/>
+              <a:t>However, if we look at the percentage of delays and cancellations by carrier, the graph on the right, we see a different narrative. With a more even proportional spread. </a:t>
+            </a:r>
+            <a:r>
+              <a:rPr lang="en-GB" dirty="0" err="1"/>
+              <a:t>SpiritAir</a:t>
+            </a:r>
+            <a:r>
+              <a:rPr lang="en-GB" dirty="0"/>
+              <a:t> have the highest percentage of cancellations, with 5.96%.</a:t>
+            </a:r>
+          </a:p>
+          <a:p>
+            <a:endParaRPr lang="en-GB" dirty="0"/>
+          </a:p>
+          <a:p>
+            <a:r>
+              <a:rPr lang="en-GB" dirty="0"/>
+              <a:t>We see the top 3 offenders in terms of delays and cancellations combined are JetBlue (36%), SkyWest (34%) and ExpressJet (30%)</a:t>
+            </a:r>
+          </a:p>
+        </p:txBody>
+      </p:sp>
+      <p:sp>
+        <p:nvSpPr>
+          <p:cNvPr id="4" name="Slide Number Placeholder 3"/>
+          <p:cNvSpPr>
+            <a:spLocks noGrp="1"/>
+          </p:cNvSpPr>
+          <p:nvPr>
+            <p:ph type="sldNum" sz="quarter" idx="5"/>
+          </p:nvPr>
+        </p:nvSpPr>
+        <p:spPr/>
+        <p:txBody>
+          <a:bodyPr/>
+          <a:lstStyle/>
+          <a:p>
+            <a:fld id="{578CC5AB-4EA6-4CD7-88F4-B5344D2D16C4}" type="slidenum">
+              <a:rPr lang="en-GB" smtClean="0"/>
+              <a:t>8</a:t>
+            </a:fld>
+            <a:endParaRPr lang="en-GB" dirty="0"/>
+          </a:p>
+        </p:txBody>
+      </p:sp>
+    </p:spTree>
+    <p:extLst>
+      <p:ext uri="{BB962C8B-B14F-4D97-AF65-F5344CB8AC3E}">
+        <p14:creationId xmlns:p14="http://schemas.microsoft.com/office/powerpoint/2010/main" val="3320778655"/>
+      </p:ext>
+    </p:extLst>
+  </p:cSld>
+  <p:clrMapOvr>
+    <a:masterClrMapping/>
+  </p:clrMapOvr>
+</p:notes>
+</file>
+
+<file path=ppt/notesSlides/notesSlide8.xml><?xml version="1.0" encoding="utf-8"?>
+<p:notes xmlns:a="http://schemas.openxmlformats.org/drawingml/2006/main" xmlns:r="http://schemas.openxmlformats.org/officeDocument/2006/relationships" xmlns:p="http://schemas.openxmlformats.org/presentationml/2006/main">
+  <p:cSld>
+    <p:spTree>
+      <p:nvGrpSpPr>
+        <p:cNvPr id="1" name=""/>
+        <p:cNvGrpSpPr/>
+        <p:nvPr/>
+      </p:nvGrpSpPr>
+      <p:grpSpPr>
+        <a:xfrm>
+          <a:off x="0" y="0"/>
+          <a:ext cx="0" cy="0"/>
+          <a:chOff x="0" y="0"/>
+          <a:chExt cx="0" cy="0"/>
+        </a:xfrm>
+      </p:grpSpPr>
+      <p:sp>
+        <p:nvSpPr>
+          <p:cNvPr id="2" name="Slide Image Placeholder 1"/>
+          <p:cNvSpPr>
+            <a:spLocks noGrp="1" noRot="1" noChangeAspect="1"/>
+          </p:cNvSpPr>
+          <p:nvPr>
+            <p:ph type="sldImg"/>
+          </p:nvPr>
+        </p:nvSpPr>
+        <p:spPr/>
+      </p:sp>
+      <p:sp>
+        <p:nvSpPr>
+          <p:cNvPr id="3" name="Notes Placeholder 2"/>
+          <p:cNvSpPr>
+            <a:spLocks noGrp="1"/>
+          </p:cNvSpPr>
+          <p:nvPr>
+            <p:ph type="body" idx="1"/>
+          </p:nvPr>
+        </p:nvSpPr>
+        <p:spPr/>
+        <p:txBody>
+          <a:bodyPr/>
+          <a:lstStyle/>
+          <a:p>
+            <a:r>
+              <a:rPr lang="en-GB" dirty="0"/>
+              <a:t>Regression models have been built and tested in order to explore in more detail the recipe of factors that influence delays and cancellations for domestic departure flights </a:t>
+            </a:r>
+          </a:p>
+          <a:p>
+            <a:endParaRPr lang="en-GB" dirty="0"/>
+          </a:p>
+          <a:p>
+            <a:r>
+              <a:rPr lang="en-GB" dirty="0"/>
+              <a:t>The graph on the left shows a model that includes weather conditions only. What we are looking for here is a high AUC, which stands for “area under the curve” number. Our weather AUC of 0.61 tells us that we can correctly predict around 61% of on time, delayed or cancelled flights when we know the wind speed, visibility, average temperature, precipitation and snow measurement. </a:t>
+            </a:r>
+          </a:p>
+          <a:p>
+            <a:endParaRPr lang="en-GB" dirty="0"/>
+          </a:p>
+          <a:p>
+            <a:r>
+              <a:rPr lang="en-GB" dirty="0"/>
+              <a:t>However, if we add further factors to our model, namely month, weekday, carrier, type of plane and hour alongside the prementioned weather conditions, we find a more accurate model give us a reliable response 75% of the time. This leads to the conclusion that the reason for departure delays and cancellations is more complex than looking at weather factors alone</a:t>
+            </a:r>
+          </a:p>
+        </p:txBody>
+      </p:sp>
+      <p:sp>
+        <p:nvSpPr>
+          <p:cNvPr id="4" name="Slide Number Placeholder 3"/>
+          <p:cNvSpPr>
+            <a:spLocks noGrp="1"/>
+          </p:cNvSpPr>
+          <p:nvPr>
+            <p:ph type="sldNum" sz="quarter" idx="5"/>
+          </p:nvPr>
+        </p:nvSpPr>
+        <p:spPr/>
+        <p:txBody>
+          <a:bodyPr/>
+          <a:lstStyle/>
+          <a:p>
+            <a:fld id="{578CC5AB-4EA6-4CD7-88F4-B5344D2D16C4}" type="slidenum">
+              <a:rPr lang="en-GB" smtClean="0"/>
+              <a:t>9</a:t>
+            </a:fld>
+            <a:endParaRPr lang="en-GB" dirty="0"/>
+          </a:p>
+        </p:txBody>
+      </p:sp>
+    </p:spTree>
+    <p:extLst>
+      <p:ext uri="{BB962C8B-B14F-4D97-AF65-F5344CB8AC3E}">
+        <p14:creationId xmlns:p14="http://schemas.microsoft.com/office/powerpoint/2010/main" val="4020539494"/>
+      </p:ext>
+    </p:extLst>
+  </p:cSld>
+  <p:clrMapOvr>
+    <a:masterClrMapping/>
+  </p:clrMapOvr>
+</p:notes>
+</file>
+
+<file path=ppt/notesSlides/notesSlide9.xml><?xml version="1.0" encoding="utf-8"?>
+<p:notes xmlns:a="http://schemas.openxmlformats.org/drawingml/2006/main" xmlns:r="http://schemas.openxmlformats.org/officeDocument/2006/relationships" xmlns:p="http://schemas.openxmlformats.org/presentationml/2006/main">
+  <p:cSld>
+    <p:spTree>
+      <p:nvGrpSpPr>
+        <p:cNvPr id="1" name=""/>
+        <p:cNvGrpSpPr/>
+        <p:nvPr/>
+      </p:nvGrpSpPr>
+      <p:grpSpPr>
+        <a:xfrm>
+          <a:off x="0" y="0"/>
+          <a:ext cx="0" cy="0"/>
+          <a:chOff x="0" y="0"/>
+          <a:chExt cx="0" cy="0"/>
+        </a:xfrm>
+      </p:grpSpPr>
+      <p:sp>
+        <p:nvSpPr>
+          <p:cNvPr id="2" name="Slide Image Placeholder 1"/>
+          <p:cNvSpPr>
+            <a:spLocks noGrp="1" noRot="1" noChangeAspect="1"/>
+          </p:cNvSpPr>
+          <p:nvPr>
+            <p:ph type="sldImg"/>
+          </p:nvPr>
+        </p:nvSpPr>
+        <p:spPr>
+          <a:xfrm>
+            <a:off x="685800" y="1143000"/>
+            <a:ext cx="5486400" cy="3086100"/>
+          </a:xfrm>
+        </p:spPr>
+      </p:sp>
+      <p:sp>
+        <p:nvSpPr>
+          <p:cNvPr id="3" name="Notes Placeholder 2"/>
+          <p:cNvSpPr>
+            <a:spLocks noGrp="1"/>
+          </p:cNvSpPr>
+          <p:nvPr>
+            <p:ph type="body" idx="1"/>
+          </p:nvPr>
+        </p:nvSpPr>
+        <p:spPr/>
+        <p:txBody>
+          <a:bodyPr/>
+          <a:lstStyle/>
+          <a:p>
+            <a:r>
+              <a:rPr lang="en-GB" dirty="0"/>
+              <a:t>As part of the brief I also explored the departure status at JFK and LaGuardia airports. </a:t>
+            </a:r>
+          </a:p>
+          <a:p>
+            <a:endParaRPr lang="en-GB" dirty="0"/>
+          </a:p>
+          <a:p>
+            <a:r>
+              <a:rPr lang="en-GB" dirty="0"/>
+              <a:t>This graph shows the percentage of on time, delayed and cancelled scheduled domestic departures for all three airports across 2017.</a:t>
+            </a:r>
+          </a:p>
+          <a:p>
+            <a:endParaRPr lang="en-GB" dirty="0"/>
+          </a:p>
+          <a:p>
+            <a:r>
+              <a:rPr lang="en-GB" dirty="0"/>
+              <a:t>We see that Newark is slightly underperforming with on time flights, and a higher number of delays than the other two airports. However, LaGuardia does see more cancelled flights.</a:t>
+            </a:r>
+          </a:p>
+          <a:p>
+            <a:endParaRPr lang="en-GB" dirty="0"/>
+          </a:p>
+          <a:p>
+            <a:r>
+              <a:rPr lang="en-GB" dirty="0"/>
+              <a:t>Overall, we can say that Newark is performing competitively but there is room for improvement. </a:t>
+            </a:r>
+          </a:p>
+        </p:txBody>
+      </p:sp>
+      <p:sp>
+        <p:nvSpPr>
+          <p:cNvPr id="4" name="Slide Number Placeholder 3"/>
+          <p:cNvSpPr>
+            <a:spLocks noGrp="1"/>
+          </p:cNvSpPr>
+          <p:nvPr>
+            <p:ph type="sldNum" sz="quarter" idx="5"/>
+          </p:nvPr>
+        </p:nvSpPr>
+        <p:spPr/>
+        <p:txBody>
+          <a:bodyPr/>
+          <a:lstStyle/>
+          <a:p>
+            <a:fld id="{578CC5AB-4EA6-4CD7-88F4-B5344D2D16C4}" type="slidenum">
+              <a:rPr lang="en-GB" smtClean="0"/>
+              <a:t>10</a:t>
+            </a:fld>
+            <a:endParaRPr lang="en-GB" dirty="0"/>
+          </a:p>
+        </p:txBody>
+      </p:sp>
+    </p:spTree>
+    <p:extLst>
+      <p:ext uri="{BB962C8B-B14F-4D97-AF65-F5344CB8AC3E}">
+        <p14:creationId xmlns:p14="http://schemas.microsoft.com/office/powerpoint/2010/main" val="77530039"/>
       </p:ext>
     </p:extLst>
   </p:cSld>
@@ -1849,7 +7057,7 @@
           <a:p>
             <a:fld id="{18DCCD61-643D-44A5-A450-3A42A50CBC1E}" type="datetimeFigureOut">
               <a:rPr lang="en-US" smtClean="0"/>
-              <a:t>4/30/2023</a:t>
+              <a:t>5/2/2023</a:t>
             </a:fld>
             <a:endParaRPr lang="en-US" dirty="0"/>
           </a:p>
@@ -2124,7 +7332,7 @@
           <a:p>
             <a:fld id="{18DCCD61-643D-44A5-A450-3A42A50CBC1E}" type="datetimeFigureOut">
               <a:rPr lang="en-US" smtClean="0"/>
-              <a:t>4/30/2023</a:t>
+              <a:t>5/2/2023</a:t>
             </a:fld>
             <a:endParaRPr lang="en-US" dirty="0"/>
           </a:p>
@@ -2376,7 +7584,7 @@
           <a:p>
             <a:fld id="{18DCCD61-643D-44A5-A450-3A42A50CBC1E}" type="datetimeFigureOut">
               <a:rPr lang="en-US" smtClean="0"/>
-              <a:t>4/30/2023</a:t>
+              <a:t>5/2/2023</a:t>
             </a:fld>
             <a:endParaRPr lang="en-US" dirty="0"/>
           </a:p>
@@ -2544,7 +7752,7 @@
           <a:p>
             <a:fld id="{18DCCD61-643D-44A5-A450-3A42A50CBC1E}" type="datetimeFigureOut">
               <a:rPr lang="en-US" smtClean="0"/>
-              <a:t>4/30/2023</a:t>
+              <a:t>5/2/2023</a:t>
             </a:fld>
             <a:endParaRPr lang="en-US" dirty="0"/>
           </a:p>
@@ -2722,7 +7930,7 @@
           <a:p>
             <a:fld id="{18DCCD61-643D-44A5-A450-3A42A50CBC1E}" type="datetimeFigureOut">
               <a:rPr lang="en-US" smtClean="0"/>
-              <a:t>4/30/2023</a:t>
+              <a:t>5/2/2023</a:t>
             </a:fld>
             <a:endParaRPr lang="en-US" dirty="0"/>
           </a:p>
@@ -3298,7 +8506,7 @@
           <a:p>
             <a:fld id="{18DCCD61-643D-44A5-A450-3A42A50CBC1E}" type="datetimeFigureOut">
               <a:rPr lang="en-US" smtClean="0"/>
-              <a:t>4/30/2023</a:t>
+              <a:t>5/2/2023</a:t>
             </a:fld>
             <a:endParaRPr lang="en-US" dirty="0"/>
           </a:p>
@@ -3466,7 +8674,7 @@
           <a:p>
             <a:fld id="{18DCCD61-643D-44A5-A450-3A42A50CBC1E}" type="datetimeFigureOut">
               <a:rPr lang="en-US" smtClean="0"/>
-              <a:t>4/30/2023</a:t>
+              <a:t>5/2/2023</a:t>
             </a:fld>
             <a:endParaRPr lang="en-US" dirty="0"/>
           </a:p>
@@ -3711,7 +8919,7 @@
           <a:p>
             <a:fld id="{18DCCD61-643D-44A5-A450-3A42A50CBC1E}" type="datetimeFigureOut">
               <a:rPr lang="en-US" smtClean="0"/>
-              <a:t>4/30/2023</a:t>
+              <a:t>5/2/2023</a:t>
             </a:fld>
             <a:endParaRPr lang="en-US" dirty="0"/>
           </a:p>
@@ -3996,7 +9204,7 @@
           <a:p>
             <a:fld id="{18DCCD61-643D-44A5-A450-3A42A50CBC1E}" type="datetimeFigureOut">
               <a:rPr lang="en-US" smtClean="0"/>
-              <a:t>4/30/2023</a:t>
+              <a:t>5/2/2023</a:t>
             </a:fld>
             <a:endParaRPr lang="en-US" dirty="0"/>
           </a:p>
@@ -4415,7 +9623,7 @@
           <a:p>
             <a:fld id="{18DCCD61-643D-44A5-A450-3A42A50CBC1E}" type="datetimeFigureOut">
               <a:rPr lang="en-US" smtClean="0"/>
-              <a:t>4/30/2023</a:t>
+              <a:t>5/2/2023</a:t>
             </a:fld>
             <a:endParaRPr lang="en-US" dirty="0"/>
           </a:p>
@@ -4532,7 +9740,7 @@
           <a:p>
             <a:fld id="{18DCCD61-643D-44A5-A450-3A42A50CBC1E}" type="datetimeFigureOut">
               <a:rPr lang="en-US" smtClean="0"/>
-              <a:t>4/30/2023</a:t>
+              <a:t>5/2/2023</a:t>
             </a:fld>
             <a:endParaRPr lang="en-US" dirty="0"/>
           </a:p>
@@ -5034,7 +10242,7 @@
           <a:p>
             <a:fld id="{18DCCD61-643D-44A5-A450-3A42A50CBC1E}" type="datetimeFigureOut">
               <a:rPr lang="en-US" smtClean="0"/>
-              <a:t>4/30/2023</a:t>
+              <a:t>5/2/2023</a:t>
             </a:fld>
             <a:endParaRPr lang="en-US" dirty="0"/>
           </a:p>
@@ -5559,6 +10767,401 @@
 </p:sld>
 </file>
 
+<file path=ppt/slides/slide10.xml><?xml version="1.0" encoding="utf-8"?>
+<p:sld xmlns:a="http://schemas.openxmlformats.org/drawingml/2006/main" xmlns:r="http://schemas.openxmlformats.org/officeDocument/2006/relationships" xmlns:p="http://schemas.openxmlformats.org/presentationml/2006/main">
+  <p:cSld>
+    <p:spTree>
+      <p:nvGrpSpPr>
+        <p:cNvPr id="1" name=""/>
+        <p:cNvGrpSpPr/>
+        <p:nvPr/>
+      </p:nvGrpSpPr>
+      <p:grpSpPr>
+        <a:xfrm>
+          <a:off x="0" y="0"/>
+          <a:ext cx="0" cy="0"/>
+          <a:chOff x="0" y="0"/>
+          <a:chExt cx="0" cy="0"/>
+        </a:xfrm>
+      </p:grpSpPr>
+      <p:sp>
+        <p:nvSpPr>
+          <p:cNvPr id="4" name="Title 3"/>
+          <p:cNvSpPr>
+            <a:spLocks noGrp="1"/>
+          </p:cNvSpPr>
+          <p:nvPr>
+            <p:ph type="title"/>
+          </p:nvPr>
+        </p:nvSpPr>
+        <p:spPr/>
+        <p:txBody>
+          <a:bodyPr/>
+          <a:lstStyle/>
+          <a:p>
+            <a:r>
+              <a:rPr lang="en-US" altLang="ko-KR" dirty="0">
+                <a:latin typeface="Malgun Gothic" panose="020B0503020000020004" pitchFamily="34" charset="-127"/>
+                <a:ea typeface="Malgun Gothic" panose="020B0503020000020004" pitchFamily="34" charset="-127"/>
+              </a:rPr>
+              <a:t>Flight status across NYC serving airports</a:t>
+            </a:r>
+            <a:endParaRPr lang="ko-KR" altLang="en-US" dirty="0">
+              <a:latin typeface="Malgun Gothic" panose="020B0503020000020004" pitchFamily="34" charset="-127"/>
+              <a:ea typeface="Malgun Gothic" panose="020B0503020000020004" pitchFamily="34" charset="-127"/>
+            </a:endParaRPr>
+          </a:p>
+        </p:txBody>
+      </p:sp>
+      <p:sp>
+        <p:nvSpPr>
+          <p:cNvPr id="10" name="Content Placeholder 5">
+            <a:extLst>
+              <a:ext uri="{FF2B5EF4-FFF2-40B4-BE49-F238E27FC236}">
+                <a16:creationId xmlns:a16="http://schemas.microsoft.com/office/drawing/2014/main" id="{CEAC3E47-16DD-5FBB-A492-125DDA0236F0}"/>
+              </a:ext>
+            </a:extLst>
+          </p:cNvPr>
+          <p:cNvSpPr>
+            <a:spLocks noGrp="1"/>
+          </p:cNvSpPr>
+          <p:nvPr>
+            <p:ph idx="1"/>
+          </p:nvPr>
+        </p:nvSpPr>
+        <p:spPr>
+          <a:xfrm>
+            <a:off x="7248128" y="1412776"/>
+            <a:ext cx="4464496" cy="5285978"/>
+          </a:xfrm>
+        </p:spPr>
+        <p:txBody>
+          <a:bodyPr/>
+          <a:lstStyle/>
+          <a:p>
+            <a:pPr marL="1085850" lvl="1" indent="-342900">
+              <a:buFont typeface="Arial" panose="020B0604020202020204" pitchFamily="34" charset="0"/>
+              <a:buChar char="•"/>
+            </a:pPr>
+            <a:r>
+              <a:rPr lang="en-US" altLang="ko-KR" sz="2400" b="1" dirty="0">
+                <a:solidFill>
+                  <a:schemeClr val="bg1"/>
+                </a:solidFill>
+              </a:rPr>
+              <a:t>Newark slightly underperforming with on time flights and higher number of delays, but fewer cancellations than LaGuardia</a:t>
+            </a:r>
+          </a:p>
+          <a:p>
+            <a:pPr lvl="1" indent="0">
+              <a:buNone/>
+            </a:pPr>
+            <a:endParaRPr lang="en-US" altLang="ko-KR" sz="2400" b="1" dirty="0">
+              <a:solidFill>
+                <a:schemeClr val="bg1"/>
+              </a:solidFill>
+            </a:endParaRPr>
+          </a:p>
+          <a:p>
+            <a:pPr marL="1085850" lvl="1" indent="-342900">
+              <a:buFont typeface="Arial" panose="020B0604020202020204" pitchFamily="34" charset="0"/>
+              <a:buChar char="•"/>
+            </a:pPr>
+            <a:r>
+              <a:rPr lang="en-US" altLang="ko-KR" sz="2400" b="1" dirty="0">
+                <a:solidFill>
+                  <a:schemeClr val="bg1"/>
+                </a:solidFill>
+              </a:rPr>
+              <a:t>Roughly similar distribution of on time, delayed and cancelled flights across all 3 airports</a:t>
+            </a:r>
+            <a:endParaRPr lang="en-US" altLang="ko-KR" sz="2400" b="1" dirty="0"/>
+          </a:p>
+          <a:p>
+            <a:pPr lvl="0"/>
+            <a:endParaRPr lang="en-US" altLang="ko-KR" b="1" dirty="0"/>
+          </a:p>
+          <a:p>
+            <a:pPr lvl="0"/>
+            <a:r>
+              <a:rPr lang="en-US" altLang="ko-KR" b="1" dirty="0"/>
+              <a:t>	</a:t>
+            </a:r>
+            <a:endParaRPr lang="en-US" altLang="ko-KR" b="1" dirty="0">
+              <a:latin typeface="Arial" pitchFamily="34" charset="0"/>
+              <a:cs typeface="Arial" pitchFamily="34" charset="0"/>
+            </a:endParaRPr>
+          </a:p>
+        </p:txBody>
+      </p:sp>
+      <p:pic>
+        <p:nvPicPr>
+          <p:cNvPr id="3" name="Picture 2" descr="Chart, bar chart&#10;&#10;Description automatically generated">
+            <a:extLst>
+              <a:ext uri="{FF2B5EF4-FFF2-40B4-BE49-F238E27FC236}">
+                <a16:creationId xmlns:a16="http://schemas.microsoft.com/office/drawing/2014/main" id="{D04EAB95-0236-8623-34AC-EA3D2AEF1450}"/>
+              </a:ext>
+            </a:extLst>
+          </p:cNvPr>
+          <p:cNvPicPr>
+            <a:picLocks noChangeAspect="1"/>
+          </p:cNvPicPr>
+          <p:nvPr/>
+        </p:nvPicPr>
+        <p:blipFill>
+          <a:blip r:embed="rId3">
+            <a:extLst>
+              <a:ext uri="{28A0092B-C50C-407E-A947-70E740481C1C}">
+                <a14:useLocalDpi xmlns:a14="http://schemas.microsoft.com/office/drawing/2010/main" val="0"/>
+              </a:ext>
+            </a:extLst>
+          </a:blip>
+          <a:stretch>
+            <a:fillRect/>
+          </a:stretch>
+        </p:blipFill>
+        <p:spPr>
+          <a:xfrm>
+            <a:off x="191344" y="1343428"/>
+            <a:ext cx="7524337" cy="5267036"/>
+          </a:xfrm>
+          <a:prstGeom prst="rect">
+            <a:avLst/>
+          </a:prstGeom>
+        </p:spPr>
+      </p:pic>
+    </p:spTree>
+    <p:extLst>
+      <p:ext uri="{BB962C8B-B14F-4D97-AF65-F5344CB8AC3E}">
+        <p14:creationId xmlns:p14="http://schemas.microsoft.com/office/powerpoint/2010/main" val="3581301953"/>
+      </p:ext>
+    </p:extLst>
+  </p:cSld>
+  <p:clrMapOvr>
+    <a:masterClrMapping/>
+  </p:clrMapOvr>
+</p:sld>
+</file>
+
+<file path=ppt/slides/slide11.xml><?xml version="1.0" encoding="utf-8"?>
+<p:sld xmlns:a="http://schemas.openxmlformats.org/drawingml/2006/main" xmlns:r="http://schemas.openxmlformats.org/officeDocument/2006/relationships" xmlns:p="http://schemas.openxmlformats.org/presentationml/2006/main">
+  <p:cSld>
+    <p:spTree>
+      <p:nvGrpSpPr>
+        <p:cNvPr id="1" name=""/>
+        <p:cNvGrpSpPr/>
+        <p:nvPr/>
+      </p:nvGrpSpPr>
+      <p:grpSpPr>
+        <a:xfrm>
+          <a:off x="0" y="0"/>
+          <a:ext cx="0" cy="0"/>
+          <a:chOff x="0" y="0"/>
+          <a:chExt cx="0" cy="0"/>
+        </a:xfrm>
+      </p:grpSpPr>
+      <p:sp>
+        <p:nvSpPr>
+          <p:cNvPr id="4" name="Title 3"/>
+          <p:cNvSpPr>
+            <a:spLocks noGrp="1"/>
+          </p:cNvSpPr>
+          <p:nvPr>
+            <p:ph type="title"/>
+          </p:nvPr>
+        </p:nvSpPr>
+        <p:spPr/>
+        <p:txBody>
+          <a:bodyPr/>
+          <a:lstStyle/>
+          <a:p>
+            <a:r>
+              <a:rPr lang="en-US" altLang="ko-KR" dirty="0">
+                <a:latin typeface="+mj-lt"/>
+              </a:rPr>
+              <a:t>Monthly analysis</a:t>
+            </a:r>
+            <a:endParaRPr lang="ko-KR" altLang="en-US" dirty="0">
+              <a:latin typeface="Malgun Gothic" panose="020B0503020000020004" pitchFamily="34" charset="-127"/>
+              <a:ea typeface="Malgun Gothic" panose="020B0503020000020004" pitchFamily="34" charset="-127"/>
+            </a:endParaRPr>
+          </a:p>
+        </p:txBody>
+      </p:sp>
+      <p:pic>
+        <p:nvPicPr>
+          <p:cNvPr id="5" name="Picture 4" descr="Chart, line chart&#10;&#10;Description automatically generated">
+            <a:extLst>
+              <a:ext uri="{FF2B5EF4-FFF2-40B4-BE49-F238E27FC236}">
+                <a16:creationId xmlns:a16="http://schemas.microsoft.com/office/drawing/2014/main" id="{5A0C072C-E8F2-B0DD-35B3-51A230962A27}"/>
+              </a:ext>
+            </a:extLst>
+          </p:cNvPr>
+          <p:cNvPicPr>
+            <a:picLocks noChangeAspect="1"/>
+          </p:cNvPicPr>
+          <p:nvPr/>
+        </p:nvPicPr>
+        <p:blipFill>
+          <a:blip r:embed="rId3">
+            <a:extLst>
+              <a:ext uri="{28A0092B-C50C-407E-A947-70E740481C1C}">
+                <a14:useLocalDpi xmlns:a14="http://schemas.microsoft.com/office/drawing/2010/main" val="0"/>
+              </a:ext>
+            </a:extLst>
+          </a:blip>
+          <a:stretch>
+            <a:fillRect/>
+          </a:stretch>
+        </p:blipFill>
+        <p:spPr>
+          <a:xfrm>
+            <a:off x="5015880" y="1268760"/>
+            <a:ext cx="6794469" cy="5435575"/>
+          </a:xfrm>
+          <a:prstGeom prst="rect">
+            <a:avLst/>
+          </a:prstGeom>
+        </p:spPr>
+      </p:pic>
+      <p:pic>
+        <p:nvPicPr>
+          <p:cNvPr id="13" name="Picture 12" descr="Chart, line chart&#10;&#10;Description automatically generated">
+            <a:extLst>
+              <a:ext uri="{FF2B5EF4-FFF2-40B4-BE49-F238E27FC236}">
+                <a16:creationId xmlns:a16="http://schemas.microsoft.com/office/drawing/2014/main" id="{2C2059FD-9550-79F3-32C9-4E0AAC353FD6}"/>
+              </a:ext>
+            </a:extLst>
+          </p:cNvPr>
+          <p:cNvPicPr>
+            <a:picLocks noChangeAspect="1"/>
+          </p:cNvPicPr>
+          <p:nvPr/>
+        </p:nvPicPr>
+        <p:blipFill>
+          <a:blip r:embed="rId4">
+            <a:extLst>
+              <a:ext uri="{28A0092B-C50C-407E-A947-70E740481C1C}">
+                <a14:useLocalDpi xmlns:a14="http://schemas.microsoft.com/office/drawing/2010/main" val="0"/>
+              </a:ext>
+            </a:extLst>
+          </a:blip>
+          <a:stretch>
+            <a:fillRect/>
+          </a:stretch>
+        </p:blipFill>
+        <p:spPr>
+          <a:xfrm>
+            <a:off x="191344" y="1271495"/>
+            <a:ext cx="4645145" cy="4064502"/>
+          </a:xfrm>
+          <a:prstGeom prst="rect">
+            <a:avLst/>
+          </a:prstGeom>
+        </p:spPr>
+      </p:pic>
+    </p:spTree>
+    <p:extLst>
+      <p:ext uri="{BB962C8B-B14F-4D97-AF65-F5344CB8AC3E}">
+        <p14:creationId xmlns:p14="http://schemas.microsoft.com/office/powerpoint/2010/main" val="772041981"/>
+      </p:ext>
+    </p:extLst>
+  </p:cSld>
+  <p:clrMapOvr>
+    <a:masterClrMapping/>
+  </p:clrMapOvr>
+</p:sld>
+</file>
+
+<file path=ppt/slides/slide12.xml><?xml version="1.0" encoding="utf-8"?>
+<p:sld xmlns:a="http://schemas.openxmlformats.org/drawingml/2006/main" xmlns:r="http://schemas.openxmlformats.org/officeDocument/2006/relationships" xmlns:p="http://schemas.openxmlformats.org/presentationml/2006/main">
+  <p:cSld>
+    <p:spTree>
+      <p:nvGrpSpPr>
+        <p:cNvPr id="1" name=""/>
+        <p:cNvGrpSpPr/>
+        <p:nvPr/>
+      </p:nvGrpSpPr>
+      <p:grpSpPr>
+        <a:xfrm>
+          <a:off x="0" y="0"/>
+          <a:ext cx="0" cy="0"/>
+          <a:chOff x="0" y="0"/>
+          <a:chExt cx="0" cy="0"/>
+        </a:xfrm>
+      </p:grpSpPr>
+      <p:sp>
+        <p:nvSpPr>
+          <p:cNvPr id="4" name="Title 3"/>
+          <p:cNvSpPr>
+            <a:spLocks noGrp="1"/>
+          </p:cNvSpPr>
+          <p:nvPr>
+            <p:ph type="title"/>
+          </p:nvPr>
+        </p:nvSpPr>
+        <p:spPr/>
+        <p:txBody>
+          <a:bodyPr/>
+          <a:lstStyle/>
+          <a:p>
+            <a:r>
+              <a:rPr lang="en-US" altLang="ko-KR" dirty="0">
+                <a:latin typeface="+mj-lt"/>
+              </a:rPr>
+              <a:t>Conclusions and recommendations</a:t>
+            </a:r>
+            <a:endParaRPr lang="ko-KR" altLang="en-US" dirty="0">
+              <a:latin typeface="Malgun Gothic" panose="020B0503020000020004" pitchFamily="34" charset="-127"/>
+              <a:ea typeface="Malgun Gothic" panose="020B0503020000020004" pitchFamily="34" charset="-127"/>
+            </a:endParaRPr>
+          </a:p>
+        </p:txBody>
+      </p:sp>
+      <p:graphicFrame>
+        <p:nvGraphicFramePr>
+          <p:cNvPr id="2" name="Content Placeholder 5">
+            <a:extLst>
+              <a:ext uri="{FF2B5EF4-FFF2-40B4-BE49-F238E27FC236}">
+                <a16:creationId xmlns:a16="http://schemas.microsoft.com/office/drawing/2014/main" id="{F3F6605F-2573-5A02-013B-8FC55499AC14}"/>
+              </a:ext>
+            </a:extLst>
+          </p:cNvPr>
+          <p:cNvGraphicFramePr>
+            <a:graphicFrameLocks noGrp="1"/>
+          </p:cNvGraphicFramePr>
+          <p:nvPr>
+            <p:ph idx="1"/>
+            <p:extLst>
+              <p:ext uri="{D42A27DB-BD31-4B8C-83A1-F6EECF244321}">
+                <p14:modId xmlns:p14="http://schemas.microsoft.com/office/powerpoint/2010/main" val="1121663838"/>
+              </p:ext>
+            </p:extLst>
+          </p:nvPr>
+        </p:nvGraphicFramePr>
+        <p:xfrm>
+          <a:off x="551384" y="946692"/>
+          <a:ext cx="10927829" cy="4964616"/>
+        </p:xfrm>
+        <a:graphic>
+          <a:graphicData uri="http://schemas.openxmlformats.org/drawingml/2006/diagram">
+            <dgm:relIds xmlns:dgm="http://schemas.openxmlformats.org/drawingml/2006/diagram" xmlns:r="http://schemas.openxmlformats.org/officeDocument/2006/relationships" r:dm="rId3" r:lo="rId4" r:qs="rId5" r:cs="rId6"/>
+          </a:graphicData>
+        </a:graphic>
+      </p:graphicFrame>
+    </p:spTree>
+    <p:extLst>
+      <p:ext uri="{BB962C8B-B14F-4D97-AF65-F5344CB8AC3E}">
+        <p14:creationId xmlns:p14="http://schemas.microsoft.com/office/powerpoint/2010/main" val="3623226167"/>
+      </p:ext>
+    </p:extLst>
+  </p:cSld>
+  <p:clrMapOvr>
+    <a:masterClrMapping/>
+  </p:clrMapOvr>
+</p:sld>
+</file>
+
 <file path=ppt/slides/slide2.xml><?xml version="1.0" encoding="utf-8"?>
 <p:sld xmlns:a="http://schemas.openxmlformats.org/drawingml/2006/main" xmlns:r="http://schemas.openxmlformats.org/officeDocument/2006/relationships" xmlns:p="http://schemas.openxmlformats.org/presentationml/2006/main">
   <p:cSld>
@@ -5631,7 +11234,7 @@
                 <a:latin typeface="+mn-lt"/>
                 <a:cs typeface="+mn-cs"/>
               </a:rPr>
-              <a:t>Investigate the effect of weather on departure delays at </a:t>
+              <a:t>Investigate the effect of weather on domestic departure delays at </a:t>
             </a:r>
           </a:p>
           <a:p>
@@ -5875,6 +11478,33 @@
                   <a:schemeClr val="bg1"/>
                 </a:solidFill>
               </a:rPr>
+              <a:t>additional weather – further daily weather information from </a:t>
+            </a:r>
+            <a:r>
+              <a:rPr lang="en-US" altLang="ko-KR" sz="2400" b="1" dirty="0" err="1">
+                <a:solidFill>
+                  <a:schemeClr val="bg1"/>
+                </a:solidFill>
+              </a:rPr>
+              <a:t>meteostat</a:t>
+            </a:r>
+            <a:endParaRPr lang="en-US" altLang="ko-KR" sz="2400" b="1" dirty="0">
+              <a:solidFill>
+                <a:schemeClr val="bg1"/>
+              </a:solidFill>
+            </a:endParaRPr>
+          </a:p>
+          <a:p>
+            <a:pPr marL="1085850" lvl="1" indent="-342900">
+              <a:buFont typeface="Arial" panose="020B0604020202020204" pitchFamily="34" charset="0"/>
+              <a:buChar char="•"/>
+            </a:pPr>
+            <a:r>
+              <a:rPr lang="en-US" altLang="ko-KR" sz="2400" b="1" dirty="0">
+                <a:solidFill>
+                  <a:schemeClr val="bg1"/>
+                </a:solidFill>
+              </a:rPr>
               <a:t>airlines – information on the carrier airlines</a:t>
             </a:r>
           </a:p>
@@ -5934,20 +11564,6 @@
                 </a:solidFill>
               </a:rPr>
               <a:t>no personalised passenger data </a:t>
-            </a:r>
-          </a:p>
-          <a:p>
-            <a:pPr marL="1085850" lvl="1" indent="-342900">
-              <a:buFont typeface="Arial" panose="020B0604020202020204" pitchFamily="34" charset="0"/>
-              <a:buChar char="•"/>
-            </a:pPr>
-            <a:r>
-              <a:rPr lang="en-US" altLang="ko-KR" sz="2400" b="1" dirty="0">
-                <a:solidFill>
-                  <a:schemeClr val="bg1"/>
-                </a:solidFill>
-              </a:rPr>
-              <a:t>no data that could lead to bias or any other negative or discriminatory factors</a:t>
             </a:r>
           </a:p>
           <a:p>
@@ -6013,7 +11629,13 @@
       </p:grpSpPr>
       <p:sp>
         <p:nvSpPr>
-          <p:cNvPr id="4" name="Title 3"/>
+          <p:cNvPr id="2" name="Title 1">
+            <a:extLst>
+              <a:ext uri="{FF2B5EF4-FFF2-40B4-BE49-F238E27FC236}">
+                <a16:creationId xmlns:a16="http://schemas.microsoft.com/office/drawing/2014/main" id="{99DC4286-1376-D367-27AA-601787205ED7}"/>
+              </a:ext>
+            </a:extLst>
+          </p:cNvPr>
           <p:cNvSpPr>
             <a:spLocks noGrp="1"/>
           </p:cNvSpPr>
@@ -6027,116 +11649,200 @@
           <a:lstStyle/>
           <a:p>
             <a:r>
-              <a:rPr lang="en-US" altLang="ko-KR" dirty="0">
-                <a:latin typeface="Malgun Gothic" panose="020B0503020000020004" pitchFamily="34" charset="-127"/>
-                <a:ea typeface="Malgun Gothic" panose="020B0503020000020004" pitchFamily="34" charset="-127"/>
-              </a:rPr>
-              <a:t>Newark: flight status and weather</a:t>
-            </a:r>
-            <a:endParaRPr lang="ko-KR" altLang="en-US" dirty="0">
-              <a:latin typeface="Malgun Gothic" panose="020B0503020000020004" pitchFamily="34" charset="-127"/>
-              <a:ea typeface="Malgun Gothic" panose="020B0503020000020004" pitchFamily="34" charset="-127"/>
-            </a:endParaRPr>
+              <a:rPr lang="en-GB" dirty="0"/>
+              <a:t>Weather related factors</a:t>
+            </a:r>
           </a:p>
         </p:txBody>
       </p:sp>
-      <p:pic>
-        <p:nvPicPr>
-          <p:cNvPr id="6" name="Picture 5" descr="Chart, bar chart&#10;&#10;Description automatically generated">
+      <p:sp>
+        <p:nvSpPr>
+          <p:cNvPr id="5" name="Content Placeholder 5">
             <a:extLst>
               <a:ext uri="{FF2B5EF4-FFF2-40B4-BE49-F238E27FC236}">
-                <a16:creationId xmlns:a16="http://schemas.microsoft.com/office/drawing/2014/main" id="{1907718F-F1C0-6DDB-F36B-CF9E52748814}"/>
+                <a16:creationId xmlns:a16="http://schemas.microsoft.com/office/drawing/2014/main" id="{E4FF8238-8C75-FB5E-ADB3-18E4F7EF400C}"/>
               </a:ext>
             </a:extLst>
           </p:cNvPr>
-          <p:cNvPicPr>
-            <a:picLocks noChangeAspect="1"/>
-          </p:cNvPicPr>
-          <p:nvPr/>
-        </p:nvPicPr>
-        <p:blipFill>
-          <a:blip r:embed="rId3">
-            <a:extLst>
-              <a:ext uri="{28A0092B-C50C-407E-A947-70E740481C1C}">
-                <a14:useLocalDpi xmlns:a14="http://schemas.microsoft.com/office/drawing/2010/main" val="0"/>
-              </a:ext>
-            </a:extLst>
-          </a:blip>
-          <a:stretch>
-            <a:fillRect/>
-          </a:stretch>
-        </p:blipFill>
-        <p:spPr>
-          <a:xfrm>
-            <a:off x="407368" y="1268760"/>
-            <a:ext cx="6048672" cy="5292588"/>
-          </a:xfrm>
-          <a:prstGeom prst="rect">
-            <a:avLst/>
-          </a:prstGeom>
-        </p:spPr>
-      </p:pic>
-      <p:sp>
-        <p:nvSpPr>
-          <p:cNvPr id="2" name="TextBox 1">
-            <a:extLst>
-              <a:ext uri="{FF2B5EF4-FFF2-40B4-BE49-F238E27FC236}">
-                <a16:creationId xmlns:a16="http://schemas.microsoft.com/office/drawing/2014/main" id="{860469D3-0ED0-1628-EC83-48BD5125765A}"/>
-              </a:ext>
-            </a:extLst>
-          </p:cNvPr>
-          <p:cNvSpPr txBox="1"/>
-          <p:nvPr/>
+          <p:cNvSpPr>
+            <a:spLocks noGrp="1"/>
+          </p:cNvSpPr>
+          <p:nvPr>
+            <p:ph idx="1"/>
+          </p:nvPr>
         </p:nvSpPr>
         <p:spPr>
           <a:xfrm>
-            <a:off x="6888088" y="1268760"/>
-            <a:ext cx="4896544" cy="1631216"/>
+            <a:off x="119336" y="1268760"/>
+            <a:ext cx="12192000" cy="5400600"/>
           </a:xfrm>
-          <a:prstGeom prst="rect">
-            <a:avLst/>
-          </a:prstGeom>
-          <a:noFill/>
         </p:spPr>
         <p:txBody>
-          <a:bodyPr wrap="square" rtlCol="0">
-            <a:spAutoFit/>
-          </a:bodyPr>
+          <a:bodyPr/>
           <a:lstStyle/>
           <a:p>
-            <a:pPr marL="285750" indent="-285750" latinLnBrk="0">
+            <a:pPr lvl="0"/>
+            <a:r>
+              <a:rPr lang="en-US" altLang="ko-KR" sz="2800" b="1" dirty="0">
+                <a:latin typeface="+mn-lt"/>
+                <a:cs typeface="+mn-cs"/>
+              </a:rPr>
+              <a:t>Data exploration of weather factors:</a:t>
+            </a:r>
+          </a:p>
+          <a:p>
+            <a:pPr marL="1085850" lvl="1" indent="-342900">
               <a:buFont typeface="Arial" panose="020B0604020202020204" pitchFamily="34" charset="0"/>
               <a:buChar char="•"/>
             </a:pPr>
             <a:r>
-              <a:rPr lang="en-GB" sz="2000" b="1" dirty="0">
+              <a:rPr lang="en-US" altLang="ko-KR" b="1" dirty="0">
                 <a:solidFill>
                   <a:schemeClr val="bg1"/>
                 </a:solidFill>
               </a:rPr>
-              <a:t>Departure flights impacted when snowfall hits 50mm </a:t>
-            </a:r>
-          </a:p>
-          <a:p>
-            <a:pPr marL="285750" indent="-285750" latinLnBrk="0">
+              <a:t>Wind direction (degrees)</a:t>
+            </a:r>
+          </a:p>
+          <a:p>
+            <a:pPr marL="1085850" lvl="1" indent="-342900">
               <a:buFont typeface="Arial" panose="020B0604020202020204" pitchFamily="34" charset="0"/>
               <a:buChar char="•"/>
             </a:pPr>
             <a:r>
-              <a:rPr lang="en-GB" sz="2000" b="1" dirty="0">
+              <a:rPr lang="en-US" altLang="ko-KR" b="1" dirty="0">
                 <a:solidFill>
                   <a:schemeClr val="bg1"/>
                 </a:solidFill>
               </a:rPr>
-              <a:t>Higher snowfall leads to higher chance of flight delays or cancellations</a:t>
-            </a:r>
+              <a:t>Wind speed (mph)</a:t>
+            </a:r>
+          </a:p>
+          <a:p>
+            <a:pPr marL="1085850" lvl="1" indent="-342900">
+              <a:buFont typeface="Arial" panose="020B0604020202020204" pitchFamily="34" charset="0"/>
+              <a:buChar char="•"/>
+            </a:pPr>
+            <a:r>
+              <a:rPr lang="en-US" altLang="ko-KR" b="1" u="sng" dirty="0">
+                <a:solidFill>
+                  <a:schemeClr val="bg1"/>
+                </a:solidFill>
+              </a:rPr>
+              <a:t>Visibility (miles)</a:t>
+            </a:r>
+          </a:p>
+          <a:p>
+            <a:pPr marL="1085850" lvl="1" indent="-342900">
+              <a:buFont typeface="Arial" panose="020B0604020202020204" pitchFamily="34" charset="0"/>
+              <a:buChar char="•"/>
+            </a:pPr>
+            <a:r>
+              <a:rPr lang="en-US" altLang="ko-KR" b="1" dirty="0">
+                <a:solidFill>
+                  <a:schemeClr val="bg1"/>
+                </a:solidFill>
+              </a:rPr>
+              <a:t>Precipitation (inches)*</a:t>
+            </a:r>
+          </a:p>
+          <a:p>
+            <a:pPr marL="1085850" lvl="1" indent="-342900">
+              <a:buFont typeface="Arial" panose="020B0604020202020204" pitchFamily="34" charset="0"/>
+              <a:buChar char="•"/>
+            </a:pPr>
+            <a:r>
+              <a:rPr lang="en-US" altLang="ko-KR" b="1" u="sng" dirty="0">
+                <a:solidFill>
+                  <a:schemeClr val="bg1"/>
+                </a:solidFill>
+              </a:rPr>
+              <a:t>Daily average temperature (</a:t>
+            </a:r>
+            <a:r>
+              <a:rPr lang="en-GB" b="1" u="sng" dirty="0">
+                <a:solidFill>
+                  <a:schemeClr val="bg1"/>
+                </a:solidFill>
+              </a:rPr>
+              <a:t>°</a:t>
+            </a:r>
+            <a:r>
+              <a:rPr lang="en-US" b="1" u="sng" dirty="0">
+                <a:solidFill>
+                  <a:schemeClr val="bg1"/>
+                </a:solidFill>
+              </a:rPr>
+              <a:t>C)* </a:t>
+            </a:r>
+            <a:endParaRPr lang="en-US" altLang="ko-KR" b="1" u="sng" dirty="0">
+              <a:solidFill>
+                <a:schemeClr val="bg1"/>
+              </a:solidFill>
+            </a:endParaRPr>
+          </a:p>
+          <a:p>
+            <a:pPr marL="1085850" lvl="1" indent="-342900">
+              <a:buFont typeface="Arial" panose="020B0604020202020204" pitchFamily="34" charset="0"/>
+              <a:buChar char="•"/>
+            </a:pPr>
+            <a:r>
+              <a:rPr lang="en-US" altLang="ko-KR" b="1" dirty="0">
+                <a:solidFill>
+                  <a:schemeClr val="bg1"/>
+                </a:solidFill>
+              </a:rPr>
+              <a:t>Snow (mm)*</a:t>
+            </a:r>
+          </a:p>
+          <a:p>
+            <a:endParaRPr lang="en-US" altLang="ko-KR" b="1" dirty="0"/>
+          </a:p>
+          <a:p>
+            <a:endParaRPr lang="en-US" altLang="ko-KR" b="1" dirty="0"/>
+          </a:p>
+          <a:p>
+            <a:pPr lvl="0"/>
+            <a:endParaRPr lang="en-US" altLang="ko-KR" b="1" dirty="0"/>
+          </a:p>
+          <a:p>
+            <a:pPr lvl="0"/>
+            <a:r>
+              <a:rPr lang="en-US" altLang="ko-KR" b="1" dirty="0">
+                <a:latin typeface="Arial" pitchFamily="34" charset="0"/>
+                <a:cs typeface="Arial" pitchFamily="34" charset="0"/>
+              </a:rPr>
+              <a:t>* Externally sourced data from: </a:t>
+            </a:r>
+            <a:r>
+              <a:rPr lang="en-US" altLang="ko-KR" dirty="0">
+                <a:latin typeface="Arial" pitchFamily="34" charset="0"/>
+                <a:cs typeface="Arial" pitchFamily="34" charset="0"/>
+                <a:hlinkClick r:id="rId3"/>
+              </a:rPr>
+              <a:t>https://meteostat.net/en/station/72502?t=2017-01-01/2017-12-31</a:t>
+            </a:r>
+            <a:endParaRPr lang="en-US" altLang="ko-KR" dirty="0">
+              <a:latin typeface="Arial" pitchFamily="34" charset="0"/>
+              <a:cs typeface="Arial" pitchFamily="34" charset="0"/>
+            </a:endParaRPr>
+          </a:p>
+          <a:p>
+            <a:pPr marL="342900" lvl="0" indent="-342900">
+              <a:buFont typeface="Arial" panose="020B0604020202020204" pitchFamily="34" charset="0"/>
+              <a:buChar char="•"/>
+            </a:pPr>
+            <a:endParaRPr lang="en-US" altLang="ko-KR" b="1" dirty="0">
+              <a:latin typeface="Arial" pitchFamily="34" charset="0"/>
+              <a:cs typeface="Arial" pitchFamily="34" charset="0"/>
+            </a:endParaRPr>
           </a:p>
         </p:txBody>
       </p:sp>
     </p:spTree>
     <p:extLst>
       <p:ext uri="{BB962C8B-B14F-4D97-AF65-F5344CB8AC3E}">
-        <p14:creationId xmlns:p14="http://schemas.microsoft.com/office/powerpoint/2010/main" val="3919918713"/>
+        <p14:creationId xmlns:p14="http://schemas.microsoft.com/office/powerpoint/2010/main" val="516576802"/>
       </p:ext>
     </p:extLst>
   </p:cSld>
@@ -6183,7 +11889,192 @@
                 <a:latin typeface="Malgun Gothic" panose="020B0503020000020004" pitchFamily="34" charset="-127"/>
                 <a:ea typeface="Malgun Gothic" panose="020B0503020000020004" pitchFamily="34" charset="-127"/>
               </a:rPr>
-              <a:t>Newark: flight status and weather</a:t>
+              <a:t>Newark: impact of visibility</a:t>
+            </a:r>
+            <a:endParaRPr lang="ko-KR" altLang="en-US" dirty="0">
+              <a:latin typeface="Malgun Gothic" panose="020B0503020000020004" pitchFamily="34" charset="-127"/>
+              <a:ea typeface="Malgun Gothic" panose="020B0503020000020004" pitchFamily="34" charset="-127"/>
+            </a:endParaRPr>
+          </a:p>
+        </p:txBody>
+      </p:sp>
+      <p:sp>
+        <p:nvSpPr>
+          <p:cNvPr id="16" name="TextBox 15">
+            <a:extLst>
+              <a:ext uri="{FF2B5EF4-FFF2-40B4-BE49-F238E27FC236}">
+                <a16:creationId xmlns:a16="http://schemas.microsoft.com/office/drawing/2014/main" id="{273AA986-6BE8-B41F-A0A7-6C3C3EF626C6}"/>
+              </a:ext>
+            </a:extLst>
+          </p:cNvPr>
+          <p:cNvSpPr txBox="1"/>
+          <p:nvPr/>
+        </p:nvSpPr>
+        <p:spPr>
+          <a:xfrm>
+            <a:off x="8472264" y="1225689"/>
+            <a:ext cx="3600400" cy="5632311"/>
+          </a:xfrm>
+          <a:prstGeom prst="rect">
+            <a:avLst/>
+          </a:prstGeom>
+          <a:noFill/>
+        </p:spPr>
+        <p:txBody>
+          <a:bodyPr wrap="square" rtlCol="0">
+            <a:spAutoFit/>
+          </a:bodyPr>
+          <a:lstStyle/>
+          <a:p>
+            <a:pPr marL="285750" indent="-285750" latinLnBrk="0">
+              <a:buFont typeface="Arial" panose="020B0604020202020204" pitchFamily="34" charset="0"/>
+              <a:buChar char="•"/>
+            </a:pPr>
+            <a:r>
+              <a:rPr lang="en-GB" sz="2400" b="1" dirty="0">
+                <a:solidFill>
+                  <a:schemeClr val="bg1"/>
+                </a:solidFill>
+              </a:rPr>
+              <a:t>Cancellations more likely when visibility at 0 to 1 miles</a:t>
+            </a:r>
+          </a:p>
+          <a:p>
+            <a:pPr latinLnBrk="0"/>
+            <a:endParaRPr lang="en-GB" sz="2400" b="1" dirty="0">
+              <a:solidFill>
+                <a:schemeClr val="bg1"/>
+              </a:solidFill>
+            </a:endParaRPr>
+          </a:p>
+          <a:p>
+            <a:pPr marL="285750" indent="-285750" latinLnBrk="0">
+              <a:buFont typeface="Arial" panose="020B0604020202020204" pitchFamily="34" charset="0"/>
+              <a:buChar char="•"/>
+            </a:pPr>
+            <a:r>
+              <a:rPr lang="en-GB" sz="2400" b="1" dirty="0">
+                <a:solidFill>
+                  <a:schemeClr val="bg1"/>
+                </a:solidFill>
+              </a:rPr>
+              <a:t>Highest percentage of delays also at visibility level from 0 to 1</a:t>
+            </a:r>
+          </a:p>
+          <a:p>
+            <a:pPr marL="285750" indent="-285750" latinLnBrk="0">
+              <a:buFont typeface="Arial" panose="020B0604020202020204" pitchFamily="34" charset="0"/>
+              <a:buChar char="•"/>
+            </a:pPr>
+            <a:endParaRPr lang="en-GB" sz="2400" b="1" dirty="0">
+              <a:solidFill>
+                <a:schemeClr val="bg1"/>
+              </a:solidFill>
+            </a:endParaRPr>
+          </a:p>
+          <a:p>
+            <a:pPr marL="285750" indent="-285750" latinLnBrk="0">
+              <a:buFont typeface="Arial" panose="020B0604020202020204" pitchFamily="34" charset="0"/>
+              <a:buChar char="•"/>
+            </a:pPr>
+            <a:r>
+              <a:rPr lang="en-GB" sz="2400" b="1" dirty="0">
+                <a:solidFill>
+                  <a:schemeClr val="bg1"/>
+                </a:solidFill>
+              </a:rPr>
+              <a:t>Delays more steady throughout, with cancellation rates being impacted more with the lowest visibility </a:t>
+            </a:r>
+          </a:p>
+        </p:txBody>
+      </p:sp>
+      <p:pic>
+        <p:nvPicPr>
+          <p:cNvPr id="3" name="Picture 2" descr="Chart&#10;&#10;Description automatically generated">
+            <a:extLst>
+              <a:ext uri="{FF2B5EF4-FFF2-40B4-BE49-F238E27FC236}">
+                <a16:creationId xmlns:a16="http://schemas.microsoft.com/office/drawing/2014/main" id="{207059B7-F8AC-BC04-CA8C-B75A4D64CD59}"/>
+              </a:ext>
+            </a:extLst>
+          </p:cNvPr>
+          <p:cNvPicPr>
+            <a:picLocks noChangeAspect="1"/>
+          </p:cNvPicPr>
+          <p:nvPr/>
+        </p:nvPicPr>
+        <p:blipFill>
+          <a:blip r:embed="rId3">
+            <a:extLst>
+              <a:ext uri="{28A0092B-C50C-407E-A947-70E740481C1C}">
+                <a14:useLocalDpi xmlns:a14="http://schemas.microsoft.com/office/drawing/2010/main" val="0"/>
+              </a:ext>
+            </a:extLst>
+          </a:blip>
+          <a:stretch>
+            <a:fillRect/>
+          </a:stretch>
+        </p:blipFill>
+        <p:spPr>
+          <a:xfrm>
+            <a:off x="335361" y="1225690"/>
+            <a:ext cx="7848872" cy="5494210"/>
+          </a:xfrm>
+          <a:prstGeom prst="rect">
+            <a:avLst/>
+          </a:prstGeom>
+        </p:spPr>
+      </p:pic>
+    </p:spTree>
+    <p:extLst>
+      <p:ext uri="{BB962C8B-B14F-4D97-AF65-F5344CB8AC3E}">
+        <p14:creationId xmlns:p14="http://schemas.microsoft.com/office/powerpoint/2010/main" val="1726355069"/>
+      </p:ext>
+    </p:extLst>
+  </p:cSld>
+  <p:clrMapOvr>
+    <a:masterClrMapping/>
+  </p:clrMapOvr>
+</p:sld>
+</file>
+
+<file path=ppt/slides/slide6.xml><?xml version="1.0" encoding="utf-8"?>
+<p:sld xmlns:a="http://schemas.openxmlformats.org/drawingml/2006/main" xmlns:r="http://schemas.openxmlformats.org/officeDocument/2006/relationships" xmlns:p="http://schemas.openxmlformats.org/presentationml/2006/main">
+  <p:cSld>
+    <p:spTree>
+      <p:nvGrpSpPr>
+        <p:cNvPr id="1" name=""/>
+        <p:cNvGrpSpPr/>
+        <p:nvPr/>
+      </p:nvGrpSpPr>
+      <p:grpSpPr>
+        <a:xfrm>
+          <a:off x="0" y="0"/>
+          <a:ext cx="0" cy="0"/>
+          <a:chOff x="0" y="0"/>
+          <a:chExt cx="0" cy="0"/>
+        </a:xfrm>
+      </p:grpSpPr>
+      <p:sp>
+        <p:nvSpPr>
+          <p:cNvPr id="4" name="Title 3"/>
+          <p:cNvSpPr>
+            <a:spLocks noGrp="1"/>
+          </p:cNvSpPr>
+          <p:nvPr>
+            <p:ph type="title"/>
+          </p:nvPr>
+        </p:nvSpPr>
+        <p:spPr/>
+        <p:txBody>
+          <a:bodyPr/>
+          <a:lstStyle/>
+          <a:p>
+            <a:r>
+              <a:rPr lang="en-US" altLang="ko-KR" dirty="0">
+                <a:latin typeface="Malgun Gothic" panose="020B0503020000020004" pitchFamily="34" charset="-127"/>
+                <a:ea typeface="Malgun Gothic" panose="020B0503020000020004" pitchFamily="34" charset="-127"/>
+              </a:rPr>
+              <a:t>Newark: impact of temperature</a:t>
             </a:r>
             <a:endParaRPr lang="ko-KR" altLang="en-US" dirty="0">
               <a:latin typeface="Malgun Gothic" panose="020B0503020000020004" pitchFamily="34" charset="-127"/>
@@ -6242,8 +12133,8 @@
         </p:nvSpPr>
         <p:spPr>
           <a:xfrm>
-            <a:off x="8328248" y="1412776"/>
-            <a:ext cx="3600400" cy="5016758"/>
+            <a:off x="8184232" y="1186933"/>
+            <a:ext cx="3852927" cy="5632311"/>
           </a:xfrm>
           <a:prstGeom prst="rect">
             <a:avLst/>
@@ -6266,8 +12157,16 @@
                   <a:schemeClr val="bg1"/>
                 </a:solidFill>
               </a:rPr>
-              <a:t>Average of around 75% flights depart on time within temperature range 0.1°C - 25°C</a:t>
-            </a:r>
+              <a:t>Average of 75% flights depart on time within temperature range 0.1°C - 25°C</a:t>
+            </a:r>
+          </a:p>
+          <a:p>
+            <a:pPr latinLnBrk="0"/>
+            <a:endParaRPr lang="en-GB" sz="2000" b="1" dirty="0">
+              <a:solidFill>
+                <a:schemeClr val="bg1"/>
+              </a:solidFill>
+            </a:endParaRPr>
           </a:p>
           <a:p>
             <a:pPr marL="285750" indent="-285750" latinLnBrk="0">
@@ -6284,6 +12183,14 @@
             </a:r>
           </a:p>
           <a:p>
+            <a:pPr latinLnBrk="0"/>
+            <a:endParaRPr lang="en-GB" sz="2000" b="1" dirty="0">
+              <a:solidFill>
+                <a:schemeClr val="bg1"/>
+              </a:solidFill>
+            </a:endParaRPr>
+          </a:p>
+          <a:p>
             <a:pPr marL="285750" indent="-285750" latinLnBrk="0">
               <a:buFont typeface="Arial" panose="020B0604020202020204" pitchFamily="34" charset="0"/>
               <a:buChar char="•"/>
@@ -6302,6 +12209,17 @@
               <a:buFont typeface="Arial" panose="020B0604020202020204" pitchFamily="34" charset="0"/>
               <a:buChar char="•"/>
             </a:pPr>
+            <a:endParaRPr lang="en-GB" sz="2000" b="1" dirty="0">
+              <a:solidFill>
+                <a:schemeClr val="bg1"/>
+              </a:solidFill>
+            </a:endParaRPr>
+          </a:p>
+          <a:p>
+            <a:pPr marL="285750" indent="-285750" latinLnBrk="0">
+              <a:buFont typeface="Arial" panose="020B0604020202020204" pitchFamily="34" charset="0"/>
+              <a:buChar char="•"/>
+            </a:pPr>
             <a:r>
               <a:rPr lang="en-GB" sz="2000" b="1" dirty="0">
                 <a:solidFill>
@@ -6317,114 +12235,6 @@
     <p:extLst>
       <p:ext uri="{BB962C8B-B14F-4D97-AF65-F5344CB8AC3E}">
         <p14:creationId xmlns:p14="http://schemas.microsoft.com/office/powerpoint/2010/main" val="1387276238"/>
-      </p:ext>
-    </p:extLst>
-  </p:cSld>
-  <p:clrMapOvr>
-    <a:masterClrMapping/>
-  </p:clrMapOvr>
-</p:sld>
-</file>
-
-<file path=ppt/slides/slide6.xml><?xml version="1.0" encoding="utf-8"?>
-<p:sld xmlns:a="http://schemas.openxmlformats.org/drawingml/2006/main" xmlns:r="http://schemas.openxmlformats.org/officeDocument/2006/relationships" xmlns:p="http://schemas.openxmlformats.org/presentationml/2006/main">
-  <p:cSld>
-    <p:spTree>
-      <p:nvGrpSpPr>
-        <p:cNvPr id="1" name=""/>
-        <p:cNvGrpSpPr/>
-        <p:nvPr/>
-      </p:nvGrpSpPr>
-      <p:grpSpPr>
-        <a:xfrm>
-          <a:off x="0" y="0"/>
-          <a:ext cx="0" cy="0"/>
-          <a:chOff x="0" y="0"/>
-          <a:chExt cx="0" cy="0"/>
-        </a:xfrm>
-      </p:grpSpPr>
-      <p:sp>
-        <p:nvSpPr>
-          <p:cNvPr id="4" name="Title 3"/>
-          <p:cNvSpPr>
-            <a:spLocks noGrp="1"/>
-          </p:cNvSpPr>
-          <p:nvPr>
-            <p:ph type="title"/>
-          </p:nvPr>
-        </p:nvSpPr>
-        <p:spPr/>
-        <p:txBody>
-          <a:bodyPr/>
-          <a:lstStyle/>
-          <a:p>
-            <a:r>
-              <a:rPr lang="en-US" altLang="ko-KR" dirty="0">
-                <a:latin typeface="Malgun Gothic" panose="020B0503020000020004" pitchFamily="34" charset="-127"/>
-                <a:ea typeface="Malgun Gothic" panose="020B0503020000020004" pitchFamily="34" charset="-127"/>
-              </a:rPr>
-              <a:t>Newark: predicting delayed</a:t>
-            </a:r>
-            <a:br>
-              <a:rPr lang="en-US" altLang="ko-KR" dirty="0">
-                <a:latin typeface="Malgun Gothic" panose="020B0503020000020004" pitchFamily="34" charset="-127"/>
-                <a:ea typeface="Malgun Gothic" panose="020B0503020000020004" pitchFamily="34" charset="-127"/>
-              </a:rPr>
-            </a:br>
-            <a:r>
-              <a:rPr lang="en-US" altLang="ko-KR" dirty="0">
-                <a:latin typeface="Malgun Gothic" panose="020B0503020000020004" pitchFamily="34" charset="-127"/>
-                <a:ea typeface="Malgun Gothic" panose="020B0503020000020004" pitchFamily="34" charset="-127"/>
-              </a:rPr>
-              <a:t>or cancelled flights</a:t>
-            </a:r>
-            <a:endParaRPr lang="ko-KR" altLang="en-US" dirty="0">
-              <a:latin typeface="Malgun Gothic" panose="020B0503020000020004" pitchFamily="34" charset="-127"/>
-              <a:ea typeface="Malgun Gothic" panose="020B0503020000020004" pitchFamily="34" charset="-127"/>
-            </a:endParaRPr>
-          </a:p>
-        </p:txBody>
-      </p:sp>
-      <p:pic>
-        <p:nvPicPr>
-          <p:cNvPr id="16" name="Picture 15" descr="Chart, line chart&#10;&#10;Description automatically generated">
-            <a:extLst>
-              <a:ext uri="{FF2B5EF4-FFF2-40B4-BE49-F238E27FC236}">
-                <a16:creationId xmlns:a16="http://schemas.microsoft.com/office/drawing/2014/main" id="{AD78220D-AF12-3685-2407-FD69995861A9}"/>
-              </a:ext>
-            </a:extLst>
-          </p:cNvPr>
-          <p:cNvPicPr>
-            <a:picLocks noChangeAspect="1"/>
-          </p:cNvPicPr>
-          <p:nvPr/>
-        </p:nvPicPr>
-        <p:blipFill>
-          <a:blip r:embed="rId2">
-            <a:extLst>
-              <a:ext uri="{28A0092B-C50C-407E-A947-70E740481C1C}">
-                <a14:useLocalDpi xmlns:a14="http://schemas.microsoft.com/office/drawing/2010/main" val="0"/>
-              </a:ext>
-            </a:extLst>
-          </a:blip>
-          <a:stretch>
-            <a:fillRect/>
-          </a:stretch>
-        </p:blipFill>
-        <p:spPr>
-          <a:xfrm>
-            <a:off x="335360" y="1340768"/>
-            <a:ext cx="8484036" cy="4978656"/>
-          </a:xfrm>
-          <a:prstGeom prst="rect">
-            <a:avLst/>
-          </a:prstGeom>
-        </p:spPr>
-      </p:pic>
-    </p:spTree>
-    <p:extLst>
-      <p:ext uri="{BB962C8B-B14F-4D97-AF65-F5344CB8AC3E}">
-        <p14:creationId xmlns:p14="http://schemas.microsoft.com/office/powerpoint/2010/main" val="628037149"/>
       </p:ext>
     </p:extLst>
   </p:cSld>
@@ -6453,7 +12263,13 @@
       </p:grpSpPr>
       <p:sp>
         <p:nvSpPr>
-          <p:cNvPr id="4" name="Title 3"/>
+          <p:cNvPr id="2" name="Title 1">
+            <a:extLst>
+              <a:ext uri="{FF2B5EF4-FFF2-40B4-BE49-F238E27FC236}">
+                <a16:creationId xmlns:a16="http://schemas.microsoft.com/office/drawing/2014/main" id="{99DC4286-1376-D367-27AA-601787205ED7}"/>
+              </a:ext>
+            </a:extLst>
+          </p:cNvPr>
           <p:cNvSpPr>
             <a:spLocks noGrp="1"/>
           </p:cNvSpPr>
@@ -6467,59 +12283,18 @@
           <a:lstStyle/>
           <a:p>
             <a:r>
-              <a:rPr lang="en-US" altLang="ko-KR" dirty="0">
-                <a:latin typeface="+mj-lt"/>
-              </a:rPr>
-              <a:t>Flight status by origin airport</a:t>
-            </a:r>
-            <a:endParaRPr lang="ko-KR" altLang="en-US" dirty="0">
-              <a:latin typeface="+mj-lt"/>
-            </a:endParaRPr>
+              <a:rPr lang="en-GB" dirty="0"/>
+              <a:t>Other factors</a:t>
+            </a:r>
           </a:p>
         </p:txBody>
       </p:sp>
-      <p:pic>
-        <p:nvPicPr>
-          <p:cNvPr id="22" name="Picture 21" descr="Chart, bar chart">
+      <p:sp>
+        <p:nvSpPr>
+          <p:cNvPr id="5" name="Content Placeholder 5">
             <a:extLst>
               <a:ext uri="{FF2B5EF4-FFF2-40B4-BE49-F238E27FC236}">
-                <a16:creationId xmlns:a16="http://schemas.microsoft.com/office/drawing/2014/main" id="{481E610E-073A-8542-1E70-194FD0E83510}"/>
-              </a:ext>
-            </a:extLst>
-          </p:cNvPr>
-          <p:cNvPicPr>
-            <a:picLocks noChangeAspect="1"/>
-          </p:cNvPicPr>
-          <p:nvPr/>
-        </p:nvPicPr>
-        <p:blipFill>
-          <a:blip r:embed="rId2">
-            <a:extLst>
-              <a:ext uri="{28A0092B-C50C-407E-A947-70E740481C1C}">
-                <a14:useLocalDpi xmlns:a14="http://schemas.microsoft.com/office/drawing/2010/main" val="0"/>
-              </a:ext>
-            </a:extLst>
-          </a:blip>
-          <a:stretch>
-            <a:fillRect/>
-          </a:stretch>
-        </p:blipFill>
-        <p:spPr>
-          <a:xfrm>
-            <a:off x="3359696" y="980729"/>
-            <a:ext cx="6552728" cy="4047403"/>
-          </a:xfrm>
-          <a:prstGeom prst="rect">
-            <a:avLst/>
-          </a:prstGeom>
-        </p:spPr>
-      </p:pic>
-      <p:sp>
-        <p:nvSpPr>
-          <p:cNvPr id="23" name="Content Placeholder 5">
-            <a:extLst>
-              <a:ext uri="{FF2B5EF4-FFF2-40B4-BE49-F238E27FC236}">
-                <a16:creationId xmlns:a16="http://schemas.microsoft.com/office/drawing/2014/main" id="{06878141-9542-4259-FB74-5B3F783D3798}"/>
+                <a16:creationId xmlns:a16="http://schemas.microsoft.com/office/drawing/2014/main" id="{E4FF8238-8C75-FB5E-ADB3-18E4F7EF400C}"/>
               </a:ext>
             </a:extLst>
           </p:cNvPr>
@@ -6532,25 +12307,35 @@
         </p:nvSpPr>
         <p:spPr>
           <a:xfrm>
-            <a:off x="2801888" y="5517233"/>
-            <a:ext cx="7668344" cy="1458993"/>
+            <a:off x="119336" y="1628800"/>
+            <a:ext cx="12192000" cy="5400600"/>
           </a:xfrm>
         </p:spPr>
         <p:txBody>
           <a:bodyPr/>
           <a:lstStyle/>
           <a:p>
+            <a:pPr lvl="0"/>
+            <a:r>
+              <a:rPr lang="en-US" altLang="ko-KR" sz="2800" b="1" dirty="0">
+                <a:latin typeface="+mn-lt"/>
+                <a:cs typeface="+mn-cs"/>
+              </a:rPr>
+              <a:t>Data exploration of other factors:</a:t>
+            </a:r>
+          </a:p>
+          <a:p>
             <a:pPr marL="1085850" lvl="1" indent="-342900">
               <a:buFont typeface="Arial" panose="020B0604020202020204" pitchFamily="34" charset="0"/>
               <a:buChar char="•"/>
             </a:pPr>
             <a:r>
-              <a:rPr lang="en-US" altLang="ko-KR" sz="1800" b="1" dirty="0">
+              <a:rPr lang="en-US" altLang="ko-KR" b="1" dirty="0">
                 <a:solidFill>
                   <a:schemeClr val="bg1"/>
                 </a:solidFill>
               </a:rPr>
-              <a:t>Newark slightly underperforming with on time flights and higher number of delays, but fewer cancellations than LaGuardia</a:t>
+              <a:t>Departure month</a:t>
             </a:r>
           </a:p>
           <a:p>
@@ -6559,25 +12344,115 @@
               <a:buChar char="•"/>
             </a:pPr>
             <a:r>
-              <a:rPr lang="en-US" altLang="ko-KR" sz="1800" b="1" dirty="0">
+              <a:rPr lang="en-US" altLang="ko-KR" b="1" dirty="0">
                 <a:solidFill>
                   <a:schemeClr val="bg1"/>
                 </a:solidFill>
               </a:rPr>
-              <a:t>Roughly similar distribution of on time, delayed and cancelled flights across all 3 airports</a:t>
-            </a:r>
-            <a:endParaRPr lang="en-US" altLang="ko-KR" sz="1800" b="1" dirty="0"/>
+              <a:t>Departure weekday</a:t>
+            </a:r>
+          </a:p>
+          <a:p>
+            <a:pPr marL="1085850" lvl="1" indent="-342900">
+              <a:buFont typeface="Arial" panose="020B0604020202020204" pitchFamily="34" charset="0"/>
+              <a:buChar char="•"/>
+            </a:pPr>
+            <a:r>
+              <a:rPr lang="en-US" altLang="ko-KR" b="1" dirty="0">
+                <a:solidFill>
+                  <a:schemeClr val="bg1"/>
+                </a:solidFill>
+              </a:rPr>
+              <a:t>Departure time (hour)</a:t>
+            </a:r>
+          </a:p>
+          <a:p>
+            <a:pPr marL="1085850" lvl="1" indent="-342900">
+              <a:buFont typeface="Arial" panose="020B0604020202020204" pitchFamily="34" charset="0"/>
+              <a:buChar char="•"/>
+            </a:pPr>
+            <a:r>
+              <a:rPr lang="en-US" altLang="ko-KR" b="1" u="sng" dirty="0">
+                <a:solidFill>
+                  <a:schemeClr val="bg1"/>
+                </a:solidFill>
+              </a:rPr>
+              <a:t>Carrier (domestic departure airline)</a:t>
+            </a:r>
+          </a:p>
+          <a:p>
+            <a:pPr marL="1085850" lvl="1" indent="-342900">
+              <a:buFont typeface="Arial" panose="020B0604020202020204" pitchFamily="34" charset="0"/>
+              <a:buChar char="•"/>
+            </a:pPr>
+            <a:r>
+              <a:rPr lang="en-US" altLang="ko-KR" b="1" dirty="0">
+                <a:solidFill>
+                  <a:schemeClr val="bg1"/>
+                </a:solidFill>
+              </a:rPr>
+              <a:t>Type of plane</a:t>
+            </a:r>
+          </a:p>
+          <a:p>
+            <a:pPr marL="1085850" lvl="1" indent="-342900">
+              <a:buFont typeface="Arial" panose="020B0604020202020204" pitchFamily="34" charset="0"/>
+              <a:buChar char="•"/>
+            </a:pPr>
+            <a:r>
+              <a:rPr lang="en-US" altLang="ko-KR" b="1" dirty="0">
+                <a:solidFill>
+                  <a:schemeClr val="bg1"/>
+                </a:solidFill>
+              </a:rPr>
+              <a:t>Engine (type of)</a:t>
+            </a:r>
+          </a:p>
+          <a:p>
+            <a:pPr marL="1085850" lvl="1" indent="-342900">
+              <a:buFont typeface="Arial" panose="020B0604020202020204" pitchFamily="34" charset="0"/>
+              <a:buChar char="•"/>
+            </a:pPr>
+            <a:endParaRPr lang="en-US" altLang="ko-KR" b="1" dirty="0">
+              <a:solidFill>
+                <a:schemeClr val="bg1"/>
+              </a:solidFill>
+            </a:endParaRPr>
+          </a:p>
+          <a:p>
+            <a:pPr marL="1085850" lvl="1" indent="-342900">
+              <a:buFont typeface="Arial" panose="020B0604020202020204" pitchFamily="34" charset="0"/>
+              <a:buChar char="•"/>
+            </a:pPr>
+            <a:endParaRPr lang="en-US" altLang="ko-KR" b="1" dirty="0">
+              <a:solidFill>
+                <a:schemeClr val="bg1"/>
+              </a:solidFill>
+            </a:endParaRPr>
+          </a:p>
+          <a:p>
+            <a:pPr marL="1085850" lvl="1" indent="-342900">
+              <a:buFont typeface="Arial" panose="020B0604020202020204" pitchFamily="34" charset="0"/>
+              <a:buChar char="•"/>
+            </a:pPr>
+            <a:endParaRPr lang="en-US" altLang="ko-KR" b="1" dirty="0">
+              <a:solidFill>
+                <a:schemeClr val="bg1"/>
+              </a:solidFill>
+            </a:endParaRPr>
           </a:p>
           <a:p>
             <a:pPr lvl="0"/>
-            <a:endParaRPr lang="en-US" altLang="ko-KR" b="1" dirty="0"/>
-          </a:p>
-          <a:p>
-            <a:pPr lvl="0"/>
-            <a:r>
-              <a:rPr lang="en-US" altLang="ko-KR" b="1" dirty="0"/>
-              <a:t>	</a:t>
-            </a:r>
+            <a:endParaRPr lang="en-US" altLang="ko-KR" dirty="0">
+              <a:latin typeface="Arial" pitchFamily="34" charset="0"/>
+              <a:cs typeface="Arial" pitchFamily="34" charset="0"/>
+            </a:endParaRPr>
+          </a:p>
+          <a:p>
+            <a:pPr marL="342900" lvl="0" indent="-342900">
+              <a:buFont typeface="Arial" panose="020B0604020202020204" pitchFamily="34" charset="0"/>
+              <a:buChar char="•"/>
+            </a:pPr>
             <a:endParaRPr lang="en-US" altLang="ko-KR" b="1" dirty="0">
               <a:latin typeface="Arial" pitchFamily="34" charset="0"/>
               <a:cs typeface="Arial" pitchFamily="34" charset="0"/>
@@ -6588,7 +12463,7 @@
     </p:spTree>
     <p:extLst>
       <p:ext uri="{BB962C8B-B14F-4D97-AF65-F5344CB8AC3E}">
-        <p14:creationId xmlns:p14="http://schemas.microsoft.com/office/powerpoint/2010/main" val="3659674305"/>
+        <p14:creationId xmlns:p14="http://schemas.microsoft.com/office/powerpoint/2010/main" val="1861394353"/>
       </p:ext>
     </p:extLst>
   </p:cSld>
@@ -6632,9 +12507,10 @@
           <a:p>
             <a:r>
               <a:rPr lang="en-US" altLang="ko-KR" dirty="0">
-                <a:latin typeface="+mj-lt"/>
+                <a:latin typeface="Malgun Gothic" panose="020B0503020000020004" pitchFamily="34" charset="-127"/>
+                <a:ea typeface="Malgun Gothic" panose="020B0503020000020004" pitchFamily="34" charset="-127"/>
               </a:rPr>
-              <a:t>Monthly analysis</a:t>
+              <a:t>Newark: delays by carrier</a:t>
             </a:r>
             <a:endParaRPr lang="ko-KR" altLang="en-US" dirty="0">
               <a:latin typeface="Malgun Gothic" panose="020B0503020000020004" pitchFamily="34" charset="-127"/>
@@ -6645,10 +12521,10 @@
       </p:sp>
       <p:pic>
         <p:nvPicPr>
-          <p:cNvPr id="5" name="Picture 4" descr="Chart, line chart&#10;&#10;Description automatically generated">
+          <p:cNvPr id="15" name="Picture 14" descr="Chart, bar chart&#10;&#10;Description automatically generated">
             <a:extLst>
               <a:ext uri="{FF2B5EF4-FFF2-40B4-BE49-F238E27FC236}">
-                <a16:creationId xmlns:a16="http://schemas.microsoft.com/office/drawing/2014/main" id="{5A0C072C-E8F2-B0DD-35B3-51A230962A27}"/>
+                <a16:creationId xmlns:a16="http://schemas.microsoft.com/office/drawing/2014/main" id="{426D4F01-53F8-917E-E27A-1C72CCDBBC0A}"/>
               </a:ext>
             </a:extLst>
           </p:cNvPr>
@@ -6657,34 +12533,211 @@
           </p:cNvPicPr>
           <p:nvPr/>
         </p:nvPicPr>
-        <p:blipFill>
-          <a:blip r:embed="rId2">
+        <p:blipFill rotWithShape="1">
+          <a:blip r:embed="rId3">
             <a:extLst>
               <a:ext uri="{28A0092B-C50C-407E-A947-70E740481C1C}">
                 <a14:useLocalDpi xmlns:a14="http://schemas.microsoft.com/office/drawing/2010/main" val="0"/>
               </a:ext>
             </a:extLst>
           </a:blip>
-          <a:stretch>
-            <a:fillRect/>
-          </a:stretch>
+          <a:srcRect b="4384"/>
+          <a:stretch/>
         </p:blipFill>
         <p:spPr>
           <a:xfrm>
-            <a:off x="263352" y="1268760"/>
-            <a:ext cx="6794469" cy="5435575"/>
+            <a:off x="119336" y="1103957"/>
+            <a:ext cx="5400600" cy="4016309"/>
           </a:xfrm>
           <a:prstGeom prst="rect">
             <a:avLst/>
           </a:prstGeom>
         </p:spPr>
       </p:pic>
+      <p:sp>
+        <p:nvSpPr>
+          <p:cNvPr id="17" name="TextBox 16">
+            <a:extLst>
+              <a:ext uri="{FF2B5EF4-FFF2-40B4-BE49-F238E27FC236}">
+                <a16:creationId xmlns:a16="http://schemas.microsoft.com/office/drawing/2014/main" id="{09098407-64FE-5B22-5CCA-9A56F870392E}"/>
+              </a:ext>
+            </a:extLst>
+          </p:cNvPr>
+          <p:cNvSpPr txBox="1"/>
+          <p:nvPr/>
+        </p:nvSpPr>
+        <p:spPr>
+          <a:xfrm>
+            <a:off x="9239" y="5271562"/>
+            <a:ext cx="12130379" cy="1569660"/>
+          </a:xfrm>
+          <a:prstGeom prst="rect">
+            <a:avLst/>
+          </a:prstGeom>
+          <a:noFill/>
+        </p:spPr>
+        <p:txBody>
+          <a:bodyPr wrap="square" rtlCol="0">
+            <a:spAutoFit/>
+          </a:bodyPr>
+          <a:lstStyle/>
+          <a:p>
+            <a:pPr marL="285750" indent="-285750" latinLnBrk="0">
+              <a:buFont typeface="Arial" panose="020B0604020202020204" pitchFamily="34" charset="0"/>
+              <a:buChar char="•"/>
+            </a:pPr>
+            <a:r>
+              <a:rPr lang="en-GB" sz="2400" b="1" dirty="0">
+                <a:solidFill>
+                  <a:schemeClr val="bg1"/>
+                </a:solidFill>
+              </a:rPr>
+              <a:t>United, ExpressJet &amp; JetBlue have highest number of departure disruption</a:t>
+            </a:r>
+          </a:p>
+          <a:p>
+            <a:pPr marL="285750" indent="-285750" latinLnBrk="0">
+              <a:buFont typeface="Arial" panose="020B0604020202020204" pitchFamily="34" charset="0"/>
+              <a:buChar char="•"/>
+            </a:pPr>
+            <a:r>
+              <a:rPr lang="en-GB" sz="2400" b="1" dirty="0">
+                <a:solidFill>
+                  <a:schemeClr val="bg1"/>
+                </a:solidFill>
+              </a:rPr>
+              <a:t>Spirit Air highest percentage of departure cancellations</a:t>
+            </a:r>
+          </a:p>
+          <a:p>
+            <a:pPr marL="285750" indent="-285750" latinLnBrk="0">
+              <a:buFont typeface="Arial" panose="020B0604020202020204" pitchFamily="34" charset="0"/>
+              <a:buChar char="•"/>
+            </a:pPr>
+            <a:r>
+              <a:rPr lang="en-GB" sz="2400" b="1" dirty="0">
+                <a:solidFill>
+                  <a:schemeClr val="bg1"/>
+                </a:solidFill>
+              </a:rPr>
+              <a:t>JetBlue, SkyWest &amp; ExpressJet highest percentage of flights delayed and cancelled (combined)</a:t>
+            </a:r>
+          </a:p>
+        </p:txBody>
+      </p:sp>
       <p:pic>
         <p:nvPicPr>
-          <p:cNvPr id="13" name="Picture 12" descr="Chart, line chart&#10;&#10;Description automatically generated">
+          <p:cNvPr id="6" name="Picture 5" descr="Chart&#10;&#10;Description automatically generated">
             <a:extLst>
               <a:ext uri="{FF2B5EF4-FFF2-40B4-BE49-F238E27FC236}">
-                <a16:creationId xmlns:a16="http://schemas.microsoft.com/office/drawing/2014/main" id="{2C2059FD-9550-79F3-32C9-4E0AAC353FD6}"/>
+                <a16:creationId xmlns:a16="http://schemas.microsoft.com/office/drawing/2014/main" id="{C40BF09F-9A66-97F3-FBD4-A28F923A3683}"/>
+              </a:ext>
+            </a:extLst>
+          </p:cNvPr>
+          <p:cNvPicPr>
+            <a:picLocks noChangeAspect="1"/>
+          </p:cNvPicPr>
+          <p:nvPr/>
+        </p:nvPicPr>
+        <p:blipFill rotWithShape="1">
+          <a:blip r:embed="rId4">
+            <a:extLst>
+              <a:ext uri="{28A0092B-C50C-407E-A947-70E740481C1C}">
+                <a14:useLocalDpi xmlns:a14="http://schemas.microsoft.com/office/drawing/2010/main" val="0"/>
+              </a:ext>
+            </a:extLst>
+          </a:blip>
+          <a:srcRect b="5638"/>
+          <a:stretch/>
+        </p:blipFill>
+        <p:spPr>
+          <a:xfrm>
+            <a:off x="5758170" y="1112524"/>
+            <a:ext cx="6341348" cy="4044668"/>
+          </a:xfrm>
+          <a:prstGeom prst="rect">
+            <a:avLst/>
+          </a:prstGeom>
+        </p:spPr>
+      </p:pic>
+    </p:spTree>
+    <p:extLst>
+      <p:ext uri="{BB962C8B-B14F-4D97-AF65-F5344CB8AC3E}">
+        <p14:creationId xmlns:p14="http://schemas.microsoft.com/office/powerpoint/2010/main" val="608792833"/>
+      </p:ext>
+    </p:extLst>
+  </p:cSld>
+  <p:clrMapOvr>
+    <a:masterClrMapping/>
+  </p:clrMapOvr>
+</p:sld>
+</file>
+
+<file path=ppt/slides/slide9.xml><?xml version="1.0" encoding="utf-8"?>
+<p:sld xmlns:a="http://schemas.openxmlformats.org/drawingml/2006/main" xmlns:r="http://schemas.openxmlformats.org/officeDocument/2006/relationships" xmlns:p="http://schemas.openxmlformats.org/presentationml/2006/main">
+  <p:cSld>
+    <p:spTree>
+      <p:nvGrpSpPr>
+        <p:cNvPr id="1" name=""/>
+        <p:cNvGrpSpPr/>
+        <p:nvPr/>
+      </p:nvGrpSpPr>
+      <p:grpSpPr>
+        <a:xfrm>
+          <a:off x="0" y="0"/>
+          <a:ext cx="0" cy="0"/>
+          <a:chOff x="0" y="0"/>
+          <a:chExt cx="0" cy="0"/>
+        </a:xfrm>
+      </p:grpSpPr>
+      <p:sp>
+        <p:nvSpPr>
+          <p:cNvPr id="4" name="Title 3"/>
+          <p:cNvSpPr>
+            <a:spLocks noGrp="1"/>
+          </p:cNvSpPr>
+          <p:nvPr>
+            <p:ph type="title"/>
+          </p:nvPr>
+        </p:nvSpPr>
+        <p:spPr/>
+        <p:txBody>
+          <a:bodyPr/>
+          <a:lstStyle/>
+          <a:p>
+            <a:r>
+              <a:rPr lang="en-US" altLang="ko-KR" dirty="0">
+                <a:latin typeface="Malgun Gothic" panose="020B0503020000020004" pitchFamily="34" charset="-127"/>
+                <a:ea typeface="Malgun Gothic" panose="020B0503020000020004" pitchFamily="34" charset="-127"/>
+              </a:rPr>
+              <a:t>Newark: predicting delayed</a:t>
+            </a:r>
+            <a:br>
+              <a:rPr lang="en-US" altLang="ko-KR" dirty="0">
+                <a:latin typeface="Malgun Gothic" panose="020B0503020000020004" pitchFamily="34" charset="-127"/>
+                <a:ea typeface="Malgun Gothic" panose="020B0503020000020004" pitchFamily="34" charset="-127"/>
+              </a:rPr>
+            </a:br>
+            <a:r>
+              <a:rPr lang="en-US" altLang="ko-KR" dirty="0">
+                <a:latin typeface="Malgun Gothic" panose="020B0503020000020004" pitchFamily="34" charset="-127"/>
+                <a:ea typeface="Malgun Gothic" panose="020B0503020000020004" pitchFamily="34" charset="-127"/>
+              </a:rPr>
+              <a:t>or cancelled flights</a:t>
+            </a:r>
+            <a:endParaRPr lang="ko-KR" altLang="en-US" dirty="0">
+              <a:latin typeface="Malgun Gothic" panose="020B0503020000020004" pitchFamily="34" charset="-127"/>
+              <a:ea typeface="Malgun Gothic" panose="020B0503020000020004" pitchFamily="34" charset="-127"/>
+            </a:endParaRPr>
+          </a:p>
+        </p:txBody>
+      </p:sp>
+      <p:pic>
+        <p:nvPicPr>
+          <p:cNvPr id="8" name="Picture 7" descr="Chart&#10;&#10;Description automatically generated">
+            <a:extLst>
+              <a:ext uri="{FF2B5EF4-FFF2-40B4-BE49-F238E27FC236}">
+                <a16:creationId xmlns:a16="http://schemas.microsoft.com/office/drawing/2014/main" id="{74D5F771-E17A-7DB2-C27C-020C9F62FBC2}"/>
               </a:ext>
             </a:extLst>
           </p:cNvPr>
@@ -6707,18 +12760,83 @@
         </p:blipFill>
         <p:spPr>
           <a:xfrm>
-            <a:off x="7283503" y="1268760"/>
-            <a:ext cx="4645145" cy="4064502"/>
+            <a:off x="191344" y="1412776"/>
+            <a:ext cx="7920880" cy="4968552"/>
           </a:xfrm>
           <a:prstGeom prst="rect">
             <a:avLst/>
           </a:prstGeom>
         </p:spPr>
       </p:pic>
+      <p:sp>
+        <p:nvSpPr>
+          <p:cNvPr id="9" name="TextBox 8">
+            <a:extLst>
+              <a:ext uri="{FF2B5EF4-FFF2-40B4-BE49-F238E27FC236}">
+                <a16:creationId xmlns:a16="http://schemas.microsoft.com/office/drawing/2014/main" id="{A6D2FCF8-5541-7E73-C809-0642CB3AE1BE}"/>
+              </a:ext>
+            </a:extLst>
+          </p:cNvPr>
+          <p:cNvSpPr txBox="1"/>
+          <p:nvPr/>
+        </p:nvSpPr>
+        <p:spPr>
+          <a:xfrm>
+            <a:off x="8328248" y="1412776"/>
+            <a:ext cx="3600400" cy="4524315"/>
+          </a:xfrm>
+          <a:prstGeom prst="rect">
+            <a:avLst/>
+          </a:prstGeom>
+          <a:noFill/>
+        </p:spPr>
+        <p:txBody>
+          <a:bodyPr wrap="square" rtlCol="0">
+            <a:spAutoFit/>
+          </a:bodyPr>
+          <a:lstStyle/>
+          <a:p>
+            <a:pPr marL="285750" indent="-285750" latinLnBrk="0">
+              <a:buFont typeface="Arial" panose="020B0604020202020204" pitchFamily="34" charset="0"/>
+              <a:buChar char="•"/>
+            </a:pPr>
+            <a:r>
+              <a:rPr lang="en-GB" sz="2400" b="1" dirty="0">
+                <a:solidFill>
+                  <a:schemeClr val="bg1"/>
+                </a:solidFill>
+              </a:rPr>
+              <a:t>Weather related factors alone do not provide a reliable model</a:t>
+            </a:r>
+          </a:p>
+          <a:p>
+            <a:pPr latinLnBrk="0"/>
+            <a:endParaRPr lang="en-GB" sz="2400" b="1" dirty="0">
+              <a:solidFill>
+                <a:schemeClr val="bg1"/>
+              </a:solidFill>
+            </a:endParaRPr>
+          </a:p>
+          <a:p>
+            <a:pPr marL="285750" indent="-285750" latinLnBrk="0">
+              <a:buFont typeface="Arial" panose="020B0604020202020204" pitchFamily="34" charset="0"/>
+              <a:buChar char="•"/>
+            </a:pPr>
+            <a:r>
+              <a:rPr lang="en-GB" sz="2400" b="1" dirty="0">
+                <a:solidFill>
+                  <a:schemeClr val="bg1"/>
+                </a:solidFill>
+              </a:rPr>
+              <a:t>More complex model with variety of factors proves the most reliable - predicting around 75% of flight delays or cancellations</a:t>
+            </a:r>
+          </a:p>
+        </p:txBody>
+      </p:sp>
     </p:spTree>
     <p:extLst>
       <p:ext uri="{BB962C8B-B14F-4D97-AF65-F5344CB8AC3E}">
-        <p14:creationId xmlns:p14="http://schemas.microsoft.com/office/powerpoint/2010/main" val="772041981"/>
+        <p14:creationId xmlns:p14="http://schemas.microsoft.com/office/powerpoint/2010/main" val="628037149"/>
       </p:ext>
     </p:extLst>
   </p:cSld>

--- a/investigating_flight_delays_newark.pptx
+++ b/investigating_flight_delays_newark.pptx
@@ -151,7 +151,7 @@
   <pc:docChgLst>
     <pc:chgData name="Karen Gibson" userId="c392f04a823fc96c" providerId="LiveId" clId="{3089DFEA-8D83-4ED0-89C8-568DF49BA8E7}"/>
     <pc:docChg chg="undo custSel addSld delSld modSld sldOrd modMainMaster modNotesMaster">
-      <pc:chgData name="Karen Gibson" userId="c392f04a823fc96c" providerId="LiveId" clId="{3089DFEA-8D83-4ED0-89C8-568DF49BA8E7}" dt="2023-05-02T10:43:36.500" v="13812" actId="20577"/>
+      <pc:chgData name="Karen Gibson" userId="c392f04a823fc96c" providerId="LiveId" clId="{3089DFEA-8D83-4ED0-89C8-568DF49BA8E7}" dt="2023-05-02T15:00:23.089" v="14189" actId="20577"/>
       <pc:docMkLst>
         <pc:docMk/>
       </pc:docMkLst>
@@ -178,8 +178,8 @@
           </ac:spMkLst>
         </pc:spChg>
       </pc:sldChg>
-      <pc:sldChg chg="delSp modSp mod">
-        <pc:chgData name="Karen Gibson" userId="c392f04a823fc96c" providerId="LiveId" clId="{3089DFEA-8D83-4ED0-89C8-568DF49BA8E7}" dt="2023-05-02T09:58:09.371" v="8695" actId="20577"/>
+      <pc:sldChg chg="delSp modSp mod modNotesTx">
+        <pc:chgData name="Karen Gibson" userId="c392f04a823fc96c" providerId="LiveId" clId="{3089DFEA-8D83-4ED0-89C8-568DF49BA8E7}" dt="2023-05-02T15:00:23.089" v="14189" actId="20577"/>
         <pc:sldMkLst>
           <pc:docMk/>
           <pc:sldMk cId="891763176" sldId="257"/>
@@ -6157,7 +6157,41 @@
           <a:bodyPr/>
           <a:lstStyle/>
           <a:p>
+            <a:r>
+              <a:rPr lang="en-GB" dirty="0"/>
+              <a:t>Read slide plus –</a:t>
+            </a:r>
+          </a:p>
+          <a:p>
+            <a:r>
+              <a:rPr lang="en-GB" dirty="0"/>
+              <a:t>The data was provided by the airport and some data was sourced externally from the </a:t>
+            </a:r>
+            <a:r>
+              <a:rPr lang="en-GB" dirty="0" err="1"/>
+              <a:t>meteo</a:t>
+            </a:r>
+            <a:r>
+              <a:rPr lang="en-GB" dirty="0"/>
+              <a:t> stat website</a:t>
+            </a:r>
+          </a:p>
+          <a:p>
             <a:endParaRPr lang="en-GB" dirty="0"/>
+          </a:p>
+          <a:p>
+            <a:r>
+              <a:rPr lang="en-GB" dirty="0"/>
+              <a:t>Data ethics have been considered. The data is suitable for analysis </a:t>
+            </a:r>
+            <a:r>
+              <a:rPr lang="en-GB"/>
+              <a:t>as it </a:t>
+            </a:r>
+            <a:r>
+              <a:rPr lang="en-GB" dirty="0"/>
+              <a:t>does not contain any passenger information or any other information that could lead to bias.</a:t>
+            </a:r>
           </a:p>
         </p:txBody>
       </p:sp>

--- a/investigating_flight_delays_newark.pptx
+++ b/investigating_flight_delays_newark.pptx
@@ -6,21 +6,19 @@
     <p:sldMasterId id="2147483661" r:id="rId2"/>
   </p:sldMasterIdLst>
   <p:notesMasterIdLst>
-    <p:notesMasterId r:id="rId15"/>
+    <p:notesMasterId r:id="rId13"/>
   </p:notesMasterIdLst>
   <p:sldIdLst>
     <p:sldId id="256" r:id="rId3"/>
-    <p:sldId id="257" r:id="rId4"/>
-    <p:sldId id="260" r:id="rId5"/>
-    <p:sldId id="272" r:id="rId6"/>
-    <p:sldId id="274" r:id="rId7"/>
-    <p:sldId id="270" r:id="rId8"/>
-    <p:sldId id="278" r:id="rId9"/>
-    <p:sldId id="275" r:id="rId10"/>
-    <p:sldId id="265" r:id="rId11"/>
-    <p:sldId id="273" r:id="rId12"/>
-    <p:sldId id="271" r:id="rId13"/>
-    <p:sldId id="277" r:id="rId14"/>
+    <p:sldId id="279" r:id="rId4"/>
+    <p:sldId id="272" r:id="rId5"/>
+    <p:sldId id="274" r:id="rId6"/>
+    <p:sldId id="270" r:id="rId7"/>
+    <p:sldId id="275" r:id="rId8"/>
+    <p:sldId id="265" r:id="rId9"/>
+    <p:sldId id="273" r:id="rId10"/>
+    <p:sldId id="271" r:id="rId11"/>
+    <p:sldId id="277" r:id="rId12"/>
   </p:sldIdLst>
   <p:sldSz cx="12192000" cy="6858000"/>
   <p:notesSz cx="6858000" cy="9144000"/>
@@ -5380,7 +5378,7 @@
           <a:p>
             <a:fld id="{63D0F5A2-37CF-4D26-A5A2-C3B5E9D6E23D}" type="datetimeFigureOut">
               <a:rPr lang="en-GB" smtClean="0"/>
-              <a:t>02/05/2023</a:t>
+              <a:t>03/05/2023</a:t>
             </a:fld>
             <a:endParaRPr lang="en-GB" dirty="0"/>
           </a:p>
@@ -5692,10 +5690,7 @@
           <a:bodyPr/>
           <a:lstStyle/>
           <a:p>
-            <a:r>
-              <a:rPr lang="en-GB" dirty="0"/>
-              <a:t>Test</a:t>
-            </a:r>
+            <a:endParaRPr lang="en-GB" dirty="0"/>
           </a:p>
         </p:txBody>
       </p:sp>
@@ -5779,37 +5774,187 @@
           <a:bodyPr/>
           <a:lstStyle/>
           <a:p>
-            <a:r>
-              <a:rPr lang="en-GB" dirty="0"/>
-              <a:t>Continuing to look at performance across the three airports, the graph on the left shows the count of scheduled domestic departures for all three airports throughout each month of 2017. </a:t>
-            </a:r>
+            <a:pPr marL="342900" lvl="0" indent="-342900">
+              <a:lnSpc>
+                <a:spcPct val="107000"/>
+              </a:lnSpc>
+              <a:spcAft>
+                <a:spcPts val="800"/>
+              </a:spcAft>
+              <a:buFont typeface="Arial" panose="020B0604020202020204" pitchFamily="34" charset="0"/>
+              <a:buChar char="•"/>
+              <a:tabLst>
+                <a:tab pos="457200" algn="l"/>
+              </a:tabLst>
+            </a:pPr>
+            <a:r>
+              <a:rPr lang="en-US" sz="1100" b="0" kern="100" dirty="0">
+                <a:effectLst/>
+                <a:latin typeface="Calibri" panose="020F0502020204030204" pitchFamily="34" charset="0"/>
+                <a:ea typeface="Calibri" panose="020F0502020204030204" pitchFamily="34" charset="0"/>
+                <a:cs typeface="Times New Roman" panose="02020603050405020304" pitchFamily="18" charset="0"/>
+              </a:rPr>
+              <a:t>Weather factors can be considered as part of the reason for flight delays or cancellation but there is a bigger picture with varying factors to consider</a:t>
+            </a:r>
+            <a:endParaRPr lang="en-GB" sz="1100" b="0" kern="100" dirty="0">
+              <a:effectLst/>
+              <a:latin typeface="Calibri" panose="020F0502020204030204" pitchFamily="34" charset="0"/>
+              <a:ea typeface="Calibri" panose="020F0502020204030204" pitchFamily="34" charset="0"/>
+              <a:cs typeface="Times New Roman" panose="02020603050405020304" pitchFamily="18" charset="0"/>
+            </a:endParaRPr>
+          </a:p>
+          <a:p>
+            <a:pPr marL="342900" lvl="0" indent="-342900">
+              <a:lnSpc>
+                <a:spcPct val="107000"/>
+              </a:lnSpc>
+              <a:spcAft>
+                <a:spcPts val="800"/>
+              </a:spcAft>
+              <a:buFont typeface="Arial" panose="020B0604020202020204" pitchFamily="34" charset="0"/>
+              <a:buChar char="•"/>
+              <a:tabLst>
+                <a:tab pos="457200" algn="l"/>
+              </a:tabLst>
+            </a:pPr>
+            <a:r>
+              <a:rPr lang="en-US" sz="1100" b="0" kern="100" dirty="0">
+                <a:effectLst/>
+                <a:latin typeface="Calibri" panose="020F0502020204030204" pitchFamily="34" charset="0"/>
+                <a:ea typeface="Calibri" panose="020F0502020204030204" pitchFamily="34" charset="0"/>
+                <a:cs typeface="Times New Roman" panose="02020603050405020304" pitchFamily="18" charset="0"/>
+              </a:rPr>
+              <a:t>May wish to consider technologies to assist planes in low visibility and when there is more than 50mm snow</a:t>
+            </a:r>
+            <a:endParaRPr lang="en-GB" sz="1100" b="0" kern="100" dirty="0">
+              <a:effectLst/>
+              <a:latin typeface="Calibri" panose="020F0502020204030204" pitchFamily="34" charset="0"/>
+              <a:ea typeface="Calibri" panose="020F0502020204030204" pitchFamily="34" charset="0"/>
+              <a:cs typeface="Times New Roman" panose="02020603050405020304" pitchFamily="18" charset="0"/>
+            </a:endParaRPr>
+          </a:p>
+          <a:p>
+            <a:pPr marL="342900" lvl="0" indent="-342900">
+              <a:lnSpc>
+                <a:spcPct val="107000"/>
+              </a:lnSpc>
+              <a:spcAft>
+                <a:spcPts val="800"/>
+              </a:spcAft>
+              <a:buFont typeface="Arial" panose="020B0604020202020204" pitchFamily="34" charset="0"/>
+              <a:buChar char="•"/>
+              <a:tabLst>
+                <a:tab pos="457200" algn="l"/>
+              </a:tabLst>
+            </a:pPr>
+            <a:r>
+              <a:rPr lang="en-US" sz="1100" b="0" kern="100" dirty="0">
+                <a:effectLst/>
+                <a:latin typeface="Calibri" panose="020F0502020204030204" pitchFamily="34" charset="0"/>
+                <a:ea typeface="Calibri" panose="020F0502020204030204" pitchFamily="34" charset="0"/>
+                <a:cs typeface="Times New Roman" panose="02020603050405020304" pitchFamily="18" charset="0"/>
+              </a:rPr>
+              <a:t>Other factors to consider include the day and month of departures as these are typically indicative of busy-ness:</a:t>
+            </a:r>
+            <a:endParaRPr lang="en-GB" sz="1100" b="0" kern="100" dirty="0">
+              <a:effectLst/>
+              <a:latin typeface="Calibri" panose="020F0502020204030204" pitchFamily="34" charset="0"/>
+              <a:ea typeface="Calibri" panose="020F0502020204030204" pitchFamily="34" charset="0"/>
+              <a:cs typeface="Times New Roman" panose="02020603050405020304" pitchFamily="18" charset="0"/>
+            </a:endParaRPr>
+          </a:p>
+          <a:p>
+            <a:pPr marL="742950" lvl="1" indent="-285750">
+              <a:lnSpc>
+                <a:spcPct val="107000"/>
+              </a:lnSpc>
+              <a:spcAft>
+                <a:spcPts val="800"/>
+              </a:spcAft>
+              <a:buFont typeface="Arial" panose="020B0604020202020204" pitchFamily="34" charset="0"/>
+              <a:buChar char="•"/>
+              <a:tabLst>
+                <a:tab pos="914400" algn="l"/>
+              </a:tabLst>
+            </a:pPr>
+            <a:r>
+              <a:rPr lang="en-US" sz="1100" b="0" kern="100" dirty="0">
+                <a:effectLst/>
+                <a:latin typeface="Calibri" panose="020F0502020204030204" pitchFamily="34" charset="0"/>
+                <a:ea typeface="Calibri" panose="020F0502020204030204" pitchFamily="34" charset="0"/>
+                <a:cs typeface="Times New Roman" panose="02020603050405020304" pitchFamily="18" charset="0"/>
+              </a:rPr>
+              <a:t>consider balancing out flight schedules more evenly where possible</a:t>
+            </a:r>
+            <a:endParaRPr lang="en-GB" sz="1100" b="0" kern="100" dirty="0">
+              <a:effectLst/>
+              <a:latin typeface="Calibri" panose="020F0502020204030204" pitchFamily="34" charset="0"/>
+              <a:ea typeface="Calibri" panose="020F0502020204030204" pitchFamily="34" charset="0"/>
+              <a:cs typeface="Times New Roman" panose="02020603050405020304" pitchFamily="18" charset="0"/>
+            </a:endParaRPr>
+          </a:p>
+          <a:p>
+            <a:pPr marL="742950" lvl="1" indent="-285750">
+              <a:lnSpc>
+                <a:spcPct val="107000"/>
+              </a:lnSpc>
+              <a:spcAft>
+                <a:spcPts val="800"/>
+              </a:spcAft>
+              <a:buFont typeface="Arial" panose="020B0604020202020204" pitchFamily="34" charset="0"/>
+              <a:buChar char="•"/>
+              <a:tabLst>
+                <a:tab pos="914400" algn="l"/>
+              </a:tabLst>
+            </a:pPr>
+            <a:r>
+              <a:rPr lang="en-US" sz="1100" b="0" kern="100" dirty="0">
+                <a:effectLst/>
+                <a:latin typeface="Calibri" panose="020F0502020204030204" pitchFamily="34" charset="0"/>
+                <a:ea typeface="Calibri" panose="020F0502020204030204" pitchFamily="34" charset="0"/>
+                <a:cs typeface="Times New Roman" panose="02020603050405020304" pitchFamily="18" charset="0"/>
+              </a:rPr>
+              <a:t>further research needed to ascertain the specific causes of delays at  busier times</a:t>
+            </a:r>
+            <a:endParaRPr lang="en-GB" sz="1100" b="0" kern="100" dirty="0">
+              <a:effectLst/>
+              <a:latin typeface="Calibri" panose="020F0502020204030204" pitchFamily="34" charset="0"/>
+              <a:ea typeface="Calibri" panose="020F0502020204030204" pitchFamily="34" charset="0"/>
+              <a:cs typeface="Times New Roman" panose="02020603050405020304" pitchFamily="18" charset="0"/>
+            </a:endParaRPr>
+          </a:p>
+          <a:p>
+            <a:pPr marL="342900" lvl="0" indent="-342900">
+              <a:lnSpc>
+                <a:spcPct val="107000"/>
+              </a:lnSpc>
+              <a:spcAft>
+                <a:spcPts val="800"/>
+              </a:spcAft>
+              <a:buFont typeface="Arial" panose="020B0604020202020204" pitchFamily="34" charset="0"/>
+              <a:buChar char="•"/>
+              <a:tabLst>
+                <a:tab pos="457200" algn="l"/>
+              </a:tabLst>
+            </a:pPr>
+            <a:r>
+              <a:rPr lang="en-US" sz="1100" b="0" kern="100" dirty="0">
+                <a:effectLst/>
+                <a:latin typeface="Calibri" panose="020F0502020204030204" pitchFamily="34" charset="0"/>
+                <a:ea typeface="Calibri" panose="020F0502020204030204" pitchFamily="34" charset="0"/>
+                <a:cs typeface="Times New Roman" panose="02020603050405020304" pitchFamily="18" charset="0"/>
+              </a:rPr>
+              <a:t>Conversations with carriers who experience higher percentage of delays and cancellation needed to understand the specific issues the company/planes experience</a:t>
+            </a:r>
+            <a:endParaRPr lang="en-GB" sz="1100" b="0" kern="100" dirty="0">
+              <a:effectLst/>
+              <a:latin typeface="Calibri" panose="020F0502020204030204" pitchFamily="34" charset="0"/>
+              <a:ea typeface="Calibri" panose="020F0502020204030204" pitchFamily="34" charset="0"/>
+              <a:cs typeface="Times New Roman" panose="02020603050405020304" pitchFamily="18" charset="0"/>
+            </a:endParaRPr>
           </a:p>
           <a:p>
             <a:endParaRPr lang="en-GB" dirty="0"/>
-          </a:p>
-          <a:p>
-            <a:r>
-              <a:rPr lang="en-GB" dirty="0"/>
-              <a:t>We see that Newark (identified by the blue line) has a higher number of domestic departures than the other two airports. </a:t>
-            </a:r>
-          </a:p>
-          <a:p>
-            <a:endParaRPr lang="en-GB" dirty="0"/>
-          </a:p>
-          <a:p>
-            <a:r>
-              <a:rPr lang="en-GB" dirty="0"/>
-              <a:t>Breaking this information down to show the percentage of delayed and cancelled flights across each month of the year, we see fairly similar trends across the board. As mentioned earlier, we see an increase of busy-ness at each airport in the summer months, when the average temperature is higher.</a:t>
-            </a:r>
-          </a:p>
-          <a:p>
-            <a:endParaRPr lang="en-GB" dirty="0"/>
-          </a:p>
-          <a:p>
-            <a:r>
-              <a:rPr lang="en-GB" dirty="0"/>
-              <a:t>Our data does show some anomalies, for example we see that June is a quiet summer month for Newark, yet it is the month with the higher number of delays. This may be worth further exploration. </a:t>
-            </a:r>
           </a:p>
         </p:txBody>
       </p:sp>
@@ -5830,271 +5975,7 @@
           <a:p>
             <a:fld id="{578CC5AB-4EA6-4CD7-88F4-B5344D2D16C4}" type="slidenum">
               <a:rPr lang="en-GB" smtClean="0"/>
-              <a:t>11</a:t>
-            </a:fld>
-            <a:endParaRPr lang="en-GB" dirty="0"/>
-          </a:p>
-        </p:txBody>
-      </p:sp>
-    </p:spTree>
-    <p:extLst>
-      <p:ext uri="{BB962C8B-B14F-4D97-AF65-F5344CB8AC3E}">
-        <p14:creationId xmlns:p14="http://schemas.microsoft.com/office/powerpoint/2010/main" val="4178701064"/>
-      </p:ext>
-    </p:extLst>
-  </p:cSld>
-  <p:clrMapOvr>
-    <a:masterClrMapping/>
-  </p:clrMapOvr>
-</p:notes>
-</file>
-
-<file path=ppt/notesSlides/notesSlide11.xml><?xml version="1.0" encoding="utf-8"?>
-<p:notes xmlns:a="http://schemas.openxmlformats.org/drawingml/2006/main" xmlns:r="http://schemas.openxmlformats.org/officeDocument/2006/relationships" xmlns:p="http://schemas.openxmlformats.org/presentationml/2006/main">
-  <p:cSld>
-    <p:spTree>
-      <p:nvGrpSpPr>
-        <p:cNvPr id="1" name=""/>
-        <p:cNvGrpSpPr/>
-        <p:nvPr/>
-      </p:nvGrpSpPr>
-      <p:grpSpPr>
-        <a:xfrm>
-          <a:off x="0" y="0"/>
-          <a:ext cx="0" cy="0"/>
-          <a:chOff x="0" y="0"/>
-          <a:chExt cx="0" cy="0"/>
-        </a:xfrm>
-      </p:grpSpPr>
-      <p:sp>
-        <p:nvSpPr>
-          <p:cNvPr id="2" name="Slide Image Placeholder 1"/>
-          <p:cNvSpPr>
-            <a:spLocks noGrp="1" noRot="1" noChangeAspect="1"/>
-          </p:cNvSpPr>
-          <p:nvPr>
-            <p:ph type="sldImg"/>
-          </p:nvPr>
-        </p:nvSpPr>
-        <p:spPr/>
-      </p:sp>
-      <p:sp>
-        <p:nvSpPr>
-          <p:cNvPr id="3" name="Notes Placeholder 2"/>
-          <p:cNvSpPr>
-            <a:spLocks noGrp="1"/>
-          </p:cNvSpPr>
-          <p:nvPr>
-            <p:ph type="body" idx="1"/>
-          </p:nvPr>
-        </p:nvSpPr>
-        <p:spPr/>
-        <p:txBody>
-          <a:bodyPr/>
-          <a:lstStyle/>
-          <a:p>
-            <a:pPr marL="342900" lvl="0" indent="-342900">
-              <a:lnSpc>
-                <a:spcPct val="107000"/>
-              </a:lnSpc>
-              <a:spcAft>
-                <a:spcPts val="800"/>
-              </a:spcAft>
-              <a:buFont typeface="Arial" panose="020B0604020202020204" pitchFamily="34" charset="0"/>
-              <a:buChar char="•"/>
-              <a:tabLst>
-                <a:tab pos="457200" algn="l"/>
-              </a:tabLst>
-            </a:pPr>
-            <a:r>
-              <a:rPr lang="en-US" sz="1100" b="0" kern="100" dirty="0">
-                <a:effectLst/>
-                <a:latin typeface="Calibri" panose="020F0502020204030204" pitchFamily="34" charset="0"/>
-                <a:ea typeface="Calibri" panose="020F0502020204030204" pitchFamily="34" charset="0"/>
-                <a:cs typeface="Times New Roman" panose="02020603050405020304" pitchFamily="18" charset="0"/>
-              </a:rPr>
-              <a:t>Weather factors can be considered as part of the reason for flight delays or cancellation but there is a bigger picture with varying factors to consider</a:t>
-            </a:r>
-            <a:endParaRPr lang="en-GB" sz="1100" b="0" kern="100" dirty="0">
-              <a:effectLst/>
-              <a:latin typeface="Calibri" panose="020F0502020204030204" pitchFamily="34" charset="0"/>
-              <a:ea typeface="Calibri" panose="020F0502020204030204" pitchFamily="34" charset="0"/>
-              <a:cs typeface="Times New Roman" panose="02020603050405020304" pitchFamily="18" charset="0"/>
-            </a:endParaRPr>
-          </a:p>
-          <a:p>
-            <a:pPr marL="342900" lvl="0" indent="-342900">
-              <a:lnSpc>
-                <a:spcPct val="107000"/>
-              </a:lnSpc>
-              <a:spcAft>
-                <a:spcPts val="800"/>
-              </a:spcAft>
-              <a:buFont typeface="Arial" panose="020B0604020202020204" pitchFamily="34" charset="0"/>
-              <a:buChar char="•"/>
-              <a:tabLst>
-                <a:tab pos="457200" algn="l"/>
-              </a:tabLst>
-            </a:pPr>
-            <a:r>
-              <a:rPr lang="en-US" sz="1100" b="0" kern="100" dirty="0">
-                <a:effectLst/>
-                <a:latin typeface="Calibri" panose="020F0502020204030204" pitchFamily="34" charset="0"/>
-                <a:ea typeface="Calibri" panose="020F0502020204030204" pitchFamily="34" charset="0"/>
-                <a:cs typeface="Times New Roman" panose="02020603050405020304" pitchFamily="18" charset="0"/>
-              </a:rPr>
-              <a:t>May wish to consider technologies to assist planes in low visibility and when there is more than 50mm snow</a:t>
-            </a:r>
-            <a:endParaRPr lang="en-GB" sz="1100" b="0" kern="100" dirty="0">
-              <a:effectLst/>
-              <a:latin typeface="Calibri" panose="020F0502020204030204" pitchFamily="34" charset="0"/>
-              <a:ea typeface="Calibri" panose="020F0502020204030204" pitchFamily="34" charset="0"/>
-              <a:cs typeface="Times New Roman" panose="02020603050405020304" pitchFamily="18" charset="0"/>
-            </a:endParaRPr>
-          </a:p>
-          <a:p>
-            <a:pPr marL="342900" lvl="0" indent="-342900">
-              <a:lnSpc>
-                <a:spcPct val="107000"/>
-              </a:lnSpc>
-              <a:spcAft>
-                <a:spcPts val="800"/>
-              </a:spcAft>
-              <a:buFont typeface="Arial" panose="020B0604020202020204" pitchFamily="34" charset="0"/>
-              <a:buChar char="•"/>
-              <a:tabLst>
-                <a:tab pos="457200" algn="l"/>
-              </a:tabLst>
-            </a:pPr>
-            <a:r>
-              <a:rPr lang="en-US" sz="1100" b="0" kern="100" dirty="0">
-                <a:effectLst/>
-                <a:latin typeface="Calibri" panose="020F0502020204030204" pitchFamily="34" charset="0"/>
-                <a:ea typeface="Calibri" panose="020F0502020204030204" pitchFamily="34" charset="0"/>
-                <a:cs typeface="Times New Roman" panose="02020603050405020304" pitchFamily="18" charset="0"/>
-              </a:rPr>
-              <a:t>Other factors to consider include the day and month of departures as these are typically indicative of busy-ness:</a:t>
-            </a:r>
-            <a:endParaRPr lang="en-GB" sz="1100" b="0" kern="100" dirty="0">
-              <a:effectLst/>
-              <a:latin typeface="Calibri" panose="020F0502020204030204" pitchFamily="34" charset="0"/>
-              <a:ea typeface="Calibri" panose="020F0502020204030204" pitchFamily="34" charset="0"/>
-              <a:cs typeface="Times New Roman" panose="02020603050405020304" pitchFamily="18" charset="0"/>
-            </a:endParaRPr>
-          </a:p>
-          <a:p>
-            <a:pPr marL="742950" lvl="1" indent="-285750">
-              <a:lnSpc>
-                <a:spcPct val="107000"/>
-              </a:lnSpc>
-              <a:spcAft>
-                <a:spcPts val="800"/>
-              </a:spcAft>
-              <a:buFont typeface="Arial" panose="020B0604020202020204" pitchFamily="34" charset="0"/>
-              <a:buChar char="•"/>
-              <a:tabLst>
-                <a:tab pos="914400" algn="l"/>
-              </a:tabLst>
-            </a:pPr>
-            <a:r>
-              <a:rPr lang="en-US" sz="1100" b="0" kern="100" dirty="0">
-                <a:effectLst/>
-                <a:latin typeface="Calibri" panose="020F0502020204030204" pitchFamily="34" charset="0"/>
-                <a:ea typeface="Calibri" panose="020F0502020204030204" pitchFamily="34" charset="0"/>
-                <a:cs typeface="Times New Roman" panose="02020603050405020304" pitchFamily="18" charset="0"/>
-              </a:rPr>
-              <a:t>consider balancing out flight schedules more evenly where possible</a:t>
-            </a:r>
-            <a:endParaRPr lang="en-GB" sz="1100" b="0" kern="100" dirty="0">
-              <a:effectLst/>
-              <a:latin typeface="Calibri" panose="020F0502020204030204" pitchFamily="34" charset="0"/>
-              <a:ea typeface="Calibri" panose="020F0502020204030204" pitchFamily="34" charset="0"/>
-              <a:cs typeface="Times New Roman" panose="02020603050405020304" pitchFamily="18" charset="0"/>
-            </a:endParaRPr>
-          </a:p>
-          <a:p>
-            <a:pPr marL="742950" lvl="1" indent="-285750">
-              <a:lnSpc>
-                <a:spcPct val="107000"/>
-              </a:lnSpc>
-              <a:spcAft>
-                <a:spcPts val="800"/>
-              </a:spcAft>
-              <a:buFont typeface="Arial" panose="020B0604020202020204" pitchFamily="34" charset="0"/>
-              <a:buChar char="•"/>
-              <a:tabLst>
-                <a:tab pos="914400" algn="l"/>
-              </a:tabLst>
-            </a:pPr>
-            <a:r>
-              <a:rPr lang="en-US" sz="1100" b="0" kern="100" dirty="0">
-                <a:effectLst/>
-                <a:latin typeface="Calibri" panose="020F0502020204030204" pitchFamily="34" charset="0"/>
-                <a:ea typeface="Calibri" panose="020F0502020204030204" pitchFamily="34" charset="0"/>
-                <a:cs typeface="Times New Roman" panose="02020603050405020304" pitchFamily="18" charset="0"/>
-              </a:rPr>
-              <a:t>further research needed to ascertain the specific causes of delays at  busier times</a:t>
-            </a:r>
-            <a:endParaRPr lang="en-GB" sz="1100" b="0" kern="100" dirty="0">
-              <a:effectLst/>
-              <a:latin typeface="Calibri" panose="020F0502020204030204" pitchFamily="34" charset="0"/>
-              <a:ea typeface="Calibri" panose="020F0502020204030204" pitchFamily="34" charset="0"/>
-              <a:cs typeface="Times New Roman" panose="02020603050405020304" pitchFamily="18" charset="0"/>
-            </a:endParaRPr>
-          </a:p>
-          <a:p>
-            <a:pPr marL="342900" lvl="0" indent="-342900">
-              <a:lnSpc>
-                <a:spcPct val="107000"/>
-              </a:lnSpc>
-              <a:spcAft>
-                <a:spcPts val="800"/>
-              </a:spcAft>
-              <a:buFont typeface="Arial" panose="020B0604020202020204" pitchFamily="34" charset="0"/>
-              <a:buChar char="•"/>
-              <a:tabLst>
-                <a:tab pos="457200" algn="l"/>
-              </a:tabLst>
-            </a:pPr>
-            <a:r>
-              <a:rPr lang="en-US" sz="1100" b="0" kern="100" dirty="0">
-                <a:effectLst/>
-                <a:latin typeface="Calibri" panose="020F0502020204030204" pitchFamily="34" charset="0"/>
-                <a:ea typeface="Calibri" panose="020F0502020204030204" pitchFamily="34" charset="0"/>
-                <a:cs typeface="Times New Roman" panose="02020603050405020304" pitchFamily="18" charset="0"/>
-              </a:rPr>
-              <a:t>Conversations with carriers who experience higher percentage of delays and cancellation needed to understand the specific issues the company/planes experience</a:t>
-            </a:r>
-            <a:endParaRPr lang="en-GB" sz="1100" b="0" kern="100" dirty="0">
-              <a:effectLst/>
-              <a:latin typeface="Calibri" panose="020F0502020204030204" pitchFamily="34" charset="0"/>
-              <a:ea typeface="Calibri" panose="020F0502020204030204" pitchFamily="34" charset="0"/>
-              <a:cs typeface="Times New Roman" panose="02020603050405020304" pitchFamily="18" charset="0"/>
-            </a:endParaRPr>
-          </a:p>
-          <a:p>
-            <a:endParaRPr lang="en-GB" dirty="0"/>
-          </a:p>
-        </p:txBody>
-      </p:sp>
-      <p:sp>
-        <p:nvSpPr>
-          <p:cNvPr id="4" name="Slide Number Placeholder 3"/>
-          <p:cNvSpPr>
-            <a:spLocks noGrp="1"/>
-          </p:cNvSpPr>
-          <p:nvPr>
-            <p:ph type="sldNum" sz="quarter" idx="5"/>
-          </p:nvPr>
-        </p:nvSpPr>
-        <p:spPr/>
-        <p:txBody>
-          <a:bodyPr/>
-          <a:lstStyle/>
-          <a:p>
-            <a:fld id="{578CC5AB-4EA6-4CD7-88F4-B5344D2D16C4}" type="slidenum">
-              <a:rPr lang="en-GB" smtClean="0"/>
-              <a:t>12</a:t>
+              <a:t>10</a:t>
             </a:fld>
             <a:endParaRPr lang="en-GB" dirty="0"/>
           </a:p>
@@ -6221,7 +6102,7 @@
     </p:spTree>
     <p:extLst>
       <p:ext uri="{BB962C8B-B14F-4D97-AF65-F5344CB8AC3E}">
-        <p14:creationId xmlns:p14="http://schemas.microsoft.com/office/powerpoint/2010/main" val="1695509198"/>
+        <p14:creationId xmlns:p14="http://schemas.microsoft.com/office/powerpoint/2010/main" val="1708715090"/>
       </p:ext>
     </p:extLst>
   </p:cSld>
@@ -6308,7 +6189,7 @@
           <a:p>
             <a:fld id="{578CC5AB-4EA6-4CD7-88F4-B5344D2D16C4}" type="slidenum">
               <a:rPr lang="en-GB" smtClean="0"/>
-              <a:t>4</a:t>
+              <a:t>3</a:t>
             </a:fld>
             <a:endParaRPr lang="en-GB" dirty="0"/>
           </a:p>
@@ -6421,7 +6302,7 @@
           <a:p>
             <a:fld id="{578CC5AB-4EA6-4CD7-88F4-B5344D2D16C4}" type="slidenum">
               <a:rPr lang="en-GB" smtClean="0"/>
-              <a:t>5</a:t>
+              <a:t>4</a:t>
             </a:fld>
             <a:endParaRPr lang="en-GB" dirty="0"/>
           </a:p>
@@ -6557,7 +6438,7 @@
           <a:p>
             <a:fld id="{578CC5AB-4EA6-4CD7-88F4-B5344D2D16C4}" type="slidenum">
               <a:rPr lang="en-GB" smtClean="0"/>
-              <a:t>6</a:t>
+              <a:t>5</a:t>
             </a:fld>
             <a:endParaRPr lang="en-GB" dirty="0"/>
           </a:p>
@@ -6577,101 +6458,6 @@
 </file>
 
 <file path=ppt/notesSlides/notesSlide6.xml><?xml version="1.0" encoding="utf-8"?>
-<p:notes xmlns:a="http://schemas.openxmlformats.org/drawingml/2006/main" xmlns:r="http://schemas.openxmlformats.org/officeDocument/2006/relationships" xmlns:p="http://schemas.openxmlformats.org/presentationml/2006/main">
-  <p:cSld>
-    <p:spTree>
-      <p:nvGrpSpPr>
-        <p:cNvPr id="1" name=""/>
-        <p:cNvGrpSpPr/>
-        <p:nvPr/>
-      </p:nvGrpSpPr>
-      <p:grpSpPr>
-        <a:xfrm>
-          <a:off x="0" y="0"/>
-          <a:ext cx="0" cy="0"/>
-          <a:chOff x="0" y="0"/>
-          <a:chExt cx="0" cy="0"/>
-        </a:xfrm>
-      </p:grpSpPr>
-      <p:sp>
-        <p:nvSpPr>
-          <p:cNvPr id="2" name="Slide Image Placeholder 1"/>
-          <p:cNvSpPr>
-            <a:spLocks noGrp="1" noRot="1" noChangeAspect="1"/>
-          </p:cNvSpPr>
-          <p:nvPr>
-            <p:ph type="sldImg"/>
-          </p:nvPr>
-        </p:nvSpPr>
-        <p:spPr/>
-      </p:sp>
-      <p:sp>
-        <p:nvSpPr>
-          <p:cNvPr id="3" name="Notes Placeholder 2"/>
-          <p:cNvSpPr>
-            <a:spLocks noGrp="1"/>
-          </p:cNvSpPr>
-          <p:nvPr>
-            <p:ph type="body" idx="1"/>
-          </p:nvPr>
-        </p:nvSpPr>
-        <p:spPr/>
-        <p:txBody>
-          <a:bodyPr/>
-          <a:lstStyle/>
-          <a:p>
-            <a:r>
-              <a:rPr lang="en-GB" dirty="0"/>
-              <a:t>For this presentation we will delve a bit deeper in to the pattern of delays and </a:t>
-            </a:r>
-            <a:r>
-              <a:rPr lang="en-GB"/>
-              <a:t>cancellations by carrier </a:t>
-            </a:r>
-            <a:r>
-              <a:rPr lang="en-GB" dirty="0"/>
-              <a:t>(or airline) </a:t>
-            </a:r>
-          </a:p>
-        </p:txBody>
-      </p:sp>
-      <p:sp>
-        <p:nvSpPr>
-          <p:cNvPr id="4" name="Slide Number Placeholder 3"/>
-          <p:cNvSpPr>
-            <a:spLocks noGrp="1"/>
-          </p:cNvSpPr>
-          <p:nvPr>
-            <p:ph type="sldNum" sz="quarter" idx="5"/>
-          </p:nvPr>
-        </p:nvSpPr>
-        <p:spPr/>
-        <p:txBody>
-          <a:bodyPr/>
-          <a:lstStyle/>
-          <a:p>
-            <a:fld id="{578CC5AB-4EA6-4CD7-88F4-B5344D2D16C4}" type="slidenum">
-              <a:rPr lang="en-GB" smtClean="0"/>
-              <a:t>7</a:t>
-            </a:fld>
-            <a:endParaRPr lang="en-GB" dirty="0"/>
-          </a:p>
-        </p:txBody>
-      </p:sp>
-    </p:spTree>
-    <p:extLst>
-      <p:ext uri="{BB962C8B-B14F-4D97-AF65-F5344CB8AC3E}">
-        <p14:creationId xmlns:p14="http://schemas.microsoft.com/office/powerpoint/2010/main" val="3492165516"/>
-      </p:ext>
-    </p:extLst>
-  </p:cSld>
-  <p:clrMapOvr>
-    <a:masterClrMapping/>
-  </p:clrMapOvr>
-</p:notes>
-</file>
-
-<file path=ppt/notesSlides/notesSlide7.xml><?xml version="1.0" encoding="utf-8"?>
 <p:notes xmlns:a="http://schemas.openxmlformats.org/drawingml/2006/main" xmlns:r="http://schemas.openxmlformats.org/officeDocument/2006/relationships" xmlns:p="http://schemas.openxmlformats.org/presentationml/2006/main">
   <p:cSld>
     <p:spTree>
@@ -6770,7 +6556,7 @@
           <a:p>
             <a:fld id="{578CC5AB-4EA6-4CD7-88F4-B5344D2D16C4}" type="slidenum">
               <a:rPr lang="en-GB" smtClean="0"/>
-              <a:t>8</a:t>
+              <a:t>6</a:t>
             </a:fld>
             <a:endParaRPr lang="en-GB" dirty="0"/>
           </a:p>
@@ -6789,7 +6575,7 @@
 </p:notes>
 </file>
 
-<file path=ppt/notesSlides/notesSlide8.xml><?xml version="1.0" encoding="utf-8"?>
+<file path=ppt/notesSlides/notesSlide7.xml><?xml version="1.0" encoding="utf-8"?>
 <p:notes xmlns:a="http://schemas.openxmlformats.org/drawingml/2006/main" xmlns:r="http://schemas.openxmlformats.org/officeDocument/2006/relationships" xmlns:p="http://schemas.openxmlformats.org/presentationml/2006/main">
   <p:cSld>
     <p:spTree>
@@ -6844,7 +6630,7 @@
           <a:p>
             <a:r>
               <a:rPr lang="en-GB" dirty="0"/>
-              <a:t>The graph on the left shows a model that includes weather conditions only. What we are looking for here is a high AUC, which stands for “area under the curve” number. Our weather AUC of 0.61 tells us that we can correctly predict around 61% of on time, delayed or cancelled flights when we know the wind speed, visibility, average temperature, precipitation and snow measurement. </a:t>
+              <a:t>The graph on the left shows a model that includes weather conditions only. What we are looking for here is a high AUC, which stands for “area under the curve” number. Our weather AUC of 0.61 tells us that we can reliably predict around 61% of on time, delayed or cancelled flights when we know the wind speed, visibility, average temperature, precipitation and snow measurement. </a:t>
             </a:r>
           </a:p>
           <a:p>
@@ -6853,7 +6639,7 @@
           <a:p>
             <a:r>
               <a:rPr lang="en-GB" dirty="0"/>
-              <a:t>However, if we add further factors to our model, namely month, weekday, carrier, type of plane and hour alongside the prementioned weather conditions, we find a more accurate model give us a reliable response 75% of the time. This leads to the conclusion that the reason for departure delays and cancellations is more complex than looking at weather factors alone</a:t>
+              <a:t>However, if we add further factors to our model, namely month, weekday, carrier, type of plane and the hour of scheduled departure, alongside the pre-mentioned weather conditions, we find a more accurate model give us a reliable response 75% of the time. This leads to the conclusion that the reason for departure delays and cancellations is more complex than looking at weather factors alone</a:t>
             </a:r>
           </a:p>
         </p:txBody>
@@ -6875,7 +6661,7 @@
           <a:p>
             <a:fld id="{578CC5AB-4EA6-4CD7-88F4-B5344D2D16C4}" type="slidenum">
               <a:rPr lang="en-GB" smtClean="0"/>
-              <a:t>9</a:t>
+              <a:t>7</a:t>
             </a:fld>
             <a:endParaRPr lang="en-GB" dirty="0"/>
           </a:p>
@@ -6894,7 +6680,7 @@
 </p:notes>
 </file>
 
-<file path=ppt/notesSlides/notesSlide9.xml><?xml version="1.0" encoding="utf-8"?>
+<file path=ppt/notesSlides/notesSlide8.xml><?xml version="1.0" encoding="utf-8"?>
 <p:notes xmlns:a="http://schemas.openxmlformats.org/drawingml/2006/main" xmlns:r="http://schemas.openxmlformats.org/officeDocument/2006/relationships" xmlns:p="http://schemas.openxmlformats.org/presentationml/2006/main">
   <p:cSld>
     <p:spTree>
@@ -6994,7 +6780,7 @@
           <a:p>
             <a:fld id="{578CC5AB-4EA6-4CD7-88F4-B5344D2D16C4}" type="slidenum">
               <a:rPr lang="en-GB" smtClean="0"/>
-              <a:t>10</a:t>
+              <a:t>8</a:t>
             </a:fld>
             <a:endParaRPr lang="en-GB" dirty="0"/>
           </a:p>
@@ -7004,6 +6790,120 @@
     <p:extLst>
       <p:ext uri="{BB962C8B-B14F-4D97-AF65-F5344CB8AC3E}">
         <p14:creationId xmlns:p14="http://schemas.microsoft.com/office/powerpoint/2010/main" val="77530039"/>
+      </p:ext>
+    </p:extLst>
+  </p:cSld>
+  <p:clrMapOvr>
+    <a:masterClrMapping/>
+  </p:clrMapOvr>
+</p:notes>
+</file>
+
+<file path=ppt/notesSlides/notesSlide9.xml><?xml version="1.0" encoding="utf-8"?>
+<p:notes xmlns:a="http://schemas.openxmlformats.org/drawingml/2006/main" xmlns:r="http://schemas.openxmlformats.org/officeDocument/2006/relationships" xmlns:p="http://schemas.openxmlformats.org/presentationml/2006/main">
+  <p:cSld>
+    <p:spTree>
+      <p:nvGrpSpPr>
+        <p:cNvPr id="1" name=""/>
+        <p:cNvGrpSpPr/>
+        <p:nvPr/>
+      </p:nvGrpSpPr>
+      <p:grpSpPr>
+        <a:xfrm>
+          <a:off x="0" y="0"/>
+          <a:ext cx="0" cy="0"/>
+          <a:chOff x="0" y="0"/>
+          <a:chExt cx="0" cy="0"/>
+        </a:xfrm>
+      </p:grpSpPr>
+      <p:sp>
+        <p:nvSpPr>
+          <p:cNvPr id="2" name="Slide Image Placeholder 1"/>
+          <p:cNvSpPr>
+            <a:spLocks noGrp="1" noRot="1" noChangeAspect="1"/>
+          </p:cNvSpPr>
+          <p:nvPr>
+            <p:ph type="sldImg"/>
+          </p:nvPr>
+        </p:nvSpPr>
+        <p:spPr/>
+      </p:sp>
+      <p:sp>
+        <p:nvSpPr>
+          <p:cNvPr id="3" name="Notes Placeholder 2"/>
+          <p:cNvSpPr>
+            <a:spLocks noGrp="1"/>
+          </p:cNvSpPr>
+          <p:nvPr>
+            <p:ph type="body" idx="1"/>
+          </p:nvPr>
+        </p:nvSpPr>
+        <p:spPr/>
+        <p:txBody>
+          <a:bodyPr/>
+          <a:lstStyle/>
+          <a:p>
+            <a:r>
+              <a:rPr lang="en-GB" dirty="0"/>
+              <a:t>Continuing to look at performance across the three airports, the graph on the left shows the count of scheduled domestic departures for all three airports throughout each month of 2017. </a:t>
+            </a:r>
+          </a:p>
+          <a:p>
+            <a:endParaRPr lang="en-GB" dirty="0"/>
+          </a:p>
+          <a:p>
+            <a:r>
+              <a:rPr lang="en-GB" dirty="0"/>
+              <a:t>We see that Newark (identified by the blue line) has a higher number of domestic departures than the other two airports. </a:t>
+            </a:r>
+          </a:p>
+          <a:p>
+            <a:endParaRPr lang="en-GB" dirty="0"/>
+          </a:p>
+          <a:p>
+            <a:r>
+              <a:rPr lang="en-GB" dirty="0"/>
+              <a:t>Breaking this information down to show the percentage of delayed and cancelled flights across each month of the year, we see fairly similar trends across the board. As mentioned earlier, we see an increase of busy-ness at each airport in the summer months, when the average temperature is higher.</a:t>
+            </a:r>
+          </a:p>
+          <a:p>
+            <a:endParaRPr lang="en-GB" dirty="0"/>
+          </a:p>
+          <a:p>
+            <a:r>
+              <a:rPr lang="en-GB" dirty="0"/>
+              <a:t>Our data does show some anomalies, for example we see that June is a quiet summer month for Newark, yet it is the month with the higher number of delays. This may be worth further exploration. </a:t>
+            </a:r>
+          </a:p>
+        </p:txBody>
+      </p:sp>
+      <p:sp>
+        <p:nvSpPr>
+          <p:cNvPr id="4" name="Slide Number Placeholder 3"/>
+          <p:cNvSpPr>
+            <a:spLocks noGrp="1"/>
+          </p:cNvSpPr>
+          <p:nvPr>
+            <p:ph type="sldNum" sz="quarter" idx="5"/>
+          </p:nvPr>
+        </p:nvSpPr>
+        <p:spPr/>
+        <p:txBody>
+          <a:bodyPr/>
+          <a:lstStyle/>
+          <a:p>
+            <a:fld id="{578CC5AB-4EA6-4CD7-88F4-B5344D2D16C4}" type="slidenum">
+              <a:rPr lang="en-GB" smtClean="0"/>
+              <a:t>9</a:t>
+            </a:fld>
+            <a:endParaRPr lang="en-GB" dirty="0"/>
+          </a:p>
+        </p:txBody>
+      </p:sp>
+    </p:spTree>
+    <p:extLst>
+      <p:ext uri="{BB962C8B-B14F-4D97-AF65-F5344CB8AC3E}">
+        <p14:creationId xmlns:p14="http://schemas.microsoft.com/office/powerpoint/2010/main" val="4178701064"/>
       </p:ext>
     </p:extLst>
   </p:cSld>
@@ -7091,7 +6991,7 @@
           <a:p>
             <a:fld id="{18DCCD61-643D-44A5-A450-3A42A50CBC1E}" type="datetimeFigureOut">
               <a:rPr lang="en-US" smtClean="0"/>
-              <a:t>5/2/2023</a:t>
+              <a:t>5/3/2023</a:t>
             </a:fld>
             <a:endParaRPr lang="en-US" dirty="0"/>
           </a:p>
@@ -7366,7 +7266,7 @@
           <a:p>
             <a:fld id="{18DCCD61-643D-44A5-A450-3A42A50CBC1E}" type="datetimeFigureOut">
               <a:rPr lang="en-US" smtClean="0"/>
-              <a:t>5/2/2023</a:t>
+              <a:t>5/3/2023</a:t>
             </a:fld>
             <a:endParaRPr lang="en-US" dirty="0"/>
           </a:p>
@@ -7618,7 +7518,7 @@
           <a:p>
             <a:fld id="{18DCCD61-643D-44A5-A450-3A42A50CBC1E}" type="datetimeFigureOut">
               <a:rPr lang="en-US" smtClean="0"/>
-              <a:t>5/2/2023</a:t>
+              <a:t>5/3/2023</a:t>
             </a:fld>
             <a:endParaRPr lang="en-US" dirty="0"/>
           </a:p>
@@ -7786,7 +7686,7 @@
           <a:p>
             <a:fld id="{18DCCD61-643D-44A5-A450-3A42A50CBC1E}" type="datetimeFigureOut">
               <a:rPr lang="en-US" smtClean="0"/>
-              <a:t>5/2/2023</a:t>
+              <a:t>5/3/2023</a:t>
             </a:fld>
             <a:endParaRPr lang="en-US" dirty="0"/>
           </a:p>
@@ -7964,7 +7864,7 @@
           <a:p>
             <a:fld id="{18DCCD61-643D-44A5-A450-3A42A50CBC1E}" type="datetimeFigureOut">
               <a:rPr lang="en-US" smtClean="0"/>
-              <a:t>5/2/2023</a:t>
+              <a:t>5/3/2023</a:t>
             </a:fld>
             <a:endParaRPr lang="en-US" dirty="0"/>
           </a:p>
@@ -8540,7 +8440,7 @@
           <a:p>
             <a:fld id="{18DCCD61-643D-44A5-A450-3A42A50CBC1E}" type="datetimeFigureOut">
               <a:rPr lang="en-US" smtClean="0"/>
-              <a:t>5/2/2023</a:t>
+              <a:t>5/3/2023</a:t>
             </a:fld>
             <a:endParaRPr lang="en-US" dirty="0"/>
           </a:p>
@@ -8708,7 +8608,7 @@
           <a:p>
             <a:fld id="{18DCCD61-643D-44A5-A450-3A42A50CBC1E}" type="datetimeFigureOut">
               <a:rPr lang="en-US" smtClean="0"/>
-              <a:t>5/2/2023</a:t>
+              <a:t>5/3/2023</a:t>
             </a:fld>
             <a:endParaRPr lang="en-US" dirty="0"/>
           </a:p>
@@ -8953,7 +8853,7 @@
           <a:p>
             <a:fld id="{18DCCD61-643D-44A5-A450-3A42A50CBC1E}" type="datetimeFigureOut">
               <a:rPr lang="en-US" smtClean="0"/>
-              <a:t>5/2/2023</a:t>
+              <a:t>5/3/2023</a:t>
             </a:fld>
             <a:endParaRPr lang="en-US" dirty="0"/>
           </a:p>
@@ -9238,7 +9138,7 @@
           <a:p>
             <a:fld id="{18DCCD61-643D-44A5-A450-3A42A50CBC1E}" type="datetimeFigureOut">
               <a:rPr lang="en-US" smtClean="0"/>
-              <a:t>5/2/2023</a:t>
+              <a:t>5/3/2023</a:t>
             </a:fld>
             <a:endParaRPr lang="en-US" dirty="0"/>
           </a:p>
@@ -9657,7 +9557,7 @@
           <a:p>
             <a:fld id="{18DCCD61-643D-44A5-A450-3A42A50CBC1E}" type="datetimeFigureOut">
               <a:rPr lang="en-US" smtClean="0"/>
-              <a:t>5/2/2023</a:t>
+              <a:t>5/3/2023</a:t>
             </a:fld>
             <a:endParaRPr lang="en-US" dirty="0"/>
           </a:p>
@@ -9774,7 +9674,7 @@
           <a:p>
             <a:fld id="{18DCCD61-643D-44A5-A450-3A42A50CBC1E}" type="datetimeFigureOut">
               <a:rPr lang="en-US" smtClean="0"/>
-              <a:t>5/2/2023</a:t>
+              <a:t>5/3/2023</a:t>
             </a:fld>
             <a:endParaRPr lang="en-US" dirty="0"/>
           </a:p>
@@ -10276,7 +10176,7 @@
           <a:p>
             <a:fld id="{18DCCD61-643D-44A5-A450-3A42A50CBC1E}" type="datetimeFigureOut">
               <a:rPr lang="en-US" smtClean="0"/>
-              <a:t>5/2/2023</a:t>
+              <a:t>5/3/2023</a:t>
             </a:fld>
             <a:endParaRPr lang="en-US" dirty="0"/>
           </a:p>
@@ -10835,312 +10735,6 @@
           <a:p>
             <a:r>
               <a:rPr lang="en-US" altLang="ko-KR" dirty="0">
-                <a:latin typeface="Malgun Gothic" panose="020B0503020000020004" pitchFamily="34" charset="-127"/>
-                <a:ea typeface="Malgun Gothic" panose="020B0503020000020004" pitchFamily="34" charset="-127"/>
-              </a:rPr>
-              <a:t>Flight status across NYC serving airports</a:t>
-            </a:r>
-            <a:endParaRPr lang="ko-KR" altLang="en-US" dirty="0">
-              <a:latin typeface="Malgun Gothic" panose="020B0503020000020004" pitchFamily="34" charset="-127"/>
-              <a:ea typeface="Malgun Gothic" panose="020B0503020000020004" pitchFamily="34" charset="-127"/>
-            </a:endParaRPr>
-          </a:p>
-        </p:txBody>
-      </p:sp>
-      <p:sp>
-        <p:nvSpPr>
-          <p:cNvPr id="10" name="Content Placeholder 5">
-            <a:extLst>
-              <a:ext uri="{FF2B5EF4-FFF2-40B4-BE49-F238E27FC236}">
-                <a16:creationId xmlns:a16="http://schemas.microsoft.com/office/drawing/2014/main" id="{CEAC3E47-16DD-5FBB-A492-125DDA0236F0}"/>
-              </a:ext>
-            </a:extLst>
-          </p:cNvPr>
-          <p:cNvSpPr>
-            <a:spLocks noGrp="1"/>
-          </p:cNvSpPr>
-          <p:nvPr>
-            <p:ph idx="1"/>
-          </p:nvPr>
-        </p:nvSpPr>
-        <p:spPr>
-          <a:xfrm>
-            <a:off x="7248128" y="1412776"/>
-            <a:ext cx="4464496" cy="5285978"/>
-          </a:xfrm>
-        </p:spPr>
-        <p:txBody>
-          <a:bodyPr/>
-          <a:lstStyle/>
-          <a:p>
-            <a:pPr marL="1085850" lvl="1" indent="-342900">
-              <a:buFont typeface="Arial" panose="020B0604020202020204" pitchFamily="34" charset="0"/>
-              <a:buChar char="•"/>
-            </a:pPr>
-            <a:r>
-              <a:rPr lang="en-US" altLang="ko-KR" sz="2400" b="1" dirty="0">
-                <a:solidFill>
-                  <a:schemeClr val="bg1"/>
-                </a:solidFill>
-              </a:rPr>
-              <a:t>Newark slightly underperforming with on time flights and higher number of delays, but fewer cancellations than LaGuardia</a:t>
-            </a:r>
-          </a:p>
-          <a:p>
-            <a:pPr lvl="1" indent="0">
-              <a:buNone/>
-            </a:pPr>
-            <a:endParaRPr lang="en-US" altLang="ko-KR" sz="2400" b="1" dirty="0">
-              <a:solidFill>
-                <a:schemeClr val="bg1"/>
-              </a:solidFill>
-            </a:endParaRPr>
-          </a:p>
-          <a:p>
-            <a:pPr marL="1085850" lvl="1" indent="-342900">
-              <a:buFont typeface="Arial" panose="020B0604020202020204" pitchFamily="34" charset="0"/>
-              <a:buChar char="•"/>
-            </a:pPr>
-            <a:r>
-              <a:rPr lang="en-US" altLang="ko-KR" sz="2400" b="1" dirty="0">
-                <a:solidFill>
-                  <a:schemeClr val="bg1"/>
-                </a:solidFill>
-              </a:rPr>
-              <a:t>Roughly similar distribution of on time, delayed and cancelled flights across all 3 airports</a:t>
-            </a:r>
-            <a:endParaRPr lang="en-US" altLang="ko-KR" sz="2400" b="1" dirty="0"/>
-          </a:p>
-          <a:p>
-            <a:pPr lvl="0"/>
-            <a:endParaRPr lang="en-US" altLang="ko-KR" b="1" dirty="0"/>
-          </a:p>
-          <a:p>
-            <a:pPr lvl="0"/>
-            <a:r>
-              <a:rPr lang="en-US" altLang="ko-KR" b="1" dirty="0"/>
-              <a:t>	</a:t>
-            </a:r>
-            <a:endParaRPr lang="en-US" altLang="ko-KR" b="1" dirty="0">
-              <a:latin typeface="Arial" pitchFamily="34" charset="0"/>
-              <a:cs typeface="Arial" pitchFamily="34" charset="0"/>
-            </a:endParaRPr>
-          </a:p>
-        </p:txBody>
-      </p:sp>
-      <p:pic>
-        <p:nvPicPr>
-          <p:cNvPr id="3" name="Picture 2" descr="Chart, bar chart&#10;&#10;Description automatically generated">
-            <a:extLst>
-              <a:ext uri="{FF2B5EF4-FFF2-40B4-BE49-F238E27FC236}">
-                <a16:creationId xmlns:a16="http://schemas.microsoft.com/office/drawing/2014/main" id="{D04EAB95-0236-8623-34AC-EA3D2AEF1450}"/>
-              </a:ext>
-            </a:extLst>
-          </p:cNvPr>
-          <p:cNvPicPr>
-            <a:picLocks noChangeAspect="1"/>
-          </p:cNvPicPr>
-          <p:nvPr/>
-        </p:nvPicPr>
-        <p:blipFill>
-          <a:blip r:embed="rId3">
-            <a:extLst>
-              <a:ext uri="{28A0092B-C50C-407E-A947-70E740481C1C}">
-                <a14:useLocalDpi xmlns:a14="http://schemas.microsoft.com/office/drawing/2010/main" val="0"/>
-              </a:ext>
-            </a:extLst>
-          </a:blip>
-          <a:stretch>
-            <a:fillRect/>
-          </a:stretch>
-        </p:blipFill>
-        <p:spPr>
-          <a:xfrm>
-            <a:off x="191344" y="1343428"/>
-            <a:ext cx="7524337" cy="5267036"/>
-          </a:xfrm>
-          <a:prstGeom prst="rect">
-            <a:avLst/>
-          </a:prstGeom>
-        </p:spPr>
-      </p:pic>
-    </p:spTree>
-    <p:extLst>
-      <p:ext uri="{BB962C8B-B14F-4D97-AF65-F5344CB8AC3E}">
-        <p14:creationId xmlns:p14="http://schemas.microsoft.com/office/powerpoint/2010/main" val="3581301953"/>
-      </p:ext>
-    </p:extLst>
-  </p:cSld>
-  <p:clrMapOvr>
-    <a:masterClrMapping/>
-  </p:clrMapOvr>
-</p:sld>
-</file>
-
-<file path=ppt/slides/slide11.xml><?xml version="1.0" encoding="utf-8"?>
-<p:sld xmlns:a="http://schemas.openxmlformats.org/drawingml/2006/main" xmlns:r="http://schemas.openxmlformats.org/officeDocument/2006/relationships" xmlns:p="http://schemas.openxmlformats.org/presentationml/2006/main">
-  <p:cSld>
-    <p:spTree>
-      <p:nvGrpSpPr>
-        <p:cNvPr id="1" name=""/>
-        <p:cNvGrpSpPr/>
-        <p:nvPr/>
-      </p:nvGrpSpPr>
-      <p:grpSpPr>
-        <a:xfrm>
-          <a:off x="0" y="0"/>
-          <a:ext cx="0" cy="0"/>
-          <a:chOff x="0" y="0"/>
-          <a:chExt cx="0" cy="0"/>
-        </a:xfrm>
-      </p:grpSpPr>
-      <p:sp>
-        <p:nvSpPr>
-          <p:cNvPr id="4" name="Title 3"/>
-          <p:cNvSpPr>
-            <a:spLocks noGrp="1"/>
-          </p:cNvSpPr>
-          <p:nvPr>
-            <p:ph type="title"/>
-          </p:nvPr>
-        </p:nvSpPr>
-        <p:spPr/>
-        <p:txBody>
-          <a:bodyPr/>
-          <a:lstStyle/>
-          <a:p>
-            <a:r>
-              <a:rPr lang="en-US" altLang="ko-KR" dirty="0">
-                <a:latin typeface="+mj-lt"/>
-              </a:rPr>
-              <a:t>Monthly analysis</a:t>
-            </a:r>
-            <a:endParaRPr lang="ko-KR" altLang="en-US" dirty="0">
-              <a:latin typeface="Malgun Gothic" panose="020B0503020000020004" pitchFamily="34" charset="-127"/>
-              <a:ea typeface="Malgun Gothic" panose="020B0503020000020004" pitchFamily="34" charset="-127"/>
-            </a:endParaRPr>
-          </a:p>
-        </p:txBody>
-      </p:sp>
-      <p:pic>
-        <p:nvPicPr>
-          <p:cNvPr id="5" name="Picture 4" descr="Chart, line chart&#10;&#10;Description automatically generated">
-            <a:extLst>
-              <a:ext uri="{FF2B5EF4-FFF2-40B4-BE49-F238E27FC236}">
-                <a16:creationId xmlns:a16="http://schemas.microsoft.com/office/drawing/2014/main" id="{5A0C072C-E8F2-B0DD-35B3-51A230962A27}"/>
-              </a:ext>
-            </a:extLst>
-          </p:cNvPr>
-          <p:cNvPicPr>
-            <a:picLocks noChangeAspect="1"/>
-          </p:cNvPicPr>
-          <p:nvPr/>
-        </p:nvPicPr>
-        <p:blipFill>
-          <a:blip r:embed="rId3">
-            <a:extLst>
-              <a:ext uri="{28A0092B-C50C-407E-A947-70E740481C1C}">
-                <a14:useLocalDpi xmlns:a14="http://schemas.microsoft.com/office/drawing/2010/main" val="0"/>
-              </a:ext>
-            </a:extLst>
-          </a:blip>
-          <a:stretch>
-            <a:fillRect/>
-          </a:stretch>
-        </p:blipFill>
-        <p:spPr>
-          <a:xfrm>
-            <a:off x="5015880" y="1268760"/>
-            <a:ext cx="6794469" cy="5435575"/>
-          </a:xfrm>
-          <a:prstGeom prst="rect">
-            <a:avLst/>
-          </a:prstGeom>
-        </p:spPr>
-      </p:pic>
-      <p:pic>
-        <p:nvPicPr>
-          <p:cNvPr id="13" name="Picture 12" descr="Chart, line chart&#10;&#10;Description automatically generated">
-            <a:extLst>
-              <a:ext uri="{FF2B5EF4-FFF2-40B4-BE49-F238E27FC236}">
-                <a16:creationId xmlns:a16="http://schemas.microsoft.com/office/drawing/2014/main" id="{2C2059FD-9550-79F3-32C9-4E0AAC353FD6}"/>
-              </a:ext>
-            </a:extLst>
-          </p:cNvPr>
-          <p:cNvPicPr>
-            <a:picLocks noChangeAspect="1"/>
-          </p:cNvPicPr>
-          <p:nvPr/>
-        </p:nvPicPr>
-        <p:blipFill>
-          <a:blip r:embed="rId4">
-            <a:extLst>
-              <a:ext uri="{28A0092B-C50C-407E-A947-70E740481C1C}">
-                <a14:useLocalDpi xmlns:a14="http://schemas.microsoft.com/office/drawing/2010/main" val="0"/>
-              </a:ext>
-            </a:extLst>
-          </a:blip>
-          <a:stretch>
-            <a:fillRect/>
-          </a:stretch>
-        </p:blipFill>
-        <p:spPr>
-          <a:xfrm>
-            <a:off x="191344" y="1271495"/>
-            <a:ext cx="4645145" cy="4064502"/>
-          </a:xfrm>
-          <a:prstGeom prst="rect">
-            <a:avLst/>
-          </a:prstGeom>
-        </p:spPr>
-      </p:pic>
-    </p:spTree>
-    <p:extLst>
-      <p:ext uri="{BB962C8B-B14F-4D97-AF65-F5344CB8AC3E}">
-        <p14:creationId xmlns:p14="http://schemas.microsoft.com/office/powerpoint/2010/main" val="772041981"/>
-      </p:ext>
-    </p:extLst>
-  </p:cSld>
-  <p:clrMapOvr>
-    <a:masterClrMapping/>
-  </p:clrMapOvr>
-</p:sld>
-</file>
-
-<file path=ppt/slides/slide12.xml><?xml version="1.0" encoding="utf-8"?>
-<p:sld xmlns:a="http://schemas.openxmlformats.org/drawingml/2006/main" xmlns:r="http://schemas.openxmlformats.org/officeDocument/2006/relationships" xmlns:p="http://schemas.openxmlformats.org/presentationml/2006/main">
-  <p:cSld>
-    <p:spTree>
-      <p:nvGrpSpPr>
-        <p:cNvPr id="1" name=""/>
-        <p:cNvGrpSpPr/>
-        <p:nvPr/>
-      </p:nvGrpSpPr>
-      <p:grpSpPr>
-        <a:xfrm>
-          <a:off x="0" y="0"/>
-          <a:ext cx="0" cy="0"/>
-          <a:chOff x="0" y="0"/>
-          <a:chExt cx="0" cy="0"/>
-        </a:xfrm>
-      </p:grpSpPr>
-      <p:sp>
-        <p:nvSpPr>
-          <p:cNvPr id="4" name="Title 3"/>
-          <p:cNvSpPr>
-            <a:spLocks noGrp="1"/>
-          </p:cNvSpPr>
-          <p:nvPr>
-            <p:ph type="title"/>
-          </p:nvPr>
-        </p:nvSpPr>
-        <p:spPr/>
-        <p:txBody>
-          <a:bodyPr/>
-          <a:lstStyle/>
-          <a:p>
-            <a:r>
-              <a:rPr lang="en-US" altLang="ko-KR" dirty="0">
                 <a:latin typeface="+mj-lt"/>
               </a:rPr>
               <a:t>Conclusions and recommendations</a:t>
@@ -11388,7 +10982,7 @@
     </p:spTree>
     <p:extLst>
       <p:ext uri="{BB962C8B-B14F-4D97-AF65-F5344CB8AC3E}">
-        <p14:creationId xmlns:p14="http://schemas.microsoft.com/office/powerpoint/2010/main" val="891763176"/>
+        <p14:creationId xmlns:p14="http://schemas.microsoft.com/office/powerpoint/2010/main" val="3137625035"/>
       </p:ext>
     </p:extLst>
   </p:cSld>
@@ -11399,252 +10993,6 @@
 </file>
 
 <file path=ppt/slides/slide3.xml><?xml version="1.0" encoding="utf-8"?>
-<p:sld xmlns:a="http://schemas.openxmlformats.org/drawingml/2006/main" xmlns:r="http://schemas.openxmlformats.org/officeDocument/2006/relationships" xmlns:p="http://schemas.openxmlformats.org/presentationml/2006/main">
-  <p:cSld>
-    <p:spTree>
-      <p:nvGrpSpPr>
-        <p:cNvPr id="1" name=""/>
-        <p:cNvGrpSpPr/>
-        <p:nvPr/>
-      </p:nvGrpSpPr>
-      <p:grpSpPr>
-        <a:xfrm>
-          <a:off x="0" y="0"/>
-          <a:ext cx="0" cy="0"/>
-          <a:chOff x="0" y="0"/>
-          <a:chExt cx="0" cy="0"/>
-        </a:xfrm>
-      </p:grpSpPr>
-      <p:sp>
-        <p:nvSpPr>
-          <p:cNvPr id="4" name="Title 3"/>
-          <p:cNvSpPr>
-            <a:spLocks noGrp="1"/>
-          </p:cNvSpPr>
-          <p:nvPr>
-            <p:ph type="title"/>
-          </p:nvPr>
-        </p:nvSpPr>
-        <p:spPr/>
-        <p:txBody>
-          <a:bodyPr/>
-          <a:lstStyle/>
-          <a:p>
-            <a:r>
-              <a:rPr lang="en-US" altLang="ko-KR" dirty="0">
-                <a:latin typeface="Malgun Gothic" panose="020B0503020000020004" pitchFamily="34" charset="-127"/>
-                <a:ea typeface="Malgun Gothic" panose="020B0503020000020004" pitchFamily="34" charset="-127"/>
-              </a:rPr>
-              <a:t>Data</a:t>
-            </a:r>
-            <a:endParaRPr lang="ko-KR" altLang="en-US" dirty="0">
-              <a:latin typeface="Malgun Gothic" panose="020B0503020000020004" pitchFamily="34" charset="-127"/>
-              <a:ea typeface="Malgun Gothic" panose="020B0503020000020004" pitchFamily="34" charset="-127"/>
-            </a:endParaRPr>
-          </a:p>
-        </p:txBody>
-      </p:sp>
-      <p:sp>
-        <p:nvSpPr>
-          <p:cNvPr id="6" name="Content Placeholder 5"/>
-          <p:cNvSpPr>
-            <a:spLocks noGrp="1"/>
-          </p:cNvSpPr>
-          <p:nvPr>
-            <p:ph idx="1"/>
-          </p:nvPr>
-        </p:nvSpPr>
-        <p:spPr>
-          <a:xfrm>
-            <a:off x="119336" y="1916832"/>
-            <a:ext cx="12192000" cy="5400600"/>
-          </a:xfrm>
-        </p:spPr>
-        <p:txBody>
-          <a:bodyPr/>
-          <a:lstStyle/>
-          <a:p>
-            <a:pPr lvl="0"/>
-            <a:r>
-              <a:rPr lang="en-US" altLang="ko-KR" sz="2400" b="1" dirty="0">
-                <a:latin typeface="+mn-lt"/>
-                <a:cs typeface="+mn-cs"/>
-              </a:rPr>
-              <a:t>The following datasets have been used:</a:t>
-            </a:r>
-          </a:p>
-          <a:p>
-            <a:pPr marL="1085850" lvl="1" indent="-342900">
-              <a:buFont typeface="Arial" panose="020B0604020202020204" pitchFamily="34" charset="0"/>
-              <a:buChar char="•"/>
-            </a:pPr>
-            <a:r>
-              <a:rPr lang="en-US" altLang="ko-KR" sz="2400" b="1" dirty="0">
-                <a:solidFill>
-                  <a:schemeClr val="bg1"/>
-                </a:solidFill>
-              </a:rPr>
-              <a:t>flights – information on departures from Newark (EWR), JFK (JFK) and LaGuardia (LGA) for 2017</a:t>
-            </a:r>
-          </a:p>
-          <a:p>
-            <a:pPr marL="1085850" lvl="1" indent="-342900">
-              <a:buFont typeface="Arial" panose="020B0604020202020204" pitchFamily="34" charset="0"/>
-              <a:buChar char="•"/>
-            </a:pPr>
-            <a:r>
-              <a:rPr lang="en-US" altLang="ko-KR" sz="2400" b="1" dirty="0">
-                <a:solidFill>
-                  <a:schemeClr val="bg1"/>
-                </a:solidFill>
-              </a:rPr>
-              <a:t>weather – hourly weather conditions for each airport York throughout 2017</a:t>
-            </a:r>
-          </a:p>
-          <a:p>
-            <a:pPr marL="1085850" lvl="1" indent="-342900">
-              <a:buFont typeface="Arial" panose="020B0604020202020204" pitchFamily="34" charset="0"/>
-              <a:buChar char="•"/>
-            </a:pPr>
-            <a:r>
-              <a:rPr lang="en-US" altLang="ko-KR" sz="2400" b="1" dirty="0">
-                <a:solidFill>
-                  <a:schemeClr val="bg1"/>
-                </a:solidFill>
-              </a:rPr>
-              <a:t>additional weather – further daily weather information from </a:t>
-            </a:r>
-            <a:r>
-              <a:rPr lang="en-US" altLang="ko-KR" sz="2400" b="1" dirty="0" err="1">
-                <a:solidFill>
-                  <a:schemeClr val="bg1"/>
-                </a:solidFill>
-              </a:rPr>
-              <a:t>meteostat</a:t>
-            </a:r>
-            <a:endParaRPr lang="en-US" altLang="ko-KR" sz="2400" b="1" dirty="0">
-              <a:solidFill>
-                <a:schemeClr val="bg1"/>
-              </a:solidFill>
-            </a:endParaRPr>
-          </a:p>
-          <a:p>
-            <a:pPr marL="1085850" lvl="1" indent="-342900">
-              <a:buFont typeface="Arial" panose="020B0604020202020204" pitchFamily="34" charset="0"/>
-              <a:buChar char="•"/>
-            </a:pPr>
-            <a:r>
-              <a:rPr lang="en-US" altLang="ko-KR" sz="2400" b="1" dirty="0">
-                <a:solidFill>
-                  <a:schemeClr val="bg1"/>
-                </a:solidFill>
-              </a:rPr>
-              <a:t>airlines – information on the carrier airlines</a:t>
-            </a:r>
-          </a:p>
-          <a:p>
-            <a:pPr marL="1085850" lvl="1" indent="-342900">
-              <a:buFont typeface="Arial" panose="020B0604020202020204" pitchFamily="34" charset="0"/>
-              <a:buChar char="•"/>
-            </a:pPr>
-            <a:r>
-              <a:rPr lang="en-US" altLang="ko-KR" sz="2400" b="1" dirty="0">
-                <a:solidFill>
-                  <a:schemeClr val="bg1"/>
-                </a:solidFill>
-              </a:rPr>
-              <a:t>planes – information on the model specifications and manufacturing data</a:t>
-            </a:r>
-          </a:p>
-          <a:p>
-            <a:pPr lvl="0"/>
-            <a:endParaRPr lang="en-US" altLang="ko-KR" sz="2400" b="1" dirty="0">
-              <a:latin typeface="+mn-lt"/>
-            </a:endParaRPr>
-          </a:p>
-          <a:p>
-            <a:pPr lvl="0"/>
-            <a:r>
-              <a:rPr lang="en-US" altLang="ko-KR" sz="2400" b="1" dirty="0">
-                <a:latin typeface="+mn-lt"/>
-                <a:cs typeface="+mn-cs"/>
-              </a:rPr>
-              <a:t>Data ethics:</a:t>
-            </a:r>
-          </a:p>
-          <a:p>
-            <a:pPr marL="1085850" lvl="1" indent="-342900">
-              <a:buFont typeface="Arial" panose="020B0604020202020204" pitchFamily="34" charset="0"/>
-              <a:buChar char="•"/>
-            </a:pPr>
-            <a:r>
-              <a:rPr lang="en-US" altLang="ko-KR" sz="2400" b="1" dirty="0">
-                <a:solidFill>
-                  <a:schemeClr val="bg1"/>
-                </a:solidFill>
-              </a:rPr>
-              <a:t>8 data risk zones have been considered</a:t>
-            </a:r>
-          </a:p>
-          <a:p>
-            <a:pPr marL="1085850" lvl="1" indent="-342900">
-              <a:buFont typeface="Arial" panose="020B0604020202020204" pitchFamily="34" charset="0"/>
-              <a:buChar char="•"/>
-            </a:pPr>
-            <a:r>
-              <a:rPr lang="en-US" altLang="ko-KR" sz="2400" b="1" dirty="0">
-                <a:solidFill>
-                  <a:schemeClr val="bg1"/>
-                </a:solidFill>
-              </a:rPr>
-              <a:t>no personalised passenger data </a:t>
-            </a:r>
-          </a:p>
-          <a:p>
-            <a:pPr lvl="0"/>
-            <a:endParaRPr lang="en-US" altLang="ko-KR" b="1" dirty="0">
-              <a:latin typeface="+mn-lt"/>
-              <a:cs typeface="+mn-cs"/>
-            </a:endParaRPr>
-          </a:p>
-          <a:p>
-            <a:pPr marL="1085850" lvl="1" indent="-342900">
-              <a:buFont typeface="Arial" panose="020B0604020202020204" pitchFamily="34" charset="0"/>
-              <a:buChar char="•"/>
-            </a:pPr>
-            <a:endParaRPr lang="en-US" altLang="ko-KR" b="1" dirty="0"/>
-          </a:p>
-          <a:p>
-            <a:pPr lvl="0"/>
-            <a:endParaRPr lang="en-US" altLang="ko-KR" b="1" dirty="0"/>
-          </a:p>
-          <a:p>
-            <a:pPr lvl="0"/>
-            <a:r>
-              <a:rPr lang="en-US" altLang="ko-KR" b="1" dirty="0"/>
-              <a:t>	</a:t>
-            </a:r>
-            <a:endParaRPr lang="en-US" altLang="ko-KR" b="1" dirty="0">
-              <a:latin typeface="Arial" pitchFamily="34" charset="0"/>
-              <a:cs typeface="Arial" pitchFamily="34" charset="0"/>
-            </a:endParaRPr>
-          </a:p>
-        </p:txBody>
-      </p:sp>
-    </p:spTree>
-    <p:extLst>
-      <p:ext uri="{BB962C8B-B14F-4D97-AF65-F5344CB8AC3E}">
-        <p14:creationId xmlns:p14="http://schemas.microsoft.com/office/powerpoint/2010/main" val="2576368514"/>
-      </p:ext>
-    </p:extLst>
-  </p:cSld>
-  <p:clrMapOvr>
-    <a:masterClrMapping/>
-  </p:clrMapOvr>
-</p:sld>
-</file>
-
-<file path=ppt/slides/slide4.xml><?xml version="1.0" encoding="utf-8"?>
 <p:sld xmlns:a="http://schemas.openxmlformats.org/drawingml/2006/main" xmlns:r="http://schemas.openxmlformats.org/officeDocument/2006/relationships" xmlns:p="http://schemas.openxmlformats.org/presentationml/2006/main">
   <p:cSld>
     <p:spTree>
@@ -11877,6 +11225,191 @@
     <p:extLst>
       <p:ext uri="{BB962C8B-B14F-4D97-AF65-F5344CB8AC3E}">
         <p14:creationId xmlns:p14="http://schemas.microsoft.com/office/powerpoint/2010/main" val="516576802"/>
+      </p:ext>
+    </p:extLst>
+  </p:cSld>
+  <p:clrMapOvr>
+    <a:masterClrMapping/>
+  </p:clrMapOvr>
+</p:sld>
+</file>
+
+<file path=ppt/slides/slide4.xml><?xml version="1.0" encoding="utf-8"?>
+<p:sld xmlns:a="http://schemas.openxmlformats.org/drawingml/2006/main" xmlns:r="http://schemas.openxmlformats.org/officeDocument/2006/relationships" xmlns:p="http://schemas.openxmlformats.org/presentationml/2006/main">
+  <p:cSld>
+    <p:spTree>
+      <p:nvGrpSpPr>
+        <p:cNvPr id="1" name=""/>
+        <p:cNvGrpSpPr/>
+        <p:nvPr/>
+      </p:nvGrpSpPr>
+      <p:grpSpPr>
+        <a:xfrm>
+          <a:off x="0" y="0"/>
+          <a:ext cx="0" cy="0"/>
+          <a:chOff x="0" y="0"/>
+          <a:chExt cx="0" cy="0"/>
+        </a:xfrm>
+      </p:grpSpPr>
+      <p:sp>
+        <p:nvSpPr>
+          <p:cNvPr id="4" name="Title 3"/>
+          <p:cNvSpPr>
+            <a:spLocks noGrp="1"/>
+          </p:cNvSpPr>
+          <p:nvPr>
+            <p:ph type="title"/>
+          </p:nvPr>
+        </p:nvSpPr>
+        <p:spPr/>
+        <p:txBody>
+          <a:bodyPr/>
+          <a:lstStyle/>
+          <a:p>
+            <a:r>
+              <a:rPr lang="en-US" altLang="ko-KR" dirty="0">
+                <a:latin typeface="Malgun Gothic" panose="020B0503020000020004" pitchFamily="34" charset="-127"/>
+                <a:ea typeface="Malgun Gothic" panose="020B0503020000020004" pitchFamily="34" charset="-127"/>
+              </a:rPr>
+              <a:t>Newark: impact of visibility</a:t>
+            </a:r>
+            <a:endParaRPr lang="ko-KR" altLang="en-US" dirty="0">
+              <a:latin typeface="Malgun Gothic" panose="020B0503020000020004" pitchFamily="34" charset="-127"/>
+              <a:ea typeface="Malgun Gothic" panose="020B0503020000020004" pitchFamily="34" charset="-127"/>
+            </a:endParaRPr>
+          </a:p>
+        </p:txBody>
+      </p:sp>
+      <p:sp>
+        <p:nvSpPr>
+          <p:cNvPr id="16" name="TextBox 15">
+            <a:extLst>
+              <a:ext uri="{FF2B5EF4-FFF2-40B4-BE49-F238E27FC236}">
+                <a16:creationId xmlns:a16="http://schemas.microsoft.com/office/drawing/2014/main" id="{273AA986-6BE8-B41F-A0A7-6C3C3EF626C6}"/>
+              </a:ext>
+            </a:extLst>
+          </p:cNvPr>
+          <p:cNvSpPr txBox="1"/>
+          <p:nvPr/>
+        </p:nvSpPr>
+        <p:spPr>
+          <a:xfrm>
+            <a:off x="8472264" y="1225689"/>
+            <a:ext cx="3600400" cy="5632311"/>
+          </a:xfrm>
+          <a:prstGeom prst="rect">
+            <a:avLst/>
+          </a:prstGeom>
+          <a:noFill/>
+        </p:spPr>
+        <p:txBody>
+          <a:bodyPr wrap="square" rtlCol="0">
+            <a:spAutoFit/>
+          </a:bodyPr>
+          <a:lstStyle/>
+          <a:p>
+            <a:pPr marL="285750" indent="-285750" latinLnBrk="0">
+              <a:buFont typeface="Arial" panose="020B0604020202020204" pitchFamily="34" charset="0"/>
+              <a:buChar char="•"/>
+            </a:pPr>
+            <a:r>
+              <a:rPr lang="en-GB" sz="2400" b="1" dirty="0">
+                <a:solidFill>
+                  <a:schemeClr val="bg1"/>
+                </a:solidFill>
+              </a:rPr>
+              <a:t>Cancellations more likely when visibility at 0 to 1 miles</a:t>
+            </a:r>
+          </a:p>
+          <a:p>
+            <a:pPr latinLnBrk="0"/>
+            <a:endParaRPr lang="en-GB" sz="2400" b="1" dirty="0">
+              <a:solidFill>
+                <a:schemeClr val="bg1"/>
+              </a:solidFill>
+            </a:endParaRPr>
+          </a:p>
+          <a:p>
+            <a:pPr marL="285750" indent="-285750" latinLnBrk="0">
+              <a:buFont typeface="Arial" panose="020B0604020202020204" pitchFamily="34" charset="0"/>
+              <a:buChar char="•"/>
+            </a:pPr>
+            <a:r>
+              <a:rPr lang="en-GB" sz="2400" b="1" dirty="0">
+                <a:solidFill>
+                  <a:schemeClr val="bg1"/>
+                </a:solidFill>
+              </a:rPr>
+              <a:t>Highest percentage of delays also at visibility level from 0 to 1</a:t>
+            </a:r>
+          </a:p>
+          <a:p>
+            <a:pPr marL="285750" indent="-285750" latinLnBrk="0">
+              <a:buFont typeface="Arial" panose="020B0604020202020204" pitchFamily="34" charset="0"/>
+              <a:buChar char="•"/>
+            </a:pPr>
+            <a:endParaRPr lang="en-GB" sz="2400" b="1" dirty="0">
+              <a:solidFill>
+                <a:schemeClr val="bg1"/>
+              </a:solidFill>
+            </a:endParaRPr>
+          </a:p>
+          <a:p>
+            <a:pPr marL="285750" indent="-285750" latinLnBrk="0">
+              <a:buFont typeface="Arial" panose="020B0604020202020204" pitchFamily="34" charset="0"/>
+              <a:buChar char="•"/>
+            </a:pPr>
+            <a:r>
+              <a:rPr lang="en-GB" sz="2400" b="1" dirty="0">
+                <a:solidFill>
+                  <a:schemeClr val="bg1"/>
+                </a:solidFill>
+              </a:rPr>
+              <a:t>Delays more steady throughout, with cancellation rates being impacted more with the lowest visibility </a:t>
+            </a:r>
+          </a:p>
+        </p:txBody>
+      </p:sp>
+      <p:pic>
+        <p:nvPicPr>
+          <p:cNvPr id="5" name="Picture 4" descr="A picture containing text, screenshot, diagram, line&#10;&#10;Description automatically generated">
+            <a:extLst>
+              <a:ext uri="{FF2B5EF4-FFF2-40B4-BE49-F238E27FC236}">
+                <a16:creationId xmlns:a16="http://schemas.microsoft.com/office/drawing/2014/main" id="{CDEA884C-4713-0E0C-5839-7E61A8F66532}"/>
+              </a:ext>
+            </a:extLst>
+          </p:cNvPr>
+          <p:cNvPicPr>
+            <a:picLocks noChangeAspect="1"/>
+          </p:cNvPicPr>
+          <p:nvPr/>
+        </p:nvPicPr>
+        <p:blipFill>
+          <a:blip r:embed="rId3" cstate="print">
+            <a:extLst>
+              <a:ext uri="{28A0092B-C50C-407E-A947-70E740481C1C}">
+                <a14:useLocalDpi xmlns:a14="http://schemas.microsoft.com/office/drawing/2010/main" val="0"/>
+              </a:ext>
+            </a:extLst>
+          </a:blip>
+          <a:stretch>
+            <a:fillRect/>
+          </a:stretch>
+        </p:blipFill>
+        <p:spPr>
+          <a:xfrm>
+            <a:off x="83332" y="1412776"/>
+            <a:ext cx="8388932" cy="5117824"/>
+          </a:xfrm>
+          <a:prstGeom prst="rect">
+            <a:avLst/>
+          </a:prstGeom>
+        </p:spPr>
+      </p:pic>
+    </p:spTree>
+    <p:extLst>
+      <p:ext uri="{BB962C8B-B14F-4D97-AF65-F5344CB8AC3E}">
+        <p14:creationId xmlns:p14="http://schemas.microsoft.com/office/powerpoint/2010/main" val="1726355069"/>
       </p:ext>
     </p:extLst>
   </p:cSld>
@@ -11923,7 +11456,7 @@
                 <a:latin typeface="Malgun Gothic" panose="020B0503020000020004" pitchFamily="34" charset="-127"/>
                 <a:ea typeface="Malgun Gothic" panose="020B0503020000020004" pitchFamily="34" charset="-127"/>
               </a:rPr>
-              <a:t>Newark: impact of visibility</a:t>
+              <a:t>Newark: impact of temperature</a:t>
             </a:r>
             <a:endParaRPr lang="ko-KR" altLang="en-US" dirty="0">
               <a:latin typeface="Malgun Gothic" panose="020B0503020000020004" pitchFamily="34" charset="-127"/>
@@ -11934,10 +11467,10 @@
       </p:sp>
       <p:sp>
         <p:nvSpPr>
-          <p:cNvPr id="16" name="TextBox 15">
+          <p:cNvPr id="2" name="TextBox 1">
             <a:extLst>
               <a:ext uri="{FF2B5EF4-FFF2-40B4-BE49-F238E27FC236}">
-                <a16:creationId xmlns:a16="http://schemas.microsoft.com/office/drawing/2014/main" id="{273AA986-6BE8-B41F-A0A7-6C3C3EF626C6}"/>
+                <a16:creationId xmlns:a16="http://schemas.microsoft.com/office/drawing/2014/main" id="{4BCCE3F5-7F43-2D27-857C-C5D13AABD032}"/>
               </a:ext>
             </a:extLst>
           </p:cNvPr>
@@ -11946,8 +11479,8 @@
         </p:nvSpPr>
         <p:spPr>
           <a:xfrm>
-            <a:off x="8472264" y="1225689"/>
-            <a:ext cx="3600400" cy="5632311"/>
+            <a:off x="8184232" y="1186933"/>
+            <a:ext cx="3852927" cy="5632311"/>
           </a:xfrm>
           <a:prstGeom prst="rect">
             <a:avLst/>
@@ -11965,17 +11498,17 @@
               <a:buChar char="•"/>
             </a:pPr>
             <a:r>
-              <a:rPr lang="en-GB" sz="2400" b="1" dirty="0">
+              <a:rPr lang="en-GB" sz="2000" b="1" dirty="0">
                 <a:solidFill>
                   <a:schemeClr val="bg1"/>
                 </a:solidFill>
               </a:rPr>
-              <a:t>Cancellations more likely when visibility at 0 to 1 miles</a:t>
+              <a:t>Average of 75% flights depart on time within temperature range 0.1°C - 25°C</a:t>
             </a:r>
           </a:p>
           <a:p>
             <a:pPr latinLnBrk="0"/>
-            <a:endParaRPr lang="en-GB" sz="2400" b="1" dirty="0">
+            <a:endParaRPr lang="en-GB" sz="2000" b="1" dirty="0">
               <a:solidFill>
                 <a:schemeClr val="bg1"/>
               </a:solidFill>
@@ -11987,20 +11520,42 @@
               <a:buChar char="•"/>
             </a:pPr>
             <a:r>
-              <a:rPr lang="en-GB" sz="2400" b="1" dirty="0">
+              <a:rPr lang="en-GB" sz="2000" b="1" dirty="0">
                 <a:solidFill>
                   <a:schemeClr val="bg1"/>
                 </a:solidFill>
               </a:rPr>
-              <a:t>Highest percentage of delays also at visibility level from 0 to 1</a:t>
-            </a:r>
+              <a:t>More flight delays when temperature at 0°C or below and 25.1°C or above</a:t>
+            </a:r>
+          </a:p>
+          <a:p>
+            <a:pPr latinLnBrk="0"/>
+            <a:endParaRPr lang="en-GB" sz="2000" b="1" dirty="0">
+              <a:solidFill>
+                <a:schemeClr val="bg1"/>
+              </a:solidFill>
+            </a:endParaRPr>
           </a:p>
           <a:p>
             <a:pPr marL="285750" indent="-285750" latinLnBrk="0">
               <a:buFont typeface="Arial" panose="020B0604020202020204" pitchFamily="34" charset="0"/>
               <a:buChar char="•"/>
             </a:pPr>
-            <a:endParaRPr lang="en-GB" sz="2400" b="1" dirty="0">
+            <a:r>
+              <a:rPr lang="en-GB" sz="2000" b="1" dirty="0">
+                <a:solidFill>
+                  <a:schemeClr val="bg1"/>
+                </a:solidFill>
+              </a:rPr>
+              <a:t>Lower temperature correlates with likelihood of snow</a:t>
+            </a:r>
+          </a:p>
+          <a:p>
+            <a:pPr marL="285750" indent="-285750" latinLnBrk="0">
+              <a:buFont typeface="Arial" panose="020B0604020202020204" pitchFamily="34" charset="0"/>
+              <a:buChar char="•"/>
+            </a:pPr>
+            <a:endParaRPr lang="en-GB" sz="2000" b="1" dirty="0">
               <a:solidFill>
                 <a:schemeClr val="bg1"/>
               </a:solidFill>
@@ -12012,22 +11567,22 @@
               <a:buChar char="•"/>
             </a:pPr>
             <a:r>
-              <a:rPr lang="en-GB" sz="2400" b="1" dirty="0">
+              <a:rPr lang="en-GB" sz="2000" b="1" dirty="0">
                 <a:solidFill>
                   <a:schemeClr val="bg1"/>
                 </a:solidFill>
               </a:rPr>
-              <a:t>Delays more steady throughout, with cancellation rates being impacted more with the lowest visibility </a:t>
+              <a:t>Higher temperatures correlate with months where airport has highest number of scheduled departures</a:t>
             </a:r>
           </a:p>
         </p:txBody>
       </p:sp>
       <p:pic>
         <p:nvPicPr>
-          <p:cNvPr id="3" name="Picture 2" descr="Chart&#10;&#10;Description automatically generated">
+          <p:cNvPr id="5" name="Picture 4" descr="A picture containing text, screenshot, diagram, font&#10;&#10;Description automatically generated">
             <a:extLst>
               <a:ext uri="{FF2B5EF4-FFF2-40B4-BE49-F238E27FC236}">
-                <a16:creationId xmlns:a16="http://schemas.microsoft.com/office/drawing/2014/main" id="{207059B7-F8AC-BC04-CA8C-B75A4D64CD59}"/>
+                <a16:creationId xmlns:a16="http://schemas.microsoft.com/office/drawing/2014/main" id="{182FBA69-D136-A850-358B-788148309EED}"/>
               </a:ext>
             </a:extLst>
           </p:cNvPr>
@@ -12037,7 +11592,7 @@
           <p:nvPr/>
         </p:nvPicPr>
         <p:blipFill>
-          <a:blip r:embed="rId3">
+          <a:blip r:embed="rId3" cstate="print">
             <a:extLst>
               <a:ext uri="{28A0092B-C50C-407E-A947-70E740481C1C}">
                 <a14:useLocalDpi xmlns:a14="http://schemas.microsoft.com/office/drawing/2010/main" val="0"/>
@@ -12050,7 +11605,7 @@
         </p:blipFill>
         <p:spPr>
           <a:xfrm>
-            <a:off x="335361" y="1225690"/>
+            <a:off x="263352" y="1186933"/>
             <a:ext cx="7848872" cy="5494210"/>
           </a:xfrm>
           <a:prstGeom prst="rect">
@@ -12061,7 +11616,7 @@
     </p:spTree>
     <p:extLst>
       <p:ext uri="{BB962C8B-B14F-4D97-AF65-F5344CB8AC3E}">
-        <p14:creationId xmlns:p14="http://schemas.microsoft.com/office/powerpoint/2010/main" val="1726355069"/>
+        <p14:creationId xmlns:p14="http://schemas.microsoft.com/office/powerpoint/2010/main" val="1387276238"/>
       </p:ext>
     </p:extLst>
   </p:cSld>
@@ -12108,7 +11663,7 @@
                 <a:latin typeface="Malgun Gothic" panose="020B0503020000020004" pitchFamily="34" charset="-127"/>
                 <a:ea typeface="Malgun Gothic" panose="020B0503020000020004" pitchFamily="34" charset="-127"/>
               </a:rPr>
-              <a:t>Newark: impact of temperature</a:t>
+              <a:t>Newark: delays by carrier</a:t>
             </a:r>
             <a:endParaRPr lang="ko-KR" altLang="en-US" dirty="0">
               <a:latin typeface="Malgun Gothic" panose="020B0503020000020004" pitchFamily="34" charset="-127"/>
@@ -12117,477 +11672,6 @@
           </a:p>
         </p:txBody>
       </p:sp>
-      <p:pic>
-        <p:nvPicPr>
-          <p:cNvPr id="11" name="Picture 10" descr="Chart, bar chart&#10;&#10;Description automatically generated">
-            <a:extLst>
-              <a:ext uri="{FF2B5EF4-FFF2-40B4-BE49-F238E27FC236}">
-                <a16:creationId xmlns:a16="http://schemas.microsoft.com/office/drawing/2014/main" id="{A5D0CEEC-2F4F-7AA7-1353-21E83ABC0736}"/>
-              </a:ext>
-            </a:extLst>
-          </p:cNvPr>
-          <p:cNvPicPr>
-            <a:picLocks noChangeAspect="1"/>
-          </p:cNvPicPr>
-          <p:nvPr/>
-        </p:nvPicPr>
-        <p:blipFill>
-          <a:blip r:embed="rId3">
-            <a:extLst>
-              <a:ext uri="{28A0092B-C50C-407E-A947-70E740481C1C}">
-                <a14:useLocalDpi xmlns:a14="http://schemas.microsoft.com/office/drawing/2010/main" val="0"/>
-              </a:ext>
-            </a:extLst>
-          </a:blip>
-          <a:stretch>
-            <a:fillRect/>
-          </a:stretch>
-        </p:blipFill>
-        <p:spPr>
-          <a:xfrm>
-            <a:off x="263352" y="1268760"/>
-            <a:ext cx="7812369" cy="5468658"/>
-          </a:xfrm>
-          <a:prstGeom prst="rect">
-            <a:avLst/>
-          </a:prstGeom>
-        </p:spPr>
-      </p:pic>
-      <p:sp>
-        <p:nvSpPr>
-          <p:cNvPr id="2" name="TextBox 1">
-            <a:extLst>
-              <a:ext uri="{FF2B5EF4-FFF2-40B4-BE49-F238E27FC236}">
-                <a16:creationId xmlns:a16="http://schemas.microsoft.com/office/drawing/2014/main" id="{4BCCE3F5-7F43-2D27-857C-C5D13AABD032}"/>
-              </a:ext>
-            </a:extLst>
-          </p:cNvPr>
-          <p:cNvSpPr txBox="1"/>
-          <p:nvPr/>
-        </p:nvSpPr>
-        <p:spPr>
-          <a:xfrm>
-            <a:off x="8184232" y="1186933"/>
-            <a:ext cx="3852927" cy="5632311"/>
-          </a:xfrm>
-          <a:prstGeom prst="rect">
-            <a:avLst/>
-          </a:prstGeom>
-          <a:noFill/>
-        </p:spPr>
-        <p:txBody>
-          <a:bodyPr wrap="square" rtlCol="0">
-            <a:spAutoFit/>
-          </a:bodyPr>
-          <a:lstStyle/>
-          <a:p>
-            <a:pPr marL="285750" indent="-285750" latinLnBrk="0">
-              <a:buFont typeface="Arial" panose="020B0604020202020204" pitchFamily="34" charset="0"/>
-              <a:buChar char="•"/>
-            </a:pPr>
-            <a:r>
-              <a:rPr lang="en-GB" sz="2000" b="1" dirty="0">
-                <a:solidFill>
-                  <a:schemeClr val="bg1"/>
-                </a:solidFill>
-              </a:rPr>
-              <a:t>Average of 75% flights depart on time within temperature range 0.1°C - 25°C</a:t>
-            </a:r>
-          </a:p>
-          <a:p>
-            <a:pPr latinLnBrk="0"/>
-            <a:endParaRPr lang="en-GB" sz="2000" b="1" dirty="0">
-              <a:solidFill>
-                <a:schemeClr val="bg1"/>
-              </a:solidFill>
-            </a:endParaRPr>
-          </a:p>
-          <a:p>
-            <a:pPr marL="285750" indent="-285750" latinLnBrk="0">
-              <a:buFont typeface="Arial" panose="020B0604020202020204" pitchFamily="34" charset="0"/>
-              <a:buChar char="•"/>
-            </a:pPr>
-            <a:r>
-              <a:rPr lang="en-GB" sz="2000" b="1" dirty="0">
-                <a:solidFill>
-                  <a:schemeClr val="bg1"/>
-                </a:solidFill>
-              </a:rPr>
-              <a:t>More flight delays when temperature at 0°C or below and 25.1°C or above</a:t>
-            </a:r>
-          </a:p>
-          <a:p>
-            <a:pPr latinLnBrk="0"/>
-            <a:endParaRPr lang="en-GB" sz="2000" b="1" dirty="0">
-              <a:solidFill>
-                <a:schemeClr val="bg1"/>
-              </a:solidFill>
-            </a:endParaRPr>
-          </a:p>
-          <a:p>
-            <a:pPr marL="285750" indent="-285750" latinLnBrk="0">
-              <a:buFont typeface="Arial" panose="020B0604020202020204" pitchFamily="34" charset="0"/>
-              <a:buChar char="•"/>
-            </a:pPr>
-            <a:r>
-              <a:rPr lang="en-GB" sz="2000" b="1" dirty="0">
-                <a:solidFill>
-                  <a:schemeClr val="bg1"/>
-                </a:solidFill>
-              </a:rPr>
-              <a:t>Lower temperature correlates with likelihood of snow</a:t>
-            </a:r>
-          </a:p>
-          <a:p>
-            <a:pPr marL="285750" indent="-285750" latinLnBrk="0">
-              <a:buFont typeface="Arial" panose="020B0604020202020204" pitchFamily="34" charset="0"/>
-              <a:buChar char="•"/>
-            </a:pPr>
-            <a:endParaRPr lang="en-GB" sz="2000" b="1" dirty="0">
-              <a:solidFill>
-                <a:schemeClr val="bg1"/>
-              </a:solidFill>
-            </a:endParaRPr>
-          </a:p>
-          <a:p>
-            <a:pPr marL="285750" indent="-285750" latinLnBrk="0">
-              <a:buFont typeface="Arial" panose="020B0604020202020204" pitchFamily="34" charset="0"/>
-              <a:buChar char="•"/>
-            </a:pPr>
-            <a:r>
-              <a:rPr lang="en-GB" sz="2000" b="1" dirty="0">
-                <a:solidFill>
-                  <a:schemeClr val="bg1"/>
-                </a:solidFill>
-              </a:rPr>
-              <a:t>Higher temperatures correlate with months where airport has highest number of scheduled departures</a:t>
-            </a:r>
-          </a:p>
-        </p:txBody>
-      </p:sp>
-    </p:spTree>
-    <p:extLst>
-      <p:ext uri="{BB962C8B-B14F-4D97-AF65-F5344CB8AC3E}">
-        <p14:creationId xmlns:p14="http://schemas.microsoft.com/office/powerpoint/2010/main" val="1387276238"/>
-      </p:ext>
-    </p:extLst>
-  </p:cSld>
-  <p:clrMapOvr>
-    <a:masterClrMapping/>
-  </p:clrMapOvr>
-</p:sld>
-</file>
-
-<file path=ppt/slides/slide7.xml><?xml version="1.0" encoding="utf-8"?>
-<p:sld xmlns:a="http://schemas.openxmlformats.org/drawingml/2006/main" xmlns:r="http://schemas.openxmlformats.org/officeDocument/2006/relationships" xmlns:p="http://schemas.openxmlformats.org/presentationml/2006/main">
-  <p:cSld>
-    <p:spTree>
-      <p:nvGrpSpPr>
-        <p:cNvPr id="1" name=""/>
-        <p:cNvGrpSpPr/>
-        <p:nvPr/>
-      </p:nvGrpSpPr>
-      <p:grpSpPr>
-        <a:xfrm>
-          <a:off x="0" y="0"/>
-          <a:ext cx="0" cy="0"/>
-          <a:chOff x="0" y="0"/>
-          <a:chExt cx="0" cy="0"/>
-        </a:xfrm>
-      </p:grpSpPr>
-      <p:sp>
-        <p:nvSpPr>
-          <p:cNvPr id="2" name="Title 1">
-            <a:extLst>
-              <a:ext uri="{FF2B5EF4-FFF2-40B4-BE49-F238E27FC236}">
-                <a16:creationId xmlns:a16="http://schemas.microsoft.com/office/drawing/2014/main" id="{99DC4286-1376-D367-27AA-601787205ED7}"/>
-              </a:ext>
-            </a:extLst>
-          </p:cNvPr>
-          <p:cNvSpPr>
-            <a:spLocks noGrp="1"/>
-          </p:cNvSpPr>
-          <p:nvPr>
-            <p:ph type="title"/>
-          </p:nvPr>
-        </p:nvSpPr>
-        <p:spPr/>
-        <p:txBody>
-          <a:bodyPr/>
-          <a:lstStyle/>
-          <a:p>
-            <a:r>
-              <a:rPr lang="en-GB" dirty="0"/>
-              <a:t>Other factors</a:t>
-            </a:r>
-          </a:p>
-        </p:txBody>
-      </p:sp>
-      <p:sp>
-        <p:nvSpPr>
-          <p:cNvPr id="5" name="Content Placeholder 5">
-            <a:extLst>
-              <a:ext uri="{FF2B5EF4-FFF2-40B4-BE49-F238E27FC236}">
-                <a16:creationId xmlns:a16="http://schemas.microsoft.com/office/drawing/2014/main" id="{E4FF8238-8C75-FB5E-ADB3-18E4F7EF400C}"/>
-              </a:ext>
-            </a:extLst>
-          </p:cNvPr>
-          <p:cNvSpPr>
-            <a:spLocks noGrp="1"/>
-          </p:cNvSpPr>
-          <p:nvPr>
-            <p:ph idx="1"/>
-          </p:nvPr>
-        </p:nvSpPr>
-        <p:spPr>
-          <a:xfrm>
-            <a:off x="119336" y="1628800"/>
-            <a:ext cx="12192000" cy="5400600"/>
-          </a:xfrm>
-        </p:spPr>
-        <p:txBody>
-          <a:bodyPr/>
-          <a:lstStyle/>
-          <a:p>
-            <a:pPr lvl="0"/>
-            <a:r>
-              <a:rPr lang="en-US" altLang="ko-KR" sz="2800" b="1" dirty="0">
-                <a:latin typeface="+mn-lt"/>
-                <a:cs typeface="+mn-cs"/>
-              </a:rPr>
-              <a:t>Data exploration of other factors:</a:t>
-            </a:r>
-          </a:p>
-          <a:p>
-            <a:pPr marL="1085850" lvl="1" indent="-342900">
-              <a:buFont typeface="Arial" panose="020B0604020202020204" pitchFamily="34" charset="0"/>
-              <a:buChar char="•"/>
-            </a:pPr>
-            <a:r>
-              <a:rPr lang="en-US" altLang="ko-KR" b="1" dirty="0">
-                <a:solidFill>
-                  <a:schemeClr val="bg1"/>
-                </a:solidFill>
-              </a:rPr>
-              <a:t>Departure month</a:t>
-            </a:r>
-          </a:p>
-          <a:p>
-            <a:pPr marL="1085850" lvl="1" indent="-342900">
-              <a:buFont typeface="Arial" panose="020B0604020202020204" pitchFamily="34" charset="0"/>
-              <a:buChar char="•"/>
-            </a:pPr>
-            <a:r>
-              <a:rPr lang="en-US" altLang="ko-KR" b="1" dirty="0">
-                <a:solidFill>
-                  <a:schemeClr val="bg1"/>
-                </a:solidFill>
-              </a:rPr>
-              <a:t>Departure weekday</a:t>
-            </a:r>
-          </a:p>
-          <a:p>
-            <a:pPr marL="1085850" lvl="1" indent="-342900">
-              <a:buFont typeface="Arial" panose="020B0604020202020204" pitchFamily="34" charset="0"/>
-              <a:buChar char="•"/>
-            </a:pPr>
-            <a:r>
-              <a:rPr lang="en-US" altLang="ko-KR" b="1" dirty="0">
-                <a:solidFill>
-                  <a:schemeClr val="bg1"/>
-                </a:solidFill>
-              </a:rPr>
-              <a:t>Departure time (hour)</a:t>
-            </a:r>
-          </a:p>
-          <a:p>
-            <a:pPr marL="1085850" lvl="1" indent="-342900">
-              <a:buFont typeface="Arial" panose="020B0604020202020204" pitchFamily="34" charset="0"/>
-              <a:buChar char="•"/>
-            </a:pPr>
-            <a:r>
-              <a:rPr lang="en-US" altLang="ko-KR" b="1" u="sng" dirty="0">
-                <a:solidFill>
-                  <a:schemeClr val="bg1"/>
-                </a:solidFill>
-              </a:rPr>
-              <a:t>Carrier (domestic departure airline)</a:t>
-            </a:r>
-          </a:p>
-          <a:p>
-            <a:pPr marL="1085850" lvl="1" indent="-342900">
-              <a:buFont typeface="Arial" panose="020B0604020202020204" pitchFamily="34" charset="0"/>
-              <a:buChar char="•"/>
-            </a:pPr>
-            <a:r>
-              <a:rPr lang="en-US" altLang="ko-KR" b="1" dirty="0">
-                <a:solidFill>
-                  <a:schemeClr val="bg1"/>
-                </a:solidFill>
-              </a:rPr>
-              <a:t>Type of plane</a:t>
-            </a:r>
-          </a:p>
-          <a:p>
-            <a:pPr marL="1085850" lvl="1" indent="-342900">
-              <a:buFont typeface="Arial" panose="020B0604020202020204" pitchFamily="34" charset="0"/>
-              <a:buChar char="•"/>
-            </a:pPr>
-            <a:r>
-              <a:rPr lang="en-US" altLang="ko-KR" b="1" dirty="0">
-                <a:solidFill>
-                  <a:schemeClr val="bg1"/>
-                </a:solidFill>
-              </a:rPr>
-              <a:t>Engine (type of)</a:t>
-            </a:r>
-          </a:p>
-          <a:p>
-            <a:pPr marL="1085850" lvl="1" indent="-342900">
-              <a:buFont typeface="Arial" panose="020B0604020202020204" pitchFamily="34" charset="0"/>
-              <a:buChar char="•"/>
-            </a:pPr>
-            <a:endParaRPr lang="en-US" altLang="ko-KR" b="1" dirty="0">
-              <a:solidFill>
-                <a:schemeClr val="bg1"/>
-              </a:solidFill>
-            </a:endParaRPr>
-          </a:p>
-          <a:p>
-            <a:pPr marL="1085850" lvl="1" indent="-342900">
-              <a:buFont typeface="Arial" panose="020B0604020202020204" pitchFamily="34" charset="0"/>
-              <a:buChar char="•"/>
-            </a:pPr>
-            <a:endParaRPr lang="en-US" altLang="ko-KR" b="1" dirty="0">
-              <a:solidFill>
-                <a:schemeClr val="bg1"/>
-              </a:solidFill>
-            </a:endParaRPr>
-          </a:p>
-          <a:p>
-            <a:pPr marL="1085850" lvl="1" indent="-342900">
-              <a:buFont typeface="Arial" panose="020B0604020202020204" pitchFamily="34" charset="0"/>
-              <a:buChar char="•"/>
-            </a:pPr>
-            <a:endParaRPr lang="en-US" altLang="ko-KR" b="1" dirty="0">
-              <a:solidFill>
-                <a:schemeClr val="bg1"/>
-              </a:solidFill>
-            </a:endParaRPr>
-          </a:p>
-          <a:p>
-            <a:pPr lvl="0"/>
-            <a:endParaRPr lang="en-US" altLang="ko-KR" dirty="0">
-              <a:latin typeface="Arial" pitchFamily="34" charset="0"/>
-              <a:cs typeface="Arial" pitchFamily="34" charset="0"/>
-            </a:endParaRPr>
-          </a:p>
-          <a:p>
-            <a:pPr marL="342900" lvl="0" indent="-342900">
-              <a:buFont typeface="Arial" panose="020B0604020202020204" pitchFamily="34" charset="0"/>
-              <a:buChar char="•"/>
-            </a:pPr>
-            <a:endParaRPr lang="en-US" altLang="ko-KR" b="1" dirty="0">
-              <a:latin typeface="Arial" pitchFamily="34" charset="0"/>
-              <a:cs typeface="Arial" pitchFamily="34" charset="0"/>
-            </a:endParaRPr>
-          </a:p>
-        </p:txBody>
-      </p:sp>
-    </p:spTree>
-    <p:extLst>
-      <p:ext uri="{BB962C8B-B14F-4D97-AF65-F5344CB8AC3E}">
-        <p14:creationId xmlns:p14="http://schemas.microsoft.com/office/powerpoint/2010/main" val="1861394353"/>
-      </p:ext>
-    </p:extLst>
-  </p:cSld>
-  <p:clrMapOvr>
-    <a:masterClrMapping/>
-  </p:clrMapOvr>
-</p:sld>
-</file>
-
-<file path=ppt/slides/slide8.xml><?xml version="1.0" encoding="utf-8"?>
-<p:sld xmlns:a="http://schemas.openxmlformats.org/drawingml/2006/main" xmlns:r="http://schemas.openxmlformats.org/officeDocument/2006/relationships" xmlns:p="http://schemas.openxmlformats.org/presentationml/2006/main">
-  <p:cSld>
-    <p:spTree>
-      <p:nvGrpSpPr>
-        <p:cNvPr id="1" name=""/>
-        <p:cNvGrpSpPr/>
-        <p:nvPr/>
-      </p:nvGrpSpPr>
-      <p:grpSpPr>
-        <a:xfrm>
-          <a:off x="0" y="0"/>
-          <a:ext cx="0" cy="0"/>
-          <a:chOff x="0" y="0"/>
-          <a:chExt cx="0" cy="0"/>
-        </a:xfrm>
-      </p:grpSpPr>
-      <p:sp>
-        <p:nvSpPr>
-          <p:cNvPr id="4" name="Title 3"/>
-          <p:cNvSpPr>
-            <a:spLocks noGrp="1"/>
-          </p:cNvSpPr>
-          <p:nvPr>
-            <p:ph type="title"/>
-          </p:nvPr>
-        </p:nvSpPr>
-        <p:spPr/>
-        <p:txBody>
-          <a:bodyPr/>
-          <a:lstStyle/>
-          <a:p>
-            <a:r>
-              <a:rPr lang="en-US" altLang="ko-KR" dirty="0">
-                <a:latin typeface="Malgun Gothic" panose="020B0503020000020004" pitchFamily="34" charset="-127"/>
-                <a:ea typeface="Malgun Gothic" panose="020B0503020000020004" pitchFamily="34" charset="-127"/>
-              </a:rPr>
-              <a:t>Newark: delays by carrier</a:t>
-            </a:r>
-            <a:endParaRPr lang="ko-KR" altLang="en-US" dirty="0">
-              <a:latin typeface="Malgun Gothic" panose="020B0503020000020004" pitchFamily="34" charset="-127"/>
-              <a:ea typeface="Malgun Gothic" panose="020B0503020000020004" pitchFamily="34" charset="-127"/>
-            </a:endParaRPr>
-          </a:p>
-        </p:txBody>
-      </p:sp>
-      <p:pic>
-        <p:nvPicPr>
-          <p:cNvPr id="15" name="Picture 14" descr="Chart, bar chart&#10;&#10;Description automatically generated">
-            <a:extLst>
-              <a:ext uri="{FF2B5EF4-FFF2-40B4-BE49-F238E27FC236}">
-                <a16:creationId xmlns:a16="http://schemas.microsoft.com/office/drawing/2014/main" id="{426D4F01-53F8-917E-E27A-1C72CCDBBC0A}"/>
-              </a:ext>
-            </a:extLst>
-          </p:cNvPr>
-          <p:cNvPicPr>
-            <a:picLocks noChangeAspect="1"/>
-          </p:cNvPicPr>
-          <p:nvPr/>
-        </p:nvPicPr>
-        <p:blipFill rotWithShape="1">
-          <a:blip r:embed="rId3">
-            <a:extLst>
-              <a:ext uri="{28A0092B-C50C-407E-A947-70E740481C1C}">
-                <a14:useLocalDpi xmlns:a14="http://schemas.microsoft.com/office/drawing/2010/main" val="0"/>
-              </a:ext>
-            </a:extLst>
-          </a:blip>
-          <a:srcRect b="4384"/>
-          <a:stretch/>
-        </p:blipFill>
-        <p:spPr>
-          <a:xfrm>
-            <a:off x="119336" y="1103957"/>
-            <a:ext cx="5400600" cy="4016309"/>
-          </a:xfrm>
-          <a:prstGeom prst="rect">
-            <a:avLst/>
-          </a:prstGeom>
-        </p:spPr>
-      </p:pic>
       <p:sp>
         <p:nvSpPr>
           <p:cNvPr id="17" name="TextBox 16">
@@ -12654,17 +11738,17 @@
                   <a:schemeClr val="bg1"/>
                 </a:solidFill>
               </a:rPr>
-              <a:t>JetBlue, SkyWest &amp; ExpressJet highest percentage of flights delayed and cancelled (combined)</a:t>
+              <a:t>JetBlue, SkyWest &amp; ExpressJet highest percentage of flights delayed and cancelled</a:t>
             </a:r>
           </a:p>
         </p:txBody>
       </p:sp>
       <p:pic>
         <p:nvPicPr>
-          <p:cNvPr id="6" name="Picture 5" descr="Chart&#10;&#10;Description automatically generated">
+          <p:cNvPr id="3" name="Picture 2" descr="A picture containing text, diagram, line, screenshot&#10;&#10;Description automatically generated">
             <a:extLst>
               <a:ext uri="{FF2B5EF4-FFF2-40B4-BE49-F238E27FC236}">
-                <a16:creationId xmlns:a16="http://schemas.microsoft.com/office/drawing/2014/main" id="{C40BF09F-9A66-97F3-FBD4-A28F923A3683}"/>
+                <a16:creationId xmlns:a16="http://schemas.microsoft.com/office/drawing/2014/main" id="{1B295080-89C1-637F-6D15-29FC29A9EF2D}"/>
               </a:ext>
             </a:extLst>
           </p:cNvPr>
@@ -12673,21 +11757,58 @@
           </p:cNvPicPr>
           <p:nvPr/>
         </p:nvPicPr>
-        <p:blipFill rotWithShape="1">
-          <a:blip r:embed="rId4">
+        <p:blipFill>
+          <a:blip r:embed="rId3" cstate="print">
             <a:extLst>
               <a:ext uri="{28A0092B-C50C-407E-A947-70E740481C1C}">
                 <a14:useLocalDpi xmlns:a14="http://schemas.microsoft.com/office/drawing/2010/main" val="0"/>
               </a:ext>
             </a:extLst>
           </a:blip>
-          <a:srcRect b="5638"/>
-          <a:stretch/>
+          <a:stretch>
+            <a:fillRect/>
+          </a:stretch>
         </p:blipFill>
         <p:spPr>
           <a:xfrm>
-            <a:off x="5758170" y="1112524"/>
-            <a:ext cx="6341348" cy="4044668"/>
+            <a:off x="111178" y="1112524"/>
+            <a:ext cx="5365819" cy="4173414"/>
+          </a:xfrm>
+          <a:prstGeom prst="rect">
+            <a:avLst/>
+          </a:prstGeom>
+        </p:spPr>
+      </p:pic>
+      <p:pic>
+        <p:nvPicPr>
+          <p:cNvPr id="11" name="Picture 10" descr="A picture containing text, screenshot, diagram, font&#10;&#10;Description automatically generated">
+            <a:extLst>
+              <a:ext uri="{FF2B5EF4-FFF2-40B4-BE49-F238E27FC236}">
+                <a16:creationId xmlns:a16="http://schemas.microsoft.com/office/drawing/2014/main" id="{1318C852-8C87-BA21-43BB-5B31542B7355}"/>
+              </a:ext>
+            </a:extLst>
+          </p:cNvPr>
+          <p:cNvPicPr>
+            <a:picLocks noChangeAspect="1"/>
+          </p:cNvPicPr>
+          <p:nvPr/>
+        </p:nvPicPr>
+        <p:blipFill>
+          <a:blip r:embed="rId4" cstate="print">
+            <a:extLst>
+              <a:ext uri="{28A0092B-C50C-407E-A947-70E740481C1C}">
+                <a14:useLocalDpi xmlns:a14="http://schemas.microsoft.com/office/drawing/2010/main" val="0"/>
+              </a:ext>
+            </a:extLst>
+          </a:blip>
+          <a:stretch>
+            <a:fillRect/>
+          </a:stretch>
+        </p:blipFill>
+        <p:spPr>
+          <a:xfrm>
+            <a:off x="5951984" y="1112524"/>
+            <a:ext cx="5962020" cy="4173414"/>
           </a:xfrm>
           <a:prstGeom prst="rect">
             <a:avLst/>
@@ -12707,7 +11828,7 @@
 </p:sld>
 </file>
 
-<file path=ppt/slides/slide9.xml><?xml version="1.0" encoding="utf-8"?>
+<file path=ppt/slides/slide7.xml><?xml version="1.0" encoding="utf-8"?>
 <p:sld xmlns:a="http://schemas.openxmlformats.org/drawingml/2006/main" xmlns:r="http://schemas.openxmlformats.org/officeDocument/2006/relationships" xmlns:p="http://schemas.openxmlformats.org/presentationml/2006/main">
   <p:cSld>
     <p:spTree>
@@ -12817,7 +11938,7 @@
         <p:spPr>
           <a:xfrm>
             <a:off x="8328248" y="1412776"/>
-            <a:ext cx="3600400" cy="4524315"/>
+            <a:ext cx="3600400" cy="3416320"/>
           </a:xfrm>
           <a:prstGeom prst="rect">
             <a:avLst/>
@@ -12862,7 +11983,7 @@
                   <a:schemeClr val="bg1"/>
                 </a:solidFill>
               </a:rPr>
-              <a:t>More complex model with variety of factors proves the most reliable - predicting around 75% of flight delays or cancellations</a:t>
+              <a:t>More complex model with variety of factors proves the most reliable</a:t>
             </a:r>
           </a:p>
         </p:txBody>
@@ -12871,6 +11992,312 @@
     <p:extLst>
       <p:ext uri="{BB962C8B-B14F-4D97-AF65-F5344CB8AC3E}">
         <p14:creationId xmlns:p14="http://schemas.microsoft.com/office/powerpoint/2010/main" val="628037149"/>
+      </p:ext>
+    </p:extLst>
+  </p:cSld>
+  <p:clrMapOvr>
+    <a:masterClrMapping/>
+  </p:clrMapOvr>
+</p:sld>
+</file>
+
+<file path=ppt/slides/slide8.xml><?xml version="1.0" encoding="utf-8"?>
+<p:sld xmlns:a="http://schemas.openxmlformats.org/drawingml/2006/main" xmlns:r="http://schemas.openxmlformats.org/officeDocument/2006/relationships" xmlns:p="http://schemas.openxmlformats.org/presentationml/2006/main">
+  <p:cSld>
+    <p:spTree>
+      <p:nvGrpSpPr>
+        <p:cNvPr id="1" name=""/>
+        <p:cNvGrpSpPr/>
+        <p:nvPr/>
+      </p:nvGrpSpPr>
+      <p:grpSpPr>
+        <a:xfrm>
+          <a:off x="0" y="0"/>
+          <a:ext cx="0" cy="0"/>
+          <a:chOff x="0" y="0"/>
+          <a:chExt cx="0" cy="0"/>
+        </a:xfrm>
+      </p:grpSpPr>
+      <p:sp>
+        <p:nvSpPr>
+          <p:cNvPr id="4" name="Title 3"/>
+          <p:cNvSpPr>
+            <a:spLocks noGrp="1"/>
+          </p:cNvSpPr>
+          <p:nvPr>
+            <p:ph type="title"/>
+          </p:nvPr>
+        </p:nvSpPr>
+        <p:spPr/>
+        <p:txBody>
+          <a:bodyPr/>
+          <a:lstStyle/>
+          <a:p>
+            <a:r>
+              <a:rPr lang="en-US" altLang="ko-KR" dirty="0">
+                <a:latin typeface="Malgun Gothic" panose="020B0503020000020004" pitchFamily="34" charset="-127"/>
+                <a:ea typeface="Malgun Gothic" panose="020B0503020000020004" pitchFamily="34" charset="-127"/>
+              </a:rPr>
+              <a:t>Flight status across NYC serving airports</a:t>
+            </a:r>
+            <a:endParaRPr lang="ko-KR" altLang="en-US" dirty="0">
+              <a:latin typeface="Malgun Gothic" panose="020B0503020000020004" pitchFamily="34" charset="-127"/>
+              <a:ea typeface="Malgun Gothic" panose="020B0503020000020004" pitchFamily="34" charset="-127"/>
+            </a:endParaRPr>
+          </a:p>
+        </p:txBody>
+      </p:sp>
+      <p:sp>
+        <p:nvSpPr>
+          <p:cNvPr id="10" name="Content Placeholder 5">
+            <a:extLst>
+              <a:ext uri="{FF2B5EF4-FFF2-40B4-BE49-F238E27FC236}">
+                <a16:creationId xmlns:a16="http://schemas.microsoft.com/office/drawing/2014/main" id="{CEAC3E47-16DD-5FBB-A492-125DDA0236F0}"/>
+              </a:ext>
+            </a:extLst>
+          </p:cNvPr>
+          <p:cNvSpPr>
+            <a:spLocks noGrp="1"/>
+          </p:cNvSpPr>
+          <p:nvPr>
+            <p:ph idx="1"/>
+          </p:nvPr>
+        </p:nvSpPr>
+        <p:spPr>
+          <a:xfrm>
+            <a:off x="7248128" y="1412776"/>
+            <a:ext cx="4464496" cy="5285978"/>
+          </a:xfrm>
+        </p:spPr>
+        <p:txBody>
+          <a:bodyPr/>
+          <a:lstStyle/>
+          <a:p>
+            <a:pPr marL="1085850" lvl="1" indent="-342900">
+              <a:buFont typeface="Arial" panose="020B0604020202020204" pitchFamily="34" charset="0"/>
+              <a:buChar char="•"/>
+            </a:pPr>
+            <a:r>
+              <a:rPr lang="en-US" altLang="ko-KR" sz="2400" b="1" dirty="0">
+                <a:solidFill>
+                  <a:schemeClr val="bg1"/>
+                </a:solidFill>
+              </a:rPr>
+              <a:t>Newark slightly underperforming with on time flights and higher number of delays, but fewer cancellations than LaGuardia</a:t>
+            </a:r>
+          </a:p>
+          <a:p>
+            <a:pPr lvl="1" indent="0">
+              <a:buNone/>
+            </a:pPr>
+            <a:endParaRPr lang="en-US" altLang="ko-KR" sz="2400" b="1" dirty="0">
+              <a:solidFill>
+                <a:schemeClr val="bg1"/>
+              </a:solidFill>
+            </a:endParaRPr>
+          </a:p>
+          <a:p>
+            <a:pPr marL="1085850" lvl="1" indent="-342900">
+              <a:buFont typeface="Arial" panose="020B0604020202020204" pitchFamily="34" charset="0"/>
+              <a:buChar char="•"/>
+            </a:pPr>
+            <a:r>
+              <a:rPr lang="en-US" altLang="ko-KR" sz="2400" b="1" dirty="0">
+                <a:solidFill>
+                  <a:schemeClr val="bg1"/>
+                </a:solidFill>
+              </a:rPr>
+              <a:t>Roughly similar distribution of on time, delayed and cancelled flights across all 3 airports</a:t>
+            </a:r>
+            <a:endParaRPr lang="en-US" altLang="ko-KR" sz="2400" b="1" dirty="0"/>
+          </a:p>
+          <a:p>
+            <a:pPr lvl="0"/>
+            <a:endParaRPr lang="en-US" altLang="ko-KR" b="1" dirty="0"/>
+          </a:p>
+          <a:p>
+            <a:pPr lvl="0"/>
+            <a:r>
+              <a:rPr lang="en-US" altLang="ko-KR" b="1" dirty="0"/>
+              <a:t>	</a:t>
+            </a:r>
+            <a:endParaRPr lang="en-US" altLang="ko-KR" b="1" dirty="0">
+              <a:latin typeface="Arial" pitchFamily="34" charset="0"/>
+              <a:cs typeface="Arial" pitchFamily="34" charset="0"/>
+            </a:endParaRPr>
+          </a:p>
+        </p:txBody>
+      </p:sp>
+      <p:pic>
+        <p:nvPicPr>
+          <p:cNvPr id="5" name="Picture 4" descr="A picture containing text, screenshot, font, number&#10;&#10;Description automatically generated">
+            <a:extLst>
+              <a:ext uri="{FF2B5EF4-FFF2-40B4-BE49-F238E27FC236}">
+                <a16:creationId xmlns:a16="http://schemas.microsoft.com/office/drawing/2014/main" id="{0ACC8BE7-01B1-4D81-C3AC-5867CAA8B839}"/>
+              </a:ext>
+            </a:extLst>
+          </p:cNvPr>
+          <p:cNvPicPr>
+            <a:picLocks noChangeAspect="1"/>
+          </p:cNvPicPr>
+          <p:nvPr/>
+        </p:nvPicPr>
+        <p:blipFill>
+          <a:blip r:embed="rId3" cstate="print">
+            <a:extLst>
+              <a:ext uri="{28A0092B-C50C-407E-A947-70E740481C1C}">
+                <a14:useLocalDpi xmlns:a14="http://schemas.microsoft.com/office/drawing/2010/main" val="0"/>
+              </a:ext>
+            </a:extLst>
+          </a:blip>
+          <a:stretch>
+            <a:fillRect/>
+          </a:stretch>
+        </p:blipFill>
+        <p:spPr>
+          <a:xfrm>
+            <a:off x="191344" y="1196752"/>
+            <a:ext cx="7760935" cy="5432654"/>
+          </a:xfrm>
+          <a:prstGeom prst="rect">
+            <a:avLst/>
+          </a:prstGeom>
+        </p:spPr>
+      </p:pic>
+    </p:spTree>
+    <p:extLst>
+      <p:ext uri="{BB962C8B-B14F-4D97-AF65-F5344CB8AC3E}">
+        <p14:creationId xmlns:p14="http://schemas.microsoft.com/office/powerpoint/2010/main" val="3581301953"/>
+      </p:ext>
+    </p:extLst>
+  </p:cSld>
+  <p:clrMapOvr>
+    <a:masterClrMapping/>
+  </p:clrMapOvr>
+</p:sld>
+</file>
+
+<file path=ppt/slides/slide9.xml><?xml version="1.0" encoding="utf-8"?>
+<p:sld xmlns:a="http://schemas.openxmlformats.org/drawingml/2006/main" xmlns:r="http://schemas.openxmlformats.org/officeDocument/2006/relationships" xmlns:p="http://schemas.openxmlformats.org/presentationml/2006/main">
+  <p:cSld>
+    <p:spTree>
+      <p:nvGrpSpPr>
+        <p:cNvPr id="1" name=""/>
+        <p:cNvGrpSpPr/>
+        <p:nvPr/>
+      </p:nvGrpSpPr>
+      <p:grpSpPr>
+        <a:xfrm>
+          <a:off x="0" y="0"/>
+          <a:ext cx="0" cy="0"/>
+          <a:chOff x="0" y="0"/>
+          <a:chExt cx="0" cy="0"/>
+        </a:xfrm>
+      </p:grpSpPr>
+      <p:sp>
+        <p:nvSpPr>
+          <p:cNvPr id="4" name="Title 3"/>
+          <p:cNvSpPr>
+            <a:spLocks noGrp="1"/>
+          </p:cNvSpPr>
+          <p:nvPr>
+            <p:ph type="title"/>
+          </p:nvPr>
+        </p:nvSpPr>
+        <p:spPr/>
+        <p:txBody>
+          <a:bodyPr/>
+          <a:lstStyle/>
+          <a:p>
+            <a:r>
+              <a:rPr lang="en-US" altLang="ko-KR" dirty="0">
+                <a:latin typeface="+mj-lt"/>
+              </a:rPr>
+              <a:t>Monthly analysis</a:t>
+            </a:r>
+            <a:endParaRPr lang="ko-KR" altLang="en-US" dirty="0">
+              <a:latin typeface="Malgun Gothic" panose="020B0503020000020004" pitchFamily="34" charset="-127"/>
+              <a:ea typeface="Malgun Gothic" panose="020B0503020000020004" pitchFamily="34" charset="-127"/>
+            </a:endParaRPr>
+          </a:p>
+        </p:txBody>
+      </p:sp>
+      <p:pic>
+        <p:nvPicPr>
+          <p:cNvPr id="3" name="Picture 2" descr="A picture containing text, plot, line, diagram&#10;&#10;Description automatically generated">
+            <a:extLst>
+              <a:ext uri="{FF2B5EF4-FFF2-40B4-BE49-F238E27FC236}">
+                <a16:creationId xmlns:a16="http://schemas.microsoft.com/office/drawing/2014/main" id="{F3604289-D3DD-DAAA-F376-94FE339B9491}"/>
+              </a:ext>
+            </a:extLst>
+          </p:cNvPr>
+          <p:cNvPicPr>
+            <a:picLocks noChangeAspect="1"/>
+          </p:cNvPicPr>
+          <p:nvPr/>
+        </p:nvPicPr>
+        <p:blipFill>
+          <a:blip r:embed="rId3" cstate="print">
+            <a:extLst>
+              <a:ext uri="{28A0092B-C50C-407E-A947-70E740481C1C}">
+                <a14:useLocalDpi xmlns:a14="http://schemas.microsoft.com/office/drawing/2010/main" val="0"/>
+              </a:ext>
+            </a:extLst>
+          </a:blip>
+          <a:stretch>
+            <a:fillRect/>
+          </a:stretch>
+        </p:blipFill>
+        <p:spPr>
+          <a:xfrm>
+            <a:off x="4958326" y="1108046"/>
+            <a:ext cx="7042330" cy="5633864"/>
+          </a:xfrm>
+          <a:prstGeom prst="rect">
+            <a:avLst/>
+          </a:prstGeom>
+        </p:spPr>
+      </p:pic>
+      <p:pic>
+        <p:nvPicPr>
+          <p:cNvPr id="9" name="Picture 8" descr="A picture containing text, diagram, line, plot&#10;&#10;Description automatically generated">
+            <a:extLst>
+              <a:ext uri="{FF2B5EF4-FFF2-40B4-BE49-F238E27FC236}">
+                <a16:creationId xmlns:a16="http://schemas.microsoft.com/office/drawing/2014/main" id="{C5DD1EF6-CA77-7B61-821A-823548D228BD}"/>
+              </a:ext>
+            </a:extLst>
+          </p:cNvPr>
+          <p:cNvPicPr>
+            <a:picLocks noChangeAspect="1"/>
+          </p:cNvPicPr>
+          <p:nvPr/>
+        </p:nvPicPr>
+        <p:blipFill>
+          <a:blip r:embed="rId4" cstate="print">
+            <a:extLst>
+              <a:ext uri="{28A0092B-C50C-407E-A947-70E740481C1C}">
+                <a14:useLocalDpi xmlns:a14="http://schemas.microsoft.com/office/drawing/2010/main" val="0"/>
+              </a:ext>
+            </a:extLst>
+          </a:blip>
+          <a:stretch>
+            <a:fillRect/>
+          </a:stretch>
+        </p:blipFill>
+        <p:spPr>
+          <a:xfrm>
+            <a:off x="119336" y="1135486"/>
+            <a:ext cx="4760826" cy="4165722"/>
+          </a:xfrm>
+          <a:prstGeom prst="rect">
+            <a:avLst/>
+          </a:prstGeom>
+        </p:spPr>
+      </p:pic>
+    </p:spTree>
+    <p:extLst>
+      <p:ext uri="{BB962C8B-B14F-4D97-AF65-F5344CB8AC3E}">
+        <p14:creationId xmlns:p14="http://schemas.microsoft.com/office/powerpoint/2010/main" val="772041981"/>
       </p:ext>
     </p:extLst>
   </p:cSld>

--- a/investigating_flight_delays_newark.pptx
+++ b/investigating_flight_delays_newark.pptx
@@ -139,7 +139,7 @@
 <file path=ppt/revisionInfo.xml><?xml version="1.0" encoding="utf-8"?>
 <p1510:revInfo xmlns:a="http://schemas.openxmlformats.org/drawingml/2006/main" xmlns:r="http://schemas.openxmlformats.org/officeDocument/2006/relationships" xmlns:p1510="http://schemas.microsoft.com/office/powerpoint/2015/10/main">
   <p1510:revLst>
-    <p1510:client id="{3089DFEA-8D83-4ED0-89C8-568DF49BA8E7}" v="167" dt="2023-05-02T10:38:47.796"/>
+    <p1510:client id="{3089DFEA-8D83-4ED0-89C8-568DF49BA8E7}" v="168" dt="2023-05-03T11:19:18.040"/>
   </p1510:revLst>
 </p1510:revInfo>
 </file>
@@ -149,7 +149,7 @@
   <pc:docChgLst>
     <pc:chgData name="Karen Gibson" userId="c392f04a823fc96c" providerId="LiveId" clId="{3089DFEA-8D83-4ED0-89C8-568DF49BA8E7}"/>
     <pc:docChg chg="undo custSel addSld delSld modSld sldOrd modMainMaster modNotesMaster">
-      <pc:chgData name="Karen Gibson" userId="c392f04a823fc96c" providerId="LiveId" clId="{3089DFEA-8D83-4ED0-89C8-568DF49BA8E7}" dt="2023-05-02T15:00:23.089" v="14189" actId="20577"/>
+      <pc:chgData name="Karen Gibson" userId="c392f04a823fc96c" providerId="LiveId" clId="{3089DFEA-8D83-4ED0-89C8-568DF49BA8E7}" dt="2023-05-03T11:19:27.817" v="14195" actId="14100"/>
       <pc:docMkLst>
         <pc:docMk/>
       </pc:docMkLst>
@@ -634,7 +634,7 @@
         </pc:picChg>
       </pc:sldChg>
       <pc:sldChg chg="addSp delSp modSp add mod modNotesTx">
-        <pc:chgData name="Karen Gibson" userId="c392f04a823fc96c" providerId="LiveId" clId="{3089DFEA-8D83-4ED0-89C8-568DF49BA8E7}" dt="2023-05-02T10:24:21.490" v="11980" actId="20577"/>
+        <pc:chgData name="Karen Gibson" userId="c392f04a823fc96c" providerId="LiveId" clId="{3089DFEA-8D83-4ED0-89C8-568DF49BA8E7}" dt="2023-05-03T11:19:27.817" v="14195" actId="14100"/>
         <pc:sldMkLst>
           <pc:docMk/>
           <pc:sldMk cId="628037149" sldId="265"/>
@@ -655,6 +655,14 @@
             <ac:spMk id="9" creationId="{A6D2FCF8-5541-7E73-C809-0642CB3AE1BE}"/>
           </ac:spMkLst>
         </pc:spChg>
+        <pc:picChg chg="add mod">
+          <ac:chgData name="Karen Gibson" userId="c392f04a823fc96c" providerId="LiveId" clId="{3089DFEA-8D83-4ED0-89C8-568DF49BA8E7}" dt="2023-05-03T11:19:27.817" v="14195" actId="14100"/>
+          <ac:picMkLst>
+            <pc:docMk/>
+            <pc:sldMk cId="628037149" sldId="265"/>
+            <ac:picMk id="3" creationId="{7E9E7706-9D89-9D73-1609-73CFB5ED7070}"/>
+          </ac:picMkLst>
+        </pc:picChg>
         <pc:picChg chg="add del mod">
           <ac:chgData name="Karen Gibson" userId="c392f04a823fc96c" providerId="LiveId" clId="{3089DFEA-8D83-4ED0-89C8-568DF49BA8E7}" dt="2023-05-01T08:11:25.011" v="3297" actId="478"/>
           <ac:picMkLst>
@@ -671,8 +679,8 @@
             <ac:picMk id="6" creationId="{E04EEF66-0303-A549-D5C5-2968955FAFEF}"/>
           </ac:picMkLst>
         </pc:picChg>
-        <pc:picChg chg="add mod">
-          <ac:chgData name="Karen Gibson" userId="c392f04a823fc96c" providerId="LiveId" clId="{3089DFEA-8D83-4ED0-89C8-568DF49BA8E7}" dt="2023-05-01T08:35:43.012" v="3348" actId="14100"/>
+        <pc:picChg chg="add del mod">
+          <ac:chgData name="Karen Gibson" userId="c392f04a823fc96c" providerId="LiveId" clId="{3089DFEA-8D83-4ED0-89C8-568DF49BA8E7}" dt="2023-05-03T11:19:02.348" v="14190" actId="478"/>
           <ac:picMkLst>
             <pc:docMk/>
             <pc:sldMk cId="628037149" sldId="265"/>
@@ -11887,42 +11895,6 @@
           </a:p>
         </p:txBody>
       </p:sp>
-      <p:pic>
-        <p:nvPicPr>
-          <p:cNvPr id="8" name="Picture 7" descr="Chart&#10;&#10;Description automatically generated">
-            <a:extLst>
-              <a:ext uri="{FF2B5EF4-FFF2-40B4-BE49-F238E27FC236}">
-                <a16:creationId xmlns:a16="http://schemas.microsoft.com/office/drawing/2014/main" id="{74D5F771-E17A-7DB2-C27C-020C9F62FBC2}"/>
-              </a:ext>
-            </a:extLst>
-          </p:cNvPr>
-          <p:cNvPicPr>
-            <a:picLocks noChangeAspect="1"/>
-          </p:cNvPicPr>
-          <p:nvPr/>
-        </p:nvPicPr>
-        <p:blipFill>
-          <a:blip r:embed="rId3">
-            <a:extLst>
-              <a:ext uri="{28A0092B-C50C-407E-A947-70E740481C1C}">
-                <a14:useLocalDpi xmlns:a14="http://schemas.microsoft.com/office/drawing/2010/main" val="0"/>
-              </a:ext>
-            </a:extLst>
-          </a:blip>
-          <a:stretch>
-            <a:fillRect/>
-          </a:stretch>
-        </p:blipFill>
-        <p:spPr>
-          <a:xfrm>
-            <a:off x="191344" y="1412776"/>
-            <a:ext cx="7920880" cy="4968552"/>
-          </a:xfrm>
-          <a:prstGeom prst="rect">
-            <a:avLst/>
-          </a:prstGeom>
-        </p:spPr>
-      </p:pic>
       <p:sp>
         <p:nvSpPr>
           <p:cNvPr id="9" name="TextBox 8">
@@ -11988,6 +11960,42 @@
           </a:p>
         </p:txBody>
       </p:sp>
+      <p:pic>
+        <p:nvPicPr>
+          <p:cNvPr id="3" name="Picture 2" descr="A picture containing text, diagram, line, plot&#10;&#10;Description automatically generated">
+            <a:extLst>
+              <a:ext uri="{FF2B5EF4-FFF2-40B4-BE49-F238E27FC236}">
+                <a16:creationId xmlns:a16="http://schemas.microsoft.com/office/drawing/2014/main" id="{7E9E7706-9D89-9D73-1609-73CFB5ED7070}"/>
+              </a:ext>
+            </a:extLst>
+          </p:cNvPr>
+          <p:cNvPicPr>
+            <a:picLocks noChangeAspect="1"/>
+          </p:cNvPicPr>
+          <p:nvPr/>
+        </p:nvPicPr>
+        <p:blipFill>
+          <a:blip r:embed="rId3">
+            <a:extLst>
+              <a:ext uri="{28A0092B-C50C-407E-A947-70E740481C1C}">
+                <a14:useLocalDpi xmlns:a14="http://schemas.microsoft.com/office/drawing/2010/main" val="0"/>
+              </a:ext>
+            </a:extLst>
+          </a:blip>
+          <a:stretch>
+            <a:fillRect/>
+          </a:stretch>
+        </p:blipFill>
+        <p:spPr>
+          <a:xfrm>
+            <a:off x="119336" y="1412776"/>
+            <a:ext cx="8064896" cy="4338901"/>
+          </a:xfrm>
+          <a:prstGeom prst="rect">
+            <a:avLst/>
+          </a:prstGeom>
+        </p:spPr>
+      </p:pic>
     </p:spTree>
     <p:extLst>
       <p:ext uri="{BB962C8B-B14F-4D97-AF65-F5344CB8AC3E}">
